--- a/leather_last/JH Leather PPT.pptx
+++ b/leather_last/JH Leather PPT.pptx
@@ -7,11 +7,17 @@
   <p:sldIdLst>
     <p:sldId id="256" r:id="rId2"/>
     <p:sldId id="257" r:id="rId3"/>
-    <p:sldId id="258" r:id="rId4"/>
-    <p:sldId id="259" r:id="rId5"/>
-    <p:sldId id="260" r:id="rId6"/>
-    <p:sldId id="261" r:id="rId7"/>
-    <p:sldId id="262" r:id="rId8"/>
+    <p:sldId id="264" r:id="rId4"/>
+    <p:sldId id="266" r:id="rId5"/>
+    <p:sldId id="267" r:id="rId6"/>
+    <p:sldId id="258" r:id="rId7"/>
+    <p:sldId id="259" r:id="rId8"/>
+    <p:sldId id="260" r:id="rId9"/>
+    <p:sldId id="261" r:id="rId10"/>
+    <p:sldId id="262" r:id="rId11"/>
+    <p:sldId id="263" r:id="rId12"/>
+    <p:sldId id="268" r:id="rId13"/>
+    <p:sldId id="269" r:id="rId14"/>
   </p:sldIdLst>
   <p:sldSz cx="9144000" cy="6858000" type="screen4x3"/>
   <p:notesSz cx="6858000" cy="9144000"/>
@@ -292,9 +298,9 @@
           <a:bodyPr/>
           <a:lstStyle/>
           <a:p>
-            <a:fld id="{D60B0943-F0BF-45EA-BBD1-98B59E7EFBE8}" type="datetimeFigureOut">
+            <a:fld id="{0DFDE5A7-FBE7-4601-9285-C9567EC7B1F5}" type="datetimeFigureOut">
               <a:rPr lang="ko-KR" altLang="en-US" smtClean="0"/>
-              <a:t>2019-09-25</a:t>
+              <a:t>2019-09-26</a:t>
             </a:fld>
             <a:endParaRPr lang="ko-KR" altLang="en-US"/>
           </a:p>
@@ -334,7 +340,7 @@
           <a:bodyPr/>
           <a:lstStyle/>
           <a:p>
-            <a:fld id="{F368392C-56C0-4445-9574-5A475667572B}" type="slidenum">
+            <a:fld id="{13C12D67-0136-4A82-9001-E686A3150979}" type="slidenum">
               <a:rPr lang="ko-KR" altLang="en-US" smtClean="0"/>
               <a:t>‹#›</a:t>
             </a:fld>
@@ -345,7 +351,7 @@
     </p:spTree>
     <p:extLst>
       <p:ext uri="{BB962C8B-B14F-4D97-AF65-F5344CB8AC3E}">
-        <p14:creationId xmlns:p14="http://schemas.microsoft.com/office/powerpoint/2010/main" val="3391647480"/>
+        <p14:creationId xmlns:p14="http://schemas.microsoft.com/office/powerpoint/2010/main" val="1719902510"/>
       </p:ext>
     </p:extLst>
   </p:cSld>
@@ -462,9 +468,9 @@
           <a:bodyPr/>
           <a:lstStyle/>
           <a:p>
-            <a:fld id="{D60B0943-F0BF-45EA-BBD1-98B59E7EFBE8}" type="datetimeFigureOut">
+            <a:fld id="{0DFDE5A7-FBE7-4601-9285-C9567EC7B1F5}" type="datetimeFigureOut">
               <a:rPr lang="ko-KR" altLang="en-US" smtClean="0"/>
-              <a:t>2019-09-25</a:t>
+              <a:t>2019-09-26</a:t>
             </a:fld>
             <a:endParaRPr lang="ko-KR" altLang="en-US"/>
           </a:p>
@@ -504,7 +510,7 @@
           <a:bodyPr/>
           <a:lstStyle/>
           <a:p>
-            <a:fld id="{F368392C-56C0-4445-9574-5A475667572B}" type="slidenum">
+            <a:fld id="{13C12D67-0136-4A82-9001-E686A3150979}" type="slidenum">
               <a:rPr lang="ko-KR" altLang="en-US" smtClean="0"/>
               <a:t>‹#›</a:t>
             </a:fld>
@@ -515,7 +521,7 @@
     </p:spTree>
     <p:extLst>
       <p:ext uri="{BB962C8B-B14F-4D97-AF65-F5344CB8AC3E}">
-        <p14:creationId xmlns:p14="http://schemas.microsoft.com/office/powerpoint/2010/main" val="4239153772"/>
+        <p14:creationId xmlns:p14="http://schemas.microsoft.com/office/powerpoint/2010/main" val="132852029"/>
       </p:ext>
     </p:extLst>
   </p:cSld>
@@ -642,9 +648,9 @@
           <a:bodyPr/>
           <a:lstStyle/>
           <a:p>
-            <a:fld id="{D60B0943-F0BF-45EA-BBD1-98B59E7EFBE8}" type="datetimeFigureOut">
+            <a:fld id="{0DFDE5A7-FBE7-4601-9285-C9567EC7B1F5}" type="datetimeFigureOut">
               <a:rPr lang="ko-KR" altLang="en-US" smtClean="0"/>
-              <a:t>2019-09-25</a:t>
+              <a:t>2019-09-26</a:t>
             </a:fld>
             <a:endParaRPr lang="ko-KR" altLang="en-US"/>
           </a:p>
@@ -684,7 +690,7 @@
           <a:bodyPr/>
           <a:lstStyle/>
           <a:p>
-            <a:fld id="{F368392C-56C0-4445-9574-5A475667572B}" type="slidenum">
+            <a:fld id="{13C12D67-0136-4A82-9001-E686A3150979}" type="slidenum">
               <a:rPr lang="ko-KR" altLang="en-US" smtClean="0"/>
               <a:t>‹#›</a:t>
             </a:fld>
@@ -695,7 +701,7 @@
     </p:spTree>
     <p:extLst>
       <p:ext uri="{BB962C8B-B14F-4D97-AF65-F5344CB8AC3E}">
-        <p14:creationId xmlns:p14="http://schemas.microsoft.com/office/powerpoint/2010/main" val="3511750197"/>
+        <p14:creationId xmlns:p14="http://schemas.microsoft.com/office/powerpoint/2010/main" val="1771178536"/>
       </p:ext>
     </p:extLst>
   </p:cSld>
@@ -812,9 +818,9 @@
           <a:bodyPr/>
           <a:lstStyle/>
           <a:p>
-            <a:fld id="{D60B0943-F0BF-45EA-BBD1-98B59E7EFBE8}" type="datetimeFigureOut">
+            <a:fld id="{0DFDE5A7-FBE7-4601-9285-C9567EC7B1F5}" type="datetimeFigureOut">
               <a:rPr lang="ko-KR" altLang="en-US" smtClean="0"/>
-              <a:t>2019-09-25</a:t>
+              <a:t>2019-09-26</a:t>
             </a:fld>
             <a:endParaRPr lang="ko-KR" altLang="en-US"/>
           </a:p>
@@ -854,7 +860,7 @@
           <a:bodyPr/>
           <a:lstStyle/>
           <a:p>
-            <a:fld id="{F368392C-56C0-4445-9574-5A475667572B}" type="slidenum">
+            <a:fld id="{13C12D67-0136-4A82-9001-E686A3150979}" type="slidenum">
               <a:rPr lang="ko-KR" altLang="en-US" smtClean="0"/>
               <a:t>‹#›</a:t>
             </a:fld>
@@ -865,7 +871,7 @@
     </p:spTree>
     <p:extLst>
       <p:ext uri="{BB962C8B-B14F-4D97-AF65-F5344CB8AC3E}">
-        <p14:creationId xmlns:p14="http://schemas.microsoft.com/office/powerpoint/2010/main" val="196465753"/>
+        <p14:creationId xmlns:p14="http://schemas.microsoft.com/office/powerpoint/2010/main" val="1135012715"/>
       </p:ext>
     </p:extLst>
   </p:cSld>
@@ -1058,9 +1064,9 @@
           <a:bodyPr/>
           <a:lstStyle/>
           <a:p>
-            <a:fld id="{D60B0943-F0BF-45EA-BBD1-98B59E7EFBE8}" type="datetimeFigureOut">
+            <a:fld id="{0DFDE5A7-FBE7-4601-9285-C9567EC7B1F5}" type="datetimeFigureOut">
               <a:rPr lang="ko-KR" altLang="en-US" smtClean="0"/>
-              <a:t>2019-09-25</a:t>
+              <a:t>2019-09-26</a:t>
             </a:fld>
             <a:endParaRPr lang="ko-KR" altLang="en-US"/>
           </a:p>
@@ -1100,7 +1106,7 @@
           <a:bodyPr/>
           <a:lstStyle/>
           <a:p>
-            <a:fld id="{F368392C-56C0-4445-9574-5A475667572B}" type="slidenum">
+            <a:fld id="{13C12D67-0136-4A82-9001-E686A3150979}" type="slidenum">
               <a:rPr lang="ko-KR" altLang="en-US" smtClean="0"/>
               <a:t>‹#›</a:t>
             </a:fld>
@@ -1111,7 +1117,7 @@
     </p:spTree>
     <p:extLst>
       <p:ext uri="{BB962C8B-B14F-4D97-AF65-F5344CB8AC3E}">
-        <p14:creationId xmlns:p14="http://schemas.microsoft.com/office/powerpoint/2010/main" val="4177914453"/>
+        <p14:creationId xmlns:p14="http://schemas.microsoft.com/office/powerpoint/2010/main" val="2235109007"/>
       </p:ext>
     </p:extLst>
   </p:cSld>
@@ -1346,9 +1352,9 @@
           <a:bodyPr/>
           <a:lstStyle/>
           <a:p>
-            <a:fld id="{D60B0943-F0BF-45EA-BBD1-98B59E7EFBE8}" type="datetimeFigureOut">
+            <a:fld id="{0DFDE5A7-FBE7-4601-9285-C9567EC7B1F5}" type="datetimeFigureOut">
               <a:rPr lang="ko-KR" altLang="en-US" smtClean="0"/>
-              <a:t>2019-09-25</a:t>
+              <a:t>2019-09-26</a:t>
             </a:fld>
             <a:endParaRPr lang="ko-KR" altLang="en-US"/>
           </a:p>
@@ -1388,7 +1394,7 @@
           <a:bodyPr/>
           <a:lstStyle/>
           <a:p>
-            <a:fld id="{F368392C-56C0-4445-9574-5A475667572B}" type="slidenum">
+            <a:fld id="{13C12D67-0136-4A82-9001-E686A3150979}" type="slidenum">
               <a:rPr lang="ko-KR" altLang="en-US" smtClean="0"/>
               <a:t>‹#›</a:t>
             </a:fld>
@@ -1399,7 +1405,7 @@
     </p:spTree>
     <p:extLst>
       <p:ext uri="{BB962C8B-B14F-4D97-AF65-F5344CB8AC3E}">
-        <p14:creationId xmlns:p14="http://schemas.microsoft.com/office/powerpoint/2010/main" val="3768993685"/>
+        <p14:creationId xmlns:p14="http://schemas.microsoft.com/office/powerpoint/2010/main" val="3480922576"/>
       </p:ext>
     </p:extLst>
   </p:cSld>
@@ -1768,9 +1774,9 @@
           <a:bodyPr/>
           <a:lstStyle/>
           <a:p>
-            <a:fld id="{D60B0943-F0BF-45EA-BBD1-98B59E7EFBE8}" type="datetimeFigureOut">
+            <a:fld id="{0DFDE5A7-FBE7-4601-9285-C9567EC7B1F5}" type="datetimeFigureOut">
               <a:rPr lang="ko-KR" altLang="en-US" smtClean="0"/>
-              <a:t>2019-09-25</a:t>
+              <a:t>2019-09-26</a:t>
             </a:fld>
             <a:endParaRPr lang="ko-KR" altLang="en-US"/>
           </a:p>
@@ -1810,7 +1816,7 @@
           <a:bodyPr/>
           <a:lstStyle/>
           <a:p>
-            <a:fld id="{F368392C-56C0-4445-9574-5A475667572B}" type="slidenum">
+            <a:fld id="{13C12D67-0136-4A82-9001-E686A3150979}" type="slidenum">
               <a:rPr lang="ko-KR" altLang="en-US" smtClean="0"/>
               <a:t>‹#›</a:t>
             </a:fld>
@@ -1821,7 +1827,7 @@
     </p:spTree>
     <p:extLst>
       <p:ext uri="{BB962C8B-B14F-4D97-AF65-F5344CB8AC3E}">
-        <p14:creationId xmlns:p14="http://schemas.microsoft.com/office/powerpoint/2010/main" val="1841363574"/>
+        <p14:creationId xmlns:p14="http://schemas.microsoft.com/office/powerpoint/2010/main" val="3039310467"/>
       </p:ext>
     </p:extLst>
   </p:cSld>
@@ -1886,9 +1892,9 @@
           <a:bodyPr/>
           <a:lstStyle/>
           <a:p>
-            <a:fld id="{D60B0943-F0BF-45EA-BBD1-98B59E7EFBE8}" type="datetimeFigureOut">
+            <a:fld id="{0DFDE5A7-FBE7-4601-9285-C9567EC7B1F5}" type="datetimeFigureOut">
               <a:rPr lang="ko-KR" altLang="en-US" smtClean="0"/>
-              <a:t>2019-09-25</a:t>
+              <a:t>2019-09-26</a:t>
             </a:fld>
             <a:endParaRPr lang="ko-KR" altLang="en-US"/>
           </a:p>
@@ -1928,7 +1934,7 @@
           <a:bodyPr/>
           <a:lstStyle/>
           <a:p>
-            <a:fld id="{F368392C-56C0-4445-9574-5A475667572B}" type="slidenum">
+            <a:fld id="{13C12D67-0136-4A82-9001-E686A3150979}" type="slidenum">
               <a:rPr lang="ko-KR" altLang="en-US" smtClean="0"/>
               <a:t>‹#›</a:t>
             </a:fld>
@@ -1939,7 +1945,7 @@
     </p:spTree>
     <p:extLst>
       <p:ext uri="{BB962C8B-B14F-4D97-AF65-F5344CB8AC3E}">
-        <p14:creationId xmlns:p14="http://schemas.microsoft.com/office/powerpoint/2010/main" val="2399902206"/>
+        <p14:creationId xmlns:p14="http://schemas.microsoft.com/office/powerpoint/2010/main" val="1485524425"/>
       </p:ext>
     </p:extLst>
   </p:cSld>
@@ -1981,9 +1987,9 @@
           <a:bodyPr/>
           <a:lstStyle/>
           <a:p>
-            <a:fld id="{D60B0943-F0BF-45EA-BBD1-98B59E7EFBE8}" type="datetimeFigureOut">
+            <a:fld id="{0DFDE5A7-FBE7-4601-9285-C9567EC7B1F5}" type="datetimeFigureOut">
               <a:rPr lang="ko-KR" altLang="en-US" smtClean="0"/>
-              <a:t>2019-09-25</a:t>
+              <a:t>2019-09-26</a:t>
             </a:fld>
             <a:endParaRPr lang="ko-KR" altLang="en-US"/>
           </a:p>
@@ -2023,7 +2029,7 @@
           <a:bodyPr/>
           <a:lstStyle/>
           <a:p>
-            <a:fld id="{F368392C-56C0-4445-9574-5A475667572B}" type="slidenum">
+            <a:fld id="{13C12D67-0136-4A82-9001-E686A3150979}" type="slidenum">
               <a:rPr lang="ko-KR" altLang="en-US" smtClean="0"/>
               <a:t>‹#›</a:t>
             </a:fld>
@@ -2034,7 +2040,7 @@
     </p:spTree>
     <p:extLst>
       <p:ext uri="{BB962C8B-B14F-4D97-AF65-F5344CB8AC3E}">
-        <p14:creationId xmlns:p14="http://schemas.microsoft.com/office/powerpoint/2010/main" val="2832438765"/>
+        <p14:creationId xmlns:p14="http://schemas.microsoft.com/office/powerpoint/2010/main" val="4257168021"/>
       </p:ext>
     </p:extLst>
   </p:cSld>
@@ -2258,9 +2264,9 @@
           <a:bodyPr/>
           <a:lstStyle/>
           <a:p>
-            <a:fld id="{D60B0943-F0BF-45EA-BBD1-98B59E7EFBE8}" type="datetimeFigureOut">
+            <a:fld id="{0DFDE5A7-FBE7-4601-9285-C9567EC7B1F5}" type="datetimeFigureOut">
               <a:rPr lang="ko-KR" altLang="en-US" smtClean="0"/>
-              <a:t>2019-09-25</a:t>
+              <a:t>2019-09-26</a:t>
             </a:fld>
             <a:endParaRPr lang="ko-KR" altLang="en-US"/>
           </a:p>
@@ -2300,7 +2306,7 @@
           <a:bodyPr/>
           <a:lstStyle/>
           <a:p>
-            <a:fld id="{F368392C-56C0-4445-9574-5A475667572B}" type="slidenum">
+            <a:fld id="{13C12D67-0136-4A82-9001-E686A3150979}" type="slidenum">
               <a:rPr lang="ko-KR" altLang="en-US" smtClean="0"/>
               <a:t>‹#›</a:t>
             </a:fld>
@@ -2311,7 +2317,7 @@
     </p:spTree>
     <p:extLst>
       <p:ext uri="{BB962C8B-B14F-4D97-AF65-F5344CB8AC3E}">
-        <p14:creationId xmlns:p14="http://schemas.microsoft.com/office/powerpoint/2010/main" val="803231662"/>
+        <p14:creationId xmlns:p14="http://schemas.microsoft.com/office/powerpoint/2010/main" val="2700406514"/>
       </p:ext>
     </p:extLst>
   </p:cSld>
@@ -2511,9 +2517,9 @@
           <a:bodyPr/>
           <a:lstStyle/>
           <a:p>
-            <a:fld id="{D60B0943-F0BF-45EA-BBD1-98B59E7EFBE8}" type="datetimeFigureOut">
+            <a:fld id="{0DFDE5A7-FBE7-4601-9285-C9567EC7B1F5}" type="datetimeFigureOut">
               <a:rPr lang="ko-KR" altLang="en-US" smtClean="0"/>
-              <a:t>2019-09-25</a:t>
+              <a:t>2019-09-26</a:t>
             </a:fld>
             <a:endParaRPr lang="ko-KR" altLang="en-US"/>
           </a:p>
@@ -2553,7 +2559,7 @@
           <a:bodyPr/>
           <a:lstStyle/>
           <a:p>
-            <a:fld id="{F368392C-56C0-4445-9574-5A475667572B}" type="slidenum">
+            <a:fld id="{13C12D67-0136-4A82-9001-E686A3150979}" type="slidenum">
               <a:rPr lang="ko-KR" altLang="en-US" smtClean="0"/>
               <a:t>‹#›</a:t>
             </a:fld>
@@ -2564,7 +2570,7 @@
     </p:spTree>
     <p:extLst>
       <p:ext uri="{BB962C8B-B14F-4D97-AF65-F5344CB8AC3E}">
-        <p14:creationId xmlns:p14="http://schemas.microsoft.com/office/powerpoint/2010/main" val="536243366"/>
+        <p14:creationId xmlns:p14="http://schemas.microsoft.com/office/powerpoint/2010/main" val="2914805068"/>
       </p:ext>
     </p:extLst>
   </p:cSld>
@@ -2724,9 +2730,9 @@
             </a:lvl1pPr>
           </a:lstStyle>
           <a:p>
-            <a:fld id="{D60B0943-F0BF-45EA-BBD1-98B59E7EFBE8}" type="datetimeFigureOut">
+            <a:fld id="{0DFDE5A7-FBE7-4601-9285-C9567EC7B1F5}" type="datetimeFigureOut">
               <a:rPr lang="ko-KR" altLang="en-US" smtClean="0"/>
-              <a:t>2019-09-25</a:t>
+              <a:t>2019-09-26</a:t>
             </a:fld>
             <a:endParaRPr lang="ko-KR" altLang="en-US"/>
           </a:p>
@@ -2802,7 +2808,7 @@
             </a:lvl1pPr>
           </a:lstStyle>
           <a:p>
-            <a:fld id="{F368392C-56C0-4445-9574-5A475667572B}" type="slidenum">
+            <a:fld id="{13C12D67-0136-4A82-9001-E686A3150979}" type="slidenum">
               <a:rPr lang="ko-KR" altLang="en-US" smtClean="0"/>
               <a:t>‹#›</a:t>
             </a:fld>
@@ -2813,7 +2819,7 @@
     </p:spTree>
     <p:extLst>
       <p:ext uri="{BB962C8B-B14F-4D97-AF65-F5344CB8AC3E}">
-        <p14:creationId xmlns:p14="http://schemas.microsoft.com/office/powerpoint/2010/main" val="3058677950"/>
+        <p14:creationId xmlns:p14="http://schemas.microsoft.com/office/powerpoint/2010/main" val="1712209841"/>
       </p:ext>
     </p:extLst>
   </p:cSld>
@@ -3136,24 +3142,3033 @@
         </p:nvSpPr>
         <p:spPr/>
         <p:txBody>
+          <a:bodyPr>
+            <a:normAutofit/>
+          </a:bodyPr>
+          <a:lstStyle/>
+          <a:p>
+            <a:pPr algn="r"/>
+            <a:r>
+              <a:rPr lang="en-US" altLang="ko-KR" sz="1800" dirty="0" smtClean="0"/>
+              <a:t>JAVA</a:t>
+            </a:r>
+            <a:r>
+              <a:rPr lang="ko-KR" altLang="en-US" sz="1800" dirty="0" smtClean="0"/>
+              <a:t>기반</a:t>
+            </a:r>
+            <a:r>
+              <a:rPr lang="en-US" altLang="ko-KR" sz="1800" dirty="0" smtClean="0"/>
+              <a:t>DB</a:t>
+            </a:r>
+            <a:r>
+              <a:rPr lang="ko-KR" altLang="en-US" sz="1800" dirty="0" smtClean="0"/>
+              <a:t>엔지니어링 과정</a:t>
+            </a:r>
+            <a:endParaRPr lang="en-US" altLang="ko-KR" sz="1800" dirty="0" smtClean="0"/>
+          </a:p>
+          <a:p>
+            <a:pPr algn="r"/>
+            <a:r>
+              <a:rPr lang="ko-KR" altLang="en-US" sz="1800" dirty="0" err="1" smtClean="0"/>
+              <a:t>연지</a:t>
+            </a:r>
+            <a:r>
+              <a:rPr lang="ko-KR" altLang="en-US" sz="1800" dirty="0" err="1"/>
+              <a:t>효</a:t>
+            </a:r>
+            <a:endParaRPr lang="ko-KR" altLang="en-US" sz="1800" dirty="0"/>
+          </a:p>
+        </p:txBody>
+      </p:sp>
+      <p:cxnSp>
+        <p:nvCxnSpPr>
+          <p:cNvPr id="5" name="직선 연결선 4"/>
+          <p:cNvCxnSpPr/>
+          <p:nvPr/>
+        </p:nvCxnSpPr>
+        <p:spPr>
+          <a:xfrm>
+            <a:off x="1403648" y="3573016"/>
+            <a:ext cx="6336704" cy="0"/>
+          </a:xfrm>
+          <a:prstGeom prst="line">
+            <a:avLst/>
+          </a:prstGeom>
+          <a:ln w="57150">
+            <a:solidFill>
+              <a:schemeClr val="accent1">
+                <a:lumMod val="50000"/>
+              </a:schemeClr>
+            </a:solidFill>
+          </a:ln>
+        </p:spPr>
+        <p:style>
+          <a:lnRef idx="1">
+            <a:schemeClr val="accent1"/>
+          </a:lnRef>
+          <a:fillRef idx="0">
+            <a:schemeClr val="accent1"/>
+          </a:fillRef>
+          <a:effectRef idx="0">
+            <a:schemeClr val="accent1"/>
+          </a:effectRef>
+          <a:fontRef idx="minor">
+            <a:schemeClr val="tx1"/>
+          </a:fontRef>
+        </p:style>
+      </p:cxnSp>
+    </p:spTree>
+    <p:extLst>
+      <p:ext uri="{BB962C8B-B14F-4D97-AF65-F5344CB8AC3E}">
+        <p14:creationId xmlns:p14="http://schemas.microsoft.com/office/powerpoint/2010/main" val="325031660"/>
+      </p:ext>
+    </p:extLst>
+  </p:cSld>
+  <p:clrMapOvr>
+    <a:masterClrMapping/>
+  </p:clrMapOvr>
+</p:sld>
+</file>
+
+<file path=ppt/slides/slide10.xml><?xml version="1.0" encoding="utf-8"?>
+<p:sld xmlns:a="http://schemas.openxmlformats.org/drawingml/2006/main" xmlns:r="http://schemas.openxmlformats.org/officeDocument/2006/relationships" xmlns:p="http://schemas.openxmlformats.org/presentationml/2006/main">
+  <p:cSld>
+    <p:spTree>
+      <p:nvGrpSpPr>
+        <p:cNvPr id="1" name=""/>
+        <p:cNvGrpSpPr/>
+        <p:nvPr/>
+      </p:nvGrpSpPr>
+      <p:grpSpPr>
+        <a:xfrm>
+          <a:off x="0" y="0"/>
+          <a:ext cx="0" cy="0"/>
+          <a:chOff x="0" y="0"/>
+          <a:chExt cx="0" cy="0"/>
+        </a:xfrm>
+      </p:grpSpPr>
+      <p:sp>
+        <p:nvSpPr>
+          <p:cNvPr id="2" name="제목 1"/>
+          <p:cNvSpPr>
+            <a:spLocks noGrp="1"/>
+          </p:cNvSpPr>
+          <p:nvPr>
+            <p:ph type="title"/>
+          </p:nvPr>
+        </p:nvSpPr>
+        <p:spPr/>
+        <p:txBody>
+          <a:bodyPr>
+            <a:normAutofit/>
+          </a:bodyPr>
+          <a:lstStyle/>
+          <a:p>
+            <a:pPr algn="l"/>
+            <a:r>
+              <a:rPr lang="ko-KR" altLang="en-US" sz="2800" dirty="0" smtClean="0"/>
+              <a:t>테이블정의</a:t>
+            </a:r>
+            <a:r>
+              <a:rPr lang="en-US" altLang="ko-KR" sz="2800" dirty="0" smtClean="0"/>
+              <a:t>_order</a:t>
+            </a:r>
+            <a:endParaRPr lang="ko-KR" altLang="en-US" sz="2800" dirty="0"/>
+          </a:p>
+        </p:txBody>
+      </p:sp>
+      <p:graphicFrame>
+        <p:nvGraphicFramePr>
+          <p:cNvPr id="9" name="내용 개체 틀 8"/>
+          <p:cNvGraphicFramePr>
+            <a:graphicFrameLocks noGrp="1"/>
+          </p:cNvGraphicFramePr>
+          <p:nvPr>
+            <p:ph idx="1"/>
+            <p:extLst>
+              <p:ext uri="{D42A27DB-BD31-4B8C-83A1-F6EECF244321}">
+                <p14:modId xmlns:p14="http://schemas.microsoft.com/office/powerpoint/2010/main" val="3242796728"/>
+              </p:ext>
+            </p:extLst>
+          </p:nvPr>
+        </p:nvGraphicFramePr>
+        <p:xfrm>
+          <a:off x="457200" y="1600200"/>
+          <a:ext cx="8147251" cy="3708400"/>
+        </p:xfrm>
+        <a:graphic>
+          <a:graphicData uri="http://schemas.openxmlformats.org/drawingml/2006/table">
+            <a:tbl>
+              <a:tblPr firstRow="1" bandRow="1">
+                <a:tableStyleId>{5940675A-B579-460E-94D1-54222C63F5DA}</a:tableStyleId>
+              </a:tblPr>
+              <a:tblGrid>
+                <a:gridCol w="1163893"/>
+                <a:gridCol w="1726771"/>
+                <a:gridCol w="1224136"/>
+                <a:gridCol w="1440160"/>
+                <a:gridCol w="648072"/>
+                <a:gridCol w="780326"/>
+                <a:gridCol w="1163893"/>
+              </a:tblGrid>
+              <a:tr h="370840">
+                <a:tc>
+                  <a:txBody>
+                    <a:bodyPr/>
+                    <a:lstStyle/>
+                    <a:p>
+                      <a:pPr algn="ctr" latinLnBrk="1"/>
+                      <a:r>
+                        <a:rPr lang="ko-KR" altLang="en-US" sz="1200" dirty="0" smtClean="0">
+                          <a:solidFill>
+                            <a:schemeClr val="bg1"/>
+                          </a:solidFill>
+                        </a:rPr>
+                        <a:t>테이블 명</a:t>
+                      </a:r>
+                      <a:endParaRPr lang="ko-KR" altLang="en-US" sz="1200" dirty="0">
+                        <a:solidFill>
+                          <a:schemeClr val="bg1"/>
+                        </a:solidFill>
+                      </a:endParaRPr>
+                    </a:p>
+                  </a:txBody>
+                  <a:tcPr anchor="ctr">
+                    <a:solidFill>
+                      <a:schemeClr val="accent1">
+                        <a:lumMod val="75000"/>
+                      </a:schemeClr>
+                    </a:solidFill>
+                  </a:tcPr>
+                </a:tc>
+                <a:tc>
+                  <a:txBody>
+                    <a:bodyPr/>
+                    <a:lstStyle/>
+                    <a:p>
+                      <a:pPr algn="ctr" latinLnBrk="1"/>
+                      <a:r>
+                        <a:rPr lang="ko-KR" altLang="en-US" sz="1200" dirty="0" smtClean="0">
+                          <a:solidFill>
+                            <a:schemeClr val="bg1"/>
+                          </a:solidFill>
+                        </a:rPr>
+                        <a:t>물리적 </a:t>
+                      </a:r>
+                      <a:r>
+                        <a:rPr lang="ko-KR" altLang="en-US" sz="1200" dirty="0" err="1" smtClean="0">
+                          <a:solidFill>
+                            <a:schemeClr val="bg1"/>
+                          </a:solidFill>
+                        </a:rPr>
+                        <a:t>필드명</a:t>
+                      </a:r>
+                      <a:r>
+                        <a:rPr lang="ko-KR" altLang="en-US" sz="1200" dirty="0" smtClean="0">
+                          <a:solidFill>
+                            <a:schemeClr val="bg1"/>
+                          </a:solidFill>
+                        </a:rPr>
+                        <a:t> </a:t>
+                      </a:r>
+                      <a:endParaRPr lang="ko-KR" altLang="en-US" sz="1200" dirty="0">
+                        <a:solidFill>
+                          <a:schemeClr val="bg1"/>
+                        </a:solidFill>
+                      </a:endParaRPr>
+                    </a:p>
+                  </a:txBody>
+                  <a:tcPr anchor="ctr">
+                    <a:solidFill>
+                      <a:schemeClr val="accent1">
+                        <a:lumMod val="75000"/>
+                      </a:schemeClr>
+                    </a:solidFill>
+                  </a:tcPr>
+                </a:tc>
+                <a:tc>
+                  <a:txBody>
+                    <a:bodyPr/>
+                    <a:lstStyle/>
+                    <a:p>
+                      <a:pPr algn="ctr" latinLnBrk="1"/>
+                      <a:r>
+                        <a:rPr lang="ko-KR" altLang="en-US" sz="1200" dirty="0" smtClean="0">
+                          <a:solidFill>
+                            <a:schemeClr val="bg1"/>
+                          </a:solidFill>
+                        </a:rPr>
+                        <a:t>논리적 </a:t>
+                      </a:r>
+                      <a:r>
+                        <a:rPr lang="ko-KR" altLang="en-US" sz="1200" dirty="0" err="1" smtClean="0">
+                          <a:solidFill>
+                            <a:schemeClr val="bg1"/>
+                          </a:solidFill>
+                        </a:rPr>
+                        <a:t>필드명</a:t>
+                      </a:r>
+                      <a:r>
+                        <a:rPr lang="ko-KR" altLang="en-US" sz="1200" dirty="0" smtClean="0">
+                          <a:solidFill>
+                            <a:schemeClr val="bg1"/>
+                          </a:solidFill>
+                        </a:rPr>
+                        <a:t> </a:t>
+                      </a:r>
+                      <a:endParaRPr lang="ko-KR" altLang="en-US" sz="1200" dirty="0">
+                        <a:solidFill>
+                          <a:schemeClr val="bg1"/>
+                        </a:solidFill>
+                      </a:endParaRPr>
+                    </a:p>
+                  </a:txBody>
+                  <a:tcPr anchor="ctr">
+                    <a:solidFill>
+                      <a:schemeClr val="accent1">
+                        <a:lumMod val="75000"/>
+                      </a:schemeClr>
+                    </a:solidFill>
+                  </a:tcPr>
+                </a:tc>
+                <a:tc>
+                  <a:txBody>
+                    <a:bodyPr/>
+                    <a:lstStyle/>
+                    <a:p>
+                      <a:pPr algn="ctr" latinLnBrk="1"/>
+                      <a:r>
+                        <a:rPr lang="ko-KR" altLang="en-US" sz="1200" dirty="0" smtClean="0">
+                          <a:solidFill>
+                            <a:schemeClr val="bg1"/>
+                          </a:solidFill>
+                        </a:rPr>
+                        <a:t>데이터유형</a:t>
+                      </a:r>
+                      <a:endParaRPr lang="ko-KR" altLang="en-US" sz="1200" dirty="0">
+                        <a:solidFill>
+                          <a:schemeClr val="bg1"/>
+                        </a:solidFill>
+                      </a:endParaRPr>
+                    </a:p>
+                  </a:txBody>
+                  <a:tcPr anchor="ctr">
+                    <a:solidFill>
+                      <a:schemeClr val="accent1">
+                        <a:lumMod val="75000"/>
+                      </a:schemeClr>
+                    </a:solidFill>
+                  </a:tcPr>
+                </a:tc>
+                <a:tc>
+                  <a:txBody>
+                    <a:bodyPr/>
+                    <a:lstStyle/>
+                    <a:p>
+                      <a:pPr algn="ctr" latinLnBrk="1"/>
+                      <a:r>
+                        <a:rPr lang="en-US" altLang="ko-KR" sz="1200" dirty="0" smtClean="0">
+                          <a:solidFill>
+                            <a:schemeClr val="bg1"/>
+                          </a:solidFill>
+                        </a:rPr>
+                        <a:t>NULL</a:t>
+                      </a:r>
+                      <a:endParaRPr lang="ko-KR" altLang="en-US" sz="1200" dirty="0">
+                        <a:solidFill>
+                          <a:schemeClr val="bg1"/>
+                        </a:solidFill>
+                      </a:endParaRPr>
+                    </a:p>
+                  </a:txBody>
+                  <a:tcPr anchor="ctr">
+                    <a:solidFill>
+                      <a:schemeClr val="accent1">
+                        <a:lumMod val="75000"/>
+                      </a:schemeClr>
+                    </a:solidFill>
+                  </a:tcPr>
+                </a:tc>
+                <a:tc>
+                  <a:txBody>
+                    <a:bodyPr/>
+                    <a:lstStyle/>
+                    <a:p>
+                      <a:pPr algn="ctr" latinLnBrk="1"/>
+                      <a:r>
+                        <a:rPr lang="ko-KR" altLang="en-US" sz="1200" dirty="0" smtClean="0">
+                          <a:solidFill>
+                            <a:schemeClr val="bg1"/>
+                          </a:solidFill>
+                        </a:rPr>
+                        <a:t>키 유형</a:t>
+                      </a:r>
+                      <a:endParaRPr lang="ko-KR" altLang="en-US" sz="1200" dirty="0">
+                        <a:solidFill>
+                          <a:schemeClr val="bg1"/>
+                        </a:solidFill>
+                      </a:endParaRPr>
+                    </a:p>
+                  </a:txBody>
+                  <a:tcPr anchor="ctr">
+                    <a:solidFill>
+                      <a:schemeClr val="accent1">
+                        <a:lumMod val="75000"/>
+                      </a:schemeClr>
+                    </a:solidFill>
+                  </a:tcPr>
+                </a:tc>
+                <a:tc>
+                  <a:txBody>
+                    <a:bodyPr/>
+                    <a:lstStyle/>
+                    <a:p>
+                      <a:pPr algn="ctr" latinLnBrk="1"/>
+                      <a:r>
+                        <a:rPr lang="ko-KR" altLang="en-US" sz="1200" dirty="0" smtClean="0">
+                          <a:solidFill>
+                            <a:schemeClr val="bg1"/>
+                          </a:solidFill>
+                        </a:rPr>
+                        <a:t>기타</a:t>
+                      </a:r>
+                      <a:endParaRPr lang="ko-KR" altLang="en-US" sz="1200" dirty="0">
+                        <a:solidFill>
+                          <a:schemeClr val="bg1"/>
+                        </a:solidFill>
+                      </a:endParaRPr>
+                    </a:p>
+                  </a:txBody>
+                  <a:tcPr anchor="ctr">
+                    <a:solidFill>
+                      <a:schemeClr val="accent1">
+                        <a:lumMod val="75000"/>
+                      </a:schemeClr>
+                    </a:solidFill>
+                  </a:tcPr>
+                </a:tc>
+              </a:tr>
+              <a:tr h="370840">
+                <a:tc rowSpan="9">
+                  <a:txBody>
+                    <a:bodyPr/>
+                    <a:lstStyle/>
+                    <a:p>
+                      <a:pPr algn="ctr" latinLnBrk="1"/>
+                      <a:r>
+                        <a:rPr lang="ko-KR" altLang="en-US" sz="1200" dirty="0" smtClean="0"/>
+                        <a:t>주문</a:t>
+                      </a:r>
+                      <a:endParaRPr lang="ko-KR" altLang="en-US" sz="1200" dirty="0"/>
+                    </a:p>
+                  </a:txBody>
+                  <a:tcPr anchor="ctr"/>
+                </a:tc>
+                <a:tc>
+                  <a:txBody>
+                    <a:bodyPr/>
+                    <a:lstStyle/>
+                    <a:p>
+                      <a:pPr algn="ctr" latinLnBrk="1"/>
+                      <a:r>
+                        <a:rPr lang="en-US" altLang="ko-KR" sz="1200" dirty="0" err="1" smtClean="0"/>
+                        <a:t>order_num</a:t>
+                      </a:r>
+                      <a:endParaRPr lang="ko-KR" altLang="en-US" sz="1200" dirty="0"/>
+                    </a:p>
+                  </a:txBody>
+                  <a:tcPr anchor="ctr"/>
+                </a:tc>
+                <a:tc>
+                  <a:txBody>
+                    <a:bodyPr/>
+                    <a:lstStyle/>
+                    <a:p>
+                      <a:pPr algn="ctr"/>
+                      <a:r>
+                        <a:rPr lang="ko-KR" altLang="en-US" sz="1200" dirty="0" smtClean="0"/>
+                        <a:t>주문번호</a:t>
+                      </a:r>
+                      <a:endParaRPr lang="ko-KR" altLang="en-US" sz="1200" dirty="0"/>
+                    </a:p>
+                  </a:txBody>
+                  <a:tcPr anchor="ctr"/>
+                </a:tc>
+                <a:tc>
+                  <a:txBody>
+                    <a:bodyPr/>
+                    <a:lstStyle/>
+                    <a:p>
+                      <a:pPr algn="ctr" latinLnBrk="1"/>
+                      <a:r>
+                        <a:rPr lang="en-US" altLang="ko-KR" sz="1200" dirty="0" smtClean="0"/>
+                        <a:t>INT(11)</a:t>
+                      </a:r>
+                      <a:endParaRPr lang="ko-KR" altLang="en-US" sz="1200" dirty="0"/>
+                    </a:p>
+                  </a:txBody>
+                  <a:tcPr anchor="ctr"/>
+                </a:tc>
+                <a:tc>
+                  <a:txBody>
+                    <a:bodyPr/>
+                    <a:lstStyle/>
+                    <a:p>
+                      <a:pPr algn="ctr" latinLnBrk="1"/>
+                      <a:r>
+                        <a:rPr lang="en-US" altLang="ko-KR" sz="1200" dirty="0" smtClean="0"/>
+                        <a:t>NN</a:t>
+                      </a:r>
+                      <a:endParaRPr lang="ko-KR" altLang="en-US" sz="1200" dirty="0"/>
+                    </a:p>
+                  </a:txBody>
+                  <a:tcPr anchor="ctr"/>
+                </a:tc>
+                <a:tc>
+                  <a:txBody>
+                    <a:bodyPr/>
+                    <a:lstStyle/>
+                    <a:p>
+                      <a:pPr algn="ctr" latinLnBrk="1"/>
+                      <a:r>
+                        <a:rPr lang="en-US" altLang="ko-KR" sz="1200" dirty="0" smtClean="0"/>
+                        <a:t>PK,AI</a:t>
+                      </a:r>
+                      <a:endParaRPr lang="ko-KR" altLang="en-US" sz="1200" dirty="0"/>
+                    </a:p>
+                  </a:txBody>
+                  <a:tcPr anchor="ctr"/>
+                </a:tc>
+                <a:tc>
+                  <a:txBody>
+                    <a:bodyPr/>
+                    <a:lstStyle/>
+                    <a:p>
+                      <a:pPr algn="ctr" latinLnBrk="1"/>
+                      <a:endParaRPr lang="ko-KR" altLang="en-US" sz="1200" dirty="0"/>
+                    </a:p>
+                  </a:txBody>
+                  <a:tcPr anchor="ctr"/>
+                </a:tc>
+              </a:tr>
+              <a:tr h="370840">
+                <a:tc vMerge="1">
+                  <a:txBody>
+                    <a:bodyPr/>
+                    <a:lstStyle/>
+                    <a:p>
+                      <a:pPr latinLnBrk="1"/>
+                      <a:endParaRPr lang="ko-KR" altLang="en-US" sz="1200" dirty="0"/>
+                    </a:p>
+                  </a:txBody>
+                  <a:tcPr/>
+                </a:tc>
+                <a:tc>
+                  <a:txBody>
+                    <a:bodyPr/>
+                    <a:lstStyle/>
+                    <a:p>
+                      <a:pPr algn="ctr" latinLnBrk="1"/>
+                      <a:r>
+                        <a:rPr lang="en-US" altLang="ko-KR" sz="1200" dirty="0" err="1" smtClean="0"/>
+                        <a:t>order_member_id</a:t>
+                      </a:r>
+                      <a:endParaRPr lang="ko-KR" altLang="en-US" sz="1200" dirty="0"/>
+                    </a:p>
+                  </a:txBody>
+                  <a:tcPr anchor="ctr"/>
+                </a:tc>
+                <a:tc>
+                  <a:txBody>
+                    <a:bodyPr/>
+                    <a:lstStyle/>
+                    <a:p>
+                      <a:pPr algn="ctr"/>
+                      <a:r>
+                        <a:rPr lang="ko-KR" altLang="en-US" sz="1200" dirty="0" smtClean="0"/>
+                        <a:t>아이디</a:t>
+                      </a:r>
+                      <a:endParaRPr lang="ko-KR" altLang="en-US" sz="1200" dirty="0"/>
+                    </a:p>
+                  </a:txBody>
+                  <a:tcPr anchor="ctr"/>
+                </a:tc>
+                <a:tc>
+                  <a:txBody>
+                    <a:bodyPr/>
+                    <a:lstStyle/>
+                    <a:p>
+                      <a:pPr algn="ctr" latinLnBrk="1"/>
+                      <a:r>
+                        <a:rPr lang="en-US" altLang="ko-KR" sz="1200" dirty="0" smtClean="0"/>
+                        <a:t>VARCHAR(16)</a:t>
+                      </a:r>
+                      <a:endParaRPr lang="ko-KR" altLang="en-US" sz="1200" dirty="0"/>
+                    </a:p>
+                  </a:txBody>
+                  <a:tcPr anchor="ctr"/>
+                </a:tc>
+                <a:tc>
+                  <a:txBody>
+                    <a:bodyPr/>
+                    <a:lstStyle/>
+                    <a:p>
+                      <a:pPr algn="ctr" latinLnBrk="1"/>
+                      <a:endParaRPr lang="ko-KR" altLang="en-US" sz="1200" dirty="0"/>
+                    </a:p>
+                  </a:txBody>
+                  <a:tcPr anchor="ctr"/>
+                </a:tc>
+                <a:tc>
+                  <a:txBody>
+                    <a:bodyPr/>
+                    <a:lstStyle/>
+                    <a:p>
+                      <a:pPr algn="ctr" latinLnBrk="1"/>
+                      <a:endParaRPr lang="ko-KR" altLang="en-US" sz="1200"/>
+                    </a:p>
+                  </a:txBody>
+                  <a:tcPr anchor="ctr"/>
+                </a:tc>
+                <a:tc>
+                  <a:txBody>
+                    <a:bodyPr/>
+                    <a:lstStyle/>
+                    <a:p>
+                      <a:pPr algn="ctr" latinLnBrk="1"/>
+                      <a:endParaRPr lang="ko-KR" altLang="en-US" sz="1200" dirty="0"/>
+                    </a:p>
+                  </a:txBody>
+                  <a:tcPr anchor="ctr"/>
+                </a:tc>
+              </a:tr>
+              <a:tr h="370840">
+                <a:tc vMerge="1">
+                  <a:txBody>
+                    <a:bodyPr/>
+                    <a:lstStyle/>
+                    <a:p>
+                      <a:pPr latinLnBrk="1"/>
+                      <a:endParaRPr lang="ko-KR" altLang="en-US" sz="1200" dirty="0"/>
+                    </a:p>
+                  </a:txBody>
+                  <a:tcPr/>
+                </a:tc>
+                <a:tc>
+                  <a:txBody>
+                    <a:bodyPr/>
+                    <a:lstStyle/>
+                    <a:p>
+                      <a:pPr algn="ctr" latinLnBrk="1"/>
+                      <a:r>
+                        <a:rPr lang="en-US" altLang="ko-KR" sz="1200" dirty="0" err="1" smtClean="0"/>
+                        <a:t>order_product_code</a:t>
+                      </a:r>
+                      <a:endParaRPr lang="ko-KR" altLang="en-US" sz="1200" dirty="0"/>
+                    </a:p>
+                  </a:txBody>
+                  <a:tcPr anchor="ctr"/>
+                </a:tc>
+                <a:tc>
+                  <a:txBody>
+                    <a:bodyPr/>
+                    <a:lstStyle/>
+                    <a:p>
+                      <a:pPr algn="ctr"/>
+                      <a:r>
+                        <a:rPr lang="ko-KR" altLang="en-US" sz="1200" dirty="0" smtClean="0"/>
+                        <a:t>제품코드</a:t>
+                      </a:r>
+                      <a:endParaRPr lang="ko-KR" altLang="en-US" sz="1200" dirty="0"/>
+                    </a:p>
+                  </a:txBody>
+                  <a:tcPr anchor="ctr"/>
+                </a:tc>
+                <a:tc>
+                  <a:txBody>
+                    <a:bodyPr/>
+                    <a:lstStyle/>
+                    <a:p>
+                      <a:pPr marL="0" marR="0" indent="0" algn="ctr" defTabSz="914400" rtl="0" eaLnBrk="1" fontAlgn="auto" latinLnBrk="1" hangingPunct="1">
+                        <a:lnSpc>
+                          <a:spcPct val="100000"/>
+                        </a:lnSpc>
+                        <a:spcBef>
+                          <a:spcPts val="0"/>
+                        </a:spcBef>
+                        <a:spcAft>
+                          <a:spcPts val="0"/>
+                        </a:spcAft>
+                        <a:buClrTx/>
+                        <a:buSzTx/>
+                        <a:buFontTx/>
+                        <a:buNone/>
+                        <a:tabLst/>
+                        <a:defRPr/>
+                      </a:pPr>
+                      <a:r>
+                        <a:rPr lang="en-US" altLang="ko-KR" sz="1200" dirty="0" smtClean="0"/>
+                        <a:t>VARCHAR(45)</a:t>
+                      </a:r>
+                      <a:endParaRPr lang="ko-KR" altLang="en-US" sz="1200" dirty="0" smtClean="0"/>
+                    </a:p>
+                  </a:txBody>
+                  <a:tcPr anchor="ctr"/>
+                </a:tc>
+                <a:tc>
+                  <a:txBody>
+                    <a:bodyPr/>
+                    <a:lstStyle/>
+                    <a:p>
+                      <a:pPr algn="ctr"/>
+                      <a:r>
+                        <a:rPr lang="en-US" altLang="ko-KR" sz="1200" dirty="0" smtClean="0"/>
+                        <a:t>NN</a:t>
+                      </a:r>
+                      <a:endParaRPr lang="ko-KR" altLang="en-US" sz="1200" dirty="0"/>
+                    </a:p>
+                  </a:txBody>
+                  <a:tcPr anchor="ctr"/>
+                </a:tc>
+                <a:tc>
+                  <a:txBody>
+                    <a:bodyPr/>
+                    <a:lstStyle/>
+                    <a:p>
+                      <a:pPr algn="ctr" latinLnBrk="1"/>
+                      <a:endParaRPr lang="ko-KR" altLang="en-US" sz="1200"/>
+                    </a:p>
+                  </a:txBody>
+                  <a:tcPr anchor="ctr"/>
+                </a:tc>
+                <a:tc>
+                  <a:txBody>
+                    <a:bodyPr/>
+                    <a:lstStyle/>
+                    <a:p>
+                      <a:pPr algn="ctr" latinLnBrk="1"/>
+                      <a:endParaRPr lang="ko-KR" altLang="en-US" sz="1200" dirty="0"/>
+                    </a:p>
+                  </a:txBody>
+                  <a:tcPr anchor="ctr"/>
+                </a:tc>
+              </a:tr>
+              <a:tr h="370840">
+                <a:tc vMerge="1">
+                  <a:txBody>
+                    <a:bodyPr/>
+                    <a:lstStyle/>
+                    <a:p>
+                      <a:pPr latinLnBrk="1"/>
+                      <a:endParaRPr lang="ko-KR" altLang="en-US" sz="1200" dirty="0"/>
+                    </a:p>
+                  </a:txBody>
+                  <a:tcPr/>
+                </a:tc>
+                <a:tc>
+                  <a:txBody>
+                    <a:bodyPr/>
+                    <a:lstStyle/>
+                    <a:p>
+                      <a:pPr algn="ctr" latinLnBrk="1"/>
+                      <a:r>
+                        <a:rPr lang="en-US" altLang="ko-KR" sz="1200" dirty="0" err="1" smtClean="0"/>
+                        <a:t>order_progress</a:t>
+                      </a:r>
+                      <a:endParaRPr lang="ko-KR" altLang="en-US" sz="1200" dirty="0"/>
+                    </a:p>
+                  </a:txBody>
+                  <a:tcPr anchor="ctr"/>
+                </a:tc>
+                <a:tc>
+                  <a:txBody>
+                    <a:bodyPr/>
+                    <a:lstStyle/>
+                    <a:p>
+                      <a:pPr algn="ctr"/>
+                      <a:r>
+                        <a:rPr lang="ko-KR" altLang="en-US" sz="1200" dirty="0" smtClean="0"/>
+                        <a:t>주문처리과정</a:t>
+                      </a:r>
+                      <a:endParaRPr lang="ko-KR" altLang="en-US" sz="1200" dirty="0"/>
+                    </a:p>
+                  </a:txBody>
+                  <a:tcPr anchor="ctr"/>
+                </a:tc>
+                <a:tc>
+                  <a:txBody>
+                    <a:bodyPr/>
+                    <a:lstStyle/>
+                    <a:p>
+                      <a:pPr marL="0" marR="0" indent="0" algn="ctr" defTabSz="914400" rtl="0" eaLnBrk="1" fontAlgn="auto" latinLnBrk="1" hangingPunct="1">
+                        <a:lnSpc>
+                          <a:spcPct val="100000"/>
+                        </a:lnSpc>
+                        <a:spcBef>
+                          <a:spcPts val="0"/>
+                        </a:spcBef>
+                        <a:spcAft>
+                          <a:spcPts val="0"/>
+                        </a:spcAft>
+                        <a:buClrTx/>
+                        <a:buSzTx/>
+                        <a:buFontTx/>
+                        <a:buNone/>
+                        <a:tabLst/>
+                        <a:defRPr/>
+                      </a:pPr>
+                      <a:r>
+                        <a:rPr lang="en-US" altLang="ko-KR" sz="1200" dirty="0" smtClean="0"/>
+                        <a:t>VARCHAR(10)</a:t>
+                      </a:r>
+                      <a:endParaRPr lang="ko-KR" altLang="en-US" sz="1200" dirty="0" smtClean="0"/>
+                    </a:p>
+                  </a:txBody>
+                  <a:tcPr anchor="ctr"/>
+                </a:tc>
+                <a:tc>
+                  <a:txBody>
+                    <a:bodyPr/>
+                    <a:lstStyle/>
+                    <a:p>
+                      <a:pPr algn="ctr"/>
+                      <a:endParaRPr lang="ko-KR" altLang="en-US" dirty="0"/>
+                    </a:p>
+                  </a:txBody>
+                  <a:tcPr anchor="ctr"/>
+                </a:tc>
+                <a:tc>
+                  <a:txBody>
+                    <a:bodyPr/>
+                    <a:lstStyle/>
+                    <a:p>
+                      <a:pPr algn="ctr" latinLnBrk="1"/>
+                      <a:endParaRPr lang="ko-KR" altLang="en-US" sz="1200" dirty="0"/>
+                    </a:p>
+                  </a:txBody>
+                  <a:tcPr anchor="ctr"/>
+                </a:tc>
+                <a:tc>
+                  <a:txBody>
+                    <a:bodyPr/>
+                    <a:lstStyle/>
+                    <a:p>
+                      <a:pPr algn="ctr" latinLnBrk="1"/>
+                      <a:r>
+                        <a:rPr lang="ko-KR" altLang="en-US" sz="1200" dirty="0" smtClean="0"/>
+                        <a:t>결제완료</a:t>
+                      </a:r>
+                      <a:endParaRPr lang="ko-KR" altLang="en-US" sz="1200" dirty="0"/>
+                    </a:p>
+                  </a:txBody>
+                  <a:tcPr anchor="ctr"/>
+                </a:tc>
+              </a:tr>
+              <a:tr h="370840">
+                <a:tc vMerge="1">
+                  <a:txBody>
+                    <a:bodyPr/>
+                    <a:lstStyle/>
+                    <a:p>
+                      <a:pPr latinLnBrk="1"/>
+                      <a:endParaRPr lang="ko-KR" altLang="en-US" sz="1200" dirty="0"/>
+                    </a:p>
+                  </a:txBody>
+                  <a:tcPr/>
+                </a:tc>
+                <a:tc>
+                  <a:txBody>
+                    <a:bodyPr/>
+                    <a:lstStyle/>
+                    <a:p>
+                      <a:pPr algn="ctr" latinLnBrk="1"/>
+                      <a:r>
+                        <a:rPr lang="en-US" altLang="ko-KR" sz="1200" dirty="0" err="1" smtClean="0"/>
+                        <a:t>Order_date</a:t>
+                      </a:r>
+                      <a:endParaRPr lang="ko-KR" altLang="en-US" sz="1200" dirty="0"/>
+                    </a:p>
+                  </a:txBody>
+                  <a:tcPr anchor="ctr"/>
+                </a:tc>
+                <a:tc>
+                  <a:txBody>
+                    <a:bodyPr/>
+                    <a:lstStyle/>
+                    <a:p>
+                      <a:pPr algn="ctr"/>
+                      <a:r>
+                        <a:rPr lang="ko-KR" altLang="en-US" sz="1200" dirty="0" smtClean="0"/>
+                        <a:t>주문일</a:t>
+                      </a:r>
+                      <a:endParaRPr lang="ko-KR" altLang="en-US" sz="1200" dirty="0"/>
+                    </a:p>
+                  </a:txBody>
+                  <a:tcPr anchor="ctr"/>
+                </a:tc>
+                <a:tc>
+                  <a:txBody>
+                    <a:bodyPr/>
+                    <a:lstStyle/>
+                    <a:p>
+                      <a:pPr marL="0" marR="0" indent="0" algn="ctr" defTabSz="914400" rtl="0" eaLnBrk="1" fontAlgn="auto" latinLnBrk="1" hangingPunct="1">
+                        <a:lnSpc>
+                          <a:spcPct val="100000"/>
+                        </a:lnSpc>
+                        <a:spcBef>
+                          <a:spcPts val="0"/>
+                        </a:spcBef>
+                        <a:spcAft>
+                          <a:spcPts val="0"/>
+                        </a:spcAft>
+                        <a:buClrTx/>
+                        <a:buSzTx/>
+                        <a:buFontTx/>
+                        <a:buNone/>
+                        <a:tabLst/>
+                        <a:defRPr/>
+                      </a:pPr>
+                      <a:r>
+                        <a:rPr lang="en-US" altLang="ko-KR" sz="1200" dirty="0" smtClean="0"/>
+                        <a:t>DATETIME</a:t>
+                      </a:r>
+                      <a:endParaRPr lang="ko-KR" altLang="en-US" sz="1200" dirty="0" smtClean="0"/>
+                    </a:p>
+                  </a:txBody>
+                  <a:tcPr anchor="ctr"/>
+                </a:tc>
+                <a:tc>
+                  <a:txBody>
+                    <a:bodyPr/>
+                    <a:lstStyle/>
+                    <a:p>
+                      <a:pPr algn="ctr" latinLnBrk="1"/>
+                      <a:endParaRPr lang="ko-KR" altLang="en-US" sz="1200"/>
+                    </a:p>
+                  </a:txBody>
+                  <a:tcPr anchor="ctr"/>
+                </a:tc>
+                <a:tc>
+                  <a:txBody>
+                    <a:bodyPr/>
+                    <a:lstStyle/>
+                    <a:p>
+                      <a:pPr algn="ctr" latinLnBrk="1"/>
+                      <a:endParaRPr lang="ko-KR" altLang="en-US" sz="1200"/>
+                    </a:p>
+                  </a:txBody>
+                  <a:tcPr anchor="ctr"/>
+                </a:tc>
+                <a:tc>
+                  <a:txBody>
+                    <a:bodyPr/>
+                    <a:lstStyle/>
+                    <a:p>
+                      <a:pPr algn="ctr" latinLnBrk="1"/>
+                      <a:endParaRPr lang="ko-KR" altLang="en-US" sz="1200"/>
+                    </a:p>
+                  </a:txBody>
+                  <a:tcPr anchor="ctr"/>
+                </a:tc>
+              </a:tr>
+              <a:tr h="370840">
+                <a:tc vMerge="1">
+                  <a:txBody>
+                    <a:bodyPr/>
+                    <a:lstStyle/>
+                    <a:p>
+                      <a:pPr latinLnBrk="1"/>
+                      <a:endParaRPr lang="ko-KR" altLang="en-US" sz="1200"/>
+                    </a:p>
+                  </a:txBody>
+                  <a:tcPr/>
+                </a:tc>
+                <a:tc>
+                  <a:txBody>
+                    <a:bodyPr/>
+                    <a:lstStyle/>
+                    <a:p>
+                      <a:pPr algn="ctr" latinLnBrk="1"/>
+                      <a:r>
+                        <a:rPr lang="en-US" altLang="ko-KR" sz="1200" dirty="0" err="1" smtClean="0"/>
+                        <a:t>deliverycost</a:t>
+                      </a:r>
+                      <a:endParaRPr lang="ko-KR" altLang="en-US" sz="1200" dirty="0"/>
+                    </a:p>
+                  </a:txBody>
+                  <a:tcPr anchor="ctr"/>
+                </a:tc>
+                <a:tc>
+                  <a:txBody>
+                    <a:bodyPr/>
+                    <a:lstStyle/>
+                    <a:p>
+                      <a:pPr algn="ctr"/>
+                      <a:r>
+                        <a:rPr lang="ko-KR" altLang="en-US" sz="1200" dirty="0" err="1" smtClean="0"/>
+                        <a:t>배송비</a:t>
+                      </a:r>
+                      <a:endParaRPr lang="ko-KR" altLang="en-US" sz="1200" dirty="0"/>
+                    </a:p>
+                  </a:txBody>
+                  <a:tcPr anchor="ctr"/>
+                </a:tc>
+                <a:tc>
+                  <a:txBody>
+                    <a:bodyPr/>
+                    <a:lstStyle/>
+                    <a:p>
+                      <a:pPr marL="0" marR="0" indent="0" algn="ctr" defTabSz="914400" rtl="0" eaLnBrk="1" fontAlgn="auto" latinLnBrk="1" hangingPunct="1">
+                        <a:lnSpc>
+                          <a:spcPct val="100000"/>
+                        </a:lnSpc>
+                        <a:spcBef>
+                          <a:spcPts val="0"/>
+                        </a:spcBef>
+                        <a:spcAft>
+                          <a:spcPts val="0"/>
+                        </a:spcAft>
+                        <a:buClrTx/>
+                        <a:buSzTx/>
+                        <a:buFontTx/>
+                        <a:buNone/>
+                        <a:tabLst/>
+                        <a:defRPr/>
+                      </a:pPr>
+                      <a:r>
+                        <a:rPr lang="en-US" altLang="ko-KR" sz="1200" dirty="0" smtClean="0"/>
+                        <a:t>INT(11)</a:t>
+                      </a:r>
+                      <a:endParaRPr lang="ko-KR" altLang="en-US" sz="1200" dirty="0"/>
+                    </a:p>
+                  </a:txBody>
+                  <a:tcPr anchor="ctr"/>
+                </a:tc>
+                <a:tc>
+                  <a:txBody>
+                    <a:bodyPr/>
+                    <a:lstStyle/>
+                    <a:p>
+                      <a:pPr algn="ctr" latinLnBrk="1"/>
+                      <a:endParaRPr lang="ko-KR" altLang="en-US" sz="1200" dirty="0"/>
+                    </a:p>
+                  </a:txBody>
+                  <a:tcPr anchor="ctr"/>
+                </a:tc>
+                <a:tc>
+                  <a:txBody>
+                    <a:bodyPr/>
+                    <a:lstStyle/>
+                    <a:p>
+                      <a:pPr algn="ctr" latinLnBrk="1"/>
+                      <a:endParaRPr lang="ko-KR" altLang="en-US" sz="1200"/>
+                    </a:p>
+                  </a:txBody>
+                  <a:tcPr anchor="ctr"/>
+                </a:tc>
+                <a:tc>
+                  <a:txBody>
+                    <a:bodyPr/>
+                    <a:lstStyle/>
+                    <a:p>
+                      <a:pPr algn="ctr" latinLnBrk="1"/>
+                      <a:endParaRPr lang="ko-KR" altLang="en-US" sz="1200"/>
+                    </a:p>
+                  </a:txBody>
+                  <a:tcPr anchor="ctr"/>
+                </a:tc>
+              </a:tr>
+              <a:tr h="370840">
+                <a:tc vMerge="1">
+                  <a:txBody>
+                    <a:bodyPr/>
+                    <a:lstStyle/>
+                    <a:p>
+                      <a:pPr latinLnBrk="1"/>
+                      <a:endParaRPr lang="ko-KR" altLang="en-US" sz="1200" dirty="0"/>
+                    </a:p>
+                  </a:txBody>
+                  <a:tcPr/>
+                </a:tc>
+                <a:tc>
+                  <a:txBody>
+                    <a:bodyPr/>
+                    <a:lstStyle/>
+                    <a:p>
+                      <a:pPr algn="ctr" latinLnBrk="1"/>
+                      <a:r>
+                        <a:rPr lang="en-US" altLang="ko-KR" sz="1200" dirty="0" err="1" smtClean="0"/>
+                        <a:t>order_total</a:t>
+                      </a:r>
+                      <a:endParaRPr lang="ko-KR" altLang="en-US" sz="1200" dirty="0"/>
+                    </a:p>
+                  </a:txBody>
+                  <a:tcPr anchor="ctr"/>
+                </a:tc>
+                <a:tc>
+                  <a:txBody>
+                    <a:bodyPr/>
+                    <a:lstStyle/>
+                    <a:p>
+                      <a:pPr algn="ctr"/>
+                      <a:r>
+                        <a:rPr lang="ko-KR" altLang="en-US" sz="1200" dirty="0" err="1" smtClean="0"/>
+                        <a:t>총금액</a:t>
+                      </a:r>
+                      <a:endParaRPr lang="ko-KR" altLang="en-US" sz="1200" dirty="0"/>
+                    </a:p>
+                  </a:txBody>
+                  <a:tcPr anchor="ctr"/>
+                </a:tc>
+                <a:tc>
+                  <a:txBody>
+                    <a:bodyPr/>
+                    <a:lstStyle/>
+                    <a:p>
+                      <a:pPr algn="ctr" latinLnBrk="1"/>
+                      <a:r>
+                        <a:rPr lang="en-US" altLang="ko-KR" sz="1200" dirty="0" smtClean="0"/>
+                        <a:t>INT(11)</a:t>
+                      </a:r>
+                      <a:endParaRPr lang="ko-KR" altLang="en-US" sz="1200" dirty="0"/>
+                    </a:p>
+                  </a:txBody>
+                  <a:tcPr anchor="ctr"/>
+                </a:tc>
+                <a:tc>
+                  <a:txBody>
+                    <a:bodyPr/>
+                    <a:lstStyle/>
+                    <a:p>
+                      <a:pPr marL="0" marR="0" indent="0" algn="ctr" defTabSz="914400" rtl="0" eaLnBrk="1" fontAlgn="auto" latinLnBrk="1" hangingPunct="1">
+                        <a:lnSpc>
+                          <a:spcPct val="100000"/>
+                        </a:lnSpc>
+                        <a:spcBef>
+                          <a:spcPts val="0"/>
+                        </a:spcBef>
+                        <a:spcAft>
+                          <a:spcPts val="0"/>
+                        </a:spcAft>
+                        <a:buClrTx/>
+                        <a:buSzTx/>
+                        <a:buFontTx/>
+                        <a:buNone/>
+                        <a:tabLst/>
+                        <a:defRPr/>
+                      </a:pPr>
+                      <a:r>
+                        <a:rPr lang="en-US" altLang="ko-KR" sz="1200" dirty="0" smtClean="0"/>
+                        <a:t>NN</a:t>
+                      </a:r>
+                      <a:endParaRPr lang="ko-KR" altLang="en-US" sz="1200" dirty="0" smtClean="0"/>
+                    </a:p>
+                  </a:txBody>
+                  <a:tcPr anchor="ctr"/>
+                </a:tc>
+                <a:tc>
+                  <a:txBody>
+                    <a:bodyPr/>
+                    <a:lstStyle/>
+                    <a:p>
+                      <a:pPr algn="ctr" latinLnBrk="1"/>
+                      <a:endParaRPr lang="ko-KR" altLang="en-US" sz="1200" dirty="0"/>
+                    </a:p>
+                  </a:txBody>
+                  <a:tcPr anchor="ctr"/>
+                </a:tc>
+                <a:tc>
+                  <a:txBody>
+                    <a:bodyPr/>
+                    <a:lstStyle/>
+                    <a:p>
+                      <a:pPr algn="ctr" latinLnBrk="1"/>
+                      <a:endParaRPr lang="ko-KR" altLang="en-US" sz="1200"/>
+                    </a:p>
+                  </a:txBody>
+                  <a:tcPr anchor="ctr"/>
+                </a:tc>
+              </a:tr>
+              <a:tr h="370840">
+                <a:tc vMerge="1">
+                  <a:txBody>
+                    <a:bodyPr/>
+                    <a:lstStyle/>
+                    <a:p>
+                      <a:pPr latinLnBrk="1"/>
+                      <a:endParaRPr lang="ko-KR" altLang="en-US" sz="1200" dirty="0"/>
+                    </a:p>
+                  </a:txBody>
+                  <a:tcPr/>
+                </a:tc>
+                <a:tc>
+                  <a:txBody>
+                    <a:bodyPr/>
+                    <a:lstStyle/>
+                    <a:p>
+                      <a:pPr algn="ctr" latinLnBrk="1"/>
+                      <a:r>
+                        <a:rPr lang="en-US" altLang="ko-KR" sz="1200" dirty="0" err="1" smtClean="0"/>
+                        <a:t>cnt</a:t>
+                      </a:r>
+                      <a:endParaRPr lang="ko-KR" altLang="en-US" sz="1200" dirty="0"/>
+                    </a:p>
+                  </a:txBody>
+                  <a:tcPr anchor="ctr"/>
+                </a:tc>
+                <a:tc>
+                  <a:txBody>
+                    <a:bodyPr/>
+                    <a:lstStyle/>
+                    <a:p>
+                      <a:pPr algn="ctr"/>
+                      <a:r>
+                        <a:rPr lang="ko-KR" altLang="en-US" sz="1200" dirty="0" smtClean="0"/>
+                        <a:t>수량</a:t>
+                      </a:r>
+                      <a:endParaRPr lang="ko-KR" altLang="en-US" sz="1200" dirty="0"/>
+                    </a:p>
+                  </a:txBody>
+                  <a:tcPr anchor="ctr"/>
+                </a:tc>
+                <a:tc>
+                  <a:txBody>
+                    <a:bodyPr/>
+                    <a:lstStyle/>
+                    <a:p>
+                      <a:pPr algn="ctr" latinLnBrk="1"/>
+                      <a:r>
+                        <a:rPr lang="en-US" altLang="ko-KR" sz="1200" dirty="0" smtClean="0"/>
+                        <a:t>INT(11)</a:t>
+                      </a:r>
+                      <a:endParaRPr lang="ko-KR" altLang="en-US" sz="1200" dirty="0"/>
+                    </a:p>
+                  </a:txBody>
+                  <a:tcPr anchor="ctr"/>
+                </a:tc>
+                <a:tc>
+                  <a:txBody>
+                    <a:bodyPr/>
+                    <a:lstStyle/>
+                    <a:p>
+                      <a:pPr marL="0" marR="0" indent="0" algn="ctr" defTabSz="914400" rtl="0" eaLnBrk="1" fontAlgn="auto" latinLnBrk="1" hangingPunct="1">
+                        <a:lnSpc>
+                          <a:spcPct val="100000"/>
+                        </a:lnSpc>
+                        <a:spcBef>
+                          <a:spcPts val="0"/>
+                        </a:spcBef>
+                        <a:spcAft>
+                          <a:spcPts val="0"/>
+                        </a:spcAft>
+                        <a:buClrTx/>
+                        <a:buSzTx/>
+                        <a:buFontTx/>
+                        <a:buNone/>
+                        <a:tabLst/>
+                        <a:defRPr/>
+                      </a:pPr>
+                      <a:r>
+                        <a:rPr lang="en-US" altLang="ko-KR" sz="1200" dirty="0" smtClean="0"/>
+                        <a:t>NN</a:t>
+                      </a:r>
+                      <a:endParaRPr lang="ko-KR" altLang="en-US" sz="1200" dirty="0" smtClean="0"/>
+                    </a:p>
+                  </a:txBody>
+                  <a:tcPr anchor="ctr"/>
+                </a:tc>
+                <a:tc>
+                  <a:txBody>
+                    <a:bodyPr/>
+                    <a:lstStyle/>
+                    <a:p>
+                      <a:pPr algn="ctr" latinLnBrk="1"/>
+                      <a:endParaRPr lang="ko-KR" altLang="en-US" sz="1200" dirty="0"/>
+                    </a:p>
+                  </a:txBody>
+                  <a:tcPr anchor="ctr"/>
+                </a:tc>
+                <a:tc>
+                  <a:txBody>
+                    <a:bodyPr/>
+                    <a:lstStyle/>
+                    <a:p>
+                      <a:pPr algn="ctr" latinLnBrk="1"/>
+                      <a:r>
+                        <a:rPr lang="en-US" altLang="ko-KR" sz="1200" dirty="0" smtClean="0"/>
+                        <a:t>1</a:t>
+                      </a:r>
+                      <a:endParaRPr lang="ko-KR" altLang="en-US" sz="1200" dirty="0"/>
+                    </a:p>
+                  </a:txBody>
+                  <a:tcPr anchor="ctr"/>
+                </a:tc>
+              </a:tr>
+              <a:tr h="370840">
+                <a:tc vMerge="1">
+                  <a:txBody>
+                    <a:bodyPr/>
+                    <a:lstStyle/>
+                    <a:p>
+                      <a:pPr latinLnBrk="1"/>
+                      <a:endParaRPr lang="ko-KR" altLang="en-US" sz="1200" dirty="0"/>
+                    </a:p>
+                  </a:txBody>
+                  <a:tcPr/>
+                </a:tc>
+                <a:tc>
+                  <a:txBody>
+                    <a:bodyPr/>
+                    <a:lstStyle/>
+                    <a:p>
+                      <a:pPr algn="ctr" latinLnBrk="1"/>
+                      <a:r>
+                        <a:rPr lang="en-US" altLang="ko-KR" sz="1200" dirty="0" err="1" smtClean="0"/>
+                        <a:t>order_state</a:t>
+                      </a:r>
+                      <a:endParaRPr lang="ko-KR" altLang="en-US" sz="1200" dirty="0"/>
+                    </a:p>
+                  </a:txBody>
+                  <a:tcPr anchor="ctr"/>
+                </a:tc>
+                <a:tc>
+                  <a:txBody>
+                    <a:bodyPr/>
+                    <a:lstStyle/>
+                    <a:p>
+                      <a:pPr algn="ctr"/>
+                      <a:r>
+                        <a:rPr lang="ko-KR" altLang="en-US" sz="1200" dirty="0" smtClean="0"/>
+                        <a:t>상태</a:t>
+                      </a:r>
+                      <a:endParaRPr lang="ko-KR" altLang="en-US" sz="1200" dirty="0"/>
+                    </a:p>
+                  </a:txBody>
+                  <a:tcPr anchor="ctr"/>
+                </a:tc>
+                <a:tc>
+                  <a:txBody>
+                    <a:bodyPr/>
+                    <a:lstStyle/>
+                    <a:p>
+                      <a:pPr marL="0" marR="0" indent="0" algn="ctr" defTabSz="914400" rtl="0" eaLnBrk="1" fontAlgn="auto" latinLnBrk="1" hangingPunct="1">
+                        <a:lnSpc>
+                          <a:spcPct val="100000"/>
+                        </a:lnSpc>
+                        <a:spcBef>
+                          <a:spcPts val="0"/>
+                        </a:spcBef>
+                        <a:spcAft>
+                          <a:spcPts val="0"/>
+                        </a:spcAft>
+                        <a:buClrTx/>
+                        <a:buSzTx/>
+                        <a:buFontTx/>
+                        <a:buNone/>
+                        <a:tabLst/>
+                        <a:defRPr/>
+                      </a:pPr>
+                      <a:r>
+                        <a:rPr lang="en-US" altLang="ko-KR" sz="1200" dirty="0" smtClean="0"/>
+                        <a:t>VARCHAR(1)</a:t>
+                      </a:r>
+                      <a:endParaRPr lang="ko-KR" altLang="en-US" sz="1200" dirty="0" smtClean="0"/>
+                    </a:p>
+                  </a:txBody>
+                  <a:tcPr anchor="ctr"/>
+                </a:tc>
+                <a:tc>
+                  <a:txBody>
+                    <a:bodyPr/>
+                    <a:lstStyle/>
+                    <a:p>
+                      <a:pPr algn="ctr" latinLnBrk="1"/>
+                      <a:endParaRPr lang="ko-KR" altLang="en-US" sz="1200" dirty="0"/>
+                    </a:p>
+                  </a:txBody>
+                  <a:tcPr anchor="ctr"/>
+                </a:tc>
+                <a:tc>
+                  <a:txBody>
+                    <a:bodyPr/>
+                    <a:lstStyle/>
+                    <a:p>
+                      <a:pPr algn="ctr" latinLnBrk="1"/>
+                      <a:endParaRPr lang="ko-KR" altLang="en-US" sz="1200" dirty="0"/>
+                    </a:p>
+                  </a:txBody>
+                  <a:tcPr anchor="ctr"/>
+                </a:tc>
+                <a:tc>
+                  <a:txBody>
+                    <a:bodyPr/>
+                    <a:lstStyle/>
+                    <a:p>
+                      <a:pPr algn="ctr" latinLnBrk="1"/>
+                      <a:r>
+                        <a:rPr lang="en-US" altLang="ko-KR" sz="1200" dirty="0" smtClean="0"/>
+                        <a:t>I</a:t>
+                      </a:r>
+                      <a:endParaRPr lang="ko-KR" altLang="en-US" sz="1200" dirty="0"/>
+                    </a:p>
+                  </a:txBody>
+                  <a:tcPr anchor="ctr"/>
+                </a:tc>
+              </a:tr>
+            </a:tbl>
+          </a:graphicData>
+        </a:graphic>
+      </p:graphicFrame>
+    </p:spTree>
+    <p:extLst>
+      <p:ext uri="{BB962C8B-B14F-4D97-AF65-F5344CB8AC3E}">
+        <p14:creationId xmlns:p14="http://schemas.microsoft.com/office/powerpoint/2010/main" val="1254179753"/>
+      </p:ext>
+    </p:extLst>
+  </p:cSld>
+  <p:clrMapOvr>
+    <a:masterClrMapping/>
+  </p:clrMapOvr>
+  <p:timing>
+    <p:tnLst>
+      <p:par>
+        <p:cTn id="1" dur="indefinite" restart="never" nodeType="tmRoot"/>
+      </p:par>
+    </p:tnLst>
+  </p:timing>
+</p:sld>
+</file>
+
+<file path=ppt/slides/slide11.xml><?xml version="1.0" encoding="utf-8"?>
+<p:sld xmlns:a="http://schemas.openxmlformats.org/drawingml/2006/main" xmlns:r="http://schemas.openxmlformats.org/officeDocument/2006/relationships" xmlns:p="http://schemas.openxmlformats.org/presentationml/2006/main">
+  <p:cSld>
+    <p:spTree>
+      <p:nvGrpSpPr>
+        <p:cNvPr id="1" name=""/>
+        <p:cNvGrpSpPr/>
+        <p:nvPr/>
+      </p:nvGrpSpPr>
+      <p:grpSpPr>
+        <a:xfrm>
+          <a:off x="0" y="0"/>
+          <a:ext cx="0" cy="0"/>
+          <a:chOff x="0" y="0"/>
+          <a:chExt cx="0" cy="0"/>
+        </a:xfrm>
+      </p:grpSpPr>
+      <p:sp>
+        <p:nvSpPr>
+          <p:cNvPr id="2" name="제목 1"/>
+          <p:cNvSpPr>
+            <a:spLocks noGrp="1"/>
+          </p:cNvSpPr>
+          <p:nvPr>
+            <p:ph type="title"/>
+          </p:nvPr>
+        </p:nvSpPr>
+        <p:spPr/>
+        <p:txBody>
+          <a:bodyPr>
+            <a:normAutofit/>
+          </a:bodyPr>
+          <a:lstStyle/>
+          <a:p>
+            <a:pPr algn="l"/>
+            <a:r>
+              <a:rPr lang="ko-KR" altLang="en-US" sz="2800" dirty="0" smtClean="0"/>
+              <a:t>테이블정의</a:t>
+            </a:r>
+            <a:r>
+              <a:rPr lang="en-US" altLang="ko-KR" sz="2800" dirty="0" smtClean="0"/>
+              <a:t>_deliver</a:t>
+            </a:r>
+            <a:endParaRPr lang="ko-KR" altLang="en-US" sz="2800" dirty="0"/>
+          </a:p>
+        </p:txBody>
+      </p:sp>
+      <p:graphicFrame>
+        <p:nvGraphicFramePr>
+          <p:cNvPr id="9" name="내용 개체 틀 8"/>
+          <p:cNvGraphicFramePr>
+            <a:graphicFrameLocks noGrp="1"/>
+          </p:cNvGraphicFramePr>
+          <p:nvPr>
+            <p:ph idx="1"/>
+            <p:extLst>
+              <p:ext uri="{D42A27DB-BD31-4B8C-83A1-F6EECF244321}">
+                <p14:modId xmlns:p14="http://schemas.microsoft.com/office/powerpoint/2010/main" val="1386867767"/>
+              </p:ext>
+            </p:extLst>
+          </p:nvPr>
+        </p:nvGraphicFramePr>
+        <p:xfrm>
+          <a:off x="457200" y="1600200"/>
+          <a:ext cx="8147251" cy="2966720"/>
+        </p:xfrm>
+        <a:graphic>
+          <a:graphicData uri="http://schemas.openxmlformats.org/drawingml/2006/table">
+            <a:tbl>
+              <a:tblPr firstRow="1" bandRow="1">
+                <a:tableStyleId>{5940675A-B579-460E-94D1-54222C63F5DA}</a:tableStyleId>
+              </a:tblPr>
+              <a:tblGrid>
+                <a:gridCol w="1163893"/>
+                <a:gridCol w="1726771"/>
+                <a:gridCol w="1368152"/>
+                <a:gridCol w="1296144"/>
+                <a:gridCol w="648072"/>
+                <a:gridCol w="780326"/>
+                <a:gridCol w="1163893"/>
+              </a:tblGrid>
+              <a:tr h="370840">
+                <a:tc>
+                  <a:txBody>
+                    <a:bodyPr/>
+                    <a:lstStyle/>
+                    <a:p>
+                      <a:pPr algn="ctr" latinLnBrk="1"/>
+                      <a:r>
+                        <a:rPr lang="ko-KR" altLang="en-US" sz="1200" dirty="0" smtClean="0">
+                          <a:solidFill>
+                            <a:schemeClr val="bg1"/>
+                          </a:solidFill>
+                        </a:rPr>
+                        <a:t>테이블 명</a:t>
+                      </a:r>
+                      <a:endParaRPr lang="ko-KR" altLang="en-US" sz="1200" dirty="0">
+                        <a:solidFill>
+                          <a:schemeClr val="bg1"/>
+                        </a:solidFill>
+                      </a:endParaRPr>
+                    </a:p>
+                  </a:txBody>
+                  <a:tcPr anchor="ctr">
+                    <a:solidFill>
+                      <a:schemeClr val="accent1">
+                        <a:lumMod val="75000"/>
+                      </a:schemeClr>
+                    </a:solidFill>
+                  </a:tcPr>
+                </a:tc>
+                <a:tc>
+                  <a:txBody>
+                    <a:bodyPr/>
+                    <a:lstStyle/>
+                    <a:p>
+                      <a:pPr algn="ctr" latinLnBrk="1"/>
+                      <a:r>
+                        <a:rPr lang="ko-KR" altLang="en-US" sz="1200" dirty="0" smtClean="0">
+                          <a:solidFill>
+                            <a:schemeClr val="bg1"/>
+                          </a:solidFill>
+                        </a:rPr>
+                        <a:t>물리적 </a:t>
+                      </a:r>
+                      <a:r>
+                        <a:rPr lang="ko-KR" altLang="en-US" sz="1200" dirty="0" err="1" smtClean="0">
+                          <a:solidFill>
+                            <a:schemeClr val="bg1"/>
+                          </a:solidFill>
+                        </a:rPr>
+                        <a:t>필드명</a:t>
+                      </a:r>
+                      <a:r>
+                        <a:rPr lang="ko-KR" altLang="en-US" sz="1200" dirty="0" smtClean="0">
+                          <a:solidFill>
+                            <a:schemeClr val="bg1"/>
+                          </a:solidFill>
+                        </a:rPr>
+                        <a:t> </a:t>
+                      </a:r>
+                      <a:endParaRPr lang="ko-KR" altLang="en-US" sz="1200" dirty="0">
+                        <a:solidFill>
+                          <a:schemeClr val="bg1"/>
+                        </a:solidFill>
+                      </a:endParaRPr>
+                    </a:p>
+                  </a:txBody>
+                  <a:tcPr anchor="ctr">
+                    <a:solidFill>
+                      <a:schemeClr val="accent1">
+                        <a:lumMod val="75000"/>
+                      </a:schemeClr>
+                    </a:solidFill>
+                  </a:tcPr>
+                </a:tc>
+                <a:tc>
+                  <a:txBody>
+                    <a:bodyPr/>
+                    <a:lstStyle/>
+                    <a:p>
+                      <a:pPr algn="ctr" latinLnBrk="1"/>
+                      <a:r>
+                        <a:rPr lang="ko-KR" altLang="en-US" sz="1200" dirty="0" smtClean="0">
+                          <a:solidFill>
+                            <a:schemeClr val="bg1"/>
+                          </a:solidFill>
+                        </a:rPr>
+                        <a:t>논리적 </a:t>
+                      </a:r>
+                      <a:r>
+                        <a:rPr lang="ko-KR" altLang="en-US" sz="1200" dirty="0" err="1" smtClean="0">
+                          <a:solidFill>
+                            <a:schemeClr val="bg1"/>
+                          </a:solidFill>
+                        </a:rPr>
+                        <a:t>필드명</a:t>
+                      </a:r>
+                      <a:r>
+                        <a:rPr lang="ko-KR" altLang="en-US" sz="1200" dirty="0" smtClean="0">
+                          <a:solidFill>
+                            <a:schemeClr val="bg1"/>
+                          </a:solidFill>
+                        </a:rPr>
+                        <a:t> </a:t>
+                      </a:r>
+                      <a:endParaRPr lang="ko-KR" altLang="en-US" sz="1200" dirty="0">
+                        <a:solidFill>
+                          <a:schemeClr val="bg1"/>
+                        </a:solidFill>
+                      </a:endParaRPr>
+                    </a:p>
+                  </a:txBody>
+                  <a:tcPr anchor="ctr">
+                    <a:solidFill>
+                      <a:schemeClr val="accent1">
+                        <a:lumMod val="75000"/>
+                      </a:schemeClr>
+                    </a:solidFill>
+                  </a:tcPr>
+                </a:tc>
+                <a:tc>
+                  <a:txBody>
+                    <a:bodyPr/>
+                    <a:lstStyle/>
+                    <a:p>
+                      <a:pPr algn="ctr" latinLnBrk="1"/>
+                      <a:r>
+                        <a:rPr lang="ko-KR" altLang="en-US" sz="1200" dirty="0" smtClean="0">
+                          <a:solidFill>
+                            <a:schemeClr val="bg1"/>
+                          </a:solidFill>
+                        </a:rPr>
+                        <a:t>데이터유형</a:t>
+                      </a:r>
+                      <a:endParaRPr lang="ko-KR" altLang="en-US" sz="1200" dirty="0">
+                        <a:solidFill>
+                          <a:schemeClr val="bg1"/>
+                        </a:solidFill>
+                      </a:endParaRPr>
+                    </a:p>
+                  </a:txBody>
+                  <a:tcPr anchor="ctr">
+                    <a:solidFill>
+                      <a:schemeClr val="accent1">
+                        <a:lumMod val="75000"/>
+                      </a:schemeClr>
+                    </a:solidFill>
+                  </a:tcPr>
+                </a:tc>
+                <a:tc>
+                  <a:txBody>
+                    <a:bodyPr/>
+                    <a:lstStyle/>
+                    <a:p>
+                      <a:pPr algn="ctr" latinLnBrk="1"/>
+                      <a:r>
+                        <a:rPr lang="en-US" altLang="ko-KR" sz="1200" dirty="0" smtClean="0">
+                          <a:solidFill>
+                            <a:schemeClr val="bg1"/>
+                          </a:solidFill>
+                        </a:rPr>
+                        <a:t>NULL</a:t>
+                      </a:r>
+                      <a:endParaRPr lang="ko-KR" altLang="en-US" sz="1200" dirty="0">
+                        <a:solidFill>
+                          <a:schemeClr val="bg1"/>
+                        </a:solidFill>
+                      </a:endParaRPr>
+                    </a:p>
+                  </a:txBody>
+                  <a:tcPr anchor="ctr">
+                    <a:solidFill>
+                      <a:schemeClr val="accent1">
+                        <a:lumMod val="75000"/>
+                      </a:schemeClr>
+                    </a:solidFill>
+                  </a:tcPr>
+                </a:tc>
+                <a:tc>
+                  <a:txBody>
+                    <a:bodyPr/>
+                    <a:lstStyle/>
+                    <a:p>
+                      <a:pPr algn="ctr" latinLnBrk="1"/>
+                      <a:r>
+                        <a:rPr lang="ko-KR" altLang="en-US" sz="1200" dirty="0" smtClean="0">
+                          <a:solidFill>
+                            <a:schemeClr val="bg1"/>
+                          </a:solidFill>
+                        </a:rPr>
+                        <a:t>키 유형</a:t>
+                      </a:r>
+                      <a:endParaRPr lang="ko-KR" altLang="en-US" sz="1200" dirty="0">
+                        <a:solidFill>
+                          <a:schemeClr val="bg1"/>
+                        </a:solidFill>
+                      </a:endParaRPr>
+                    </a:p>
+                  </a:txBody>
+                  <a:tcPr anchor="ctr">
+                    <a:solidFill>
+                      <a:schemeClr val="accent1">
+                        <a:lumMod val="75000"/>
+                      </a:schemeClr>
+                    </a:solidFill>
+                  </a:tcPr>
+                </a:tc>
+                <a:tc>
+                  <a:txBody>
+                    <a:bodyPr/>
+                    <a:lstStyle/>
+                    <a:p>
+                      <a:pPr algn="ctr" latinLnBrk="1"/>
+                      <a:r>
+                        <a:rPr lang="ko-KR" altLang="en-US" sz="1200" dirty="0" smtClean="0">
+                          <a:solidFill>
+                            <a:schemeClr val="bg1"/>
+                          </a:solidFill>
+                        </a:rPr>
+                        <a:t>기타</a:t>
+                      </a:r>
+                      <a:endParaRPr lang="ko-KR" altLang="en-US" sz="1200" dirty="0">
+                        <a:solidFill>
+                          <a:schemeClr val="bg1"/>
+                        </a:solidFill>
+                      </a:endParaRPr>
+                    </a:p>
+                  </a:txBody>
+                  <a:tcPr anchor="ctr">
+                    <a:solidFill>
+                      <a:schemeClr val="accent1">
+                        <a:lumMod val="75000"/>
+                      </a:schemeClr>
+                    </a:solidFill>
+                  </a:tcPr>
+                </a:tc>
+              </a:tr>
+              <a:tr h="370840">
+                <a:tc rowSpan="7">
+                  <a:txBody>
+                    <a:bodyPr/>
+                    <a:lstStyle/>
+                    <a:p>
+                      <a:pPr algn="ctr" latinLnBrk="1"/>
+                      <a:r>
+                        <a:rPr lang="ko-KR" altLang="en-US" sz="1200" dirty="0" smtClean="0"/>
+                        <a:t>배송</a:t>
+                      </a:r>
+                      <a:endParaRPr lang="ko-KR" altLang="en-US" sz="1200" dirty="0"/>
+                    </a:p>
+                  </a:txBody>
+                  <a:tcPr anchor="ctr"/>
+                </a:tc>
+                <a:tc>
+                  <a:txBody>
+                    <a:bodyPr/>
+                    <a:lstStyle/>
+                    <a:p>
+                      <a:pPr algn="ctr" latinLnBrk="1"/>
+                      <a:r>
+                        <a:rPr lang="en-US" altLang="ko-KR" sz="1200" dirty="0" err="1" smtClean="0"/>
+                        <a:t>Deliver_no</a:t>
+                      </a:r>
+                      <a:endParaRPr lang="ko-KR" altLang="en-US" sz="1200" dirty="0"/>
+                    </a:p>
+                  </a:txBody>
+                  <a:tcPr anchor="ctr"/>
+                </a:tc>
+                <a:tc>
+                  <a:txBody>
+                    <a:bodyPr/>
+                    <a:lstStyle/>
+                    <a:p>
+                      <a:pPr algn="ctr"/>
+                      <a:r>
+                        <a:rPr lang="ko-KR" altLang="en-US" sz="1200" dirty="0" smtClean="0"/>
+                        <a:t>배송번호</a:t>
+                      </a:r>
+                      <a:endParaRPr lang="ko-KR" altLang="en-US" sz="1200" dirty="0"/>
+                    </a:p>
+                  </a:txBody>
+                  <a:tcPr anchor="ctr"/>
+                </a:tc>
+                <a:tc>
+                  <a:txBody>
+                    <a:bodyPr/>
+                    <a:lstStyle/>
+                    <a:p>
+                      <a:pPr algn="ctr" latinLnBrk="1"/>
+                      <a:r>
+                        <a:rPr lang="en-US" altLang="ko-KR" sz="1200" dirty="0" smtClean="0"/>
+                        <a:t>INT(11)</a:t>
+                      </a:r>
+                      <a:endParaRPr lang="ko-KR" altLang="en-US" sz="1200" dirty="0"/>
+                    </a:p>
+                  </a:txBody>
+                  <a:tcPr anchor="ctr"/>
+                </a:tc>
+                <a:tc>
+                  <a:txBody>
+                    <a:bodyPr/>
+                    <a:lstStyle/>
+                    <a:p>
+                      <a:pPr algn="ctr" latinLnBrk="1"/>
+                      <a:r>
+                        <a:rPr lang="en-US" altLang="ko-KR" sz="1200" dirty="0" smtClean="0"/>
+                        <a:t>NN</a:t>
+                      </a:r>
+                      <a:endParaRPr lang="ko-KR" altLang="en-US" sz="1200" dirty="0"/>
+                    </a:p>
+                  </a:txBody>
+                  <a:tcPr anchor="ctr"/>
+                </a:tc>
+                <a:tc>
+                  <a:txBody>
+                    <a:bodyPr/>
+                    <a:lstStyle/>
+                    <a:p>
+                      <a:pPr algn="ctr" latinLnBrk="1"/>
+                      <a:r>
+                        <a:rPr lang="en-US" altLang="ko-KR" sz="1200" dirty="0" smtClean="0"/>
+                        <a:t>PK,AI</a:t>
+                      </a:r>
+                      <a:endParaRPr lang="ko-KR" altLang="en-US" sz="1200" dirty="0"/>
+                    </a:p>
+                  </a:txBody>
+                  <a:tcPr anchor="ctr"/>
+                </a:tc>
+                <a:tc>
+                  <a:txBody>
+                    <a:bodyPr/>
+                    <a:lstStyle/>
+                    <a:p>
+                      <a:pPr algn="ctr" latinLnBrk="1"/>
+                      <a:endParaRPr lang="ko-KR" altLang="en-US" sz="1200" dirty="0"/>
+                    </a:p>
+                  </a:txBody>
+                  <a:tcPr anchor="ctr"/>
+                </a:tc>
+              </a:tr>
+              <a:tr h="370840">
+                <a:tc vMerge="1">
+                  <a:txBody>
+                    <a:bodyPr/>
+                    <a:lstStyle/>
+                    <a:p>
+                      <a:pPr latinLnBrk="1"/>
+                      <a:endParaRPr lang="ko-KR" altLang="en-US" sz="1200" dirty="0"/>
+                    </a:p>
+                  </a:txBody>
+                  <a:tcPr/>
+                </a:tc>
+                <a:tc>
+                  <a:txBody>
+                    <a:bodyPr/>
+                    <a:lstStyle/>
+                    <a:p>
+                      <a:pPr algn="ctr" latinLnBrk="1"/>
+                      <a:r>
+                        <a:rPr lang="en-US" altLang="ko-KR" sz="1200" dirty="0" err="1" smtClean="0"/>
+                        <a:t>Deliver_order_num</a:t>
+                      </a:r>
+                      <a:endParaRPr lang="ko-KR" altLang="en-US" sz="1200" dirty="0"/>
+                    </a:p>
+                  </a:txBody>
+                  <a:tcPr anchor="ctr"/>
+                </a:tc>
+                <a:tc>
+                  <a:txBody>
+                    <a:bodyPr/>
+                    <a:lstStyle/>
+                    <a:p>
+                      <a:pPr algn="ctr"/>
+                      <a:r>
+                        <a:rPr lang="ko-KR" altLang="en-US" sz="1200" dirty="0" smtClean="0"/>
+                        <a:t>주문번호</a:t>
+                      </a:r>
+                      <a:endParaRPr lang="ko-KR" altLang="en-US" sz="1200" dirty="0"/>
+                    </a:p>
+                  </a:txBody>
+                  <a:tcPr anchor="ctr"/>
+                </a:tc>
+                <a:tc>
+                  <a:txBody>
+                    <a:bodyPr/>
+                    <a:lstStyle/>
+                    <a:p>
+                      <a:pPr algn="ctr" latinLnBrk="1"/>
+                      <a:r>
+                        <a:rPr lang="en-US" altLang="ko-KR" sz="1200" dirty="0" smtClean="0"/>
+                        <a:t>INT(11)</a:t>
+                      </a:r>
+                      <a:endParaRPr lang="ko-KR" altLang="en-US" sz="1200" dirty="0"/>
+                    </a:p>
+                  </a:txBody>
+                  <a:tcPr anchor="ctr"/>
+                </a:tc>
+                <a:tc>
+                  <a:txBody>
+                    <a:bodyPr/>
+                    <a:lstStyle/>
+                    <a:p>
+                      <a:pPr algn="ctr" latinLnBrk="1"/>
+                      <a:r>
+                        <a:rPr lang="en-US" altLang="ko-KR" sz="1200" dirty="0" smtClean="0"/>
+                        <a:t>NN</a:t>
+                      </a:r>
+                      <a:endParaRPr lang="ko-KR" altLang="en-US" sz="1200" dirty="0"/>
+                    </a:p>
+                  </a:txBody>
+                  <a:tcPr anchor="ctr"/>
+                </a:tc>
+                <a:tc>
+                  <a:txBody>
+                    <a:bodyPr/>
+                    <a:lstStyle/>
+                    <a:p>
+                      <a:pPr algn="ctr" latinLnBrk="1"/>
+                      <a:endParaRPr lang="ko-KR" altLang="en-US" sz="1200"/>
+                    </a:p>
+                  </a:txBody>
+                  <a:tcPr anchor="ctr"/>
+                </a:tc>
+                <a:tc>
+                  <a:txBody>
+                    <a:bodyPr/>
+                    <a:lstStyle/>
+                    <a:p>
+                      <a:pPr algn="ctr" latinLnBrk="1"/>
+                      <a:endParaRPr lang="ko-KR" altLang="en-US" sz="1200" dirty="0"/>
+                    </a:p>
+                  </a:txBody>
+                  <a:tcPr anchor="ctr"/>
+                </a:tc>
+              </a:tr>
+              <a:tr h="370840">
+                <a:tc vMerge="1">
+                  <a:txBody>
+                    <a:bodyPr/>
+                    <a:lstStyle/>
+                    <a:p>
+                      <a:pPr latinLnBrk="1"/>
+                      <a:endParaRPr lang="ko-KR" altLang="en-US" sz="1200" dirty="0"/>
+                    </a:p>
+                  </a:txBody>
+                  <a:tcPr/>
+                </a:tc>
+                <a:tc>
+                  <a:txBody>
+                    <a:bodyPr/>
+                    <a:lstStyle/>
+                    <a:p>
+                      <a:pPr algn="ctr" latinLnBrk="1"/>
+                      <a:r>
+                        <a:rPr lang="en-US" altLang="ko-KR" sz="1200" dirty="0" err="1" smtClean="0"/>
+                        <a:t>Deliver_recipient</a:t>
+                      </a:r>
+                      <a:endParaRPr lang="ko-KR" altLang="en-US" sz="1200" dirty="0"/>
+                    </a:p>
+                  </a:txBody>
+                  <a:tcPr anchor="ctr"/>
+                </a:tc>
+                <a:tc>
+                  <a:txBody>
+                    <a:bodyPr/>
+                    <a:lstStyle/>
+                    <a:p>
+                      <a:pPr algn="ctr"/>
+                      <a:r>
+                        <a:rPr lang="ko-KR" altLang="en-US" sz="1200" dirty="0" smtClean="0"/>
+                        <a:t>수령인</a:t>
+                      </a:r>
+                      <a:endParaRPr lang="ko-KR" altLang="en-US" sz="1200" dirty="0"/>
+                    </a:p>
+                  </a:txBody>
+                  <a:tcPr anchor="ctr"/>
+                </a:tc>
+                <a:tc>
+                  <a:txBody>
+                    <a:bodyPr/>
+                    <a:lstStyle/>
+                    <a:p>
+                      <a:pPr marL="0" marR="0" indent="0" algn="ctr" defTabSz="914400" rtl="0" eaLnBrk="1" fontAlgn="auto" latinLnBrk="1" hangingPunct="1">
+                        <a:lnSpc>
+                          <a:spcPct val="100000"/>
+                        </a:lnSpc>
+                        <a:spcBef>
+                          <a:spcPts val="0"/>
+                        </a:spcBef>
+                        <a:spcAft>
+                          <a:spcPts val="0"/>
+                        </a:spcAft>
+                        <a:buClrTx/>
+                        <a:buSzTx/>
+                        <a:buFontTx/>
+                        <a:buNone/>
+                        <a:tabLst/>
+                        <a:defRPr/>
+                      </a:pPr>
+                      <a:r>
+                        <a:rPr lang="en-US" altLang="ko-KR" sz="1200" dirty="0" smtClean="0"/>
+                        <a:t>VARCHAR(45)</a:t>
+                      </a:r>
+                      <a:endParaRPr lang="ko-KR" altLang="en-US" sz="1200" dirty="0" smtClean="0"/>
+                    </a:p>
+                  </a:txBody>
+                  <a:tcPr anchor="ctr"/>
+                </a:tc>
+                <a:tc>
+                  <a:txBody>
+                    <a:bodyPr/>
+                    <a:lstStyle/>
+                    <a:p>
+                      <a:pPr algn="ctr"/>
+                      <a:endParaRPr lang="ko-KR" altLang="en-US"/>
+                    </a:p>
+                  </a:txBody>
+                  <a:tcPr anchor="ctr"/>
+                </a:tc>
+                <a:tc>
+                  <a:txBody>
+                    <a:bodyPr/>
+                    <a:lstStyle/>
+                    <a:p>
+                      <a:pPr algn="ctr" latinLnBrk="1"/>
+                      <a:endParaRPr lang="ko-KR" altLang="en-US" sz="1200"/>
+                    </a:p>
+                  </a:txBody>
+                  <a:tcPr anchor="ctr"/>
+                </a:tc>
+                <a:tc>
+                  <a:txBody>
+                    <a:bodyPr/>
+                    <a:lstStyle/>
+                    <a:p>
+                      <a:pPr algn="ctr" latinLnBrk="1"/>
+                      <a:endParaRPr lang="ko-KR" altLang="en-US" sz="1200"/>
+                    </a:p>
+                  </a:txBody>
+                  <a:tcPr anchor="ctr"/>
+                </a:tc>
+              </a:tr>
+              <a:tr h="370840">
+                <a:tc vMerge="1">
+                  <a:txBody>
+                    <a:bodyPr/>
+                    <a:lstStyle/>
+                    <a:p>
+                      <a:pPr latinLnBrk="1"/>
+                      <a:endParaRPr lang="ko-KR" altLang="en-US" sz="1200" dirty="0"/>
+                    </a:p>
+                  </a:txBody>
+                  <a:tcPr/>
+                </a:tc>
+                <a:tc>
+                  <a:txBody>
+                    <a:bodyPr/>
+                    <a:lstStyle/>
+                    <a:p>
+                      <a:pPr algn="ctr" latinLnBrk="1"/>
+                      <a:r>
+                        <a:rPr lang="en-US" altLang="ko-KR" sz="1200" dirty="0" smtClean="0"/>
+                        <a:t>Deliver_address1</a:t>
+                      </a:r>
+                      <a:endParaRPr lang="ko-KR" altLang="en-US" sz="1200" dirty="0"/>
+                    </a:p>
+                  </a:txBody>
+                  <a:tcPr anchor="ctr"/>
+                </a:tc>
+                <a:tc>
+                  <a:txBody>
+                    <a:bodyPr/>
+                    <a:lstStyle/>
+                    <a:p>
+                      <a:pPr algn="ctr"/>
+                      <a:r>
+                        <a:rPr lang="ko-KR" altLang="en-US" sz="1200" dirty="0" err="1" smtClean="0"/>
+                        <a:t>수령지</a:t>
+                      </a:r>
+                      <a:endParaRPr lang="ko-KR" altLang="en-US" sz="1200" dirty="0"/>
+                    </a:p>
+                  </a:txBody>
+                  <a:tcPr anchor="ctr"/>
+                </a:tc>
+                <a:tc>
+                  <a:txBody>
+                    <a:bodyPr/>
+                    <a:lstStyle/>
+                    <a:p>
+                      <a:pPr marL="0" marR="0" indent="0" algn="ctr" defTabSz="914400" rtl="0" eaLnBrk="1" fontAlgn="auto" latinLnBrk="1" hangingPunct="1">
+                        <a:lnSpc>
+                          <a:spcPct val="100000"/>
+                        </a:lnSpc>
+                        <a:spcBef>
+                          <a:spcPts val="0"/>
+                        </a:spcBef>
+                        <a:spcAft>
+                          <a:spcPts val="0"/>
+                        </a:spcAft>
+                        <a:buClrTx/>
+                        <a:buSzTx/>
+                        <a:buFontTx/>
+                        <a:buNone/>
+                        <a:tabLst/>
+                        <a:defRPr/>
+                      </a:pPr>
+                      <a:r>
+                        <a:rPr lang="en-US" altLang="ko-KR" sz="1200" dirty="0" smtClean="0"/>
+                        <a:t>VARCHAR(45)</a:t>
+                      </a:r>
+                      <a:endParaRPr lang="ko-KR" altLang="en-US" sz="1200" dirty="0" smtClean="0"/>
+                    </a:p>
+                  </a:txBody>
+                  <a:tcPr anchor="ctr"/>
+                </a:tc>
+                <a:tc>
+                  <a:txBody>
+                    <a:bodyPr/>
+                    <a:lstStyle/>
+                    <a:p>
+                      <a:pPr algn="ctr"/>
+                      <a:endParaRPr lang="ko-KR" altLang="en-US" dirty="0"/>
+                    </a:p>
+                  </a:txBody>
+                  <a:tcPr anchor="ctr"/>
+                </a:tc>
+                <a:tc>
+                  <a:txBody>
+                    <a:bodyPr/>
+                    <a:lstStyle/>
+                    <a:p>
+                      <a:pPr algn="ctr" latinLnBrk="1"/>
+                      <a:endParaRPr lang="ko-KR" altLang="en-US" sz="1200" dirty="0"/>
+                    </a:p>
+                  </a:txBody>
+                  <a:tcPr anchor="ctr"/>
+                </a:tc>
+                <a:tc>
+                  <a:txBody>
+                    <a:bodyPr/>
+                    <a:lstStyle/>
+                    <a:p>
+                      <a:pPr algn="ctr" latinLnBrk="1"/>
+                      <a:endParaRPr lang="ko-KR" altLang="en-US" sz="1200"/>
+                    </a:p>
+                  </a:txBody>
+                  <a:tcPr anchor="ctr"/>
+                </a:tc>
+              </a:tr>
+              <a:tr h="370840">
+                <a:tc vMerge="1">
+                  <a:txBody>
+                    <a:bodyPr/>
+                    <a:lstStyle/>
+                    <a:p>
+                      <a:pPr latinLnBrk="1"/>
+                      <a:endParaRPr lang="ko-KR" altLang="en-US" sz="1200" dirty="0"/>
+                    </a:p>
+                  </a:txBody>
+                  <a:tcPr/>
+                </a:tc>
+                <a:tc>
+                  <a:txBody>
+                    <a:bodyPr/>
+                    <a:lstStyle/>
+                    <a:p>
+                      <a:pPr algn="ctr" latinLnBrk="1"/>
+                      <a:r>
+                        <a:rPr lang="en-US" altLang="ko-KR" sz="1200" dirty="0" smtClean="0"/>
+                        <a:t>Deliver_address2</a:t>
+                      </a:r>
+                      <a:endParaRPr lang="ko-KR" altLang="en-US" sz="1200" dirty="0"/>
+                    </a:p>
+                  </a:txBody>
+                  <a:tcPr anchor="ctr"/>
+                </a:tc>
+                <a:tc>
+                  <a:txBody>
+                    <a:bodyPr/>
+                    <a:lstStyle/>
+                    <a:p>
+                      <a:pPr algn="ctr"/>
+                      <a:r>
+                        <a:rPr lang="ko-KR" altLang="en-US" sz="1200" dirty="0" err="1" smtClean="0"/>
+                        <a:t>수령지</a:t>
+                      </a:r>
+                      <a:r>
+                        <a:rPr lang="ko-KR" altLang="en-US" sz="1200" dirty="0" smtClean="0"/>
+                        <a:t> 상세주소</a:t>
+                      </a:r>
+                      <a:endParaRPr lang="ko-KR" altLang="en-US" sz="1200" dirty="0"/>
+                    </a:p>
+                  </a:txBody>
+                  <a:tcPr anchor="ctr"/>
+                </a:tc>
+                <a:tc>
+                  <a:txBody>
+                    <a:bodyPr/>
+                    <a:lstStyle/>
+                    <a:p>
+                      <a:pPr marL="0" marR="0" indent="0" algn="ctr" defTabSz="914400" rtl="0" eaLnBrk="1" fontAlgn="auto" latinLnBrk="1" hangingPunct="1">
+                        <a:lnSpc>
+                          <a:spcPct val="100000"/>
+                        </a:lnSpc>
+                        <a:spcBef>
+                          <a:spcPts val="0"/>
+                        </a:spcBef>
+                        <a:spcAft>
+                          <a:spcPts val="0"/>
+                        </a:spcAft>
+                        <a:buClrTx/>
+                        <a:buSzTx/>
+                        <a:buFontTx/>
+                        <a:buNone/>
+                        <a:tabLst/>
+                        <a:defRPr/>
+                      </a:pPr>
+                      <a:r>
+                        <a:rPr lang="en-US" altLang="ko-KR" sz="1200" dirty="0" smtClean="0"/>
+                        <a:t>VARCHAR(45)</a:t>
+                      </a:r>
+                      <a:endParaRPr lang="ko-KR" altLang="en-US" sz="1200" dirty="0" smtClean="0"/>
+                    </a:p>
+                  </a:txBody>
+                  <a:tcPr anchor="ctr"/>
+                </a:tc>
+                <a:tc>
+                  <a:txBody>
+                    <a:bodyPr/>
+                    <a:lstStyle/>
+                    <a:p>
+                      <a:pPr algn="ctr" latinLnBrk="1"/>
+                      <a:endParaRPr lang="ko-KR" altLang="en-US" sz="1200" dirty="0"/>
+                    </a:p>
+                  </a:txBody>
+                  <a:tcPr anchor="ctr"/>
+                </a:tc>
+                <a:tc>
+                  <a:txBody>
+                    <a:bodyPr/>
+                    <a:lstStyle/>
+                    <a:p>
+                      <a:pPr algn="ctr" latinLnBrk="1"/>
+                      <a:endParaRPr lang="ko-KR" altLang="en-US" sz="1200"/>
+                    </a:p>
+                  </a:txBody>
+                  <a:tcPr anchor="ctr"/>
+                </a:tc>
+                <a:tc>
+                  <a:txBody>
+                    <a:bodyPr/>
+                    <a:lstStyle/>
+                    <a:p>
+                      <a:pPr algn="ctr" latinLnBrk="1"/>
+                      <a:endParaRPr lang="ko-KR" altLang="en-US" sz="1200"/>
+                    </a:p>
+                  </a:txBody>
+                  <a:tcPr anchor="ctr"/>
+                </a:tc>
+              </a:tr>
+              <a:tr h="370840">
+                <a:tc vMerge="1">
+                  <a:txBody>
+                    <a:bodyPr/>
+                    <a:lstStyle/>
+                    <a:p>
+                      <a:pPr latinLnBrk="1"/>
+                      <a:endParaRPr lang="ko-KR" altLang="en-US" sz="1200"/>
+                    </a:p>
+                  </a:txBody>
+                  <a:tcPr/>
+                </a:tc>
+                <a:tc>
+                  <a:txBody>
+                    <a:bodyPr/>
+                    <a:lstStyle/>
+                    <a:p>
+                      <a:pPr algn="ctr" latinLnBrk="1"/>
+                      <a:r>
+                        <a:rPr lang="en-US" altLang="ko-KR" sz="1200" dirty="0" err="1" smtClean="0"/>
+                        <a:t>Deliver_post</a:t>
+                      </a:r>
+                      <a:endParaRPr lang="ko-KR" altLang="en-US" sz="1200" dirty="0"/>
+                    </a:p>
+                  </a:txBody>
+                  <a:tcPr anchor="ctr"/>
+                </a:tc>
+                <a:tc>
+                  <a:txBody>
+                    <a:bodyPr/>
+                    <a:lstStyle/>
+                    <a:p>
+                      <a:pPr algn="ctr"/>
+                      <a:r>
+                        <a:rPr lang="ko-KR" altLang="en-US" sz="1200" dirty="0" smtClean="0"/>
+                        <a:t>우편번호</a:t>
+                      </a:r>
+                      <a:endParaRPr lang="ko-KR" altLang="en-US" sz="1200" dirty="0"/>
+                    </a:p>
+                  </a:txBody>
+                  <a:tcPr anchor="ctr"/>
+                </a:tc>
+                <a:tc>
+                  <a:txBody>
+                    <a:bodyPr/>
+                    <a:lstStyle/>
+                    <a:p>
+                      <a:pPr algn="ctr" latinLnBrk="1"/>
+                      <a:r>
+                        <a:rPr lang="en-US" altLang="ko-KR" sz="1200" dirty="0" smtClean="0"/>
+                        <a:t>INT(11)</a:t>
+                      </a:r>
+                      <a:endParaRPr lang="ko-KR" altLang="en-US" sz="1200" dirty="0"/>
+                    </a:p>
+                  </a:txBody>
+                  <a:tcPr anchor="ctr"/>
+                </a:tc>
+                <a:tc>
+                  <a:txBody>
+                    <a:bodyPr/>
+                    <a:lstStyle/>
+                    <a:p>
+                      <a:pPr algn="ctr" latinLnBrk="1"/>
+                      <a:endParaRPr lang="ko-KR" altLang="en-US" sz="1200"/>
+                    </a:p>
+                  </a:txBody>
+                  <a:tcPr anchor="ctr"/>
+                </a:tc>
+                <a:tc>
+                  <a:txBody>
+                    <a:bodyPr/>
+                    <a:lstStyle/>
+                    <a:p>
+                      <a:pPr algn="ctr" latinLnBrk="1"/>
+                      <a:endParaRPr lang="ko-KR" altLang="en-US" sz="1200" dirty="0"/>
+                    </a:p>
+                  </a:txBody>
+                  <a:tcPr anchor="ctr"/>
+                </a:tc>
+                <a:tc>
+                  <a:txBody>
+                    <a:bodyPr/>
+                    <a:lstStyle/>
+                    <a:p>
+                      <a:pPr algn="ctr" latinLnBrk="1"/>
+                      <a:endParaRPr lang="ko-KR" altLang="en-US" sz="1200"/>
+                    </a:p>
+                  </a:txBody>
+                  <a:tcPr anchor="ctr"/>
+                </a:tc>
+              </a:tr>
+              <a:tr h="370840">
+                <a:tc vMerge="1">
+                  <a:txBody>
+                    <a:bodyPr/>
+                    <a:lstStyle/>
+                    <a:p>
+                      <a:pPr latinLnBrk="1"/>
+                      <a:endParaRPr lang="ko-KR" altLang="en-US" sz="1200" dirty="0"/>
+                    </a:p>
+                  </a:txBody>
+                  <a:tcPr/>
+                </a:tc>
+                <a:tc>
+                  <a:txBody>
+                    <a:bodyPr/>
+                    <a:lstStyle/>
+                    <a:p>
+                      <a:pPr algn="ctr" latinLnBrk="1"/>
+                      <a:r>
+                        <a:rPr lang="en-US" altLang="ko-KR" sz="1200" dirty="0" err="1" smtClean="0"/>
+                        <a:t>Deliver_phone</a:t>
+                      </a:r>
+                      <a:endParaRPr lang="ko-KR" altLang="en-US" sz="1200" dirty="0"/>
+                    </a:p>
+                  </a:txBody>
+                  <a:tcPr anchor="ctr"/>
+                </a:tc>
+                <a:tc>
+                  <a:txBody>
+                    <a:bodyPr/>
+                    <a:lstStyle/>
+                    <a:p>
+                      <a:pPr algn="ctr"/>
+                      <a:r>
+                        <a:rPr lang="ko-KR" altLang="en-US" sz="1200" dirty="0" err="1" smtClean="0"/>
+                        <a:t>폰번호</a:t>
+                      </a:r>
+                      <a:endParaRPr lang="ko-KR" altLang="en-US" sz="1200" dirty="0"/>
+                    </a:p>
+                  </a:txBody>
+                  <a:tcPr anchor="ctr"/>
+                </a:tc>
+                <a:tc>
+                  <a:txBody>
+                    <a:bodyPr/>
+                    <a:lstStyle/>
+                    <a:p>
+                      <a:pPr marL="0" marR="0" indent="0" algn="ctr" defTabSz="914400" rtl="0" eaLnBrk="1" fontAlgn="auto" latinLnBrk="1" hangingPunct="1">
+                        <a:lnSpc>
+                          <a:spcPct val="100000"/>
+                        </a:lnSpc>
+                        <a:spcBef>
+                          <a:spcPts val="0"/>
+                        </a:spcBef>
+                        <a:spcAft>
+                          <a:spcPts val="0"/>
+                        </a:spcAft>
+                        <a:buClrTx/>
+                        <a:buSzTx/>
+                        <a:buFontTx/>
+                        <a:buNone/>
+                        <a:tabLst/>
+                        <a:defRPr/>
+                      </a:pPr>
+                      <a:r>
+                        <a:rPr lang="en-US" altLang="ko-KR" sz="1200" dirty="0" smtClean="0"/>
+                        <a:t>VARCHAR(20)</a:t>
+                      </a:r>
+                      <a:endParaRPr lang="ko-KR" altLang="en-US" sz="1200" dirty="0" smtClean="0"/>
+                    </a:p>
+                  </a:txBody>
+                  <a:tcPr anchor="ctr"/>
+                </a:tc>
+                <a:tc>
+                  <a:txBody>
+                    <a:bodyPr/>
+                    <a:lstStyle/>
+                    <a:p>
+                      <a:pPr marL="0" marR="0" indent="0" algn="ctr" defTabSz="914400" rtl="0" eaLnBrk="1" fontAlgn="auto" latinLnBrk="1" hangingPunct="1">
+                        <a:lnSpc>
+                          <a:spcPct val="100000"/>
+                        </a:lnSpc>
+                        <a:spcBef>
+                          <a:spcPts val="0"/>
+                        </a:spcBef>
+                        <a:spcAft>
+                          <a:spcPts val="0"/>
+                        </a:spcAft>
+                        <a:buClrTx/>
+                        <a:buSzTx/>
+                        <a:buFontTx/>
+                        <a:buNone/>
+                        <a:tabLst/>
+                        <a:defRPr/>
+                      </a:pPr>
+                      <a:r>
+                        <a:rPr lang="en-US" altLang="ko-KR" sz="1200" dirty="0" smtClean="0"/>
+                        <a:t>NN</a:t>
+                      </a:r>
+                      <a:endParaRPr lang="ko-KR" altLang="en-US" sz="1200" dirty="0" smtClean="0"/>
+                    </a:p>
+                  </a:txBody>
+                  <a:tcPr anchor="ctr"/>
+                </a:tc>
+                <a:tc>
+                  <a:txBody>
+                    <a:bodyPr/>
+                    <a:lstStyle/>
+                    <a:p>
+                      <a:pPr algn="ctr" latinLnBrk="1"/>
+                      <a:endParaRPr lang="ko-KR" altLang="en-US" sz="1200"/>
+                    </a:p>
+                  </a:txBody>
+                  <a:tcPr anchor="ctr"/>
+                </a:tc>
+                <a:tc>
+                  <a:txBody>
+                    <a:bodyPr/>
+                    <a:lstStyle/>
+                    <a:p>
+                      <a:pPr algn="ctr" latinLnBrk="1"/>
+                      <a:endParaRPr lang="ko-KR" altLang="en-US" sz="1200" dirty="0"/>
+                    </a:p>
+                  </a:txBody>
+                  <a:tcPr anchor="ctr"/>
+                </a:tc>
+              </a:tr>
+            </a:tbl>
+          </a:graphicData>
+        </a:graphic>
+      </p:graphicFrame>
+    </p:spTree>
+    <p:extLst>
+      <p:ext uri="{BB962C8B-B14F-4D97-AF65-F5344CB8AC3E}">
+        <p14:creationId xmlns:p14="http://schemas.microsoft.com/office/powerpoint/2010/main" val="3100195935"/>
+      </p:ext>
+    </p:extLst>
+  </p:cSld>
+  <p:clrMapOvr>
+    <a:masterClrMapping/>
+  </p:clrMapOvr>
+  <p:timing>
+    <p:tnLst>
+      <p:par>
+        <p:cTn id="1" dur="indefinite" restart="never" nodeType="tmRoot"/>
+      </p:par>
+    </p:tnLst>
+  </p:timing>
+</p:sld>
+</file>
+
+<file path=ppt/slides/slide12.xml><?xml version="1.0" encoding="utf-8"?>
+<p:sld xmlns:a="http://schemas.openxmlformats.org/drawingml/2006/main" xmlns:r="http://schemas.openxmlformats.org/officeDocument/2006/relationships" xmlns:p="http://schemas.openxmlformats.org/presentationml/2006/main">
+  <p:cSld>
+    <p:spTree>
+      <p:nvGrpSpPr>
+        <p:cNvPr id="1" name=""/>
+        <p:cNvGrpSpPr/>
+        <p:nvPr/>
+      </p:nvGrpSpPr>
+      <p:grpSpPr>
+        <a:xfrm>
+          <a:off x="0" y="0"/>
+          <a:ext cx="0" cy="0"/>
+          <a:chOff x="0" y="0"/>
+          <a:chExt cx="0" cy="0"/>
+        </a:xfrm>
+      </p:grpSpPr>
+      <p:sp>
+        <p:nvSpPr>
+          <p:cNvPr id="2" name="제목 1"/>
+          <p:cNvSpPr>
+            <a:spLocks noGrp="1"/>
+          </p:cNvSpPr>
+          <p:nvPr>
+            <p:ph type="title"/>
+          </p:nvPr>
+        </p:nvSpPr>
+        <p:spPr/>
+        <p:txBody>
           <a:bodyPr/>
           <a:lstStyle/>
           <a:p>
             <a:r>
               <a:rPr lang="ko-KR" altLang="en-US" dirty="0" smtClean="0"/>
-              <a:t>가방부자재사이</a:t>
+              <a:t>스토리보드</a:t>
             </a:r>
+            <a:endParaRPr lang="ko-KR" altLang="en-US" dirty="0"/>
+          </a:p>
+        </p:txBody>
+      </p:sp>
+      <p:pic>
+        <p:nvPicPr>
+          <p:cNvPr id="2050" name="Picture 2" descr="C:\YJH\git\leather\leather_last\스토리보드\1.jpg"/>
+          <p:cNvPicPr>
+            <a:picLocks noChangeAspect="1" noChangeArrowheads="1"/>
+          </p:cNvPicPr>
+          <p:nvPr/>
+        </p:nvPicPr>
+        <p:blipFill>
+          <a:blip r:embed="rId2" cstate="print">
+            <a:extLst>
+              <a:ext uri="{28A0092B-C50C-407E-A947-70E740481C1C}">
+                <a14:useLocalDpi xmlns:a14="http://schemas.microsoft.com/office/drawing/2010/main" val="0"/>
+              </a:ext>
+            </a:extLst>
+          </a:blip>
+          <a:srcRect/>
+          <a:stretch>
+            <a:fillRect/>
+          </a:stretch>
+        </p:blipFill>
+        <p:spPr bwMode="auto">
+          <a:xfrm>
+            <a:off x="1166335" y="1340768"/>
+            <a:ext cx="2088232" cy="1566174"/>
+          </a:xfrm>
+          <a:prstGeom prst="rect">
+            <a:avLst/>
+          </a:prstGeom>
+          <a:noFill/>
+          <a:extLst>
+            <a:ext uri="{909E8E84-426E-40DD-AFC4-6F175D3DCCD1}">
+              <a14:hiddenFill xmlns:a14="http://schemas.microsoft.com/office/drawing/2010/main">
+                <a:solidFill>
+                  <a:srgbClr val="FFFFFF"/>
+                </a:solidFill>
+              </a14:hiddenFill>
+            </a:ext>
+          </a:extLst>
+        </p:spPr>
+      </p:pic>
+      <p:pic>
+        <p:nvPicPr>
+          <p:cNvPr id="2051" name="Picture 3" descr="C:\YJH\git\leather\leather_last\스토리보드\2.jpg"/>
+          <p:cNvPicPr>
+            <a:picLocks noChangeAspect="1" noChangeArrowheads="1"/>
+          </p:cNvPicPr>
+          <p:nvPr/>
+        </p:nvPicPr>
+        <p:blipFill>
+          <a:blip r:embed="rId3" cstate="print">
+            <a:extLst>
+              <a:ext uri="{28A0092B-C50C-407E-A947-70E740481C1C}">
+                <a14:useLocalDpi xmlns:a14="http://schemas.microsoft.com/office/drawing/2010/main" val="0"/>
+              </a:ext>
+            </a:extLst>
+          </a:blip>
+          <a:srcRect/>
+          <a:stretch>
+            <a:fillRect/>
+          </a:stretch>
+        </p:blipFill>
+        <p:spPr bwMode="auto">
+          <a:xfrm>
+            <a:off x="3468623" y="1340768"/>
+            <a:ext cx="2088232" cy="1566174"/>
+          </a:xfrm>
+          <a:prstGeom prst="rect">
+            <a:avLst/>
+          </a:prstGeom>
+          <a:noFill/>
+          <a:extLst>
+            <a:ext uri="{909E8E84-426E-40DD-AFC4-6F175D3DCCD1}">
+              <a14:hiddenFill xmlns:a14="http://schemas.microsoft.com/office/drawing/2010/main">
+                <a:solidFill>
+                  <a:srgbClr val="FFFFFF"/>
+                </a:solidFill>
+              </a14:hiddenFill>
+            </a:ext>
+          </a:extLst>
+        </p:spPr>
+      </p:pic>
+      <p:pic>
+        <p:nvPicPr>
+          <p:cNvPr id="2052" name="Picture 4" descr="C:\YJH\git\leather\leather_last\스토리보드\3.jpg"/>
+          <p:cNvPicPr>
+            <a:picLocks noChangeAspect="1" noChangeArrowheads="1"/>
+          </p:cNvPicPr>
+          <p:nvPr/>
+        </p:nvPicPr>
+        <p:blipFill>
+          <a:blip r:embed="rId4" cstate="print">
+            <a:extLst>
+              <a:ext uri="{28A0092B-C50C-407E-A947-70E740481C1C}">
+                <a14:useLocalDpi xmlns:a14="http://schemas.microsoft.com/office/drawing/2010/main" val="0"/>
+              </a:ext>
+            </a:extLst>
+          </a:blip>
+          <a:srcRect/>
+          <a:stretch>
+            <a:fillRect/>
+          </a:stretch>
+        </p:blipFill>
+        <p:spPr bwMode="auto">
+          <a:xfrm>
+            <a:off x="5846855" y="1340768"/>
+            <a:ext cx="2088232" cy="1566174"/>
+          </a:xfrm>
+          <a:prstGeom prst="rect">
+            <a:avLst/>
+          </a:prstGeom>
+          <a:noFill/>
+          <a:extLst>
+            <a:ext uri="{909E8E84-426E-40DD-AFC4-6F175D3DCCD1}">
+              <a14:hiddenFill xmlns:a14="http://schemas.microsoft.com/office/drawing/2010/main">
+                <a:solidFill>
+                  <a:srgbClr val="FFFFFF"/>
+                </a:solidFill>
+              </a14:hiddenFill>
+            </a:ext>
+          </a:extLst>
+        </p:spPr>
+      </p:pic>
+      <p:pic>
+        <p:nvPicPr>
+          <p:cNvPr id="2053" name="Picture 5" descr="C:\YJH\git\leather\leather_last\스토리보드\4.jpg"/>
+          <p:cNvPicPr>
+            <a:picLocks noChangeAspect="1" noChangeArrowheads="1"/>
+          </p:cNvPicPr>
+          <p:nvPr/>
+        </p:nvPicPr>
+        <p:blipFill>
+          <a:blip r:embed="rId5" cstate="print">
+            <a:extLst>
+              <a:ext uri="{28A0092B-C50C-407E-A947-70E740481C1C}">
+                <a14:useLocalDpi xmlns:a14="http://schemas.microsoft.com/office/drawing/2010/main" val="0"/>
+              </a:ext>
+            </a:extLst>
+          </a:blip>
+          <a:srcRect/>
+          <a:stretch>
+            <a:fillRect/>
+          </a:stretch>
+        </p:blipFill>
+        <p:spPr bwMode="auto">
+          <a:xfrm>
+            <a:off x="5821630" y="3280153"/>
+            <a:ext cx="2113457" cy="1585093"/>
+          </a:xfrm>
+          <a:prstGeom prst="rect">
+            <a:avLst/>
+          </a:prstGeom>
+          <a:noFill/>
+          <a:extLst>
+            <a:ext uri="{909E8E84-426E-40DD-AFC4-6F175D3DCCD1}">
+              <a14:hiddenFill xmlns:a14="http://schemas.microsoft.com/office/drawing/2010/main">
+                <a:solidFill>
+                  <a:srgbClr val="FFFFFF"/>
+                </a:solidFill>
+              </a14:hiddenFill>
+            </a:ext>
+          </a:extLst>
+        </p:spPr>
+      </p:pic>
+      <p:pic>
+        <p:nvPicPr>
+          <p:cNvPr id="2054" name="Picture 6" descr="C:\YJH\git\leather\leather_last\스토리보드\6.jpg"/>
+          <p:cNvPicPr>
+            <a:picLocks noChangeAspect="1" noChangeArrowheads="1"/>
+          </p:cNvPicPr>
+          <p:nvPr/>
+        </p:nvPicPr>
+        <p:blipFill>
+          <a:blip r:embed="rId6" cstate="print">
+            <a:extLst>
+              <a:ext uri="{28A0092B-C50C-407E-A947-70E740481C1C}">
+                <a14:useLocalDpi xmlns:a14="http://schemas.microsoft.com/office/drawing/2010/main" val="0"/>
+              </a:ext>
+            </a:extLst>
+          </a:blip>
+          <a:srcRect/>
+          <a:stretch>
+            <a:fillRect/>
+          </a:stretch>
+        </p:blipFill>
+        <p:spPr bwMode="auto">
+          <a:xfrm>
+            <a:off x="1136002" y="3003306"/>
+            <a:ext cx="2118565" cy="1588924"/>
+          </a:xfrm>
+          <a:prstGeom prst="rect">
+            <a:avLst/>
+          </a:prstGeom>
+          <a:noFill/>
+          <a:extLst>
+            <a:ext uri="{909E8E84-426E-40DD-AFC4-6F175D3DCCD1}">
+              <a14:hiddenFill xmlns:a14="http://schemas.microsoft.com/office/drawing/2010/main">
+                <a:solidFill>
+                  <a:srgbClr val="FFFFFF"/>
+                </a:solidFill>
+              </a14:hiddenFill>
+            </a:ext>
+          </a:extLst>
+        </p:spPr>
+      </p:pic>
+      <p:pic>
+        <p:nvPicPr>
+          <p:cNvPr id="2055" name="Picture 7" descr="C:\YJH\git\leather\leather_last\스토리보드\7.jpg"/>
+          <p:cNvPicPr>
+            <a:picLocks noChangeAspect="1" noChangeArrowheads="1"/>
+          </p:cNvPicPr>
+          <p:nvPr/>
+        </p:nvPicPr>
+        <p:blipFill>
+          <a:blip r:embed="rId7" cstate="print">
+            <a:extLst>
+              <a:ext uri="{28A0092B-C50C-407E-A947-70E740481C1C}">
+                <a14:useLocalDpi xmlns:a14="http://schemas.microsoft.com/office/drawing/2010/main" val="0"/>
+              </a:ext>
+            </a:extLst>
+          </a:blip>
+          <a:srcRect/>
+          <a:stretch>
+            <a:fillRect/>
+          </a:stretch>
+        </p:blipFill>
+        <p:spPr bwMode="auto">
+          <a:xfrm>
+            <a:off x="3468623" y="3284985"/>
+            <a:ext cx="2088232" cy="1566174"/>
+          </a:xfrm>
+          <a:prstGeom prst="rect">
+            <a:avLst/>
+          </a:prstGeom>
+          <a:noFill/>
+          <a:extLst>
+            <a:ext uri="{909E8E84-426E-40DD-AFC4-6F175D3DCCD1}">
+              <a14:hiddenFill xmlns:a14="http://schemas.microsoft.com/office/drawing/2010/main">
+                <a:solidFill>
+                  <a:srgbClr val="FFFFFF"/>
+                </a:solidFill>
+              </a14:hiddenFill>
+            </a:ext>
+          </a:extLst>
+        </p:spPr>
+      </p:pic>
+      <p:pic>
+        <p:nvPicPr>
+          <p:cNvPr id="2056" name="Picture 8" descr="C:\YJH\git\leather\leather_last\스토리보드\8.jpg"/>
+          <p:cNvPicPr>
+            <a:picLocks noChangeAspect="1" noChangeArrowheads="1"/>
+          </p:cNvPicPr>
+          <p:nvPr/>
+        </p:nvPicPr>
+        <p:blipFill>
+          <a:blip r:embed="rId8" cstate="print">
+            <a:extLst>
+              <a:ext uri="{28A0092B-C50C-407E-A947-70E740481C1C}">
+                <a14:useLocalDpi xmlns:a14="http://schemas.microsoft.com/office/drawing/2010/main" val="0"/>
+              </a:ext>
+            </a:extLst>
+          </a:blip>
+          <a:srcRect/>
+          <a:stretch>
+            <a:fillRect/>
+          </a:stretch>
+        </p:blipFill>
+        <p:spPr bwMode="auto">
+          <a:xfrm>
+            <a:off x="1199996" y="5157192"/>
+            <a:ext cx="2083098" cy="1562324"/>
+          </a:xfrm>
+          <a:prstGeom prst="rect">
+            <a:avLst/>
+          </a:prstGeom>
+          <a:noFill/>
+          <a:extLst>
+            <a:ext uri="{909E8E84-426E-40DD-AFC4-6F175D3DCCD1}">
+              <a14:hiddenFill xmlns:a14="http://schemas.microsoft.com/office/drawing/2010/main">
+                <a:solidFill>
+                  <a:srgbClr val="FFFFFF"/>
+                </a:solidFill>
+              </a14:hiddenFill>
+            </a:ext>
+          </a:extLst>
+        </p:spPr>
+      </p:pic>
+      <p:pic>
+        <p:nvPicPr>
+          <p:cNvPr id="2057" name="Picture 9" descr="C:\YJH\git\leather\leather_last\스토리보드\9.jpg"/>
+          <p:cNvPicPr>
+            <a:picLocks noChangeAspect="1" noChangeArrowheads="1"/>
+          </p:cNvPicPr>
+          <p:nvPr/>
+        </p:nvPicPr>
+        <p:blipFill>
+          <a:blip r:embed="rId9" cstate="print">
+            <a:extLst>
+              <a:ext uri="{28A0092B-C50C-407E-A947-70E740481C1C}">
+                <a14:useLocalDpi xmlns:a14="http://schemas.microsoft.com/office/drawing/2010/main" val="0"/>
+              </a:ext>
+            </a:extLst>
+          </a:blip>
+          <a:srcRect/>
+          <a:stretch>
+            <a:fillRect/>
+          </a:stretch>
+        </p:blipFill>
+        <p:spPr bwMode="auto">
+          <a:xfrm>
+            <a:off x="3468623" y="5115101"/>
+            <a:ext cx="2162207" cy="1621655"/>
+          </a:xfrm>
+          <a:prstGeom prst="rect">
+            <a:avLst/>
+          </a:prstGeom>
+          <a:noFill/>
+          <a:extLst>
+            <a:ext uri="{909E8E84-426E-40DD-AFC4-6F175D3DCCD1}">
+              <a14:hiddenFill xmlns:a14="http://schemas.microsoft.com/office/drawing/2010/main">
+                <a:solidFill>
+                  <a:srgbClr val="FFFFFF"/>
+                </a:solidFill>
+              </a14:hiddenFill>
+            </a:ext>
+          </a:extLst>
+        </p:spPr>
+      </p:pic>
+      <p:pic>
+        <p:nvPicPr>
+          <p:cNvPr id="2058" name="Picture 10" descr="C:\YJH\git\leather\leather_last\스토리보드\11.jpg"/>
+          <p:cNvPicPr>
+            <a:picLocks noChangeAspect="1" noChangeArrowheads="1"/>
+          </p:cNvPicPr>
+          <p:nvPr/>
+        </p:nvPicPr>
+        <p:blipFill>
+          <a:blip r:embed="rId10" cstate="print">
+            <a:extLst>
+              <a:ext uri="{28A0092B-C50C-407E-A947-70E740481C1C}">
+                <a14:useLocalDpi xmlns:a14="http://schemas.microsoft.com/office/drawing/2010/main" val="0"/>
+              </a:ext>
+            </a:extLst>
+          </a:blip>
+          <a:srcRect/>
+          <a:stretch>
+            <a:fillRect/>
+          </a:stretch>
+        </p:blipFill>
+        <p:spPr bwMode="auto">
+          <a:xfrm>
+            <a:off x="5846855" y="5196637"/>
+            <a:ext cx="2030507" cy="1522880"/>
+          </a:xfrm>
+          <a:prstGeom prst="rect">
+            <a:avLst/>
+          </a:prstGeom>
+          <a:noFill/>
+          <a:extLst>
+            <a:ext uri="{909E8E84-426E-40DD-AFC4-6F175D3DCCD1}">
+              <a14:hiddenFill xmlns:a14="http://schemas.microsoft.com/office/drawing/2010/main">
+                <a:solidFill>
+                  <a:srgbClr val="FFFFFF"/>
+                </a:solidFill>
+              </a14:hiddenFill>
+            </a:ext>
+          </a:extLst>
+        </p:spPr>
+      </p:pic>
+    </p:spTree>
+    <p:extLst>
+      <p:ext uri="{BB962C8B-B14F-4D97-AF65-F5344CB8AC3E}">
+        <p14:creationId xmlns:p14="http://schemas.microsoft.com/office/powerpoint/2010/main" val="272673782"/>
+      </p:ext>
+    </p:extLst>
+  </p:cSld>
+  <p:clrMapOvr>
+    <a:masterClrMapping/>
+  </p:clrMapOvr>
+</p:sld>
+</file>
+
+<file path=ppt/slides/slide13.xml><?xml version="1.0" encoding="utf-8"?>
+<p:sld xmlns:a="http://schemas.openxmlformats.org/drawingml/2006/main" xmlns:r="http://schemas.openxmlformats.org/officeDocument/2006/relationships" xmlns:p="http://schemas.openxmlformats.org/presentationml/2006/main">
+  <p:cSld>
+    <p:spTree>
+      <p:nvGrpSpPr>
+        <p:cNvPr id="1" name=""/>
+        <p:cNvGrpSpPr/>
+        <p:nvPr/>
+      </p:nvGrpSpPr>
+      <p:grpSpPr>
+        <a:xfrm>
+          <a:off x="0" y="0"/>
+          <a:ext cx="0" cy="0"/>
+          <a:chOff x="0" y="0"/>
+          <a:chExt cx="0" cy="0"/>
+        </a:xfrm>
+      </p:grpSpPr>
+      <p:sp>
+        <p:nvSpPr>
+          <p:cNvPr id="2" name="제목 1"/>
+          <p:cNvSpPr>
+            <a:spLocks noGrp="1"/>
+          </p:cNvSpPr>
+          <p:nvPr>
+            <p:ph type="title"/>
+          </p:nvPr>
+        </p:nvSpPr>
+        <p:spPr/>
+        <p:txBody>
+          <a:bodyPr/>
+          <a:lstStyle/>
+          <a:p>
             <a:r>
-              <a:rPr lang="ko-KR" altLang="en-US" dirty="0"/>
-              <a:t>트</a:t>
+              <a:rPr lang="ko-KR" altLang="en-US" dirty="0" smtClean="0"/>
+              <a:t>기능</a:t>
             </a:r>
+            <a:endParaRPr lang="ko-KR" altLang="en-US" dirty="0"/>
+          </a:p>
+        </p:txBody>
+      </p:sp>
+      <p:pic>
+        <p:nvPicPr>
+          <p:cNvPr id="1026" name="Picture 2" descr="C:\Users\green\Desktop\메인 슬라이드사진적용.jpg"/>
+          <p:cNvPicPr>
+            <a:picLocks noChangeAspect="1" noChangeArrowheads="1"/>
+          </p:cNvPicPr>
+          <p:nvPr/>
+        </p:nvPicPr>
+        <p:blipFill>
+          <a:blip r:embed="rId2" cstate="print">
+            <a:extLst>
+              <a:ext uri="{28A0092B-C50C-407E-A947-70E740481C1C}">
+                <a14:useLocalDpi xmlns:a14="http://schemas.microsoft.com/office/drawing/2010/main" val="0"/>
+              </a:ext>
+            </a:extLst>
+          </a:blip>
+          <a:srcRect/>
+          <a:stretch>
+            <a:fillRect/>
+          </a:stretch>
+        </p:blipFill>
+        <p:spPr bwMode="auto">
+          <a:xfrm>
+            <a:off x="1043608" y="1556792"/>
+            <a:ext cx="3456384" cy="4752528"/>
+          </a:xfrm>
+          <a:prstGeom prst="rect">
+            <a:avLst/>
+          </a:prstGeom>
+          <a:noFill/>
+          <a:extLst>
+            <a:ext uri="{909E8E84-426E-40DD-AFC4-6F175D3DCCD1}">
+              <a14:hiddenFill xmlns:a14="http://schemas.microsoft.com/office/drawing/2010/main">
+                <a:solidFill>
+                  <a:srgbClr val="FFFFFF"/>
+                </a:solidFill>
+              </a14:hiddenFill>
+            </a:ext>
+          </a:extLst>
+        </p:spPr>
+      </p:pic>
+      <p:sp>
+        <p:nvSpPr>
+          <p:cNvPr id="4" name="모서리가 둥근 직사각형 3"/>
+          <p:cNvSpPr/>
+          <p:nvPr/>
+        </p:nvSpPr>
+        <p:spPr>
+          <a:xfrm>
+            <a:off x="4860032" y="1772816"/>
+            <a:ext cx="3384376" cy="1368152"/>
+          </a:xfrm>
+          <a:prstGeom prst="roundRect">
+            <a:avLst/>
+          </a:prstGeom>
+        </p:spPr>
+        <p:style>
+          <a:lnRef idx="2">
+            <a:schemeClr val="accent1">
+              <a:shade val="50000"/>
+            </a:schemeClr>
+          </a:lnRef>
+          <a:fillRef idx="1">
+            <a:schemeClr val="accent1"/>
+          </a:fillRef>
+          <a:effectRef idx="0">
+            <a:schemeClr val="accent1"/>
+          </a:effectRef>
+          <a:fontRef idx="minor">
+            <a:schemeClr val="lt1"/>
+          </a:fontRef>
+        </p:style>
+        <p:txBody>
+          <a:bodyPr rtlCol="0" anchor="ctr"/>
+          <a:lstStyle/>
+          <a:p>
+            <a:pPr algn="ctr"/>
+            <a:endParaRPr lang="ko-KR" altLang="en-US"/>
           </a:p>
         </p:txBody>
       </p:sp>
     </p:spTree>
     <p:extLst>
       <p:ext uri="{BB962C8B-B14F-4D97-AF65-F5344CB8AC3E}">
-        <p14:creationId xmlns:p14="http://schemas.microsoft.com/office/powerpoint/2010/main" val="1254179667"/>
+        <p14:creationId xmlns:p14="http://schemas.microsoft.com/office/powerpoint/2010/main" val="1403967493"/>
       </p:ext>
     </p:extLst>
   </p:cSld>
@@ -3197,7 +6212,7 @@
           <a:p>
             <a:r>
               <a:rPr lang="ko-KR" altLang="en-US" dirty="0" smtClean="0"/>
-              <a:t>소개</a:t>
+              <a:t>목차</a:t>
             </a:r>
             <a:endParaRPr lang="ko-KR" altLang="en-US" dirty="0"/>
           </a:p>
@@ -3215,84 +6230,77 @@
         </p:nvSpPr>
         <p:spPr/>
         <p:txBody>
-          <a:bodyPr>
-            <a:normAutofit/>
-          </a:bodyPr>
+          <a:bodyPr/>
           <a:lstStyle/>
           <a:p>
             <a:r>
-              <a:rPr lang="ko-KR" altLang="en-US" sz="1800" dirty="0" smtClean="0"/>
-              <a:t>기획의도</a:t>
+              <a:rPr lang="ko-KR" altLang="en-US" dirty="0" smtClean="0"/>
+              <a:t>기획의도 개발환경</a:t>
             </a:r>
-            <a:endParaRPr lang="en-US" altLang="ko-KR" sz="1800" dirty="0" smtClean="0"/>
+            <a:endParaRPr lang="en-US" altLang="ko-KR" dirty="0" smtClean="0"/>
           </a:p>
           <a:p>
             <a:r>
-              <a:rPr lang="ko-KR" altLang="en-US" sz="1800" dirty="0" smtClean="0"/>
+              <a:rPr lang="ko-KR" altLang="en-US" dirty="0" smtClean="0"/>
               <a:t>요구사항명세서</a:t>
             </a:r>
-            <a:endParaRPr lang="en-US" altLang="ko-KR" sz="1800" dirty="0" smtClean="0"/>
+            <a:endParaRPr lang="en-US" altLang="ko-KR" dirty="0" smtClean="0"/>
           </a:p>
           <a:p>
             <a:r>
-              <a:rPr lang="en-US" altLang="ko-KR" sz="1800" dirty="0" smtClean="0"/>
-              <a:t>2.</a:t>
-            </a:r>
-          </a:p>
-          <a:p>
-            <a:r>
-              <a:rPr lang="ko-KR" altLang="en-US" sz="1800" dirty="0" smtClean="0"/>
-              <a:t>개발환경</a:t>
-            </a:r>
-            <a:endParaRPr lang="en-US" altLang="ko-KR" sz="1800" dirty="0" smtClean="0"/>
-          </a:p>
-          <a:p>
-            <a:r>
-              <a:rPr lang="ko-KR" altLang="en-US" sz="1800" dirty="0" smtClean="0"/>
-              <a:t>데이터베이스구성</a:t>
-            </a:r>
-            <a:endParaRPr lang="en-US" altLang="ko-KR" sz="1800" dirty="0" smtClean="0"/>
-          </a:p>
-          <a:p>
-            <a:r>
-              <a:rPr lang="ko-KR" altLang="en-US" sz="1800" dirty="0" err="1" smtClean="0"/>
-              <a:t>논리적물리적설계</a:t>
-            </a:r>
-            <a:endParaRPr lang="en-US" altLang="ko-KR" sz="1800" dirty="0" smtClean="0"/>
-          </a:p>
-          <a:p>
-            <a:r>
-              <a:rPr lang="en-US" altLang="ko-KR" sz="1800" dirty="0" smtClean="0"/>
-              <a:t>3.</a:t>
+              <a:rPr lang="ko-KR" altLang="en-US" dirty="0" smtClean="0"/>
+              <a:t>구성</a:t>
             </a:r>
             <a:r>
-              <a:rPr lang="ko-KR" altLang="en-US" sz="1800" dirty="0" smtClean="0"/>
-              <a:t>기능 </a:t>
+              <a:rPr lang="en-US" altLang="ko-KR" dirty="0" smtClean="0"/>
+              <a:t>-ER</a:t>
             </a:r>
-            <a:endParaRPr lang="en-US" altLang="ko-KR" sz="1800" dirty="0" smtClean="0"/>
-          </a:p>
-          <a:p>
             <a:r>
-              <a:rPr lang="ko-KR" altLang="en-US" sz="1800" dirty="0" smtClean="0"/>
-              <a:t>기능상세 </a:t>
+              <a:rPr lang="ko-KR" altLang="en-US" dirty="0" smtClean="0"/>
+              <a:t>다이어그램</a:t>
             </a:r>
-            <a:endParaRPr lang="en-US" altLang="ko-KR" sz="1800" smtClean="0"/>
-          </a:p>
-          <a:p>
-            <a:endParaRPr lang="ko-KR" altLang="en-US" sz="1800" dirty="0"/>
+            <a:endParaRPr lang="en-US" altLang="ko-KR" dirty="0" smtClean="0"/>
+          </a:p>
+          <a:p>
+            <a:r>
+              <a:rPr lang="ko-KR" altLang="en-US" dirty="0" smtClean="0"/>
+              <a:t>테이블정의</a:t>
+            </a:r>
+            <a:endParaRPr lang="en-US" altLang="ko-KR" dirty="0" smtClean="0"/>
+          </a:p>
+          <a:p>
+            <a:r>
+              <a:rPr lang="ko-KR" altLang="en-US" dirty="0" smtClean="0"/>
+              <a:t>스토리보드</a:t>
+            </a:r>
+            <a:endParaRPr lang="en-US" altLang="ko-KR" dirty="0" smtClean="0"/>
+          </a:p>
+          <a:p>
+            <a:r>
+              <a:rPr lang="ko-KR" altLang="en-US" dirty="0" smtClean="0"/>
+              <a:t>기능</a:t>
+            </a:r>
+            <a:endParaRPr lang="ko-KR" altLang="en-US" dirty="0"/>
           </a:p>
         </p:txBody>
       </p:sp>
     </p:spTree>
     <p:extLst>
       <p:ext uri="{BB962C8B-B14F-4D97-AF65-F5344CB8AC3E}">
-        <p14:creationId xmlns:p14="http://schemas.microsoft.com/office/powerpoint/2010/main" val="2543942368"/>
+        <p14:creationId xmlns:p14="http://schemas.microsoft.com/office/powerpoint/2010/main" val="701672944"/>
       </p:ext>
     </p:extLst>
   </p:cSld>
   <p:clrMapOvr>
     <a:masterClrMapping/>
   </p:clrMapOvr>
+  <p:timing>
+    <p:tnLst>
+      <p:par>
+        <p:cTn id="1" dur="indefinite" restart="never" nodeType="tmRoot"/>
+      </p:par>
+    </p:tnLst>
+  </p:timing>
 </p:sld>
 </file>
 
@@ -3325,12 +6333,14 @@
         </p:nvSpPr>
         <p:spPr/>
         <p:txBody>
-          <a:bodyPr/>
+          <a:bodyPr>
+            <a:normAutofit/>
+          </a:bodyPr>
           <a:lstStyle/>
           <a:p>
             <a:r>
               <a:rPr lang="ko-KR" altLang="en-US" dirty="0" smtClean="0"/>
-              <a:t>요구사항명세서</a:t>
+              <a:t>기획의도 </a:t>
             </a:r>
             <a:endParaRPr lang="ko-KR" altLang="en-US" dirty="0"/>
           </a:p>
@@ -3348,17 +6358,96 @@
         </p:nvSpPr>
         <p:spPr/>
         <p:txBody>
-          <a:bodyPr/>
+          <a:bodyPr>
+            <a:normAutofit/>
+          </a:bodyPr>
           <a:lstStyle/>
           <a:p>
-            <a:endParaRPr lang="ko-KR" altLang="en-US"/>
+            <a:r>
+              <a:rPr lang="ko-KR" altLang="en-US" sz="1050" dirty="0" smtClean="0"/>
+              <a:t>평소 관심 분야인 가죽공예부자재사이트를 만들어서 좀더 편리하게 </a:t>
+            </a:r>
+            <a:r>
+              <a:rPr lang="ko-KR" altLang="en-US" sz="1050" dirty="0" err="1" smtClean="0"/>
+              <a:t>구매할수</a:t>
+            </a:r>
+            <a:r>
+              <a:rPr lang="ko-KR" altLang="en-US" sz="1050" dirty="0" smtClean="0"/>
+              <a:t> </a:t>
+            </a:r>
+            <a:r>
+              <a:rPr lang="ko-KR" altLang="en-US" sz="1050" dirty="0" err="1" smtClean="0"/>
+              <a:t>있으면어떨까</a:t>
+            </a:r>
+            <a:r>
+              <a:rPr lang="ko-KR" altLang="en-US" sz="1050" dirty="0" smtClean="0"/>
+              <a:t> 하는 생각에 </a:t>
+            </a:r>
+            <a:r>
+              <a:rPr lang="ko-KR" altLang="en-US" sz="1050" dirty="0" err="1" smtClean="0"/>
+              <a:t>기획및</a:t>
+            </a:r>
+            <a:r>
+              <a:rPr lang="ko-KR" altLang="en-US" sz="1050" dirty="0" smtClean="0"/>
+              <a:t> 제작을 했음 </a:t>
+            </a:r>
+            <a:endParaRPr lang="en-US" altLang="ko-KR" sz="1050" dirty="0" smtClean="0"/>
+          </a:p>
+          <a:p>
+            <a:endParaRPr lang="en-US" altLang="ko-KR" sz="1050" dirty="0"/>
+          </a:p>
+          <a:p>
+            <a:endParaRPr lang="en-US" altLang="ko-KR" sz="1050" dirty="0" smtClean="0"/>
+          </a:p>
+          <a:p>
+            <a:r>
+              <a:rPr lang="ko-KR" altLang="en-US" sz="1050" dirty="0" smtClean="0"/>
+              <a:t>개발환경 </a:t>
+            </a:r>
+            <a:endParaRPr lang="en-US" altLang="ko-KR" sz="650" dirty="0" smtClean="0"/>
+          </a:p>
+          <a:p>
+            <a:r>
+              <a:rPr lang="en-US" altLang="ko-KR" sz="1200" dirty="0" smtClean="0"/>
+              <a:t>Windows 10</a:t>
+            </a:r>
+          </a:p>
+          <a:p>
+            <a:r>
+              <a:rPr lang="en-US" altLang="ko-KR" sz="1200" dirty="0"/>
+              <a:t>MySQL Workbench 8.0 </a:t>
+            </a:r>
+            <a:r>
+              <a:rPr lang="en-US" altLang="ko-KR" sz="1200" dirty="0" smtClean="0"/>
+              <a:t>CE</a:t>
+            </a:r>
+          </a:p>
+          <a:p>
+            <a:r>
+              <a:rPr lang="en-US" altLang="ko-KR" sz="1200" dirty="0" err="1" smtClean="0"/>
+              <a:t>JAVA,JSP,MVC,Json,Ajax</a:t>
+            </a:r>
+            <a:endParaRPr lang="en-US" altLang="ko-KR" sz="1200" dirty="0" smtClean="0"/>
+          </a:p>
+          <a:p>
+            <a:r>
+              <a:rPr lang="en-US" altLang="ko-KR" sz="1200" dirty="0" smtClean="0"/>
+              <a:t>Spring</a:t>
+            </a:r>
+          </a:p>
+          <a:p>
+            <a:r>
+              <a:rPr lang="en-US" altLang="ko-KR" sz="1200" dirty="0" smtClean="0"/>
+              <a:t>HTML5, CSS3,Javascript, bootStrap4</a:t>
+            </a:r>
+            <a:endParaRPr lang="en-US" altLang="ko-KR" sz="1200" dirty="0"/>
           </a:p>
         </p:txBody>
       </p:sp>
     </p:spTree>
     <p:extLst>
       <p:ext uri="{BB962C8B-B14F-4D97-AF65-F5344CB8AC3E}">
-        <p14:creationId xmlns:p14="http://schemas.microsoft.com/office/powerpoint/2010/main" val="2377581828"/>
+        <p14:creationId xmlns:p14="http://schemas.microsoft.com/office/powerpoint/2010/main" val="2319156792"/>
       </p:ext>
     </p:extLst>
   </p:cSld>
@@ -3401,40 +6490,46 @@
           <a:lstStyle/>
           <a:p>
             <a:r>
-              <a:rPr lang="en-US" altLang="ko-KR" dirty="0" err="1" smtClean="0"/>
-              <a:t>Er</a:t>
-            </a:r>
-            <a:r>
               <a:rPr lang="ko-KR" altLang="en-US" dirty="0" smtClean="0"/>
-              <a:t>다이어그램</a:t>
+              <a:t>요구사항명세서</a:t>
             </a:r>
             <a:endParaRPr lang="ko-KR" altLang="en-US" dirty="0"/>
           </a:p>
         </p:txBody>
       </p:sp>
-      <p:sp>
-        <p:nvSpPr>
-          <p:cNvPr id="3" name="내용 개체 틀 2"/>
-          <p:cNvSpPr>
-            <a:spLocks noGrp="1"/>
-          </p:cNvSpPr>
+      <p:pic>
+        <p:nvPicPr>
+          <p:cNvPr id="5" name="내용 개체 틀 4"/>
+          <p:cNvPicPr>
+            <a:picLocks noGrp="1" noChangeAspect="1"/>
+          </p:cNvPicPr>
           <p:nvPr>
             <p:ph idx="1"/>
           </p:nvPr>
-        </p:nvSpPr>
-        <p:spPr/>
-        <p:txBody>
-          <a:bodyPr/>
-          <a:lstStyle/>
-          <a:p>
-            <a:endParaRPr lang="ko-KR" altLang="en-US"/>
-          </a:p>
-        </p:txBody>
-      </p:sp>
+        </p:nvPicPr>
+        <p:blipFill>
+          <a:blip r:embed="rId2" cstate="print">
+            <a:extLst>
+              <a:ext uri="{28A0092B-C50C-407E-A947-70E740481C1C}">
+                <a14:useLocalDpi xmlns:a14="http://schemas.microsoft.com/office/drawing/2010/main" val="0"/>
+              </a:ext>
+            </a:extLst>
+          </a:blip>
+          <a:stretch>
+            <a:fillRect/>
+          </a:stretch>
+        </p:blipFill>
+        <p:spPr>
+          <a:xfrm>
+            <a:off x="899592" y="1196752"/>
+            <a:ext cx="4104456" cy="5264896"/>
+          </a:xfrm>
+        </p:spPr>
+      </p:pic>
     </p:spTree>
     <p:extLst>
       <p:ext uri="{BB962C8B-B14F-4D97-AF65-F5344CB8AC3E}">
-        <p14:creationId xmlns:p14="http://schemas.microsoft.com/office/powerpoint/2010/main" val="1830216678"/>
+        <p14:creationId xmlns:p14="http://schemas.microsoft.com/office/powerpoint/2010/main" val="2744897073"/>
       </p:ext>
     </p:extLst>
   </p:cSld>
@@ -3477,36 +6572,50 @@
           <a:lstStyle/>
           <a:p>
             <a:r>
-              <a:rPr lang="ko-KR" altLang="en-US" dirty="0" err="1" smtClean="0"/>
-              <a:t>논리적물리적설계</a:t>
+              <a:rPr lang="en-US" altLang="ko-KR" dirty="0" smtClean="0"/>
+              <a:t>ER</a:t>
+            </a:r>
+            <a:r>
+              <a:rPr lang="ko-KR" altLang="en-US" dirty="0" smtClean="0"/>
+              <a:t>다이어그램</a:t>
             </a:r>
             <a:endParaRPr lang="ko-KR" altLang="en-US" dirty="0"/>
           </a:p>
         </p:txBody>
       </p:sp>
-      <p:sp>
-        <p:nvSpPr>
-          <p:cNvPr id="3" name="내용 개체 틀 2"/>
-          <p:cNvSpPr>
-            <a:spLocks noGrp="1"/>
-          </p:cNvSpPr>
+      <p:pic>
+        <p:nvPicPr>
+          <p:cNvPr id="4" name="내용 개체 틀 3"/>
+          <p:cNvPicPr>
+            <a:picLocks noGrp="1" noChangeAspect="1"/>
+          </p:cNvPicPr>
           <p:nvPr>
             <p:ph idx="1"/>
           </p:nvPr>
-        </p:nvSpPr>
-        <p:spPr/>
-        <p:txBody>
-          <a:bodyPr/>
-          <a:lstStyle/>
-          <a:p>
-            <a:endParaRPr lang="ko-KR" altLang="en-US"/>
-          </a:p>
-        </p:txBody>
-      </p:sp>
+        </p:nvPicPr>
+        <p:blipFill>
+          <a:blip r:embed="rId2">
+            <a:extLst>
+              <a:ext uri="{28A0092B-C50C-407E-A947-70E740481C1C}">
+                <a14:useLocalDpi xmlns:a14="http://schemas.microsoft.com/office/drawing/2010/main" val="0"/>
+              </a:ext>
+            </a:extLst>
+          </a:blip>
+          <a:stretch>
+            <a:fillRect/>
+          </a:stretch>
+        </p:blipFill>
+        <p:spPr>
+          <a:xfrm>
+            <a:off x="683568" y="1340768"/>
+            <a:ext cx="6624736" cy="4968552"/>
+          </a:xfrm>
+        </p:spPr>
+      </p:pic>
     </p:spTree>
     <p:extLst>
       <p:ext uri="{BB962C8B-B14F-4D97-AF65-F5344CB8AC3E}">
-        <p14:creationId xmlns:p14="http://schemas.microsoft.com/office/powerpoint/2010/main" val="166571746"/>
+        <p14:creationId xmlns:p14="http://schemas.microsoft.com/office/powerpoint/2010/main" val="2445925645"/>
       </p:ext>
     </p:extLst>
   </p:cSld>
@@ -3545,49 +6654,1381 @@
         </p:nvSpPr>
         <p:spPr/>
         <p:txBody>
-          <a:bodyPr/>
+          <a:bodyPr>
+            <a:normAutofit/>
+          </a:bodyPr>
           <a:lstStyle/>
           <a:p>
+            <a:pPr algn="l"/>
             <a:r>
-              <a:rPr lang="ko-KR" altLang="en-US" dirty="0" smtClean="0"/>
-              <a:t>스토리보</a:t>
+              <a:rPr lang="ko-KR" altLang="en-US" sz="2800" dirty="0" smtClean="0"/>
+              <a:t>테이블정의</a:t>
             </a:r>
             <a:r>
-              <a:rPr lang="ko-KR" altLang="en-US" dirty="0"/>
-              <a:t>드</a:t>
+              <a:rPr lang="en-US" altLang="ko-KR" sz="2800" dirty="0" smtClean="0"/>
+              <a:t>_member</a:t>
             </a:r>
+            <a:endParaRPr lang="ko-KR" altLang="en-US" sz="2800" dirty="0"/>
           </a:p>
         </p:txBody>
       </p:sp>
-      <p:sp>
-        <p:nvSpPr>
-          <p:cNvPr id="3" name="내용 개체 틀 2"/>
-          <p:cNvSpPr>
-            <a:spLocks noGrp="1"/>
-          </p:cNvSpPr>
+      <p:graphicFrame>
+        <p:nvGraphicFramePr>
+          <p:cNvPr id="9" name="내용 개체 틀 8"/>
+          <p:cNvGraphicFramePr>
+            <a:graphicFrameLocks noGrp="1"/>
+          </p:cNvGraphicFramePr>
           <p:nvPr>
             <p:ph idx="1"/>
+            <p:extLst>
+              <p:ext uri="{D42A27DB-BD31-4B8C-83A1-F6EECF244321}">
+                <p14:modId xmlns:p14="http://schemas.microsoft.com/office/powerpoint/2010/main" val="686709078"/>
+              </p:ext>
+            </p:extLst>
           </p:nvPr>
-        </p:nvSpPr>
-        <p:spPr/>
-        <p:txBody>
-          <a:bodyPr/>
-          <a:lstStyle/>
-          <a:p>
-            <a:endParaRPr lang="ko-KR" altLang="en-US"/>
-          </a:p>
-        </p:txBody>
-      </p:sp>
+        </p:nvGraphicFramePr>
+        <p:xfrm>
+          <a:off x="457200" y="1600200"/>
+          <a:ext cx="8147251" cy="4536440"/>
+        </p:xfrm>
+        <a:graphic>
+          <a:graphicData uri="http://schemas.openxmlformats.org/drawingml/2006/table">
+            <a:tbl>
+              <a:tblPr firstRow="1" bandRow="1">
+                <a:tableStyleId>{5940675A-B579-460E-94D1-54222C63F5DA}</a:tableStyleId>
+              </a:tblPr>
+              <a:tblGrid>
+                <a:gridCol w="1163893"/>
+                <a:gridCol w="1726771"/>
+                <a:gridCol w="1224136"/>
+                <a:gridCol w="1440160"/>
+                <a:gridCol w="648072"/>
+                <a:gridCol w="780326"/>
+                <a:gridCol w="1163893"/>
+              </a:tblGrid>
+              <a:tr h="370840">
+                <a:tc>
+                  <a:txBody>
+                    <a:bodyPr/>
+                    <a:lstStyle/>
+                    <a:p>
+                      <a:pPr algn="ctr" latinLnBrk="1"/>
+                      <a:r>
+                        <a:rPr lang="ko-KR" altLang="en-US" sz="1200" dirty="0" smtClean="0">
+                          <a:solidFill>
+                            <a:schemeClr val="bg1"/>
+                          </a:solidFill>
+                        </a:rPr>
+                        <a:t>테이블 명</a:t>
+                      </a:r>
+                      <a:endParaRPr lang="ko-KR" altLang="en-US" sz="1200" dirty="0">
+                        <a:solidFill>
+                          <a:schemeClr val="bg1"/>
+                        </a:solidFill>
+                      </a:endParaRPr>
+                    </a:p>
+                  </a:txBody>
+                  <a:tcPr anchor="ctr">
+                    <a:solidFill>
+                      <a:schemeClr val="accent1">
+                        <a:lumMod val="75000"/>
+                      </a:schemeClr>
+                    </a:solidFill>
+                  </a:tcPr>
+                </a:tc>
+                <a:tc>
+                  <a:txBody>
+                    <a:bodyPr/>
+                    <a:lstStyle/>
+                    <a:p>
+                      <a:pPr algn="ctr" latinLnBrk="1"/>
+                      <a:r>
+                        <a:rPr lang="ko-KR" altLang="en-US" sz="1200" dirty="0" smtClean="0">
+                          <a:solidFill>
+                            <a:schemeClr val="bg1"/>
+                          </a:solidFill>
+                        </a:rPr>
+                        <a:t>물리적 </a:t>
+                      </a:r>
+                      <a:r>
+                        <a:rPr lang="ko-KR" altLang="en-US" sz="1200" dirty="0" err="1" smtClean="0">
+                          <a:solidFill>
+                            <a:schemeClr val="bg1"/>
+                          </a:solidFill>
+                        </a:rPr>
+                        <a:t>필드명</a:t>
+                      </a:r>
+                      <a:r>
+                        <a:rPr lang="ko-KR" altLang="en-US" sz="1200" dirty="0" smtClean="0">
+                          <a:solidFill>
+                            <a:schemeClr val="bg1"/>
+                          </a:solidFill>
+                        </a:rPr>
+                        <a:t> </a:t>
+                      </a:r>
+                      <a:endParaRPr lang="ko-KR" altLang="en-US" sz="1200" dirty="0">
+                        <a:solidFill>
+                          <a:schemeClr val="bg1"/>
+                        </a:solidFill>
+                      </a:endParaRPr>
+                    </a:p>
+                  </a:txBody>
+                  <a:tcPr anchor="ctr">
+                    <a:solidFill>
+                      <a:schemeClr val="accent1">
+                        <a:lumMod val="75000"/>
+                      </a:schemeClr>
+                    </a:solidFill>
+                  </a:tcPr>
+                </a:tc>
+                <a:tc>
+                  <a:txBody>
+                    <a:bodyPr/>
+                    <a:lstStyle/>
+                    <a:p>
+                      <a:pPr algn="ctr" latinLnBrk="1"/>
+                      <a:r>
+                        <a:rPr lang="ko-KR" altLang="en-US" sz="1200" dirty="0" smtClean="0">
+                          <a:solidFill>
+                            <a:schemeClr val="bg1"/>
+                          </a:solidFill>
+                        </a:rPr>
+                        <a:t>논리적 </a:t>
+                      </a:r>
+                      <a:r>
+                        <a:rPr lang="ko-KR" altLang="en-US" sz="1200" dirty="0" err="1" smtClean="0">
+                          <a:solidFill>
+                            <a:schemeClr val="bg1"/>
+                          </a:solidFill>
+                        </a:rPr>
+                        <a:t>필드명</a:t>
+                      </a:r>
+                      <a:r>
+                        <a:rPr lang="ko-KR" altLang="en-US" sz="1200" dirty="0" smtClean="0">
+                          <a:solidFill>
+                            <a:schemeClr val="bg1"/>
+                          </a:solidFill>
+                        </a:rPr>
+                        <a:t> </a:t>
+                      </a:r>
+                      <a:endParaRPr lang="ko-KR" altLang="en-US" sz="1200" dirty="0">
+                        <a:solidFill>
+                          <a:schemeClr val="bg1"/>
+                        </a:solidFill>
+                      </a:endParaRPr>
+                    </a:p>
+                  </a:txBody>
+                  <a:tcPr anchor="ctr">
+                    <a:solidFill>
+                      <a:schemeClr val="accent1">
+                        <a:lumMod val="75000"/>
+                      </a:schemeClr>
+                    </a:solidFill>
+                  </a:tcPr>
+                </a:tc>
+                <a:tc>
+                  <a:txBody>
+                    <a:bodyPr/>
+                    <a:lstStyle/>
+                    <a:p>
+                      <a:pPr algn="ctr" latinLnBrk="1"/>
+                      <a:r>
+                        <a:rPr lang="ko-KR" altLang="en-US" sz="1200" dirty="0" smtClean="0">
+                          <a:solidFill>
+                            <a:schemeClr val="bg1"/>
+                          </a:solidFill>
+                        </a:rPr>
+                        <a:t>데이터유형</a:t>
+                      </a:r>
+                      <a:endParaRPr lang="ko-KR" altLang="en-US" sz="1200" dirty="0">
+                        <a:solidFill>
+                          <a:schemeClr val="bg1"/>
+                        </a:solidFill>
+                      </a:endParaRPr>
+                    </a:p>
+                  </a:txBody>
+                  <a:tcPr anchor="ctr">
+                    <a:solidFill>
+                      <a:schemeClr val="accent1">
+                        <a:lumMod val="75000"/>
+                      </a:schemeClr>
+                    </a:solidFill>
+                  </a:tcPr>
+                </a:tc>
+                <a:tc>
+                  <a:txBody>
+                    <a:bodyPr/>
+                    <a:lstStyle/>
+                    <a:p>
+                      <a:pPr algn="ctr" latinLnBrk="1"/>
+                      <a:r>
+                        <a:rPr lang="en-US" altLang="ko-KR" sz="1200" dirty="0" smtClean="0">
+                          <a:solidFill>
+                            <a:schemeClr val="bg1"/>
+                          </a:solidFill>
+                        </a:rPr>
+                        <a:t>NULL</a:t>
+                      </a:r>
+                      <a:endParaRPr lang="ko-KR" altLang="en-US" sz="1200" dirty="0">
+                        <a:solidFill>
+                          <a:schemeClr val="bg1"/>
+                        </a:solidFill>
+                      </a:endParaRPr>
+                    </a:p>
+                  </a:txBody>
+                  <a:tcPr anchor="ctr">
+                    <a:solidFill>
+                      <a:schemeClr val="accent1">
+                        <a:lumMod val="75000"/>
+                      </a:schemeClr>
+                    </a:solidFill>
+                  </a:tcPr>
+                </a:tc>
+                <a:tc>
+                  <a:txBody>
+                    <a:bodyPr/>
+                    <a:lstStyle/>
+                    <a:p>
+                      <a:pPr algn="ctr" latinLnBrk="1"/>
+                      <a:r>
+                        <a:rPr lang="ko-KR" altLang="en-US" sz="1200" dirty="0" smtClean="0">
+                          <a:solidFill>
+                            <a:schemeClr val="bg1"/>
+                          </a:solidFill>
+                        </a:rPr>
+                        <a:t>키 유형</a:t>
+                      </a:r>
+                      <a:endParaRPr lang="ko-KR" altLang="en-US" sz="1200" dirty="0">
+                        <a:solidFill>
+                          <a:schemeClr val="bg1"/>
+                        </a:solidFill>
+                      </a:endParaRPr>
+                    </a:p>
+                  </a:txBody>
+                  <a:tcPr anchor="ctr">
+                    <a:solidFill>
+                      <a:schemeClr val="accent1">
+                        <a:lumMod val="75000"/>
+                      </a:schemeClr>
+                    </a:solidFill>
+                  </a:tcPr>
+                </a:tc>
+                <a:tc>
+                  <a:txBody>
+                    <a:bodyPr/>
+                    <a:lstStyle/>
+                    <a:p>
+                      <a:pPr algn="ctr" latinLnBrk="1"/>
+                      <a:r>
+                        <a:rPr lang="ko-KR" altLang="en-US" sz="1200" dirty="0" smtClean="0">
+                          <a:solidFill>
+                            <a:schemeClr val="bg1"/>
+                          </a:solidFill>
+                        </a:rPr>
+                        <a:t>기타</a:t>
+                      </a:r>
+                      <a:endParaRPr lang="ko-KR" altLang="en-US" sz="1200" dirty="0">
+                        <a:solidFill>
+                          <a:schemeClr val="bg1"/>
+                        </a:solidFill>
+                      </a:endParaRPr>
+                    </a:p>
+                  </a:txBody>
+                  <a:tcPr anchor="ctr">
+                    <a:solidFill>
+                      <a:schemeClr val="accent1">
+                        <a:lumMod val="75000"/>
+                      </a:schemeClr>
+                    </a:solidFill>
+                  </a:tcPr>
+                </a:tc>
+              </a:tr>
+              <a:tr h="370840">
+                <a:tc rowSpan="11">
+                  <a:txBody>
+                    <a:bodyPr/>
+                    <a:lstStyle/>
+                    <a:p>
+                      <a:pPr algn="ctr" latinLnBrk="1"/>
+                      <a:r>
+                        <a:rPr lang="ko-KR" altLang="en-US" sz="1200" dirty="0" smtClean="0"/>
+                        <a:t>회원</a:t>
+                      </a:r>
+                      <a:endParaRPr lang="ko-KR" altLang="en-US" sz="1200" dirty="0"/>
+                    </a:p>
+                  </a:txBody>
+                  <a:tcPr anchor="ctr"/>
+                </a:tc>
+                <a:tc>
+                  <a:txBody>
+                    <a:bodyPr/>
+                    <a:lstStyle/>
+                    <a:p>
+                      <a:pPr algn="ctr" latinLnBrk="1"/>
+                      <a:r>
+                        <a:rPr lang="en-US" altLang="ko-KR" sz="1200" dirty="0" err="1" smtClean="0"/>
+                        <a:t>member_id</a:t>
+                      </a:r>
+                      <a:endParaRPr lang="ko-KR" altLang="en-US" sz="1200" dirty="0"/>
+                    </a:p>
+                  </a:txBody>
+                  <a:tcPr anchor="ctr"/>
+                </a:tc>
+                <a:tc>
+                  <a:txBody>
+                    <a:bodyPr/>
+                    <a:lstStyle/>
+                    <a:p>
+                      <a:pPr algn="ctr" latinLnBrk="1"/>
+                      <a:r>
+                        <a:rPr lang="ko-KR" altLang="en-US" sz="1200" dirty="0" smtClean="0"/>
+                        <a:t>아이디</a:t>
+                      </a:r>
+                      <a:endParaRPr lang="ko-KR" altLang="en-US" sz="1200" dirty="0"/>
+                    </a:p>
+                  </a:txBody>
+                  <a:tcPr anchor="ctr"/>
+                </a:tc>
+                <a:tc>
+                  <a:txBody>
+                    <a:bodyPr/>
+                    <a:lstStyle/>
+                    <a:p>
+                      <a:pPr algn="ctr" latinLnBrk="1"/>
+                      <a:r>
+                        <a:rPr lang="en-US" altLang="ko-KR" sz="1200" dirty="0" smtClean="0"/>
+                        <a:t>VARCHAR(16)</a:t>
+                      </a:r>
+                      <a:endParaRPr lang="ko-KR" altLang="en-US" sz="1200" dirty="0"/>
+                    </a:p>
+                  </a:txBody>
+                  <a:tcPr anchor="ctr"/>
+                </a:tc>
+                <a:tc>
+                  <a:txBody>
+                    <a:bodyPr/>
+                    <a:lstStyle/>
+                    <a:p>
+                      <a:pPr algn="ctr" latinLnBrk="1"/>
+                      <a:r>
+                        <a:rPr lang="en-US" altLang="ko-KR" sz="1200" dirty="0" smtClean="0"/>
+                        <a:t>NN</a:t>
+                      </a:r>
+                      <a:endParaRPr lang="ko-KR" altLang="en-US" sz="1200" dirty="0"/>
+                    </a:p>
+                  </a:txBody>
+                  <a:tcPr anchor="ctr"/>
+                </a:tc>
+                <a:tc>
+                  <a:txBody>
+                    <a:bodyPr/>
+                    <a:lstStyle/>
+                    <a:p>
+                      <a:pPr algn="ctr" latinLnBrk="1"/>
+                      <a:r>
+                        <a:rPr lang="en-US" altLang="ko-KR" sz="1200" dirty="0" smtClean="0"/>
+                        <a:t>PK</a:t>
+                      </a:r>
+                      <a:endParaRPr lang="ko-KR" altLang="en-US" sz="1200" dirty="0"/>
+                    </a:p>
+                  </a:txBody>
+                  <a:tcPr anchor="ctr"/>
+                </a:tc>
+                <a:tc>
+                  <a:txBody>
+                    <a:bodyPr/>
+                    <a:lstStyle/>
+                    <a:p>
+                      <a:pPr algn="ctr" latinLnBrk="1"/>
+                      <a:endParaRPr lang="ko-KR" altLang="en-US" sz="1200" dirty="0"/>
+                    </a:p>
+                  </a:txBody>
+                  <a:tcPr anchor="ctr"/>
+                </a:tc>
+              </a:tr>
+              <a:tr h="370840">
+                <a:tc vMerge="1">
+                  <a:txBody>
+                    <a:bodyPr/>
+                    <a:lstStyle/>
+                    <a:p>
+                      <a:pPr latinLnBrk="1"/>
+                      <a:endParaRPr lang="ko-KR" altLang="en-US" sz="1200" dirty="0"/>
+                    </a:p>
+                  </a:txBody>
+                  <a:tcPr/>
+                </a:tc>
+                <a:tc>
+                  <a:txBody>
+                    <a:bodyPr/>
+                    <a:lstStyle/>
+                    <a:p>
+                      <a:pPr algn="ctr" latinLnBrk="1"/>
+                      <a:r>
+                        <a:rPr lang="en-US" altLang="ko-KR" sz="1200" dirty="0" err="1" smtClean="0"/>
+                        <a:t>member_pw</a:t>
+                      </a:r>
+                      <a:endParaRPr lang="ko-KR" altLang="en-US" sz="1200" dirty="0"/>
+                    </a:p>
+                  </a:txBody>
+                  <a:tcPr anchor="ctr"/>
+                </a:tc>
+                <a:tc>
+                  <a:txBody>
+                    <a:bodyPr/>
+                    <a:lstStyle/>
+                    <a:p>
+                      <a:pPr algn="ctr" latinLnBrk="1"/>
+                      <a:r>
+                        <a:rPr lang="ko-KR" altLang="en-US" sz="1200" dirty="0" smtClean="0"/>
+                        <a:t>비밀번호</a:t>
+                      </a:r>
+                      <a:endParaRPr lang="ko-KR" altLang="en-US" sz="1200" dirty="0"/>
+                    </a:p>
+                  </a:txBody>
+                  <a:tcPr anchor="ctr"/>
+                </a:tc>
+                <a:tc>
+                  <a:txBody>
+                    <a:bodyPr/>
+                    <a:lstStyle/>
+                    <a:p>
+                      <a:pPr algn="ctr" latinLnBrk="1"/>
+                      <a:r>
+                        <a:rPr lang="en-US" altLang="ko-KR" sz="1200" dirty="0" smtClean="0"/>
+                        <a:t>VARCHAR(255)</a:t>
+                      </a:r>
+                      <a:endParaRPr lang="ko-KR" altLang="en-US" sz="1200" dirty="0"/>
+                    </a:p>
+                  </a:txBody>
+                  <a:tcPr anchor="ctr"/>
+                </a:tc>
+                <a:tc>
+                  <a:txBody>
+                    <a:bodyPr/>
+                    <a:lstStyle/>
+                    <a:p>
+                      <a:pPr algn="ctr" latinLnBrk="1"/>
+                      <a:r>
+                        <a:rPr lang="en-US" altLang="ko-KR" sz="1200" dirty="0" smtClean="0"/>
+                        <a:t>NN</a:t>
+                      </a:r>
+                      <a:endParaRPr lang="ko-KR" altLang="en-US" sz="1200" dirty="0"/>
+                    </a:p>
+                  </a:txBody>
+                  <a:tcPr anchor="ctr"/>
+                </a:tc>
+                <a:tc>
+                  <a:txBody>
+                    <a:bodyPr/>
+                    <a:lstStyle/>
+                    <a:p>
+                      <a:pPr algn="ctr" latinLnBrk="1"/>
+                      <a:endParaRPr lang="ko-KR" altLang="en-US" sz="1200"/>
+                    </a:p>
+                  </a:txBody>
+                  <a:tcPr anchor="ctr"/>
+                </a:tc>
+                <a:tc>
+                  <a:txBody>
+                    <a:bodyPr/>
+                    <a:lstStyle/>
+                    <a:p>
+                      <a:pPr algn="ctr" latinLnBrk="1"/>
+                      <a:endParaRPr lang="ko-KR" altLang="en-US" sz="1200" dirty="0"/>
+                    </a:p>
+                  </a:txBody>
+                  <a:tcPr anchor="ctr"/>
+                </a:tc>
+              </a:tr>
+              <a:tr h="370840">
+                <a:tc vMerge="1">
+                  <a:txBody>
+                    <a:bodyPr/>
+                    <a:lstStyle/>
+                    <a:p>
+                      <a:pPr latinLnBrk="1"/>
+                      <a:endParaRPr lang="ko-KR" altLang="en-US" sz="1200" dirty="0"/>
+                    </a:p>
+                  </a:txBody>
+                  <a:tcPr/>
+                </a:tc>
+                <a:tc>
+                  <a:txBody>
+                    <a:bodyPr/>
+                    <a:lstStyle/>
+                    <a:p>
+                      <a:pPr algn="ctr" latinLnBrk="1"/>
+                      <a:r>
+                        <a:rPr lang="en-US" altLang="ko-KR" sz="1200" dirty="0" err="1" smtClean="0"/>
+                        <a:t>member_name</a:t>
+                      </a:r>
+                      <a:endParaRPr lang="ko-KR" altLang="en-US" sz="1200" dirty="0"/>
+                    </a:p>
+                  </a:txBody>
+                  <a:tcPr anchor="ctr"/>
+                </a:tc>
+                <a:tc>
+                  <a:txBody>
+                    <a:bodyPr/>
+                    <a:lstStyle/>
+                    <a:p>
+                      <a:pPr algn="ctr" latinLnBrk="1"/>
+                      <a:r>
+                        <a:rPr lang="ko-KR" altLang="en-US" sz="1200" dirty="0" smtClean="0"/>
+                        <a:t>이름</a:t>
+                      </a:r>
+                      <a:endParaRPr lang="ko-KR" altLang="en-US" sz="1200" dirty="0"/>
+                    </a:p>
+                  </a:txBody>
+                  <a:tcPr anchor="ctr"/>
+                </a:tc>
+                <a:tc>
+                  <a:txBody>
+                    <a:bodyPr/>
+                    <a:lstStyle/>
+                    <a:p>
+                      <a:pPr algn="ctr" latinLnBrk="1"/>
+                      <a:r>
+                        <a:rPr lang="en-US" altLang="ko-KR" sz="1200" dirty="0" smtClean="0"/>
+                        <a:t>VARCHAR(45)</a:t>
+                      </a:r>
+                      <a:endParaRPr lang="ko-KR" altLang="en-US" sz="1200" dirty="0"/>
+                    </a:p>
+                  </a:txBody>
+                  <a:tcPr anchor="ctr"/>
+                </a:tc>
+                <a:tc>
+                  <a:txBody>
+                    <a:bodyPr/>
+                    <a:lstStyle/>
+                    <a:p>
+                      <a:pPr algn="ctr" latinLnBrk="1"/>
+                      <a:r>
+                        <a:rPr lang="en-US" altLang="ko-KR" sz="1200" dirty="0" smtClean="0"/>
+                        <a:t>NN</a:t>
+                      </a:r>
+                      <a:endParaRPr lang="ko-KR" altLang="en-US" sz="1200" dirty="0"/>
+                    </a:p>
+                  </a:txBody>
+                  <a:tcPr anchor="ctr"/>
+                </a:tc>
+                <a:tc>
+                  <a:txBody>
+                    <a:bodyPr/>
+                    <a:lstStyle/>
+                    <a:p>
+                      <a:pPr algn="ctr" latinLnBrk="1"/>
+                      <a:endParaRPr lang="ko-KR" altLang="en-US" sz="1200"/>
+                    </a:p>
+                  </a:txBody>
+                  <a:tcPr anchor="ctr"/>
+                </a:tc>
+                <a:tc>
+                  <a:txBody>
+                    <a:bodyPr/>
+                    <a:lstStyle/>
+                    <a:p>
+                      <a:pPr algn="ctr" latinLnBrk="1"/>
+                      <a:endParaRPr lang="ko-KR" altLang="en-US" sz="1200"/>
+                    </a:p>
+                  </a:txBody>
+                  <a:tcPr anchor="ctr"/>
+                </a:tc>
+              </a:tr>
+              <a:tr h="370840">
+                <a:tc vMerge="1">
+                  <a:txBody>
+                    <a:bodyPr/>
+                    <a:lstStyle/>
+                    <a:p>
+                      <a:pPr latinLnBrk="1"/>
+                      <a:endParaRPr lang="ko-KR" altLang="en-US" sz="1200" dirty="0"/>
+                    </a:p>
+                  </a:txBody>
+                  <a:tcPr/>
+                </a:tc>
+                <a:tc>
+                  <a:txBody>
+                    <a:bodyPr/>
+                    <a:lstStyle/>
+                    <a:p>
+                      <a:pPr algn="ctr" latinLnBrk="1"/>
+                      <a:r>
+                        <a:rPr lang="en-US" altLang="ko-KR" sz="1200" dirty="0" err="1" smtClean="0"/>
+                        <a:t>member_phone</a:t>
+                      </a:r>
+                      <a:endParaRPr lang="ko-KR" altLang="en-US" sz="1200" dirty="0"/>
+                    </a:p>
+                  </a:txBody>
+                  <a:tcPr anchor="ctr"/>
+                </a:tc>
+                <a:tc>
+                  <a:txBody>
+                    <a:bodyPr/>
+                    <a:lstStyle/>
+                    <a:p>
+                      <a:pPr algn="ctr" latinLnBrk="1"/>
+                      <a:r>
+                        <a:rPr lang="ko-KR" altLang="en-US" sz="1200" dirty="0" smtClean="0"/>
+                        <a:t>폰 번호</a:t>
+                      </a:r>
+                      <a:endParaRPr lang="ko-KR" altLang="en-US" sz="1200" dirty="0"/>
+                    </a:p>
+                  </a:txBody>
+                  <a:tcPr anchor="ctr"/>
+                </a:tc>
+                <a:tc>
+                  <a:txBody>
+                    <a:bodyPr/>
+                    <a:lstStyle/>
+                    <a:p>
+                      <a:pPr algn="ctr" latinLnBrk="1"/>
+                      <a:r>
+                        <a:rPr lang="en-US" altLang="ko-KR" sz="1200" dirty="0" smtClean="0"/>
+                        <a:t>VARCHAR(20)</a:t>
+                      </a:r>
+                      <a:endParaRPr lang="ko-KR" altLang="en-US" sz="1200" dirty="0"/>
+                    </a:p>
+                  </a:txBody>
+                  <a:tcPr anchor="ctr"/>
+                </a:tc>
+                <a:tc>
+                  <a:txBody>
+                    <a:bodyPr/>
+                    <a:lstStyle/>
+                    <a:p>
+                      <a:pPr algn="ctr" latinLnBrk="1"/>
+                      <a:r>
+                        <a:rPr lang="en-US" altLang="ko-KR" sz="1200" dirty="0" smtClean="0"/>
+                        <a:t>NN</a:t>
+                      </a:r>
+                      <a:endParaRPr lang="ko-KR" altLang="en-US" sz="1200" dirty="0"/>
+                    </a:p>
+                  </a:txBody>
+                  <a:tcPr anchor="ctr"/>
+                </a:tc>
+                <a:tc>
+                  <a:txBody>
+                    <a:bodyPr/>
+                    <a:lstStyle/>
+                    <a:p>
+                      <a:pPr algn="ctr" latinLnBrk="1"/>
+                      <a:endParaRPr lang="ko-KR" altLang="en-US" sz="1200"/>
+                    </a:p>
+                  </a:txBody>
+                  <a:tcPr anchor="ctr"/>
+                </a:tc>
+                <a:tc>
+                  <a:txBody>
+                    <a:bodyPr/>
+                    <a:lstStyle/>
+                    <a:p>
+                      <a:pPr algn="ctr" latinLnBrk="1"/>
+                      <a:endParaRPr lang="ko-KR" altLang="en-US" sz="1200"/>
+                    </a:p>
+                  </a:txBody>
+                  <a:tcPr anchor="ctr"/>
+                </a:tc>
+              </a:tr>
+              <a:tr h="370840">
+                <a:tc vMerge="1">
+                  <a:txBody>
+                    <a:bodyPr/>
+                    <a:lstStyle/>
+                    <a:p>
+                      <a:pPr latinLnBrk="1"/>
+                      <a:endParaRPr lang="ko-KR" altLang="en-US" sz="1200" dirty="0"/>
+                    </a:p>
+                  </a:txBody>
+                  <a:tcPr/>
+                </a:tc>
+                <a:tc>
+                  <a:txBody>
+                    <a:bodyPr/>
+                    <a:lstStyle/>
+                    <a:p>
+                      <a:pPr algn="ctr" latinLnBrk="1"/>
+                      <a:r>
+                        <a:rPr lang="en-US" altLang="ko-KR" sz="1200" dirty="0" err="1" smtClean="0"/>
+                        <a:t>member_post</a:t>
+                      </a:r>
+                      <a:endParaRPr lang="ko-KR" altLang="en-US" sz="1200" dirty="0"/>
+                    </a:p>
+                  </a:txBody>
+                  <a:tcPr anchor="ctr"/>
+                </a:tc>
+                <a:tc>
+                  <a:txBody>
+                    <a:bodyPr/>
+                    <a:lstStyle/>
+                    <a:p>
+                      <a:pPr algn="ctr" latinLnBrk="1"/>
+                      <a:r>
+                        <a:rPr lang="ko-KR" altLang="en-US" sz="1200" dirty="0" smtClean="0"/>
+                        <a:t>우편번호</a:t>
+                      </a:r>
+                      <a:endParaRPr lang="ko-KR" altLang="en-US" sz="1200" dirty="0"/>
+                    </a:p>
+                  </a:txBody>
+                  <a:tcPr anchor="ctr"/>
+                </a:tc>
+                <a:tc>
+                  <a:txBody>
+                    <a:bodyPr/>
+                    <a:lstStyle/>
+                    <a:p>
+                      <a:pPr algn="ctr" latinLnBrk="1"/>
+                      <a:r>
+                        <a:rPr lang="en-US" altLang="ko-KR" sz="1200" dirty="0" smtClean="0"/>
+                        <a:t>INT(11)</a:t>
+                      </a:r>
+                      <a:endParaRPr lang="ko-KR" altLang="en-US" sz="1200" dirty="0"/>
+                    </a:p>
+                  </a:txBody>
+                  <a:tcPr anchor="ctr"/>
+                </a:tc>
+                <a:tc>
+                  <a:txBody>
+                    <a:bodyPr/>
+                    <a:lstStyle/>
+                    <a:p>
+                      <a:pPr algn="ctr" latinLnBrk="1"/>
+                      <a:endParaRPr lang="ko-KR" altLang="en-US" sz="1200"/>
+                    </a:p>
+                  </a:txBody>
+                  <a:tcPr anchor="ctr"/>
+                </a:tc>
+                <a:tc>
+                  <a:txBody>
+                    <a:bodyPr/>
+                    <a:lstStyle/>
+                    <a:p>
+                      <a:pPr algn="ctr" latinLnBrk="1"/>
+                      <a:endParaRPr lang="ko-KR" altLang="en-US" sz="1200"/>
+                    </a:p>
+                  </a:txBody>
+                  <a:tcPr anchor="ctr"/>
+                </a:tc>
+                <a:tc>
+                  <a:txBody>
+                    <a:bodyPr/>
+                    <a:lstStyle/>
+                    <a:p>
+                      <a:pPr algn="ctr" latinLnBrk="1"/>
+                      <a:endParaRPr lang="ko-KR" altLang="en-US" sz="1200"/>
+                    </a:p>
+                  </a:txBody>
+                  <a:tcPr anchor="ctr"/>
+                </a:tc>
+              </a:tr>
+              <a:tr h="370840">
+                <a:tc vMerge="1">
+                  <a:txBody>
+                    <a:bodyPr/>
+                    <a:lstStyle/>
+                    <a:p>
+                      <a:pPr latinLnBrk="1"/>
+                      <a:endParaRPr lang="ko-KR" altLang="en-US" sz="1200"/>
+                    </a:p>
+                  </a:txBody>
+                  <a:tcPr/>
+                </a:tc>
+                <a:tc>
+                  <a:txBody>
+                    <a:bodyPr/>
+                    <a:lstStyle/>
+                    <a:p>
+                      <a:pPr algn="ctr" latinLnBrk="1"/>
+                      <a:r>
+                        <a:rPr lang="en-US" altLang="ko-KR" sz="1200" dirty="0" smtClean="0"/>
+                        <a:t>member_address1</a:t>
+                      </a:r>
+                      <a:endParaRPr lang="ko-KR" altLang="en-US" sz="1200" dirty="0"/>
+                    </a:p>
+                  </a:txBody>
+                  <a:tcPr anchor="ctr"/>
+                </a:tc>
+                <a:tc>
+                  <a:txBody>
+                    <a:bodyPr/>
+                    <a:lstStyle/>
+                    <a:p>
+                      <a:pPr algn="ctr" latinLnBrk="1"/>
+                      <a:r>
+                        <a:rPr lang="ko-KR" altLang="en-US" sz="1200" dirty="0" smtClean="0"/>
+                        <a:t>기본주소</a:t>
+                      </a:r>
+                      <a:endParaRPr lang="ko-KR" altLang="en-US" sz="1200" dirty="0"/>
+                    </a:p>
+                  </a:txBody>
+                  <a:tcPr anchor="ctr"/>
+                </a:tc>
+                <a:tc>
+                  <a:txBody>
+                    <a:bodyPr/>
+                    <a:lstStyle/>
+                    <a:p>
+                      <a:pPr algn="ctr" latinLnBrk="1"/>
+                      <a:r>
+                        <a:rPr lang="en-US" altLang="ko-KR" sz="1200" dirty="0" smtClean="0"/>
+                        <a:t>VARCHAR(45)</a:t>
+                      </a:r>
+                      <a:endParaRPr lang="ko-KR" altLang="en-US" sz="1200" dirty="0"/>
+                    </a:p>
+                  </a:txBody>
+                  <a:tcPr anchor="ctr"/>
+                </a:tc>
+                <a:tc>
+                  <a:txBody>
+                    <a:bodyPr/>
+                    <a:lstStyle/>
+                    <a:p>
+                      <a:pPr algn="ctr" latinLnBrk="1"/>
+                      <a:endParaRPr lang="ko-KR" altLang="en-US" sz="1200"/>
+                    </a:p>
+                  </a:txBody>
+                  <a:tcPr anchor="ctr"/>
+                </a:tc>
+                <a:tc>
+                  <a:txBody>
+                    <a:bodyPr/>
+                    <a:lstStyle/>
+                    <a:p>
+                      <a:pPr algn="ctr" latinLnBrk="1"/>
+                      <a:endParaRPr lang="ko-KR" altLang="en-US" sz="1200"/>
+                    </a:p>
+                  </a:txBody>
+                  <a:tcPr anchor="ctr"/>
+                </a:tc>
+                <a:tc>
+                  <a:txBody>
+                    <a:bodyPr/>
+                    <a:lstStyle/>
+                    <a:p>
+                      <a:pPr algn="ctr" latinLnBrk="1"/>
+                      <a:endParaRPr lang="ko-KR" altLang="en-US" sz="1200"/>
+                    </a:p>
+                  </a:txBody>
+                  <a:tcPr anchor="ctr"/>
+                </a:tc>
+              </a:tr>
+              <a:tr h="370840">
+                <a:tc vMerge="1">
+                  <a:txBody>
+                    <a:bodyPr/>
+                    <a:lstStyle/>
+                    <a:p>
+                      <a:pPr latinLnBrk="1"/>
+                      <a:endParaRPr lang="ko-KR" altLang="en-US" sz="1200" dirty="0"/>
+                    </a:p>
+                  </a:txBody>
+                  <a:tcPr/>
+                </a:tc>
+                <a:tc>
+                  <a:txBody>
+                    <a:bodyPr/>
+                    <a:lstStyle/>
+                    <a:p>
+                      <a:pPr algn="ctr" latinLnBrk="1"/>
+                      <a:r>
+                        <a:rPr lang="en-US" altLang="ko-KR" sz="1200" dirty="0" smtClean="0"/>
+                        <a:t>member_address2</a:t>
+                      </a:r>
+                      <a:endParaRPr lang="ko-KR" altLang="en-US" sz="1200" dirty="0"/>
+                    </a:p>
+                  </a:txBody>
+                  <a:tcPr anchor="ctr"/>
+                </a:tc>
+                <a:tc>
+                  <a:txBody>
+                    <a:bodyPr/>
+                    <a:lstStyle/>
+                    <a:p>
+                      <a:pPr algn="ctr" latinLnBrk="1"/>
+                      <a:r>
+                        <a:rPr lang="ko-KR" altLang="en-US" sz="1200" dirty="0" smtClean="0"/>
+                        <a:t>상세주소</a:t>
+                      </a:r>
+                      <a:endParaRPr lang="ko-KR" altLang="en-US" sz="1200" dirty="0"/>
+                    </a:p>
+                  </a:txBody>
+                  <a:tcPr anchor="ctr"/>
+                </a:tc>
+                <a:tc>
+                  <a:txBody>
+                    <a:bodyPr/>
+                    <a:lstStyle/>
+                    <a:p>
+                      <a:pPr algn="ctr" latinLnBrk="1"/>
+                      <a:r>
+                        <a:rPr lang="en-US" altLang="ko-KR" sz="1200" dirty="0" smtClean="0"/>
+                        <a:t>VARCHAR(45)</a:t>
+                      </a:r>
+                      <a:endParaRPr lang="ko-KR" altLang="en-US" sz="1200" dirty="0"/>
+                    </a:p>
+                  </a:txBody>
+                  <a:tcPr anchor="ctr"/>
+                </a:tc>
+                <a:tc>
+                  <a:txBody>
+                    <a:bodyPr/>
+                    <a:lstStyle/>
+                    <a:p>
+                      <a:pPr algn="ctr" latinLnBrk="1"/>
+                      <a:endParaRPr lang="ko-KR" altLang="en-US" sz="1200"/>
+                    </a:p>
+                  </a:txBody>
+                  <a:tcPr anchor="ctr"/>
+                </a:tc>
+                <a:tc>
+                  <a:txBody>
+                    <a:bodyPr/>
+                    <a:lstStyle/>
+                    <a:p>
+                      <a:pPr algn="ctr" latinLnBrk="1"/>
+                      <a:endParaRPr lang="ko-KR" altLang="en-US" sz="1200"/>
+                    </a:p>
+                  </a:txBody>
+                  <a:tcPr anchor="ctr"/>
+                </a:tc>
+                <a:tc>
+                  <a:txBody>
+                    <a:bodyPr/>
+                    <a:lstStyle/>
+                    <a:p>
+                      <a:pPr algn="ctr" latinLnBrk="1"/>
+                      <a:endParaRPr lang="ko-KR" altLang="en-US" sz="1200"/>
+                    </a:p>
+                  </a:txBody>
+                  <a:tcPr anchor="ctr"/>
+                </a:tc>
+              </a:tr>
+              <a:tr h="370840">
+                <a:tc vMerge="1">
+                  <a:txBody>
+                    <a:bodyPr/>
+                    <a:lstStyle/>
+                    <a:p>
+                      <a:pPr latinLnBrk="1"/>
+                      <a:endParaRPr lang="ko-KR" altLang="en-US" sz="1200" dirty="0"/>
+                    </a:p>
+                  </a:txBody>
+                  <a:tcPr/>
+                </a:tc>
+                <a:tc>
+                  <a:txBody>
+                    <a:bodyPr/>
+                    <a:lstStyle/>
+                    <a:p>
+                      <a:pPr algn="ctr" latinLnBrk="1"/>
+                      <a:r>
+                        <a:rPr lang="en-US" altLang="ko-KR" sz="1200" dirty="0" err="1" smtClean="0"/>
+                        <a:t>member_email</a:t>
+                      </a:r>
+                      <a:endParaRPr lang="ko-KR" altLang="en-US" sz="1200" dirty="0"/>
+                    </a:p>
+                  </a:txBody>
+                  <a:tcPr anchor="ctr"/>
+                </a:tc>
+                <a:tc>
+                  <a:txBody>
+                    <a:bodyPr/>
+                    <a:lstStyle/>
+                    <a:p>
+                      <a:pPr algn="ctr" latinLnBrk="1"/>
+                      <a:r>
+                        <a:rPr lang="ko-KR" altLang="en-US" sz="1200" dirty="0" err="1" smtClean="0"/>
+                        <a:t>이메일</a:t>
+                      </a:r>
+                      <a:endParaRPr lang="ko-KR" altLang="en-US" sz="1200" dirty="0"/>
+                    </a:p>
+                  </a:txBody>
+                  <a:tcPr anchor="ctr"/>
+                </a:tc>
+                <a:tc>
+                  <a:txBody>
+                    <a:bodyPr/>
+                    <a:lstStyle/>
+                    <a:p>
+                      <a:pPr algn="ctr" latinLnBrk="1"/>
+                      <a:r>
+                        <a:rPr lang="en-US" altLang="ko-KR" sz="1200" dirty="0" smtClean="0"/>
+                        <a:t>VARCHAR(45)</a:t>
+                      </a:r>
+                      <a:endParaRPr lang="ko-KR" altLang="en-US" sz="1200" dirty="0"/>
+                    </a:p>
+                  </a:txBody>
+                  <a:tcPr anchor="ctr"/>
+                </a:tc>
+                <a:tc>
+                  <a:txBody>
+                    <a:bodyPr/>
+                    <a:lstStyle/>
+                    <a:p>
+                      <a:pPr algn="ctr" latinLnBrk="1"/>
+                      <a:r>
+                        <a:rPr lang="en-US" altLang="ko-KR" sz="1200" dirty="0" smtClean="0"/>
+                        <a:t>NN</a:t>
+                      </a:r>
+                      <a:endParaRPr lang="ko-KR" altLang="en-US" sz="1200" dirty="0"/>
+                    </a:p>
+                  </a:txBody>
+                  <a:tcPr anchor="ctr"/>
+                </a:tc>
+                <a:tc>
+                  <a:txBody>
+                    <a:bodyPr/>
+                    <a:lstStyle/>
+                    <a:p>
+                      <a:pPr algn="ctr" latinLnBrk="1"/>
+                      <a:endParaRPr lang="ko-KR" altLang="en-US" sz="1200"/>
+                    </a:p>
+                  </a:txBody>
+                  <a:tcPr anchor="ctr"/>
+                </a:tc>
+                <a:tc>
+                  <a:txBody>
+                    <a:bodyPr/>
+                    <a:lstStyle/>
+                    <a:p>
+                      <a:pPr algn="ctr" latinLnBrk="1"/>
+                      <a:endParaRPr lang="ko-KR" altLang="en-US" sz="1200" dirty="0"/>
+                    </a:p>
+                  </a:txBody>
+                  <a:tcPr anchor="ctr"/>
+                </a:tc>
+              </a:tr>
+              <a:tr h="370840">
+                <a:tc vMerge="1">
+                  <a:txBody>
+                    <a:bodyPr/>
+                    <a:lstStyle/>
+                    <a:p>
+                      <a:pPr latinLnBrk="1"/>
+                      <a:endParaRPr lang="ko-KR" altLang="en-US" sz="1200" dirty="0"/>
+                    </a:p>
+                  </a:txBody>
+                  <a:tcPr/>
+                </a:tc>
+                <a:tc>
+                  <a:txBody>
+                    <a:bodyPr/>
+                    <a:lstStyle/>
+                    <a:p>
+                      <a:pPr algn="ctr" latinLnBrk="1"/>
+                      <a:r>
+                        <a:rPr lang="en-US" altLang="ko-KR" sz="1200" dirty="0" err="1" smtClean="0"/>
+                        <a:t>member_grade</a:t>
+                      </a:r>
+                      <a:endParaRPr lang="ko-KR" altLang="en-US" sz="1200" dirty="0"/>
+                    </a:p>
+                  </a:txBody>
+                  <a:tcPr anchor="ctr"/>
+                </a:tc>
+                <a:tc>
+                  <a:txBody>
+                    <a:bodyPr/>
+                    <a:lstStyle/>
+                    <a:p>
+                      <a:pPr algn="ctr" latinLnBrk="1"/>
+                      <a:r>
+                        <a:rPr lang="ko-KR" altLang="en-US" sz="1200" dirty="0" smtClean="0"/>
+                        <a:t>등급</a:t>
+                      </a:r>
+                      <a:endParaRPr lang="ko-KR" altLang="en-US" sz="1200" dirty="0"/>
+                    </a:p>
+                  </a:txBody>
+                  <a:tcPr anchor="ctr"/>
+                </a:tc>
+                <a:tc>
+                  <a:txBody>
+                    <a:bodyPr/>
+                    <a:lstStyle/>
+                    <a:p>
+                      <a:pPr algn="ctr" latinLnBrk="1"/>
+                      <a:r>
+                        <a:rPr lang="en-US" altLang="ko-KR" sz="1200" dirty="0" smtClean="0"/>
+                        <a:t>VARCHAR(5)</a:t>
+                      </a:r>
+                      <a:endParaRPr lang="ko-KR" altLang="en-US" sz="1200" dirty="0"/>
+                    </a:p>
+                  </a:txBody>
+                  <a:tcPr anchor="ctr"/>
+                </a:tc>
+                <a:tc>
+                  <a:txBody>
+                    <a:bodyPr/>
+                    <a:lstStyle/>
+                    <a:p>
+                      <a:pPr algn="ctr" latinLnBrk="1"/>
+                      <a:r>
+                        <a:rPr lang="en-US" altLang="ko-KR" sz="1200" dirty="0" smtClean="0"/>
+                        <a:t>NN</a:t>
+                      </a:r>
+                      <a:endParaRPr lang="ko-KR" altLang="en-US" sz="1200" dirty="0"/>
+                    </a:p>
+                  </a:txBody>
+                  <a:tcPr anchor="ctr"/>
+                </a:tc>
+                <a:tc>
+                  <a:txBody>
+                    <a:bodyPr/>
+                    <a:lstStyle/>
+                    <a:p>
+                      <a:pPr algn="ctr" latinLnBrk="1"/>
+                      <a:endParaRPr lang="ko-KR" altLang="en-US" sz="1200"/>
+                    </a:p>
+                  </a:txBody>
+                  <a:tcPr anchor="ctr"/>
+                </a:tc>
+                <a:tc>
+                  <a:txBody>
+                    <a:bodyPr/>
+                    <a:lstStyle/>
+                    <a:p>
+                      <a:pPr algn="ctr" latinLnBrk="1"/>
+                      <a:r>
+                        <a:rPr lang="ko-KR" altLang="en-US" sz="1200" dirty="0" smtClean="0"/>
+                        <a:t>일반회원</a:t>
+                      </a:r>
+                      <a:endParaRPr lang="ko-KR" altLang="en-US" sz="1200" dirty="0"/>
+                    </a:p>
+                  </a:txBody>
+                  <a:tcPr anchor="ctr"/>
+                </a:tc>
+              </a:tr>
+              <a:tr h="370840">
+                <a:tc vMerge="1">
+                  <a:txBody>
+                    <a:bodyPr/>
+                    <a:lstStyle/>
+                    <a:p>
+                      <a:pPr latinLnBrk="1"/>
+                      <a:endParaRPr lang="ko-KR" altLang="en-US" sz="1200" dirty="0"/>
+                    </a:p>
+                  </a:txBody>
+                  <a:tcPr/>
+                </a:tc>
+                <a:tc>
+                  <a:txBody>
+                    <a:bodyPr/>
+                    <a:lstStyle/>
+                    <a:p>
+                      <a:pPr algn="ctr" latinLnBrk="1"/>
+                      <a:r>
+                        <a:rPr lang="en-US" altLang="ko-KR" sz="1200" dirty="0" err="1" smtClean="0"/>
+                        <a:t>member_state</a:t>
+                      </a:r>
+                      <a:endParaRPr lang="ko-KR" altLang="en-US" sz="1200" dirty="0"/>
+                    </a:p>
+                  </a:txBody>
+                  <a:tcPr anchor="ctr"/>
+                </a:tc>
+                <a:tc>
+                  <a:txBody>
+                    <a:bodyPr/>
+                    <a:lstStyle/>
+                    <a:p>
+                      <a:pPr algn="ctr" latinLnBrk="1"/>
+                      <a:r>
+                        <a:rPr lang="ko-KR" altLang="en-US" sz="1200" dirty="0" smtClean="0"/>
+                        <a:t>상태</a:t>
+                      </a:r>
+                      <a:endParaRPr lang="ko-KR" altLang="en-US" sz="1200" dirty="0"/>
+                    </a:p>
+                  </a:txBody>
+                  <a:tcPr anchor="ctr"/>
+                </a:tc>
+                <a:tc>
+                  <a:txBody>
+                    <a:bodyPr/>
+                    <a:lstStyle/>
+                    <a:p>
+                      <a:pPr algn="ctr" latinLnBrk="1"/>
+                      <a:r>
+                        <a:rPr lang="en-US" altLang="ko-KR" sz="1200" dirty="0" smtClean="0"/>
+                        <a:t>VARCHAR(5)</a:t>
+                      </a:r>
+                      <a:endParaRPr lang="ko-KR" altLang="en-US" sz="1200" dirty="0"/>
+                    </a:p>
+                  </a:txBody>
+                  <a:tcPr anchor="ctr"/>
+                </a:tc>
+                <a:tc>
+                  <a:txBody>
+                    <a:bodyPr/>
+                    <a:lstStyle/>
+                    <a:p>
+                      <a:pPr algn="ctr" latinLnBrk="1"/>
+                      <a:endParaRPr lang="ko-KR" altLang="en-US" sz="1200"/>
+                    </a:p>
+                  </a:txBody>
+                  <a:tcPr anchor="ctr"/>
+                </a:tc>
+                <a:tc>
+                  <a:txBody>
+                    <a:bodyPr/>
+                    <a:lstStyle/>
+                    <a:p>
+                      <a:pPr algn="ctr" latinLnBrk="1"/>
+                      <a:endParaRPr lang="ko-KR" altLang="en-US" sz="1200"/>
+                    </a:p>
+                  </a:txBody>
+                  <a:tcPr anchor="ctr"/>
+                </a:tc>
+                <a:tc>
+                  <a:txBody>
+                    <a:bodyPr/>
+                    <a:lstStyle/>
+                    <a:p>
+                      <a:pPr algn="ctr" latinLnBrk="1"/>
+                      <a:r>
+                        <a:rPr lang="en-US" altLang="ko-KR" sz="1200" dirty="0" smtClean="0"/>
+                        <a:t>I</a:t>
+                      </a:r>
+                      <a:endParaRPr lang="ko-KR" altLang="en-US" sz="1200" dirty="0"/>
+                    </a:p>
+                  </a:txBody>
+                  <a:tcPr anchor="ctr"/>
+                </a:tc>
+              </a:tr>
+              <a:tr h="370840">
+                <a:tc vMerge="1">
+                  <a:txBody>
+                    <a:bodyPr/>
+                    <a:lstStyle/>
+                    <a:p>
+                      <a:pPr latinLnBrk="1"/>
+                      <a:endParaRPr lang="ko-KR" altLang="en-US" sz="1200" dirty="0"/>
+                    </a:p>
+                  </a:txBody>
+                  <a:tcPr/>
+                </a:tc>
+                <a:tc>
+                  <a:txBody>
+                    <a:bodyPr/>
+                    <a:lstStyle/>
+                    <a:p>
+                      <a:pPr algn="ctr" latinLnBrk="1"/>
+                      <a:r>
+                        <a:rPr lang="en-US" altLang="ko-KR" sz="1200" dirty="0" err="1" smtClean="0"/>
+                        <a:t>member_authority</a:t>
+                      </a:r>
+                      <a:endParaRPr lang="ko-KR" altLang="en-US" sz="1200" dirty="0"/>
+                    </a:p>
+                  </a:txBody>
+                  <a:tcPr anchor="ctr"/>
+                </a:tc>
+                <a:tc>
+                  <a:txBody>
+                    <a:bodyPr/>
+                    <a:lstStyle/>
+                    <a:p>
+                      <a:pPr algn="ctr" latinLnBrk="1"/>
+                      <a:r>
+                        <a:rPr lang="ko-KR" altLang="en-US" sz="1200" dirty="0" smtClean="0"/>
+                        <a:t>권한</a:t>
+                      </a:r>
+                      <a:endParaRPr lang="ko-KR" altLang="en-US" sz="1200" dirty="0"/>
+                    </a:p>
+                  </a:txBody>
+                  <a:tcPr anchor="ctr"/>
+                </a:tc>
+                <a:tc>
+                  <a:txBody>
+                    <a:bodyPr/>
+                    <a:lstStyle/>
+                    <a:p>
+                      <a:pPr algn="ctr" latinLnBrk="1"/>
+                      <a:r>
+                        <a:rPr lang="en-US" altLang="ko-KR" sz="1200" dirty="0" smtClean="0"/>
+                        <a:t>VARCHAR(45)</a:t>
+                      </a:r>
+                      <a:endParaRPr lang="ko-KR" altLang="en-US" sz="1200" dirty="0"/>
+                    </a:p>
+                  </a:txBody>
+                  <a:tcPr anchor="ctr"/>
+                </a:tc>
+                <a:tc>
+                  <a:txBody>
+                    <a:bodyPr/>
+                    <a:lstStyle/>
+                    <a:p>
+                      <a:pPr algn="ctr" latinLnBrk="1"/>
+                      <a:endParaRPr lang="ko-KR" altLang="en-US" sz="1200"/>
+                    </a:p>
+                  </a:txBody>
+                  <a:tcPr anchor="ctr"/>
+                </a:tc>
+                <a:tc>
+                  <a:txBody>
+                    <a:bodyPr/>
+                    <a:lstStyle/>
+                    <a:p>
+                      <a:pPr algn="ctr" latinLnBrk="1"/>
+                      <a:endParaRPr lang="ko-KR" altLang="en-US" sz="1200"/>
+                    </a:p>
+                  </a:txBody>
+                  <a:tcPr anchor="ctr"/>
+                </a:tc>
+                <a:tc>
+                  <a:txBody>
+                    <a:bodyPr/>
+                    <a:lstStyle/>
+                    <a:p>
+                      <a:pPr marL="0" marR="0" indent="0" algn="ctr" defTabSz="914400" rtl="0" eaLnBrk="1" fontAlgn="auto" latinLnBrk="1" hangingPunct="1">
+                        <a:lnSpc>
+                          <a:spcPct val="100000"/>
+                        </a:lnSpc>
+                        <a:spcBef>
+                          <a:spcPts val="0"/>
+                        </a:spcBef>
+                        <a:spcAft>
+                          <a:spcPts val="0"/>
+                        </a:spcAft>
+                        <a:buClrTx/>
+                        <a:buSzTx/>
+                        <a:buFontTx/>
+                        <a:buNone/>
+                        <a:tabLst/>
+                        <a:defRPr/>
+                      </a:pPr>
+                      <a:r>
+                        <a:rPr lang="en-US" altLang="ko-KR" sz="1200" dirty="0" smtClean="0"/>
+                        <a:t>user</a:t>
+                      </a:r>
+                      <a:endParaRPr lang="ko-KR" altLang="en-US" sz="1200" dirty="0" smtClean="0"/>
+                    </a:p>
+                    <a:p>
+                      <a:pPr algn="ctr" latinLnBrk="1"/>
+                      <a:endParaRPr lang="ko-KR" altLang="en-US" sz="1200" dirty="0"/>
+                    </a:p>
+                  </a:txBody>
+                  <a:tcPr anchor="ctr"/>
+                </a:tc>
+              </a:tr>
+            </a:tbl>
+          </a:graphicData>
+        </a:graphic>
+      </p:graphicFrame>
     </p:spTree>
     <p:extLst>
       <p:ext uri="{BB962C8B-B14F-4D97-AF65-F5344CB8AC3E}">
-        <p14:creationId xmlns:p14="http://schemas.microsoft.com/office/powerpoint/2010/main" val="3158050254"/>
+        <p14:creationId xmlns:p14="http://schemas.microsoft.com/office/powerpoint/2010/main" val="4081295679"/>
       </p:ext>
     </p:extLst>
   </p:cSld>
   <p:clrMapOvr>
     <a:masterClrMapping/>
   </p:clrMapOvr>
+  <p:timing>
+    <p:tnLst>
+      <p:par>
+        <p:cTn id="1" dur="indefinite" restart="never" nodeType="tmRoot"/>
+      </p:par>
+    </p:tnLst>
+  </p:timing>
 </p:sld>
 </file>
 
@@ -3620,46 +8061,3337 @@
         </p:nvSpPr>
         <p:spPr/>
         <p:txBody>
-          <a:bodyPr/>
+          <a:bodyPr>
+            <a:normAutofit/>
+          </a:bodyPr>
           <a:lstStyle/>
           <a:p>
+            <a:pPr algn="l"/>
             <a:r>
-              <a:rPr lang="ko-KR" altLang="en-US" dirty="0" smtClean="0"/>
-              <a:t>기능</a:t>
+              <a:rPr lang="ko-KR" altLang="en-US" sz="2800" dirty="0" smtClean="0"/>
+              <a:t>테이블정의</a:t>
             </a:r>
-            <a:endParaRPr lang="ko-KR" altLang="en-US" dirty="0"/>
+            <a:r>
+              <a:rPr lang="en-US" altLang="ko-KR" sz="2800" dirty="0" smtClean="0"/>
+              <a:t>_product</a:t>
+            </a:r>
+            <a:endParaRPr lang="ko-KR" altLang="en-US" sz="2800" dirty="0"/>
           </a:p>
         </p:txBody>
       </p:sp>
-      <p:sp>
-        <p:nvSpPr>
-          <p:cNvPr id="3" name="내용 개체 틀 2"/>
-          <p:cNvSpPr>
-            <a:spLocks noGrp="1"/>
-          </p:cNvSpPr>
+      <p:graphicFrame>
+        <p:nvGraphicFramePr>
+          <p:cNvPr id="9" name="내용 개체 틀 8"/>
+          <p:cNvGraphicFramePr>
+            <a:graphicFrameLocks noGrp="1"/>
+          </p:cNvGraphicFramePr>
           <p:nvPr>
             <p:ph idx="1"/>
+            <p:extLst>
+              <p:ext uri="{D42A27DB-BD31-4B8C-83A1-F6EECF244321}">
+                <p14:modId xmlns:p14="http://schemas.microsoft.com/office/powerpoint/2010/main" val="2564866982"/>
+              </p:ext>
+            </p:extLst>
           </p:nvPr>
-        </p:nvSpPr>
-        <p:spPr/>
-        <p:txBody>
-          <a:bodyPr/>
-          <a:lstStyle/>
-          <a:p>
-            <a:endParaRPr lang="ko-KR" altLang="en-US"/>
-          </a:p>
-        </p:txBody>
-      </p:sp>
+        </p:nvGraphicFramePr>
+        <p:xfrm>
+          <a:off x="457200" y="1600200"/>
+          <a:ext cx="8147251" cy="4536440"/>
+        </p:xfrm>
+        <a:graphic>
+          <a:graphicData uri="http://schemas.openxmlformats.org/drawingml/2006/table">
+            <a:tbl>
+              <a:tblPr firstRow="1" bandRow="1">
+                <a:tableStyleId>{5940675A-B579-460E-94D1-54222C63F5DA}</a:tableStyleId>
+              </a:tblPr>
+              <a:tblGrid>
+                <a:gridCol w="1163893"/>
+                <a:gridCol w="1726771"/>
+                <a:gridCol w="1440160"/>
+                <a:gridCol w="1224136"/>
+                <a:gridCol w="648072"/>
+                <a:gridCol w="780326"/>
+                <a:gridCol w="1163893"/>
+              </a:tblGrid>
+              <a:tr h="370840">
+                <a:tc>
+                  <a:txBody>
+                    <a:bodyPr/>
+                    <a:lstStyle/>
+                    <a:p>
+                      <a:pPr algn="ctr" latinLnBrk="1"/>
+                      <a:r>
+                        <a:rPr lang="ko-KR" altLang="en-US" sz="1200" dirty="0" smtClean="0">
+                          <a:solidFill>
+                            <a:schemeClr val="bg1"/>
+                          </a:solidFill>
+                        </a:rPr>
+                        <a:t>테이블 명</a:t>
+                      </a:r>
+                      <a:endParaRPr lang="ko-KR" altLang="en-US" sz="1200" dirty="0">
+                        <a:solidFill>
+                          <a:schemeClr val="bg1"/>
+                        </a:solidFill>
+                      </a:endParaRPr>
+                    </a:p>
+                  </a:txBody>
+                  <a:tcPr anchor="ctr">
+                    <a:solidFill>
+                      <a:schemeClr val="accent1">
+                        <a:lumMod val="75000"/>
+                      </a:schemeClr>
+                    </a:solidFill>
+                  </a:tcPr>
+                </a:tc>
+                <a:tc>
+                  <a:txBody>
+                    <a:bodyPr/>
+                    <a:lstStyle/>
+                    <a:p>
+                      <a:pPr algn="ctr" latinLnBrk="1"/>
+                      <a:r>
+                        <a:rPr lang="ko-KR" altLang="en-US" sz="1200" dirty="0" smtClean="0">
+                          <a:solidFill>
+                            <a:schemeClr val="bg1"/>
+                          </a:solidFill>
+                        </a:rPr>
+                        <a:t>물리적 </a:t>
+                      </a:r>
+                      <a:r>
+                        <a:rPr lang="ko-KR" altLang="en-US" sz="1200" dirty="0" err="1" smtClean="0">
+                          <a:solidFill>
+                            <a:schemeClr val="bg1"/>
+                          </a:solidFill>
+                        </a:rPr>
+                        <a:t>필드명</a:t>
+                      </a:r>
+                      <a:r>
+                        <a:rPr lang="ko-KR" altLang="en-US" sz="1200" dirty="0" smtClean="0">
+                          <a:solidFill>
+                            <a:schemeClr val="bg1"/>
+                          </a:solidFill>
+                        </a:rPr>
+                        <a:t> </a:t>
+                      </a:r>
+                      <a:endParaRPr lang="ko-KR" altLang="en-US" sz="1200" dirty="0">
+                        <a:solidFill>
+                          <a:schemeClr val="bg1"/>
+                        </a:solidFill>
+                      </a:endParaRPr>
+                    </a:p>
+                  </a:txBody>
+                  <a:tcPr anchor="ctr">
+                    <a:solidFill>
+                      <a:schemeClr val="accent1">
+                        <a:lumMod val="75000"/>
+                      </a:schemeClr>
+                    </a:solidFill>
+                  </a:tcPr>
+                </a:tc>
+                <a:tc>
+                  <a:txBody>
+                    <a:bodyPr/>
+                    <a:lstStyle/>
+                    <a:p>
+                      <a:pPr algn="ctr" latinLnBrk="1"/>
+                      <a:r>
+                        <a:rPr lang="ko-KR" altLang="en-US" sz="1200" dirty="0" smtClean="0">
+                          <a:solidFill>
+                            <a:schemeClr val="bg1"/>
+                          </a:solidFill>
+                        </a:rPr>
+                        <a:t>논리적 </a:t>
+                      </a:r>
+                      <a:r>
+                        <a:rPr lang="ko-KR" altLang="en-US" sz="1200" dirty="0" err="1" smtClean="0">
+                          <a:solidFill>
+                            <a:schemeClr val="bg1"/>
+                          </a:solidFill>
+                        </a:rPr>
+                        <a:t>필드명</a:t>
+                      </a:r>
+                      <a:r>
+                        <a:rPr lang="ko-KR" altLang="en-US" sz="1200" dirty="0" smtClean="0">
+                          <a:solidFill>
+                            <a:schemeClr val="bg1"/>
+                          </a:solidFill>
+                        </a:rPr>
+                        <a:t> </a:t>
+                      </a:r>
+                      <a:endParaRPr lang="ko-KR" altLang="en-US" sz="1200" dirty="0">
+                        <a:solidFill>
+                          <a:schemeClr val="bg1"/>
+                        </a:solidFill>
+                      </a:endParaRPr>
+                    </a:p>
+                  </a:txBody>
+                  <a:tcPr anchor="ctr">
+                    <a:solidFill>
+                      <a:schemeClr val="accent1">
+                        <a:lumMod val="75000"/>
+                      </a:schemeClr>
+                    </a:solidFill>
+                  </a:tcPr>
+                </a:tc>
+                <a:tc>
+                  <a:txBody>
+                    <a:bodyPr/>
+                    <a:lstStyle/>
+                    <a:p>
+                      <a:pPr algn="ctr" latinLnBrk="1"/>
+                      <a:r>
+                        <a:rPr lang="ko-KR" altLang="en-US" sz="1200" dirty="0" smtClean="0">
+                          <a:solidFill>
+                            <a:schemeClr val="bg1"/>
+                          </a:solidFill>
+                        </a:rPr>
+                        <a:t>데이터유형</a:t>
+                      </a:r>
+                      <a:endParaRPr lang="ko-KR" altLang="en-US" sz="1200" dirty="0">
+                        <a:solidFill>
+                          <a:schemeClr val="bg1"/>
+                        </a:solidFill>
+                      </a:endParaRPr>
+                    </a:p>
+                  </a:txBody>
+                  <a:tcPr anchor="ctr">
+                    <a:solidFill>
+                      <a:schemeClr val="accent1">
+                        <a:lumMod val="75000"/>
+                      </a:schemeClr>
+                    </a:solidFill>
+                  </a:tcPr>
+                </a:tc>
+                <a:tc>
+                  <a:txBody>
+                    <a:bodyPr/>
+                    <a:lstStyle/>
+                    <a:p>
+                      <a:pPr algn="ctr" latinLnBrk="1"/>
+                      <a:r>
+                        <a:rPr lang="en-US" altLang="ko-KR" sz="1200" dirty="0" smtClean="0">
+                          <a:solidFill>
+                            <a:schemeClr val="bg1"/>
+                          </a:solidFill>
+                        </a:rPr>
+                        <a:t>NULL</a:t>
+                      </a:r>
+                      <a:endParaRPr lang="ko-KR" altLang="en-US" sz="1200" dirty="0">
+                        <a:solidFill>
+                          <a:schemeClr val="bg1"/>
+                        </a:solidFill>
+                      </a:endParaRPr>
+                    </a:p>
+                  </a:txBody>
+                  <a:tcPr anchor="ctr">
+                    <a:solidFill>
+                      <a:schemeClr val="accent1">
+                        <a:lumMod val="75000"/>
+                      </a:schemeClr>
+                    </a:solidFill>
+                  </a:tcPr>
+                </a:tc>
+                <a:tc>
+                  <a:txBody>
+                    <a:bodyPr/>
+                    <a:lstStyle/>
+                    <a:p>
+                      <a:pPr algn="ctr" latinLnBrk="1"/>
+                      <a:r>
+                        <a:rPr lang="ko-KR" altLang="en-US" sz="1200" dirty="0" smtClean="0">
+                          <a:solidFill>
+                            <a:schemeClr val="bg1"/>
+                          </a:solidFill>
+                        </a:rPr>
+                        <a:t>키 유형</a:t>
+                      </a:r>
+                      <a:endParaRPr lang="ko-KR" altLang="en-US" sz="1200" dirty="0">
+                        <a:solidFill>
+                          <a:schemeClr val="bg1"/>
+                        </a:solidFill>
+                      </a:endParaRPr>
+                    </a:p>
+                  </a:txBody>
+                  <a:tcPr anchor="ctr">
+                    <a:solidFill>
+                      <a:schemeClr val="accent1">
+                        <a:lumMod val="75000"/>
+                      </a:schemeClr>
+                    </a:solidFill>
+                  </a:tcPr>
+                </a:tc>
+                <a:tc>
+                  <a:txBody>
+                    <a:bodyPr/>
+                    <a:lstStyle/>
+                    <a:p>
+                      <a:pPr algn="ctr" latinLnBrk="1"/>
+                      <a:r>
+                        <a:rPr lang="ko-KR" altLang="en-US" sz="1200" dirty="0" smtClean="0">
+                          <a:solidFill>
+                            <a:schemeClr val="bg1"/>
+                          </a:solidFill>
+                        </a:rPr>
+                        <a:t>기타</a:t>
+                      </a:r>
+                      <a:endParaRPr lang="ko-KR" altLang="en-US" sz="1200" dirty="0">
+                        <a:solidFill>
+                          <a:schemeClr val="bg1"/>
+                        </a:solidFill>
+                      </a:endParaRPr>
+                    </a:p>
+                  </a:txBody>
+                  <a:tcPr anchor="ctr">
+                    <a:solidFill>
+                      <a:schemeClr val="accent1">
+                        <a:lumMod val="75000"/>
+                      </a:schemeClr>
+                    </a:solidFill>
+                  </a:tcPr>
+                </a:tc>
+              </a:tr>
+              <a:tr h="370840">
+                <a:tc rowSpan="11">
+                  <a:txBody>
+                    <a:bodyPr/>
+                    <a:lstStyle/>
+                    <a:p>
+                      <a:pPr algn="ctr" latinLnBrk="1"/>
+                      <a:r>
+                        <a:rPr lang="ko-KR" altLang="en-US" sz="1200" dirty="0" smtClean="0"/>
+                        <a:t>제품</a:t>
+                      </a:r>
+                      <a:endParaRPr lang="ko-KR" altLang="en-US" sz="1200" dirty="0"/>
+                    </a:p>
+                  </a:txBody>
+                  <a:tcPr anchor="ctr"/>
+                </a:tc>
+                <a:tc>
+                  <a:txBody>
+                    <a:bodyPr/>
+                    <a:lstStyle/>
+                    <a:p>
+                      <a:pPr algn="ctr" latinLnBrk="1"/>
+                      <a:r>
+                        <a:rPr lang="en-US" altLang="ko-KR" sz="1200" dirty="0" err="1" smtClean="0"/>
+                        <a:t>Product_code</a:t>
+                      </a:r>
+                      <a:endParaRPr lang="ko-KR" altLang="en-US" sz="1200" dirty="0"/>
+                    </a:p>
+                  </a:txBody>
+                  <a:tcPr anchor="ctr"/>
+                </a:tc>
+                <a:tc>
+                  <a:txBody>
+                    <a:bodyPr/>
+                    <a:lstStyle/>
+                    <a:p>
+                      <a:pPr algn="ctr"/>
+                      <a:r>
+                        <a:rPr lang="ko-KR" altLang="en-US" sz="1200" dirty="0" smtClean="0"/>
+                        <a:t>제품코드</a:t>
+                      </a:r>
+                      <a:endParaRPr lang="ko-KR" altLang="en-US" sz="1200" dirty="0"/>
+                    </a:p>
+                  </a:txBody>
+                  <a:tcPr anchor="ctr"/>
+                </a:tc>
+                <a:tc>
+                  <a:txBody>
+                    <a:bodyPr/>
+                    <a:lstStyle/>
+                    <a:p>
+                      <a:pPr algn="ctr" latinLnBrk="1"/>
+                      <a:r>
+                        <a:rPr lang="en-US" altLang="ko-KR" sz="1200" dirty="0" smtClean="0"/>
+                        <a:t>VARCHAR(45)</a:t>
+                      </a:r>
+                      <a:endParaRPr lang="ko-KR" altLang="en-US" sz="1200" dirty="0"/>
+                    </a:p>
+                  </a:txBody>
+                  <a:tcPr anchor="ctr"/>
+                </a:tc>
+                <a:tc>
+                  <a:txBody>
+                    <a:bodyPr/>
+                    <a:lstStyle/>
+                    <a:p>
+                      <a:pPr algn="ctr" latinLnBrk="1"/>
+                      <a:r>
+                        <a:rPr lang="en-US" altLang="ko-KR" sz="1200" dirty="0" smtClean="0"/>
+                        <a:t>NN</a:t>
+                      </a:r>
+                      <a:endParaRPr lang="ko-KR" altLang="en-US" sz="1200" dirty="0"/>
+                    </a:p>
+                  </a:txBody>
+                  <a:tcPr anchor="ctr"/>
+                </a:tc>
+                <a:tc>
+                  <a:txBody>
+                    <a:bodyPr/>
+                    <a:lstStyle/>
+                    <a:p>
+                      <a:pPr algn="ctr" latinLnBrk="1"/>
+                      <a:r>
+                        <a:rPr lang="en-US" altLang="ko-KR" sz="1200" dirty="0" smtClean="0"/>
+                        <a:t>PK</a:t>
+                      </a:r>
+                      <a:endParaRPr lang="ko-KR" altLang="en-US" sz="1200" dirty="0"/>
+                    </a:p>
+                  </a:txBody>
+                  <a:tcPr anchor="ctr"/>
+                </a:tc>
+                <a:tc>
+                  <a:txBody>
+                    <a:bodyPr/>
+                    <a:lstStyle/>
+                    <a:p>
+                      <a:pPr algn="ctr" latinLnBrk="1"/>
+                      <a:endParaRPr lang="ko-KR" altLang="en-US" sz="1200" dirty="0"/>
+                    </a:p>
+                  </a:txBody>
+                  <a:tcPr anchor="ctr"/>
+                </a:tc>
+              </a:tr>
+              <a:tr h="370840">
+                <a:tc vMerge="1">
+                  <a:txBody>
+                    <a:bodyPr/>
+                    <a:lstStyle/>
+                    <a:p>
+                      <a:pPr latinLnBrk="1"/>
+                      <a:endParaRPr lang="ko-KR" altLang="en-US" sz="1200" dirty="0"/>
+                    </a:p>
+                  </a:txBody>
+                  <a:tcPr/>
+                </a:tc>
+                <a:tc>
+                  <a:txBody>
+                    <a:bodyPr/>
+                    <a:lstStyle/>
+                    <a:p>
+                      <a:pPr algn="ctr" latinLnBrk="1"/>
+                      <a:r>
+                        <a:rPr lang="en-US" altLang="ko-KR" sz="1200" dirty="0" err="1" smtClean="0"/>
+                        <a:t>Product_title</a:t>
+                      </a:r>
+                      <a:endParaRPr lang="ko-KR" altLang="en-US" sz="1200" dirty="0"/>
+                    </a:p>
+                  </a:txBody>
+                  <a:tcPr anchor="ctr"/>
+                </a:tc>
+                <a:tc>
+                  <a:txBody>
+                    <a:bodyPr/>
+                    <a:lstStyle/>
+                    <a:p>
+                      <a:pPr algn="ctr"/>
+                      <a:r>
+                        <a:rPr lang="ko-KR" altLang="en-US" sz="1200" dirty="0" smtClean="0"/>
+                        <a:t>제품명</a:t>
+                      </a:r>
+                      <a:endParaRPr lang="ko-KR" altLang="en-US" sz="1200" dirty="0"/>
+                    </a:p>
+                  </a:txBody>
+                  <a:tcPr anchor="ctr"/>
+                </a:tc>
+                <a:tc>
+                  <a:txBody>
+                    <a:bodyPr/>
+                    <a:lstStyle/>
+                    <a:p>
+                      <a:pPr algn="ctr" latinLnBrk="1"/>
+                      <a:r>
+                        <a:rPr lang="en-US" altLang="ko-KR" sz="1200" dirty="0" smtClean="0"/>
+                        <a:t>VARCHAR(255)</a:t>
+                      </a:r>
+                      <a:endParaRPr lang="ko-KR" altLang="en-US" sz="1200" dirty="0"/>
+                    </a:p>
+                  </a:txBody>
+                  <a:tcPr anchor="ctr"/>
+                </a:tc>
+                <a:tc>
+                  <a:txBody>
+                    <a:bodyPr/>
+                    <a:lstStyle/>
+                    <a:p>
+                      <a:pPr algn="ctr" latinLnBrk="1"/>
+                      <a:r>
+                        <a:rPr lang="en-US" altLang="ko-KR" sz="1200" dirty="0" smtClean="0"/>
+                        <a:t>NN</a:t>
+                      </a:r>
+                      <a:endParaRPr lang="ko-KR" altLang="en-US" sz="1200" dirty="0"/>
+                    </a:p>
+                  </a:txBody>
+                  <a:tcPr anchor="ctr"/>
+                </a:tc>
+                <a:tc>
+                  <a:txBody>
+                    <a:bodyPr/>
+                    <a:lstStyle/>
+                    <a:p>
+                      <a:pPr algn="ctr" latinLnBrk="1"/>
+                      <a:endParaRPr lang="ko-KR" altLang="en-US" sz="1200"/>
+                    </a:p>
+                  </a:txBody>
+                  <a:tcPr anchor="ctr"/>
+                </a:tc>
+                <a:tc>
+                  <a:txBody>
+                    <a:bodyPr/>
+                    <a:lstStyle/>
+                    <a:p>
+                      <a:pPr algn="ctr" latinLnBrk="1"/>
+                      <a:endParaRPr lang="ko-KR" altLang="en-US" sz="1200" dirty="0"/>
+                    </a:p>
+                  </a:txBody>
+                  <a:tcPr anchor="ctr"/>
+                </a:tc>
+              </a:tr>
+              <a:tr h="370840">
+                <a:tc vMerge="1">
+                  <a:txBody>
+                    <a:bodyPr/>
+                    <a:lstStyle/>
+                    <a:p>
+                      <a:pPr latinLnBrk="1"/>
+                      <a:endParaRPr lang="ko-KR" altLang="en-US" sz="1200" dirty="0"/>
+                    </a:p>
+                  </a:txBody>
+                  <a:tcPr/>
+                </a:tc>
+                <a:tc>
+                  <a:txBody>
+                    <a:bodyPr/>
+                    <a:lstStyle/>
+                    <a:p>
+                      <a:pPr algn="ctr" latinLnBrk="1"/>
+                      <a:r>
+                        <a:rPr lang="en-US" altLang="ko-KR" sz="1200" dirty="0" err="1" smtClean="0"/>
+                        <a:t>Product_contents</a:t>
+                      </a:r>
+                      <a:endParaRPr lang="ko-KR" altLang="en-US" sz="1200" dirty="0"/>
+                    </a:p>
+                  </a:txBody>
+                  <a:tcPr anchor="ctr"/>
+                </a:tc>
+                <a:tc>
+                  <a:txBody>
+                    <a:bodyPr/>
+                    <a:lstStyle/>
+                    <a:p>
+                      <a:pPr algn="ctr"/>
+                      <a:r>
+                        <a:rPr lang="ko-KR" altLang="en-US" sz="1200" dirty="0" smtClean="0"/>
+                        <a:t>제품내용</a:t>
+                      </a:r>
+                      <a:endParaRPr lang="ko-KR" altLang="en-US" sz="1200" dirty="0"/>
+                    </a:p>
+                  </a:txBody>
+                  <a:tcPr anchor="ctr"/>
+                </a:tc>
+                <a:tc>
+                  <a:txBody>
+                    <a:bodyPr/>
+                    <a:lstStyle/>
+                    <a:p>
+                      <a:pPr algn="ctr" latinLnBrk="1"/>
+                      <a:r>
+                        <a:rPr lang="en-US" altLang="ko-KR" sz="1200" dirty="0" smtClean="0"/>
+                        <a:t>LONGTEXT</a:t>
+                      </a:r>
+                      <a:endParaRPr lang="ko-KR" altLang="en-US" sz="1200" dirty="0"/>
+                    </a:p>
+                  </a:txBody>
+                  <a:tcPr anchor="ctr"/>
+                </a:tc>
+                <a:tc>
+                  <a:txBody>
+                    <a:bodyPr/>
+                    <a:lstStyle/>
+                    <a:p>
+                      <a:pPr algn="ctr"/>
+                      <a:endParaRPr lang="ko-KR" altLang="en-US"/>
+                    </a:p>
+                  </a:txBody>
+                  <a:tcPr anchor="ctr"/>
+                </a:tc>
+                <a:tc>
+                  <a:txBody>
+                    <a:bodyPr/>
+                    <a:lstStyle/>
+                    <a:p>
+                      <a:pPr algn="ctr" latinLnBrk="1"/>
+                      <a:endParaRPr lang="ko-KR" altLang="en-US" sz="1200"/>
+                    </a:p>
+                  </a:txBody>
+                  <a:tcPr anchor="ctr"/>
+                </a:tc>
+                <a:tc>
+                  <a:txBody>
+                    <a:bodyPr/>
+                    <a:lstStyle/>
+                    <a:p>
+                      <a:pPr algn="ctr" latinLnBrk="1"/>
+                      <a:endParaRPr lang="ko-KR" altLang="en-US" sz="1200"/>
+                    </a:p>
+                  </a:txBody>
+                  <a:tcPr anchor="ctr"/>
+                </a:tc>
+              </a:tr>
+              <a:tr h="370840">
+                <a:tc vMerge="1">
+                  <a:txBody>
+                    <a:bodyPr/>
+                    <a:lstStyle/>
+                    <a:p>
+                      <a:pPr latinLnBrk="1"/>
+                      <a:endParaRPr lang="ko-KR" altLang="en-US" sz="1200" dirty="0"/>
+                    </a:p>
+                  </a:txBody>
+                  <a:tcPr/>
+                </a:tc>
+                <a:tc>
+                  <a:txBody>
+                    <a:bodyPr/>
+                    <a:lstStyle/>
+                    <a:p>
+                      <a:pPr algn="ctr" latinLnBrk="1"/>
+                      <a:r>
+                        <a:rPr lang="en-US" altLang="ko-KR" sz="1200" dirty="0" err="1" smtClean="0"/>
+                        <a:t>Product_maincategory</a:t>
+                      </a:r>
+                      <a:endParaRPr lang="ko-KR" altLang="en-US" sz="1200" dirty="0"/>
+                    </a:p>
+                  </a:txBody>
+                  <a:tcPr anchor="ctr"/>
+                </a:tc>
+                <a:tc>
+                  <a:txBody>
+                    <a:bodyPr/>
+                    <a:lstStyle/>
+                    <a:p>
+                      <a:pPr algn="ctr"/>
+                      <a:r>
+                        <a:rPr lang="ko-KR" altLang="en-US" sz="1200" dirty="0" err="1" smtClean="0"/>
+                        <a:t>대분류</a:t>
+                      </a:r>
+                      <a:r>
+                        <a:rPr lang="ko-KR" altLang="en-US" sz="1200" dirty="0" smtClean="0"/>
+                        <a:t> 카테고리</a:t>
+                      </a:r>
+                      <a:endParaRPr lang="ko-KR" altLang="en-US" sz="1200" dirty="0"/>
+                    </a:p>
+                  </a:txBody>
+                  <a:tcPr anchor="ctr"/>
+                </a:tc>
+                <a:tc>
+                  <a:txBody>
+                    <a:bodyPr/>
+                    <a:lstStyle/>
+                    <a:p>
+                      <a:pPr marL="0" marR="0" indent="0" algn="ctr" defTabSz="914400" rtl="0" eaLnBrk="1" fontAlgn="auto" latinLnBrk="1" hangingPunct="1">
+                        <a:lnSpc>
+                          <a:spcPct val="100000"/>
+                        </a:lnSpc>
+                        <a:spcBef>
+                          <a:spcPts val="0"/>
+                        </a:spcBef>
+                        <a:spcAft>
+                          <a:spcPts val="0"/>
+                        </a:spcAft>
+                        <a:buClrTx/>
+                        <a:buSzTx/>
+                        <a:buFontTx/>
+                        <a:buNone/>
+                        <a:tabLst/>
+                        <a:defRPr/>
+                      </a:pPr>
+                      <a:r>
+                        <a:rPr lang="en-US" altLang="ko-KR" sz="1200" dirty="0" smtClean="0"/>
+                        <a:t>VARCHAR(45)</a:t>
+                      </a:r>
+                      <a:endParaRPr lang="ko-KR" altLang="en-US" sz="1200" dirty="0" smtClean="0"/>
+                    </a:p>
+                  </a:txBody>
+                  <a:tcPr anchor="ctr"/>
+                </a:tc>
+                <a:tc>
+                  <a:txBody>
+                    <a:bodyPr/>
+                    <a:lstStyle/>
+                    <a:p>
+                      <a:pPr algn="ctr"/>
+                      <a:endParaRPr lang="ko-KR" altLang="en-US" dirty="0"/>
+                    </a:p>
+                  </a:txBody>
+                  <a:tcPr anchor="ctr"/>
+                </a:tc>
+                <a:tc>
+                  <a:txBody>
+                    <a:bodyPr/>
+                    <a:lstStyle/>
+                    <a:p>
+                      <a:pPr algn="ctr" latinLnBrk="1"/>
+                      <a:endParaRPr lang="ko-KR" altLang="en-US" sz="1200" dirty="0"/>
+                    </a:p>
+                  </a:txBody>
+                  <a:tcPr anchor="ctr"/>
+                </a:tc>
+                <a:tc>
+                  <a:txBody>
+                    <a:bodyPr/>
+                    <a:lstStyle/>
+                    <a:p>
+                      <a:pPr algn="ctr" latinLnBrk="1"/>
+                      <a:endParaRPr lang="ko-KR" altLang="en-US" sz="1200"/>
+                    </a:p>
+                  </a:txBody>
+                  <a:tcPr anchor="ctr"/>
+                </a:tc>
+              </a:tr>
+              <a:tr h="370840">
+                <a:tc vMerge="1">
+                  <a:txBody>
+                    <a:bodyPr/>
+                    <a:lstStyle/>
+                    <a:p>
+                      <a:pPr latinLnBrk="1"/>
+                      <a:endParaRPr lang="ko-KR" altLang="en-US" sz="1200" dirty="0"/>
+                    </a:p>
+                  </a:txBody>
+                  <a:tcPr/>
+                </a:tc>
+                <a:tc>
+                  <a:txBody>
+                    <a:bodyPr/>
+                    <a:lstStyle/>
+                    <a:p>
+                      <a:pPr algn="ctr" latinLnBrk="1"/>
+                      <a:r>
+                        <a:rPr lang="en-US" altLang="ko-KR" sz="1200" dirty="0" err="1" smtClean="0"/>
+                        <a:t>Product_subcategory</a:t>
+                      </a:r>
+                      <a:endParaRPr lang="ko-KR" altLang="en-US" sz="1200" dirty="0"/>
+                    </a:p>
+                  </a:txBody>
+                  <a:tcPr anchor="ctr"/>
+                </a:tc>
+                <a:tc>
+                  <a:txBody>
+                    <a:bodyPr/>
+                    <a:lstStyle/>
+                    <a:p>
+                      <a:pPr algn="ctr"/>
+                      <a:r>
+                        <a:rPr lang="ko-KR" altLang="en-US" sz="1200" dirty="0" smtClean="0"/>
+                        <a:t>중분류 카테고리</a:t>
+                      </a:r>
+                      <a:endParaRPr lang="ko-KR" altLang="en-US" sz="1200" dirty="0"/>
+                    </a:p>
+                  </a:txBody>
+                  <a:tcPr anchor="ctr"/>
+                </a:tc>
+                <a:tc>
+                  <a:txBody>
+                    <a:bodyPr/>
+                    <a:lstStyle/>
+                    <a:p>
+                      <a:pPr marL="0" marR="0" indent="0" algn="ctr" defTabSz="914400" rtl="0" eaLnBrk="1" fontAlgn="auto" latinLnBrk="1" hangingPunct="1">
+                        <a:lnSpc>
+                          <a:spcPct val="100000"/>
+                        </a:lnSpc>
+                        <a:spcBef>
+                          <a:spcPts val="0"/>
+                        </a:spcBef>
+                        <a:spcAft>
+                          <a:spcPts val="0"/>
+                        </a:spcAft>
+                        <a:buClrTx/>
+                        <a:buSzTx/>
+                        <a:buFontTx/>
+                        <a:buNone/>
+                        <a:tabLst/>
+                        <a:defRPr/>
+                      </a:pPr>
+                      <a:r>
+                        <a:rPr lang="en-US" altLang="ko-KR" sz="1200" dirty="0" smtClean="0"/>
+                        <a:t>VARCHAR(45)</a:t>
+                      </a:r>
+                      <a:endParaRPr lang="ko-KR" altLang="en-US" sz="1200" dirty="0" smtClean="0"/>
+                    </a:p>
+                  </a:txBody>
+                  <a:tcPr anchor="ctr"/>
+                </a:tc>
+                <a:tc>
+                  <a:txBody>
+                    <a:bodyPr/>
+                    <a:lstStyle/>
+                    <a:p>
+                      <a:pPr algn="ctr" latinLnBrk="1"/>
+                      <a:endParaRPr lang="ko-KR" altLang="en-US" sz="1200"/>
+                    </a:p>
+                  </a:txBody>
+                  <a:tcPr anchor="ctr"/>
+                </a:tc>
+                <a:tc>
+                  <a:txBody>
+                    <a:bodyPr/>
+                    <a:lstStyle/>
+                    <a:p>
+                      <a:pPr algn="ctr" latinLnBrk="1"/>
+                      <a:endParaRPr lang="ko-KR" altLang="en-US" sz="1200"/>
+                    </a:p>
+                  </a:txBody>
+                  <a:tcPr anchor="ctr"/>
+                </a:tc>
+                <a:tc>
+                  <a:txBody>
+                    <a:bodyPr/>
+                    <a:lstStyle/>
+                    <a:p>
+                      <a:pPr algn="ctr" latinLnBrk="1"/>
+                      <a:endParaRPr lang="ko-KR" altLang="en-US" sz="1200"/>
+                    </a:p>
+                  </a:txBody>
+                  <a:tcPr anchor="ctr"/>
+                </a:tc>
+              </a:tr>
+              <a:tr h="370840">
+                <a:tc vMerge="1">
+                  <a:txBody>
+                    <a:bodyPr/>
+                    <a:lstStyle/>
+                    <a:p>
+                      <a:pPr latinLnBrk="1"/>
+                      <a:endParaRPr lang="ko-KR" altLang="en-US" sz="1200"/>
+                    </a:p>
+                  </a:txBody>
+                  <a:tcPr/>
+                </a:tc>
+                <a:tc>
+                  <a:txBody>
+                    <a:bodyPr/>
+                    <a:lstStyle/>
+                    <a:p>
+                      <a:pPr algn="ctr" latinLnBrk="1"/>
+                      <a:r>
+                        <a:rPr lang="en-US" altLang="ko-KR" sz="1200" dirty="0" err="1" smtClean="0"/>
+                        <a:t>Product_origin</a:t>
+                      </a:r>
+                      <a:endParaRPr lang="ko-KR" altLang="en-US" sz="1200" dirty="0"/>
+                    </a:p>
+                  </a:txBody>
+                  <a:tcPr anchor="ctr"/>
+                </a:tc>
+                <a:tc>
+                  <a:txBody>
+                    <a:bodyPr/>
+                    <a:lstStyle/>
+                    <a:p>
+                      <a:pPr algn="ctr"/>
+                      <a:r>
+                        <a:rPr lang="ko-KR" altLang="en-US" sz="1200" dirty="0" smtClean="0"/>
+                        <a:t>원산지</a:t>
+                      </a:r>
+                      <a:endParaRPr lang="ko-KR" altLang="en-US" sz="1200" dirty="0"/>
+                    </a:p>
+                  </a:txBody>
+                  <a:tcPr anchor="ctr"/>
+                </a:tc>
+                <a:tc>
+                  <a:txBody>
+                    <a:bodyPr/>
+                    <a:lstStyle/>
+                    <a:p>
+                      <a:pPr marL="0" marR="0" indent="0" algn="ctr" defTabSz="914400" rtl="0" eaLnBrk="1" fontAlgn="auto" latinLnBrk="1" hangingPunct="1">
+                        <a:lnSpc>
+                          <a:spcPct val="100000"/>
+                        </a:lnSpc>
+                        <a:spcBef>
+                          <a:spcPts val="0"/>
+                        </a:spcBef>
+                        <a:spcAft>
+                          <a:spcPts val="0"/>
+                        </a:spcAft>
+                        <a:buClrTx/>
+                        <a:buSzTx/>
+                        <a:buFontTx/>
+                        <a:buNone/>
+                        <a:tabLst/>
+                        <a:defRPr/>
+                      </a:pPr>
+                      <a:r>
+                        <a:rPr lang="en-US" altLang="ko-KR" sz="1200" dirty="0" smtClean="0"/>
+                        <a:t>VARCHAR(45)</a:t>
+                      </a:r>
+                      <a:endParaRPr lang="ko-KR" altLang="en-US" sz="1200" dirty="0"/>
+                    </a:p>
+                  </a:txBody>
+                  <a:tcPr anchor="ctr"/>
+                </a:tc>
+                <a:tc>
+                  <a:txBody>
+                    <a:bodyPr/>
+                    <a:lstStyle/>
+                    <a:p>
+                      <a:pPr algn="ctr" latinLnBrk="1"/>
+                      <a:endParaRPr lang="ko-KR" altLang="en-US" sz="1200"/>
+                    </a:p>
+                  </a:txBody>
+                  <a:tcPr anchor="ctr"/>
+                </a:tc>
+                <a:tc>
+                  <a:txBody>
+                    <a:bodyPr/>
+                    <a:lstStyle/>
+                    <a:p>
+                      <a:pPr algn="ctr" latinLnBrk="1"/>
+                      <a:endParaRPr lang="ko-KR" altLang="en-US" sz="1200"/>
+                    </a:p>
+                  </a:txBody>
+                  <a:tcPr anchor="ctr"/>
+                </a:tc>
+                <a:tc>
+                  <a:txBody>
+                    <a:bodyPr/>
+                    <a:lstStyle/>
+                    <a:p>
+                      <a:pPr algn="ctr" latinLnBrk="1"/>
+                      <a:endParaRPr lang="ko-KR" altLang="en-US" sz="1200"/>
+                    </a:p>
+                  </a:txBody>
+                  <a:tcPr anchor="ctr"/>
+                </a:tc>
+              </a:tr>
+              <a:tr h="370840">
+                <a:tc vMerge="1">
+                  <a:txBody>
+                    <a:bodyPr/>
+                    <a:lstStyle/>
+                    <a:p>
+                      <a:pPr latinLnBrk="1"/>
+                      <a:endParaRPr lang="ko-KR" altLang="en-US" sz="1200" dirty="0"/>
+                    </a:p>
+                  </a:txBody>
+                  <a:tcPr/>
+                </a:tc>
+                <a:tc>
+                  <a:txBody>
+                    <a:bodyPr/>
+                    <a:lstStyle/>
+                    <a:p>
+                      <a:pPr algn="ctr" latinLnBrk="1"/>
+                      <a:r>
+                        <a:rPr lang="en-US" altLang="ko-KR" sz="1200" dirty="0" err="1" smtClean="0"/>
+                        <a:t>Product_price</a:t>
+                      </a:r>
+                      <a:endParaRPr lang="ko-KR" altLang="en-US" sz="1200" dirty="0"/>
+                    </a:p>
+                  </a:txBody>
+                  <a:tcPr anchor="ctr"/>
+                </a:tc>
+                <a:tc>
+                  <a:txBody>
+                    <a:bodyPr/>
+                    <a:lstStyle/>
+                    <a:p>
+                      <a:pPr algn="ctr"/>
+                      <a:r>
+                        <a:rPr lang="ko-KR" altLang="en-US" sz="1200" dirty="0" smtClean="0"/>
+                        <a:t>금액</a:t>
+                      </a:r>
+                      <a:endParaRPr lang="ko-KR" altLang="en-US" sz="1200" dirty="0"/>
+                    </a:p>
+                  </a:txBody>
+                  <a:tcPr anchor="ctr"/>
+                </a:tc>
+                <a:tc>
+                  <a:txBody>
+                    <a:bodyPr/>
+                    <a:lstStyle/>
+                    <a:p>
+                      <a:pPr algn="ctr" latinLnBrk="1"/>
+                      <a:r>
+                        <a:rPr lang="en-US" altLang="ko-KR" sz="1200" dirty="0" smtClean="0"/>
+                        <a:t>INT(11)</a:t>
+                      </a:r>
+                      <a:endParaRPr lang="ko-KR" altLang="en-US" sz="1200" dirty="0"/>
+                    </a:p>
+                  </a:txBody>
+                  <a:tcPr anchor="ctr"/>
+                </a:tc>
+                <a:tc>
+                  <a:txBody>
+                    <a:bodyPr/>
+                    <a:lstStyle/>
+                    <a:p>
+                      <a:pPr marL="0" marR="0" indent="0" algn="ctr" defTabSz="914400" rtl="0" eaLnBrk="1" fontAlgn="auto" latinLnBrk="1" hangingPunct="1">
+                        <a:lnSpc>
+                          <a:spcPct val="100000"/>
+                        </a:lnSpc>
+                        <a:spcBef>
+                          <a:spcPts val="0"/>
+                        </a:spcBef>
+                        <a:spcAft>
+                          <a:spcPts val="0"/>
+                        </a:spcAft>
+                        <a:buClrTx/>
+                        <a:buSzTx/>
+                        <a:buFontTx/>
+                        <a:buNone/>
+                        <a:tabLst/>
+                        <a:defRPr/>
+                      </a:pPr>
+                      <a:r>
+                        <a:rPr lang="en-US" altLang="ko-KR" sz="1200" dirty="0" smtClean="0"/>
+                        <a:t>NN</a:t>
+                      </a:r>
+                      <a:endParaRPr lang="ko-KR" altLang="en-US" sz="1200" dirty="0" smtClean="0"/>
+                    </a:p>
+                  </a:txBody>
+                  <a:tcPr anchor="ctr"/>
+                </a:tc>
+                <a:tc>
+                  <a:txBody>
+                    <a:bodyPr/>
+                    <a:lstStyle/>
+                    <a:p>
+                      <a:pPr algn="ctr" latinLnBrk="1"/>
+                      <a:endParaRPr lang="ko-KR" altLang="en-US" sz="1200"/>
+                    </a:p>
+                  </a:txBody>
+                  <a:tcPr anchor="ctr"/>
+                </a:tc>
+                <a:tc>
+                  <a:txBody>
+                    <a:bodyPr/>
+                    <a:lstStyle/>
+                    <a:p>
+                      <a:pPr algn="ctr" latinLnBrk="1"/>
+                      <a:endParaRPr lang="ko-KR" altLang="en-US" sz="1200"/>
+                    </a:p>
+                  </a:txBody>
+                  <a:tcPr anchor="ctr"/>
+                </a:tc>
+              </a:tr>
+              <a:tr h="370840">
+                <a:tc vMerge="1">
+                  <a:txBody>
+                    <a:bodyPr/>
+                    <a:lstStyle/>
+                    <a:p>
+                      <a:pPr latinLnBrk="1"/>
+                      <a:endParaRPr lang="ko-KR" altLang="en-US" sz="1200" dirty="0"/>
+                    </a:p>
+                  </a:txBody>
+                  <a:tcPr/>
+                </a:tc>
+                <a:tc>
+                  <a:txBody>
+                    <a:bodyPr/>
+                    <a:lstStyle/>
+                    <a:p>
+                      <a:pPr algn="ctr" latinLnBrk="1"/>
+                      <a:r>
+                        <a:rPr lang="en-US" altLang="ko-KR" sz="1200" dirty="0" err="1" smtClean="0"/>
+                        <a:t>Product_made</a:t>
+                      </a:r>
+                      <a:endParaRPr lang="ko-KR" altLang="en-US" sz="1200" dirty="0"/>
+                    </a:p>
+                  </a:txBody>
+                  <a:tcPr anchor="ctr"/>
+                </a:tc>
+                <a:tc>
+                  <a:txBody>
+                    <a:bodyPr/>
+                    <a:lstStyle/>
+                    <a:p>
+                      <a:pPr algn="ctr"/>
+                      <a:r>
+                        <a:rPr lang="ko-KR" altLang="en-US" sz="1200" dirty="0" smtClean="0"/>
+                        <a:t>제조사</a:t>
+                      </a:r>
+                      <a:endParaRPr lang="ko-KR" altLang="en-US" sz="1200" dirty="0"/>
+                    </a:p>
+                  </a:txBody>
+                  <a:tcPr anchor="ctr"/>
+                </a:tc>
+                <a:tc>
+                  <a:txBody>
+                    <a:bodyPr/>
+                    <a:lstStyle/>
+                    <a:p>
+                      <a:pPr algn="ctr" latinLnBrk="1"/>
+                      <a:r>
+                        <a:rPr lang="en-US" altLang="ko-KR" sz="1200" dirty="0" smtClean="0"/>
+                        <a:t>VARCHAR(45)</a:t>
+                      </a:r>
+                      <a:endParaRPr lang="ko-KR" altLang="en-US" sz="1200" dirty="0"/>
+                    </a:p>
+                  </a:txBody>
+                  <a:tcPr anchor="ctr"/>
+                </a:tc>
+                <a:tc>
+                  <a:txBody>
+                    <a:bodyPr/>
+                    <a:lstStyle/>
+                    <a:p>
+                      <a:pPr algn="ctr" latinLnBrk="1"/>
+                      <a:endParaRPr lang="ko-KR" altLang="en-US" sz="1200" dirty="0"/>
+                    </a:p>
+                  </a:txBody>
+                  <a:tcPr anchor="ctr"/>
+                </a:tc>
+                <a:tc>
+                  <a:txBody>
+                    <a:bodyPr/>
+                    <a:lstStyle/>
+                    <a:p>
+                      <a:pPr algn="ctr" latinLnBrk="1"/>
+                      <a:endParaRPr lang="ko-KR" altLang="en-US" sz="1200" dirty="0"/>
+                    </a:p>
+                  </a:txBody>
+                  <a:tcPr anchor="ctr"/>
+                </a:tc>
+                <a:tc>
+                  <a:txBody>
+                    <a:bodyPr/>
+                    <a:lstStyle/>
+                    <a:p>
+                      <a:pPr algn="ctr" latinLnBrk="1"/>
+                      <a:endParaRPr lang="ko-KR" altLang="en-US" sz="1200" dirty="0"/>
+                    </a:p>
+                  </a:txBody>
+                  <a:tcPr anchor="ctr"/>
+                </a:tc>
+              </a:tr>
+              <a:tr h="370840">
+                <a:tc vMerge="1">
+                  <a:txBody>
+                    <a:bodyPr/>
+                    <a:lstStyle/>
+                    <a:p>
+                      <a:pPr latinLnBrk="1"/>
+                      <a:endParaRPr lang="ko-KR" altLang="en-US" sz="1200" dirty="0"/>
+                    </a:p>
+                  </a:txBody>
+                  <a:tcPr/>
+                </a:tc>
+                <a:tc>
+                  <a:txBody>
+                    <a:bodyPr/>
+                    <a:lstStyle/>
+                    <a:p>
+                      <a:pPr algn="ctr" latinLnBrk="1"/>
+                      <a:r>
+                        <a:rPr lang="en-US" altLang="ko-KR" sz="1200" dirty="0" err="1" smtClean="0"/>
+                        <a:t>Product_stock</a:t>
+                      </a:r>
+                      <a:endParaRPr lang="ko-KR" altLang="en-US" sz="1200" dirty="0"/>
+                    </a:p>
+                  </a:txBody>
+                  <a:tcPr anchor="ctr"/>
+                </a:tc>
+                <a:tc>
+                  <a:txBody>
+                    <a:bodyPr/>
+                    <a:lstStyle/>
+                    <a:p>
+                      <a:pPr algn="ctr"/>
+                      <a:r>
+                        <a:rPr lang="ko-KR" altLang="en-US" sz="1200" dirty="0" smtClean="0"/>
+                        <a:t>재고수량</a:t>
+                      </a:r>
+                      <a:endParaRPr lang="ko-KR" altLang="en-US" sz="1200" dirty="0"/>
+                    </a:p>
+                  </a:txBody>
+                  <a:tcPr anchor="ctr"/>
+                </a:tc>
+                <a:tc>
+                  <a:txBody>
+                    <a:bodyPr/>
+                    <a:lstStyle/>
+                    <a:p>
+                      <a:pPr algn="ctr" latinLnBrk="1"/>
+                      <a:r>
+                        <a:rPr lang="en-US" altLang="ko-KR" sz="1200" dirty="0" smtClean="0"/>
+                        <a:t>INT(11)</a:t>
+                      </a:r>
+                      <a:endParaRPr lang="ko-KR" altLang="en-US" sz="1200" dirty="0"/>
+                    </a:p>
+                  </a:txBody>
+                  <a:tcPr anchor="ctr"/>
+                </a:tc>
+                <a:tc>
+                  <a:txBody>
+                    <a:bodyPr/>
+                    <a:lstStyle/>
+                    <a:p>
+                      <a:pPr algn="ctr" latinLnBrk="1"/>
+                      <a:r>
+                        <a:rPr lang="en-US" altLang="ko-KR" sz="1200" dirty="0" smtClean="0"/>
+                        <a:t>NN</a:t>
+                      </a:r>
+                      <a:endParaRPr lang="ko-KR" altLang="en-US" sz="1200" dirty="0"/>
+                    </a:p>
+                  </a:txBody>
+                  <a:tcPr anchor="ctr"/>
+                </a:tc>
+                <a:tc>
+                  <a:txBody>
+                    <a:bodyPr/>
+                    <a:lstStyle/>
+                    <a:p>
+                      <a:pPr algn="ctr" latinLnBrk="1"/>
+                      <a:endParaRPr lang="ko-KR" altLang="en-US" sz="1200"/>
+                    </a:p>
+                  </a:txBody>
+                  <a:tcPr anchor="ctr"/>
+                </a:tc>
+                <a:tc>
+                  <a:txBody>
+                    <a:bodyPr/>
+                    <a:lstStyle/>
+                    <a:p>
+                      <a:pPr algn="ctr" latinLnBrk="1"/>
+                      <a:r>
+                        <a:rPr lang="en-US" altLang="ko-KR" sz="1200" dirty="0" smtClean="0"/>
+                        <a:t>0</a:t>
+                      </a:r>
+                      <a:endParaRPr lang="ko-KR" altLang="en-US" sz="1200" dirty="0"/>
+                    </a:p>
+                  </a:txBody>
+                  <a:tcPr anchor="ctr"/>
+                </a:tc>
+              </a:tr>
+              <a:tr h="370840">
+                <a:tc vMerge="1">
+                  <a:txBody>
+                    <a:bodyPr/>
+                    <a:lstStyle/>
+                    <a:p>
+                      <a:pPr latinLnBrk="1"/>
+                      <a:endParaRPr lang="ko-KR" altLang="en-US" sz="1200" dirty="0"/>
+                    </a:p>
+                  </a:txBody>
+                  <a:tcPr/>
+                </a:tc>
+                <a:tc>
+                  <a:txBody>
+                    <a:bodyPr/>
+                    <a:lstStyle/>
+                    <a:p>
+                      <a:pPr algn="ctr" latinLnBrk="1"/>
+                      <a:r>
+                        <a:rPr lang="en-US" altLang="ko-KR" sz="1200" dirty="0" err="1" smtClean="0"/>
+                        <a:t>Product_state</a:t>
+                      </a:r>
+                      <a:endParaRPr lang="ko-KR" altLang="en-US" sz="1200" dirty="0"/>
+                    </a:p>
+                  </a:txBody>
+                  <a:tcPr anchor="ctr"/>
+                </a:tc>
+                <a:tc>
+                  <a:txBody>
+                    <a:bodyPr/>
+                    <a:lstStyle/>
+                    <a:p>
+                      <a:pPr algn="ctr"/>
+                      <a:r>
+                        <a:rPr lang="ko-KR" altLang="en-US" sz="1200" dirty="0" smtClean="0"/>
+                        <a:t>상태</a:t>
+                      </a:r>
+                      <a:endParaRPr lang="ko-KR" altLang="en-US" sz="1200" dirty="0"/>
+                    </a:p>
+                  </a:txBody>
+                  <a:tcPr anchor="ctr"/>
+                </a:tc>
+                <a:tc>
+                  <a:txBody>
+                    <a:bodyPr/>
+                    <a:lstStyle/>
+                    <a:p>
+                      <a:pPr algn="ctr" latinLnBrk="1"/>
+                      <a:r>
+                        <a:rPr lang="en-US" altLang="ko-KR" sz="1200" dirty="0" smtClean="0"/>
+                        <a:t>VARCHAR(5)</a:t>
+                      </a:r>
+                      <a:endParaRPr lang="ko-KR" altLang="en-US" sz="1200" dirty="0"/>
+                    </a:p>
+                  </a:txBody>
+                  <a:tcPr anchor="ctr"/>
+                </a:tc>
+                <a:tc>
+                  <a:txBody>
+                    <a:bodyPr/>
+                    <a:lstStyle/>
+                    <a:p>
+                      <a:pPr algn="ctr" latinLnBrk="1"/>
+                      <a:endParaRPr lang="ko-KR" altLang="en-US" sz="1200"/>
+                    </a:p>
+                  </a:txBody>
+                  <a:tcPr anchor="ctr"/>
+                </a:tc>
+                <a:tc>
+                  <a:txBody>
+                    <a:bodyPr/>
+                    <a:lstStyle/>
+                    <a:p>
+                      <a:pPr algn="ctr" latinLnBrk="1"/>
+                      <a:endParaRPr lang="ko-KR" altLang="en-US" sz="1200"/>
+                    </a:p>
+                  </a:txBody>
+                  <a:tcPr anchor="ctr"/>
+                </a:tc>
+                <a:tc>
+                  <a:txBody>
+                    <a:bodyPr/>
+                    <a:lstStyle/>
+                    <a:p>
+                      <a:pPr algn="ctr" latinLnBrk="1"/>
+                      <a:r>
+                        <a:rPr lang="en-US" altLang="ko-KR" sz="1200" dirty="0" smtClean="0"/>
+                        <a:t>I</a:t>
+                      </a:r>
+                      <a:endParaRPr lang="ko-KR" altLang="en-US" sz="1200" dirty="0"/>
+                    </a:p>
+                  </a:txBody>
+                  <a:tcPr anchor="ctr"/>
+                </a:tc>
+              </a:tr>
+              <a:tr h="370840">
+                <a:tc vMerge="1">
+                  <a:txBody>
+                    <a:bodyPr/>
+                    <a:lstStyle/>
+                    <a:p>
+                      <a:pPr latinLnBrk="1"/>
+                      <a:endParaRPr lang="ko-KR" altLang="en-US" sz="1200" dirty="0"/>
+                    </a:p>
+                  </a:txBody>
+                  <a:tcPr/>
+                </a:tc>
+                <a:tc>
+                  <a:txBody>
+                    <a:bodyPr/>
+                    <a:lstStyle/>
+                    <a:p>
+                      <a:pPr algn="ctr" latinLnBrk="1"/>
+                      <a:r>
+                        <a:rPr lang="en-US" altLang="ko-KR" sz="1200" dirty="0" err="1" smtClean="0"/>
+                        <a:t>Product_writer</a:t>
+                      </a:r>
+                      <a:endParaRPr lang="ko-KR" altLang="en-US" sz="1200" dirty="0"/>
+                    </a:p>
+                  </a:txBody>
+                  <a:tcPr anchor="ctr"/>
+                </a:tc>
+                <a:tc>
+                  <a:txBody>
+                    <a:bodyPr/>
+                    <a:lstStyle/>
+                    <a:p>
+                      <a:pPr algn="ctr"/>
+                      <a:r>
+                        <a:rPr lang="ko-KR" altLang="en-US" sz="1200" dirty="0" smtClean="0"/>
+                        <a:t>관리자</a:t>
+                      </a:r>
+                      <a:endParaRPr lang="ko-KR" altLang="en-US" sz="1200" dirty="0"/>
+                    </a:p>
+                  </a:txBody>
+                  <a:tcPr anchor="ctr"/>
+                </a:tc>
+                <a:tc>
+                  <a:txBody>
+                    <a:bodyPr/>
+                    <a:lstStyle/>
+                    <a:p>
+                      <a:pPr algn="ctr" latinLnBrk="1"/>
+                      <a:r>
+                        <a:rPr lang="en-US" altLang="ko-KR" sz="1200" dirty="0" smtClean="0"/>
+                        <a:t>VARCHAR(16)</a:t>
+                      </a:r>
+                      <a:endParaRPr lang="ko-KR" altLang="en-US" sz="1200" dirty="0"/>
+                    </a:p>
+                  </a:txBody>
+                  <a:tcPr anchor="ctr"/>
+                </a:tc>
+                <a:tc>
+                  <a:txBody>
+                    <a:bodyPr/>
+                    <a:lstStyle/>
+                    <a:p>
+                      <a:pPr algn="ctr" latinLnBrk="1"/>
+                      <a:endParaRPr lang="ko-KR" altLang="en-US" sz="1200"/>
+                    </a:p>
+                  </a:txBody>
+                  <a:tcPr anchor="ctr"/>
+                </a:tc>
+                <a:tc>
+                  <a:txBody>
+                    <a:bodyPr/>
+                    <a:lstStyle/>
+                    <a:p>
+                      <a:pPr algn="ctr" latinLnBrk="1"/>
+                      <a:endParaRPr lang="ko-KR" altLang="en-US" sz="1200"/>
+                    </a:p>
+                  </a:txBody>
+                  <a:tcPr anchor="ctr"/>
+                </a:tc>
+                <a:tc>
+                  <a:txBody>
+                    <a:bodyPr/>
+                    <a:lstStyle/>
+                    <a:p>
+                      <a:pPr marL="0" marR="0" indent="0" algn="ctr" defTabSz="914400" rtl="0" eaLnBrk="1" fontAlgn="auto" latinLnBrk="1" hangingPunct="1">
+                        <a:lnSpc>
+                          <a:spcPct val="100000"/>
+                        </a:lnSpc>
+                        <a:spcBef>
+                          <a:spcPts val="0"/>
+                        </a:spcBef>
+                        <a:spcAft>
+                          <a:spcPts val="0"/>
+                        </a:spcAft>
+                        <a:buClrTx/>
+                        <a:buSzTx/>
+                        <a:buFontTx/>
+                        <a:buNone/>
+                        <a:tabLst/>
+                        <a:defRPr/>
+                      </a:pPr>
+                      <a:endParaRPr lang="ko-KR" altLang="en-US" sz="1200" dirty="0" smtClean="0"/>
+                    </a:p>
+                    <a:p>
+                      <a:pPr algn="ctr" latinLnBrk="1"/>
+                      <a:endParaRPr lang="ko-KR" altLang="en-US" sz="1200" dirty="0"/>
+                    </a:p>
+                  </a:txBody>
+                  <a:tcPr anchor="ctr"/>
+                </a:tc>
+              </a:tr>
+            </a:tbl>
+          </a:graphicData>
+        </a:graphic>
+      </p:graphicFrame>
     </p:spTree>
     <p:extLst>
       <p:ext uri="{BB962C8B-B14F-4D97-AF65-F5344CB8AC3E}">
-        <p14:creationId xmlns:p14="http://schemas.microsoft.com/office/powerpoint/2010/main" val="3836582276"/>
+        <p14:creationId xmlns:p14="http://schemas.microsoft.com/office/powerpoint/2010/main" val="2137993536"/>
       </p:ext>
     </p:extLst>
   </p:cSld>
   <p:clrMapOvr>
     <a:masterClrMapping/>
   </p:clrMapOvr>
+  <p:timing>
+    <p:tnLst>
+      <p:par>
+        <p:cTn id="1" dur="indefinite" restart="never" nodeType="tmRoot"/>
+      </p:par>
+    </p:tnLst>
+  </p:timing>
+</p:sld>
+</file>
+
+<file path=ppt/slides/slide8.xml><?xml version="1.0" encoding="utf-8"?>
+<p:sld xmlns:a="http://schemas.openxmlformats.org/drawingml/2006/main" xmlns:r="http://schemas.openxmlformats.org/officeDocument/2006/relationships" xmlns:p="http://schemas.openxmlformats.org/presentationml/2006/main">
+  <p:cSld>
+    <p:spTree>
+      <p:nvGrpSpPr>
+        <p:cNvPr id="1" name=""/>
+        <p:cNvGrpSpPr/>
+        <p:nvPr/>
+      </p:nvGrpSpPr>
+      <p:grpSpPr>
+        <a:xfrm>
+          <a:off x="0" y="0"/>
+          <a:ext cx="0" cy="0"/>
+          <a:chOff x="0" y="0"/>
+          <a:chExt cx="0" cy="0"/>
+        </a:xfrm>
+      </p:grpSpPr>
+      <p:sp>
+        <p:nvSpPr>
+          <p:cNvPr id="2" name="제목 1"/>
+          <p:cNvSpPr>
+            <a:spLocks noGrp="1"/>
+          </p:cNvSpPr>
+          <p:nvPr>
+            <p:ph type="title"/>
+          </p:nvPr>
+        </p:nvSpPr>
+        <p:spPr/>
+        <p:txBody>
+          <a:bodyPr>
+            <a:normAutofit/>
+          </a:bodyPr>
+          <a:lstStyle/>
+          <a:p>
+            <a:pPr algn="l"/>
+            <a:r>
+              <a:rPr lang="ko-KR" altLang="en-US" sz="2800" dirty="0" smtClean="0"/>
+              <a:t>테이블정의</a:t>
+            </a:r>
+            <a:r>
+              <a:rPr lang="en-US" altLang="ko-KR" sz="2800" dirty="0" smtClean="0"/>
+              <a:t>_product</a:t>
+            </a:r>
+            <a:endParaRPr lang="ko-KR" altLang="en-US" sz="2800" dirty="0"/>
+          </a:p>
+        </p:txBody>
+      </p:sp>
+      <p:graphicFrame>
+        <p:nvGraphicFramePr>
+          <p:cNvPr id="9" name="내용 개체 틀 8"/>
+          <p:cNvGraphicFramePr>
+            <a:graphicFrameLocks noGrp="1"/>
+          </p:cNvGraphicFramePr>
+          <p:nvPr>
+            <p:ph idx="1"/>
+            <p:extLst>
+              <p:ext uri="{D42A27DB-BD31-4B8C-83A1-F6EECF244321}">
+                <p14:modId xmlns:p14="http://schemas.microsoft.com/office/powerpoint/2010/main" val="3908781303"/>
+              </p:ext>
+            </p:extLst>
+          </p:nvPr>
+        </p:nvGraphicFramePr>
+        <p:xfrm>
+          <a:off x="457200" y="1600200"/>
+          <a:ext cx="8147251" cy="2225040"/>
+        </p:xfrm>
+        <a:graphic>
+          <a:graphicData uri="http://schemas.openxmlformats.org/drawingml/2006/table">
+            <a:tbl>
+              <a:tblPr firstRow="1" bandRow="1">
+                <a:tableStyleId>{5940675A-B579-460E-94D1-54222C63F5DA}</a:tableStyleId>
+              </a:tblPr>
+              <a:tblGrid>
+                <a:gridCol w="1163893"/>
+                <a:gridCol w="1726771"/>
+                <a:gridCol w="1224136"/>
+                <a:gridCol w="1440160"/>
+                <a:gridCol w="648072"/>
+                <a:gridCol w="780326"/>
+                <a:gridCol w="1163893"/>
+              </a:tblGrid>
+              <a:tr h="370840">
+                <a:tc>
+                  <a:txBody>
+                    <a:bodyPr/>
+                    <a:lstStyle/>
+                    <a:p>
+                      <a:pPr algn="ctr" latinLnBrk="1"/>
+                      <a:r>
+                        <a:rPr lang="ko-KR" altLang="en-US" sz="1200" dirty="0" smtClean="0">
+                          <a:solidFill>
+                            <a:schemeClr val="bg1"/>
+                          </a:solidFill>
+                        </a:rPr>
+                        <a:t>테이블 명</a:t>
+                      </a:r>
+                      <a:endParaRPr lang="ko-KR" altLang="en-US" sz="1200" dirty="0">
+                        <a:solidFill>
+                          <a:schemeClr val="bg1"/>
+                        </a:solidFill>
+                      </a:endParaRPr>
+                    </a:p>
+                  </a:txBody>
+                  <a:tcPr anchor="ctr">
+                    <a:solidFill>
+                      <a:schemeClr val="accent1">
+                        <a:lumMod val="75000"/>
+                      </a:schemeClr>
+                    </a:solidFill>
+                  </a:tcPr>
+                </a:tc>
+                <a:tc>
+                  <a:txBody>
+                    <a:bodyPr/>
+                    <a:lstStyle/>
+                    <a:p>
+                      <a:pPr algn="ctr" latinLnBrk="1"/>
+                      <a:r>
+                        <a:rPr lang="ko-KR" altLang="en-US" sz="1200" dirty="0" smtClean="0">
+                          <a:solidFill>
+                            <a:schemeClr val="bg1"/>
+                          </a:solidFill>
+                        </a:rPr>
+                        <a:t>물리적 </a:t>
+                      </a:r>
+                      <a:r>
+                        <a:rPr lang="ko-KR" altLang="en-US" sz="1200" dirty="0" err="1" smtClean="0">
+                          <a:solidFill>
+                            <a:schemeClr val="bg1"/>
+                          </a:solidFill>
+                        </a:rPr>
+                        <a:t>필드명</a:t>
+                      </a:r>
+                      <a:r>
+                        <a:rPr lang="ko-KR" altLang="en-US" sz="1200" dirty="0" smtClean="0">
+                          <a:solidFill>
+                            <a:schemeClr val="bg1"/>
+                          </a:solidFill>
+                        </a:rPr>
+                        <a:t> </a:t>
+                      </a:r>
+                      <a:endParaRPr lang="ko-KR" altLang="en-US" sz="1200" dirty="0">
+                        <a:solidFill>
+                          <a:schemeClr val="bg1"/>
+                        </a:solidFill>
+                      </a:endParaRPr>
+                    </a:p>
+                  </a:txBody>
+                  <a:tcPr anchor="ctr">
+                    <a:solidFill>
+                      <a:schemeClr val="accent1">
+                        <a:lumMod val="75000"/>
+                      </a:schemeClr>
+                    </a:solidFill>
+                  </a:tcPr>
+                </a:tc>
+                <a:tc>
+                  <a:txBody>
+                    <a:bodyPr/>
+                    <a:lstStyle/>
+                    <a:p>
+                      <a:pPr algn="ctr" latinLnBrk="1"/>
+                      <a:r>
+                        <a:rPr lang="ko-KR" altLang="en-US" sz="1200" dirty="0" smtClean="0">
+                          <a:solidFill>
+                            <a:schemeClr val="bg1"/>
+                          </a:solidFill>
+                        </a:rPr>
+                        <a:t>논리적 </a:t>
+                      </a:r>
+                      <a:r>
+                        <a:rPr lang="ko-KR" altLang="en-US" sz="1200" dirty="0" err="1" smtClean="0">
+                          <a:solidFill>
+                            <a:schemeClr val="bg1"/>
+                          </a:solidFill>
+                        </a:rPr>
+                        <a:t>필드명</a:t>
+                      </a:r>
+                      <a:r>
+                        <a:rPr lang="ko-KR" altLang="en-US" sz="1200" dirty="0" smtClean="0">
+                          <a:solidFill>
+                            <a:schemeClr val="bg1"/>
+                          </a:solidFill>
+                        </a:rPr>
+                        <a:t> </a:t>
+                      </a:r>
+                      <a:endParaRPr lang="ko-KR" altLang="en-US" sz="1200" dirty="0">
+                        <a:solidFill>
+                          <a:schemeClr val="bg1"/>
+                        </a:solidFill>
+                      </a:endParaRPr>
+                    </a:p>
+                  </a:txBody>
+                  <a:tcPr anchor="ctr">
+                    <a:solidFill>
+                      <a:schemeClr val="accent1">
+                        <a:lumMod val="75000"/>
+                      </a:schemeClr>
+                    </a:solidFill>
+                  </a:tcPr>
+                </a:tc>
+                <a:tc>
+                  <a:txBody>
+                    <a:bodyPr/>
+                    <a:lstStyle/>
+                    <a:p>
+                      <a:pPr algn="ctr" latinLnBrk="1"/>
+                      <a:r>
+                        <a:rPr lang="ko-KR" altLang="en-US" sz="1200" dirty="0" smtClean="0">
+                          <a:solidFill>
+                            <a:schemeClr val="bg1"/>
+                          </a:solidFill>
+                        </a:rPr>
+                        <a:t>데이터유형</a:t>
+                      </a:r>
+                      <a:endParaRPr lang="ko-KR" altLang="en-US" sz="1200" dirty="0">
+                        <a:solidFill>
+                          <a:schemeClr val="bg1"/>
+                        </a:solidFill>
+                      </a:endParaRPr>
+                    </a:p>
+                  </a:txBody>
+                  <a:tcPr anchor="ctr">
+                    <a:solidFill>
+                      <a:schemeClr val="accent1">
+                        <a:lumMod val="75000"/>
+                      </a:schemeClr>
+                    </a:solidFill>
+                  </a:tcPr>
+                </a:tc>
+                <a:tc>
+                  <a:txBody>
+                    <a:bodyPr/>
+                    <a:lstStyle/>
+                    <a:p>
+                      <a:pPr algn="ctr" latinLnBrk="1"/>
+                      <a:r>
+                        <a:rPr lang="en-US" altLang="ko-KR" sz="1200" dirty="0" smtClean="0">
+                          <a:solidFill>
+                            <a:schemeClr val="bg1"/>
+                          </a:solidFill>
+                        </a:rPr>
+                        <a:t>NULL</a:t>
+                      </a:r>
+                      <a:endParaRPr lang="ko-KR" altLang="en-US" sz="1200" dirty="0">
+                        <a:solidFill>
+                          <a:schemeClr val="bg1"/>
+                        </a:solidFill>
+                      </a:endParaRPr>
+                    </a:p>
+                  </a:txBody>
+                  <a:tcPr anchor="ctr">
+                    <a:solidFill>
+                      <a:schemeClr val="accent1">
+                        <a:lumMod val="75000"/>
+                      </a:schemeClr>
+                    </a:solidFill>
+                  </a:tcPr>
+                </a:tc>
+                <a:tc>
+                  <a:txBody>
+                    <a:bodyPr/>
+                    <a:lstStyle/>
+                    <a:p>
+                      <a:pPr algn="ctr" latinLnBrk="1"/>
+                      <a:r>
+                        <a:rPr lang="ko-KR" altLang="en-US" sz="1200" dirty="0" smtClean="0">
+                          <a:solidFill>
+                            <a:schemeClr val="bg1"/>
+                          </a:solidFill>
+                        </a:rPr>
+                        <a:t>키 유형</a:t>
+                      </a:r>
+                      <a:endParaRPr lang="ko-KR" altLang="en-US" sz="1200" dirty="0">
+                        <a:solidFill>
+                          <a:schemeClr val="bg1"/>
+                        </a:solidFill>
+                      </a:endParaRPr>
+                    </a:p>
+                  </a:txBody>
+                  <a:tcPr anchor="ctr">
+                    <a:solidFill>
+                      <a:schemeClr val="accent1">
+                        <a:lumMod val="75000"/>
+                      </a:schemeClr>
+                    </a:solidFill>
+                  </a:tcPr>
+                </a:tc>
+                <a:tc>
+                  <a:txBody>
+                    <a:bodyPr/>
+                    <a:lstStyle/>
+                    <a:p>
+                      <a:pPr algn="ctr" latinLnBrk="1"/>
+                      <a:r>
+                        <a:rPr lang="ko-KR" altLang="en-US" sz="1200" dirty="0" smtClean="0">
+                          <a:solidFill>
+                            <a:schemeClr val="bg1"/>
+                          </a:solidFill>
+                        </a:rPr>
+                        <a:t>기타</a:t>
+                      </a:r>
+                      <a:endParaRPr lang="ko-KR" altLang="en-US" sz="1200" dirty="0">
+                        <a:solidFill>
+                          <a:schemeClr val="bg1"/>
+                        </a:solidFill>
+                      </a:endParaRPr>
+                    </a:p>
+                  </a:txBody>
+                  <a:tcPr anchor="ctr">
+                    <a:solidFill>
+                      <a:schemeClr val="accent1">
+                        <a:lumMod val="75000"/>
+                      </a:schemeClr>
+                    </a:solidFill>
+                  </a:tcPr>
+                </a:tc>
+              </a:tr>
+              <a:tr h="370840">
+                <a:tc rowSpan="5">
+                  <a:txBody>
+                    <a:bodyPr/>
+                    <a:lstStyle/>
+                    <a:p>
+                      <a:pPr algn="ctr" latinLnBrk="1"/>
+                      <a:r>
+                        <a:rPr lang="ko-KR" altLang="en-US" sz="1200" dirty="0" smtClean="0"/>
+                        <a:t>제품</a:t>
+                      </a:r>
+                      <a:endParaRPr lang="ko-KR" altLang="en-US" sz="1200" dirty="0"/>
+                    </a:p>
+                  </a:txBody>
+                  <a:tcPr anchor="ctr"/>
+                </a:tc>
+                <a:tc>
+                  <a:txBody>
+                    <a:bodyPr/>
+                    <a:lstStyle/>
+                    <a:p>
+                      <a:pPr algn="ctr" latinLnBrk="1"/>
+                      <a:r>
+                        <a:rPr lang="en-US" altLang="ko-KR" sz="1200" dirty="0" err="1" smtClean="0"/>
+                        <a:t>Product_views</a:t>
+                      </a:r>
+                      <a:endParaRPr lang="ko-KR" altLang="en-US" sz="1200" dirty="0"/>
+                    </a:p>
+                  </a:txBody>
+                  <a:tcPr anchor="ctr"/>
+                </a:tc>
+                <a:tc>
+                  <a:txBody>
+                    <a:bodyPr/>
+                    <a:lstStyle/>
+                    <a:p>
+                      <a:pPr algn="ctr" latinLnBrk="1"/>
+                      <a:r>
+                        <a:rPr lang="ko-KR" altLang="en-US" sz="1200" dirty="0" smtClean="0"/>
+                        <a:t>조회수</a:t>
+                      </a:r>
+                      <a:endParaRPr lang="ko-KR" altLang="en-US" sz="1200" dirty="0"/>
+                    </a:p>
+                  </a:txBody>
+                  <a:tcPr anchor="ctr"/>
+                </a:tc>
+                <a:tc>
+                  <a:txBody>
+                    <a:bodyPr/>
+                    <a:lstStyle/>
+                    <a:p>
+                      <a:pPr algn="ctr" latinLnBrk="1"/>
+                      <a:r>
+                        <a:rPr lang="en-US" altLang="ko-KR" sz="1200" dirty="0" smtClean="0"/>
+                        <a:t>INT(11)</a:t>
+                      </a:r>
+                      <a:endParaRPr lang="ko-KR" altLang="en-US" sz="1200" dirty="0"/>
+                    </a:p>
+                  </a:txBody>
+                  <a:tcPr anchor="ctr"/>
+                </a:tc>
+                <a:tc>
+                  <a:txBody>
+                    <a:bodyPr/>
+                    <a:lstStyle/>
+                    <a:p>
+                      <a:pPr algn="ctr" latinLnBrk="1"/>
+                      <a:r>
+                        <a:rPr lang="en-US" altLang="ko-KR" sz="1200" dirty="0" smtClean="0"/>
+                        <a:t>NN</a:t>
+                      </a:r>
+                      <a:endParaRPr lang="ko-KR" altLang="en-US" sz="1200" dirty="0"/>
+                    </a:p>
+                  </a:txBody>
+                  <a:tcPr anchor="ctr"/>
+                </a:tc>
+                <a:tc>
+                  <a:txBody>
+                    <a:bodyPr/>
+                    <a:lstStyle/>
+                    <a:p>
+                      <a:pPr algn="ctr" latinLnBrk="1"/>
+                      <a:endParaRPr lang="ko-KR" altLang="en-US" sz="1200" dirty="0"/>
+                    </a:p>
+                  </a:txBody>
+                  <a:tcPr anchor="ctr"/>
+                </a:tc>
+                <a:tc>
+                  <a:txBody>
+                    <a:bodyPr/>
+                    <a:lstStyle/>
+                    <a:p>
+                      <a:pPr algn="ctr" latinLnBrk="1"/>
+                      <a:r>
+                        <a:rPr lang="en-US" altLang="ko-KR" sz="1200" dirty="0" smtClean="0"/>
+                        <a:t>0</a:t>
+                      </a:r>
+                      <a:endParaRPr lang="ko-KR" altLang="en-US" sz="1200" dirty="0"/>
+                    </a:p>
+                  </a:txBody>
+                  <a:tcPr anchor="ctr"/>
+                </a:tc>
+              </a:tr>
+              <a:tr h="370840">
+                <a:tc vMerge="1">
+                  <a:txBody>
+                    <a:bodyPr/>
+                    <a:lstStyle/>
+                    <a:p>
+                      <a:pPr latinLnBrk="1"/>
+                      <a:endParaRPr lang="ko-KR" altLang="en-US" sz="1200" dirty="0"/>
+                    </a:p>
+                  </a:txBody>
+                  <a:tcPr/>
+                </a:tc>
+                <a:tc>
+                  <a:txBody>
+                    <a:bodyPr/>
+                    <a:lstStyle/>
+                    <a:p>
+                      <a:pPr algn="ctr" latinLnBrk="1"/>
+                      <a:r>
+                        <a:rPr lang="en-US" altLang="ko-KR" sz="1200" dirty="0" err="1" smtClean="0"/>
+                        <a:t>Product_file</a:t>
+                      </a:r>
+                      <a:endParaRPr lang="ko-KR" altLang="en-US" sz="1200" dirty="0"/>
+                    </a:p>
+                  </a:txBody>
+                  <a:tcPr anchor="ctr"/>
+                </a:tc>
+                <a:tc>
+                  <a:txBody>
+                    <a:bodyPr/>
+                    <a:lstStyle/>
+                    <a:p>
+                      <a:pPr algn="ctr" latinLnBrk="1"/>
+                      <a:r>
+                        <a:rPr lang="ko-KR" altLang="en-US" sz="1200" dirty="0" smtClean="0"/>
+                        <a:t>대표파일</a:t>
+                      </a:r>
+                      <a:endParaRPr lang="ko-KR" altLang="en-US" sz="1200" dirty="0"/>
+                    </a:p>
+                  </a:txBody>
+                  <a:tcPr anchor="ctr"/>
+                </a:tc>
+                <a:tc>
+                  <a:txBody>
+                    <a:bodyPr/>
+                    <a:lstStyle/>
+                    <a:p>
+                      <a:pPr algn="ctr" latinLnBrk="1"/>
+                      <a:r>
+                        <a:rPr lang="en-US" altLang="ko-KR" sz="1200" dirty="0" smtClean="0"/>
+                        <a:t>VARCHAR(255)</a:t>
+                      </a:r>
+                      <a:endParaRPr lang="ko-KR" altLang="en-US" sz="1200" dirty="0"/>
+                    </a:p>
+                  </a:txBody>
+                  <a:tcPr anchor="ctr"/>
+                </a:tc>
+                <a:tc>
+                  <a:txBody>
+                    <a:bodyPr/>
+                    <a:lstStyle/>
+                    <a:p>
+                      <a:endParaRPr lang="ko-KR" altLang="en-US"/>
+                    </a:p>
+                  </a:txBody>
+                  <a:tcPr anchor="ctr"/>
+                </a:tc>
+                <a:tc>
+                  <a:txBody>
+                    <a:bodyPr/>
+                    <a:lstStyle/>
+                    <a:p>
+                      <a:pPr algn="ctr" latinLnBrk="1"/>
+                      <a:endParaRPr lang="ko-KR" altLang="en-US" sz="1200"/>
+                    </a:p>
+                  </a:txBody>
+                  <a:tcPr anchor="ctr"/>
+                </a:tc>
+                <a:tc>
+                  <a:txBody>
+                    <a:bodyPr/>
+                    <a:lstStyle/>
+                    <a:p>
+                      <a:pPr algn="ctr" latinLnBrk="1"/>
+                      <a:endParaRPr lang="ko-KR" altLang="en-US" sz="1200" dirty="0"/>
+                    </a:p>
+                  </a:txBody>
+                  <a:tcPr anchor="ctr"/>
+                </a:tc>
+              </a:tr>
+              <a:tr h="370840">
+                <a:tc vMerge="1">
+                  <a:txBody>
+                    <a:bodyPr/>
+                    <a:lstStyle/>
+                    <a:p>
+                      <a:pPr latinLnBrk="1"/>
+                      <a:endParaRPr lang="ko-KR" altLang="en-US" sz="1200" dirty="0"/>
+                    </a:p>
+                  </a:txBody>
+                  <a:tcPr/>
+                </a:tc>
+                <a:tc>
+                  <a:txBody>
+                    <a:bodyPr/>
+                    <a:lstStyle/>
+                    <a:p>
+                      <a:pPr algn="ctr" latinLnBrk="1"/>
+                      <a:r>
+                        <a:rPr lang="en-US" altLang="ko-KR" sz="1200" dirty="0" err="1" smtClean="0"/>
+                        <a:t>product_registered</a:t>
+                      </a:r>
+                      <a:endParaRPr lang="ko-KR" altLang="en-US" sz="1200" dirty="0"/>
+                    </a:p>
+                  </a:txBody>
+                  <a:tcPr anchor="ctr"/>
+                </a:tc>
+                <a:tc>
+                  <a:txBody>
+                    <a:bodyPr/>
+                    <a:lstStyle/>
+                    <a:p>
+                      <a:pPr algn="ctr" latinLnBrk="1"/>
+                      <a:r>
+                        <a:rPr lang="ko-KR" altLang="en-US" sz="1200" dirty="0" smtClean="0"/>
+                        <a:t>작성일</a:t>
+                      </a:r>
+                      <a:endParaRPr lang="ko-KR" altLang="en-US" sz="1200" dirty="0"/>
+                    </a:p>
+                  </a:txBody>
+                  <a:tcPr anchor="ctr"/>
+                </a:tc>
+                <a:tc>
+                  <a:txBody>
+                    <a:bodyPr/>
+                    <a:lstStyle/>
+                    <a:p>
+                      <a:pPr algn="ctr" latinLnBrk="1"/>
+                      <a:r>
+                        <a:rPr lang="en-US" altLang="ko-KR" sz="1200" dirty="0" smtClean="0"/>
+                        <a:t>DATETIME</a:t>
+                      </a:r>
+                      <a:endParaRPr lang="ko-KR" altLang="en-US" sz="1200" dirty="0"/>
+                    </a:p>
+                  </a:txBody>
+                  <a:tcPr anchor="ctr"/>
+                </a:tc>
+                <a:tc>
+                  <a:txBody>
+                    <a:bodyPr/>
+                    <a:lstStyle/>
+                    <a:p>
+                      <a:endParaRPr lang="ko-KR" altLang="en-US"/>
+                    </a:p>
+                  </a:txBody>
+                  <a:tcPr anchor="ctr"/>
+                </a:tc>
+                <a:tc>
+                  <a:txBody>
+                    <a:bodyPr/>
+                    <a:lstStyle/>
+                    <a:p>
+                      <a:pPr algn="ctr" latinLnBrk="1"/>
+                      <a:endParaRPr lang="ko-KR" altLang="en-US" sz="1200"/>
+                    </a:p>
+                  </a:txBody>
+                  <a:tcPr anchor="ctr"/>
+                </a:tc>
+                <a:tc>
+                  <a:txBody>
+                    <a:bodyPr/>
+                    <a:lstStyle/>
+                    <a:p>
+                      <a:pPr algn="ctr" latinLnBrk="1"/>
+                      <a:r>
+                        <a:rPr lang="en-US" altLang="ko-KR" sz="1200" dirty="0" smtClean="0"/>
+                        <a:t>Now()</a:t>
+                      </a:r>
+                      <a:endParaRPr lang="ko-KR" altLang="en-US" sz="1200" dirty="0"/>
+                    </a:p>
+                  </a:txBody>
+                  <a:tcPr anchor="ctr"/>
+                </a:tc>
+              </a:tr>
+              <a:tr h="370840">
+                <a:tc vMerge="1">
+                  <a:txBody>
+                    <a:bodyPr/>
+                    <a:lstStyle/>
+                    <a:p>
+                      <a:pPr latinLnBrk="1"/>
+                      <a:endParaRPr lang="ko-KR" altLang="en-US" sz="1200" dirty="0"/>
+                    </a:p>
+                  </a:txBody>
+                  <a:tcPr/>
+                </a:tc>
+                <a:tc>
+                  <a:txBody>
+                    <a:bodyPr/>
+                    <a:lstStyle/>
+                    <a:p>
+                      <a:pPr algn="ctr" latinLnBrk="1"/>
+                      <a:r>
+                        <a:rPr lang="en-US" altLang="ko-KR" sz="1200" dirty="0" err="1" smtClean="0"/>
+                        <a:t>contentsfile</a:t>
+                      </a:r>
+                      <a:endParaRPr lang="ko-KR" altLang="en-US" sz="1200" dirty="0"/>
+                    </a:p>
+                  </a:txBody>
+                  <a:tcPr anchor="ctr"/>
+                </a:tc>
+                <a:tc>
+                  <a:txBody>
+                    <a:bodyPr/>
+                    <a:lstStyle/>
+                    <a:p>
+                      <a:pPr algn="ctr" latinLnBrk="1"/>
+                      <a:r>
+                        <a:rPr lang="ko-KR" altLang="en-US" sz="1200" dirty="0" smtClean="0"/>
+                        <a:t>내용파일</a:t>
+                      </a:r>
+                      <a:endParaRPr lang="ko-KR" altLang="en-US" sz="1200" dirty="0"/>
+                    </a:p>
+                  </a:txBody>
+                  <a:tcPr anchor="ctr"/>
+                </a:tc>
+                <a:tc>
+                  <a:txBody>
+                    <a:bodyPr/>
+                    <a:lstStyle/>
+                    <a:p>
+                      <a:pPr algn="ctr" latinLnBrk="1"/>
+                      <a:r>
+                        <a:rPr lang="en-US" altLang="ko-KR" sz="1200" dirty="0" smtClean="0"/>
+                        <a:t>VARCHAR(255)</a:t>
+                      </a:r>
+                      <a:endParaRPr lang="ko-KR" altLang="en-US" sz="1200" dirty="0"/>
+                    </a:p>
+                  </a:txBody>
+                  <a:tcPr anchor="ctr"/>
+                </a:tc>
+                <a:tc>
+                  <a:txBody>
+                    <a:bodyPr/>
+                    <a:lstStyle/>
+                    <a:p>
+                      <a:endParaRPr lang="ko-KR" altLang="en-US" dirty="0"/>
+                    </a:p>
+                  </a:txBody>
+                  <a:tcPr anchor="ctr"/>
+                </a:tc>
+                <a:tc>
+                  <a:txBody>
+                    <a:bodyPr/>
+                    <a:lstStyle/>
+                    <a:p>
+                      <a:pPr algn="ctr" latinLnBrk="1"/>
+                      <a:endParaRPr lang="ko-KR" altLang="en-US" sz="1200"/>
+                    </a:p>
+                  </a:txBody>
+                  <a:tcPr anchor="ctr"/>
+                </a:tc>
+                <a:tc>
+                  <a:txBody>
+                    <a:bodyPr/>
+                    <a:lstStyle/>
+                    <a:p>
+                      <a:pPr algn="ctr" latinLnBrk="1"/>
+                      <a:endParaRPr lang="ko-KR" altLang="en-US" sz="1200"/>
+                    </a:p>
+                  </a:txBody>
+                  <a:tcPr anchor="ctr"/>
+                </a:tc>
+              </a:tr>
+              <a:tr h="370840">
+                <a:tc vMerge="1">
+                  <a:txBody>
+                    <a:bodyPr/>
+                    <a:lstStyle/>
+                    <a:p>
+                      <a:pPr latinLnBrk="1"/>
+                      <a:endParaRPr lang="ko-KR" altLang="en-US" sz="1200" dirty="0"/>
+                    </a:p>
+                  </a:txBody>
+                  <a:tcPr/>
+                </a:tc>
+                <a:tc>
+                  <a:txBody>
+                    <a:bodyPr/>
+                    <a:lstStyle/>
+                    <a:p>
+                      <a:pPr algn="ctr" latinLnBrk="1"/>
+                      <a:r>
+                        <a:rPr lang="en-US" altLang="ko-KR" sz="1200" dirty="0" err="1" smtClean="0"/>
+                        <a:t>product_total</a:t>
+                      </a:r>
+                      <a:r>
+                        <a:rPr lang="en-US" altLang="ko-KR" sz="1200" dirty="0" smtClean="0"/>
+                        <a:t>_</a:t>
+                      </a:r>
+                      <a:endParaRPr lang="ko-KR" altLang="en-US" sz="1200" dirty="0"/>
+                    </a:p>
+                  </a:txBody>
+                  <a:tcPr anchor="ctr"/>
+                </a:tc>
+                <a:tc>
+                  <a:txBody>
+                    <a:bodyPr/>
+                    <a:lstStyle/>
+                    <a:p>
+                      <a:pPr algn="ctr" latinLnBrk="1"/>
+                      <a:r>
+                        <a:rPr lang="ko-KR" altLang="en-US" sz="1200" dirty="0" err="1" smtClean="0"/>
+                        <a:t>총금액</a:t>
+                      </a:r>
+                      <a:endParaRPr lang="ko-KR" altLang="en-US" sz="1200" dirty="0"/>
+                    </a:p>
+                  </a:txBody>
+                  <a:tcPr anchor="ctr"/>
+                </a:tc>
+                <a:tc>
+                  <a:txBody>
+                    <a:bodyPr/>
+                    <a:lstStyle/>
+                    <a:p>
+                      <a:pPr algn="ctr" latinLnBrk="1"/>
+                      <a:r>
+                        <a:rPr lang="en-US" altLang="ko-KR" sz="1200" dirty="0" smtClean="0"/>
+                        <a:t>INT(11)</a:t>
+                      </a:r>
+                      <a:endParaRPr lang="ko-KR" altLang="en-US" sz="1200" dirty="0"/>
+                    </a:p>
+                  </a:txBody>
+                  <a:tcPr anchor="ctr"/>
+                </a:tc>
+                <a:tc>
+                  <a:txBody>
+                    <a:bodyPr/>
+                    <a:lstStyle/>
+                    <a:p>
+                      <a:pPr algn="ctr" latinLnBrk="1"/>
+                      <a:endParaRPr lang="ko-KR" altLang="en-US" sz="1200"/>
+                    </a:p>
+                  </a:txBody>
+                  <a:tcPr anchor="ctr"/>
+                </a:tc>
+                <a:tc>
+                  <a:txBody>
+                    <a:bodyPr/>
+                    <a:lstStyle/>
+                    <a:p>
+                      <a:pPr algn="ctr" latinLnBrk="1"/>
+                      <a:endParaRPr lang="ko-KR" altLang="en-US" sz="1200"/>
+                    </a:p>
+                  </a:txBody>
+                  <a:tcPr anchor="ctr"/>
+                </a:tc>
+                <a:tc>
+                  <a:txBody>
+                    <a:bodyPr/>
+                    <a:lstStyle/>
+                    <a:p>
+                      <a:pPr algn="ctr" latinLnBrk="1"/>
+                      <a:endParaRPr lang="ko-KR" altLang="en-US" sz="1200" dirty="0"/>
+                    </a:p>
+                  </a:txBody>
+                  <a:tcPr anchor="ctr"/>
+                </a:tc>
+              </a:tr>
+            </a:tbl>
+          </a:graphicData>
+        </a:graphic>
+      </p:graphicFrame>
+    </p:spTree>
+    <p:extLst>
+      <p:ext uri="{BB962C8B-B14F-4D97-AF65-F5344CB8AC3E}">
+        <p14:creationId xmlns:p14="http://schemas.microsoft.com/office/powerpoint/2010/main" val="712337946"/>
+      </p:ext>
+    </p:extLst>
+  </p:cSld>
+  <p:clrMapOvr>
+    <a:masterClrMapping/>
+  </p:clrMapOvr>
+  <p:timing>
+    <p:tnLst>
+      <p:par>
+        <p:cTn id="1" dur="indefinite" restart="never" nodeType="tmRoot"/>
+      </p:par>
+    </p:tnLst>
+  </p:timing>
+</p:sld>
+</file>
+
+<file path=ppt/slides/slide9.xml><?xml version="1.0" encoding="utf-8"?>
+<p:sld xmlns:a="http://schemas.openxmlformats.org/drawingml/2006/main" xmlns:r="http://schemas.openxmlformats.org/officeDocument/2006/relationships" xmlns:p="http://schemas.openxmlformats.org/presentationml/2006/main">
+  <p:cSld>
+    <p:spTree>
+      <p:nvGrpSpPr>
+        <p:cNvPr id="1" name=""/>
+        <p:cNvGrpSpPr/>
+        <p:nvPr/>
+      </p:nvGrpSpPr>
+      <p:grpSpPr>
+        <a:xfrm>
+          <a:off x="0" y="0"/>
+          <a:ext cx="0" cy="0"/>
+          <a:chOff x="0" y="0"/>
+          <a:chExt cx="0" cy="0"/>
+        </a:xfrm>
+      </p:grpSpPr>
+      <p:sp>
+        <p:nvSpPr>
+          <p:cNvPr id="2" name="제목 1"/>
+          <p:cNvSpPr>
+            <a:spLocks noGrp="1"/>
+          </p:cNvSpPr>
+          <p:nvPr>
+            <p:ph type="title"/>
+          </p:nvPr>
+        </p:nvSpPr>
+        <p:spPr/>
+        <p:txBody>
+          <a:bodyPr>
+            <a:normAutofit/>
+          </a:bodyPr>
+          <a:lstStyle/>
+          <a:p>
+            <a:pPr algn="l"/>
+            <a:r>
+              <a:rPr lang="ko-KR" altLang="en-US" sz="2800" dirty="0" smtClean="0"/>
+              <a:t>테이블정의</a:t>
+            </a:r>
+            <a:r>
+              <a:rPr lang="en-US" altLang="ko-KR" sz="2800" dirty="0" smtClean="0"/>
+              <a:t>_basket</a:t>
+            </a:r>
+            <a:endParaRPr lang="ko-KR" altLang="en-US" sz="2800" dirty="0"/>
+          </a:p>
+        </p:txBody>
+      </p:sp>
+      <p:graphicFrame>
+        <p:nvGraphicFramePr>
+          <p:cNvPr id="9" name="내용 개체 틀 8"/>
+          <p:cNvGraphicFramePr>
+            <a:graphicFrameLocks noGrp="1"/>
+          </p:cNvGraphicFramePr>
+          <p:nvPr>
+            <p:ph idx="1"/>
+            <p:extLst>
+              <p:ext uri="{D42A27DB-BD31-4B8C-83A1-F6EECF244321}">
+                <p14:modId xmlns:p14="http://schemas.microsoft.com/office/powerpoint/2010/main" val="2399884820"/>
+              </p:ext>
+            </p:extLst>
+          </p:nvPr>
+        </p:nvGraphicFramePr>
+        <p:xfrm>
+          <a:off x="457200" y="1600200"/>
+          <a:ext cx="8147251" cy="2966720"/>
+        </p:xfrm>
+        <a:graphic>
+          <a:graphicData uri="http://schemas.openxmlformats.org/drawingml/2006/table">
+            <a:tbl>
+              <a:tblPr firstRow="1" bandRow="1">
+                <a:tableStyleId>{5940675A-B579-460E-94D1-54222C63F5DA}</a:tableStyleId>
+              </a:tblPr>
+              <a:tblGrid>
+                <a:gridCol w="1163893"/>
+                <a:gridCol w="1726771"/>
+                <a:gridCol w="1224136"/>
+                <a:gridCol w="1440160"/>
+                <a:gridCol w="648072"/>
+                <a:gridCol w="780326"/>
+                <a:gridCol w="1163893"/>
+              </a:tblGrid>
+              <a:tr h="370840">
+                <a:tc>
+                  <a:txBody>
+                    <a:bodyPr/>
+                    <a:lstStyle/>
+                    <a:p>
+                      <a:pPr algn="ctr" latinLnBrk="1"/>
+                      <a:r>
+                        <a:rPr lang="ko-KR" altLang="en-US" sz="1200" dirty="0" smtClean="0">
+                          <a:solidFill>
+                            <a:schemeClr val="bg1"/>
+                          </a:solidFill>
+                        </a:rPr>
+                        <a:t>테이블 명</a:t>
+                      </a:r>
+                      <a:endParaRPr lang="ko-KR" altLang="en-US" sz="1200" dirty="0">
+                        <a:solidFill>
+                          <a:schemeClr val="bg1"/>
+                        </a:solidFill>
+                      </a:endParaRPr>
+                    </a:p>
+                  </a:txBody>
+                  <a:tcPr anchor="ctr">
+                    <a:solidFill>
+                      <a:schemeClr val="accent1">
+                        <a:lumMod val="75000"/>
+                      </a:schemeClr>
+                    </a:solidFill>
+                  </a:tcPr>
+                </a:tc>
+                <a:tc>
+                  <a:txBody>
+                    <a:bodyPr/>
+                    <a:lstStyle/>
+                    <a:p>
+                      <a:pPr algn="ctr" latinLnBrk="1"/>
+                      <a:r>
+                        <a:rPr lang="ko-KR" altLang="en-US" sz="1200" dirty="0" smtClean="0">
+                          <a:solidFill>
+                            <a:schemeClr val="bg1"/>
+                          </a:solidFill>
+                        </a:rPr>
+                        <a:t>물리적 </a:t>
+                      </a:r>
+                      <a:r>
+                        <a:rPr lang="ko-KR" altLang="en-US" sz="1200" dirty="0" err="1" smtClean="0">
+                          <a:solidFill>
+                            <a:schemeClr val="bg1"/>
+                          </a:solidFill>
+                        </a:rPr>
+                        <a:t>필드명</a:t>
+                      </a:r>
+                      <a:r>
+                        <a:rPr lang="ko-KR" altLang="en-US" sz="1200" dirty="0" smtClean="0">
+                          <a:solidFill>
+                            <a:schemeClr val="bg1"/>
+                          </a:solidFill>
+                        </a:rPr>
+                        <a:t> </a:t>
+                      </a:r>
+                      <a:endParaRPr lang="ko-KR" altLang="en-US" sz="1200" dirty="0">
+                        <a:solidFill>
+                          <a:schemeClr val="bg1"/>
+                        </a:solidFill>
+                      </a:endParaRPr>
+                    </a:p>
+                  </a:txBody>
+                  <a:tcPr anchor="ctr">
+                    <a:solidFill>
+                      <a:schemeClr val="accent1">
+                        <a:lumMod val="75000"/>
+                      </a:schemeClr>
+                    </a:solidFill>
+                  </a:tcPr>
+                </a:tc>
+                <a:tc>
+                  <a:txBody>
+                    <a:bodyPr/>
+                    <a:lstStyle/>
+                    <a:p>
+                      <a:pPr algn="ctr" latinLnBrk="1"/>
+                      <a:r>
+                        <a:rPr lang="ko-KR" altLang="en-US" sz="1200" dirty="0" smtClean="0">
+                          <a:solidFill>
+                            <a:schemeClr val="bg1"/>
+                          </a:solidFill>
+                        </a:rPr>
+                        <a:t>논리적 </a:t>
+                      </a:r>
+                      <a:r>
+                        <a:rPr lang="ko-KR" altLang="en-US" sz="1200" dirty="0" err="1" smtClean="0">
+                          <a:solidFill>
+                            <a:schemeClr val="bg1"/>
+                          </a:solidFill>
+                        </a:rPr>
+                        <a:t>필드명</a:t>
+                      </a:r>
+                      <a:r>
+                        <a:rPr lang="ko-KR" altLang="en-US" sz="1200" dirty="0" smtClean="0">
+                          <a:solidFill>
+                            <a:schemeClr val="bg1"/>
+                          </a:solidFill>
+                        </a:rPr>
+                        <a:t> </a:t>
+                      </a:r>
+                      <a:endParaRPr lang="ko-KR" altLang="en-US" sz="1200" dirty="0">
+                        <a:solidFill>
+                          <a:schemeClr val="bg1"/>
+                        </a:solidFill>
+                      </a:endParaRPr>
+                    </a:p>
+                  </a:txBody>
+                  <a:tcPr anchor="ctr">
+                    <a:solidFill>
+                      <a:schemeClr val="accent1">
+                        <a:lumMod val="75000"/>
+                      </a:schemeClr>
+                    </a:solidFill>
+                  </a:tcPr>
+                </a:tc>
+                <a:tc>
+                  <a:txBody>
+                    <a:bodyPr/>
+                    <a:lstStyle/>
+                    <a:p>
+                      <a:pPr algn="ctr" latinLnBrk="1"/>
+                      <a:r>
+                        <a:rPr lang="ko-KR" altLang="en-US" sz="1200" dirty="0" smtClean="0">
+                          <a:solidFill>
+                            <a:schemeClr val="bg1"/>
+                          </a:solidFill>
+                        </a:rPr>
+                        <a:t>데이터유형</a:t>
+                      </a:r>
+                      <a:endParaRPr lang="ko-KR" altLang="en-US" sz="1200" dirty="0">
+                        <a:solidFill>
+                          <a:schemeClr val="bg1"/>
+                        </a:solidFill>
+                      </a:endParaRPr>
+                    </a:p>
+                  </a:txBody>
+                  <a:tcPr anchor="ctr">
+                    <a:solidFill>
+                      <a:schemeClr val="accent1">
+                        <a:lumMod val="75000"/>
+                      </a:schemeClr>
+                    </a:solidFill>
+                  </a:tcPr>
+                </a:tc>
+                <a:tc>
+                  <a:txBody>
+                    <a:bodyPr/>
+                    <a:lstStyle/>
+                    <a:p>
+                      <a:pPr algn="ctr" latinLnBrk="1"/>
+                      <a:r>
+                        <a:rPr lang="en-US" altLang="ko-KR" sz="1200" dirty="0" smtClean="0">
+                          <a:solidFill>
+                            <a:schemeClr val="bg1"/>
+                          </a:solidFill>
+                        </a:rPr>
+                        <a:t>NULL</a:t>
+                      </a:r>
+                      <a:endParaRPr lang="ko-KR" altLang="en-US" sz="1200" dirty="0">
+                        <a:solidFill>
+                          <a:schemeClr val="bg1"/>
+                        </a:solidFill>
+                      </a:endParaRPr>
+                    </a:p>
+                  </a:txBody>
+                  <a:tcPr anchor="ctr">
+                    <a:solidFill>
+                      <a:schemeClr val="accent1">
+                        <a:lumMod val="75000"/>
+                      </a:schemeClr>
+                    </a:solidFill>
+                  </a:tcPr>
+                </a:tc>
+                <a:tc>
+                  <a:txBody>
+                    <a:bodyPr/>
+                    <a:lstStyle/>
+                    <a:p>
+                      <a:pPr algn="ctr" latinLnBrk="1"/>
+                      <a:r>
+                        <a:rPr lang="ko-KR" altLang="en-US" sz="1200" dirty="0" smtClean="0">
+                          <a:solidFill>
+                            <a:schemeClr val="bg1"/>
+                          </a:solidFill>
+                        </a:rPr>
+                        <a:t>키 유형</a:t>
+                      </a:r>
+                      <a:endParaRPr lang="ko-KR" altLang="en-US" sz="1200" dirty="0">
+                        <a:solidFill>
+                          <a:schemeClr val="bg1"/>
+                        </a:solidFill>
+                      </a:endParaRPr>
+                    </a:p>
+                  </a:txBody>
+                  <a:tcPr anchor="ctr">
+                    <a:solidFill>
+                      <a:schemeClr val="accent1">
+                        <a:lumMod val="75000"/>
+                      </a:schemeClr>
+                    </a:solidFill>
+                  </a:tcPr>
+                </a:tc>
+                <a:tc>
+                  <a:txBody>
+                    <a:bodyPr/>
+                    <a:lstStyle/>
+                    <a:p>
+                      <a:pPr algn="ctr" latinLnBrk="1"/>
+                      <a:r>
+                        <a:rPr lang="ko-KR" altLang="en-US" sz="1200" dirty="0" smtClean="0">
+                          <a:solidFill>
+                            <a:schemeClr val="bg1"/>
+                          </a:solidFill>
+                        </a:rPr>
+                        <a:t>기타</a:t>
+                      </a:r>
+                      <a:endParaRPr lang="ko-KR" altLang="en-US" sz="1200" dirty="0">
+                        <a:solidFill>
+                          <a:schemeClr val="bg1"/>
+                        </a:solidFill>
+                      </a:endParaRPr>
+                    </a:p>
+                  </a:txBody>
+                  <a:tcPr anchor="ctr">
+                    <a:solidFill>
+                      <a:schemeClr val="accent1">
+                        <a:lumMod val="75000"/>
+                      </a:schemeClr>
+                    </a:solidFill>
+                  </a:tcPr>
+                </a:tc>
+              </a:tr>
+              <a:tr h="370840">
+                <a:tc rowSpan="7">
+                  <a:txBody>
+                    <a:bodyPr/>
+                    <a:lstStyle/>
+                    <a:p>
+                      <a:pPr algn="ctr" latinLnBrk="1"/>
+                      <a:r>
+                        <a:rPr lang="ko-KR" altLang="en-US" sz="1200" dirty="0" smtClean="0"/>
+                        <a:t>장바구니</a:t>
+                      </a:r>
+                      <a:endParaRPr lang="ko-KR" altLang="en-US" sz="1200" dirty="0"/>
+                    </a:p>
+                  </a:txBody>
+                  <a:tcPr anchor="ctr"/>
+                </a:tc>
+                <a:tc>
+                  <a:txBody>
+                    <a:bodyPr/>
+                    <a:lstStyle/>
+                    <a:p>
+                      <a:pPr algn="ctr" latinLnBrk="1"/>
+                      <a:r>
+                        <a:rPr lang="en-US" altLang="ko-KR" sz="1200" dirty="0" err="1" smtClean="0"/>
+                        <a:t>basket_no</a:t>
+                      </a:r>
+                      <a:endParaRPr lang="ko-KR" altLang="en-US" sz="1200" dirty="0"/>
+                    </a:p>
+                  </a:txBody>
+                  <a:tcPr anchor="ctr"/>
+                </a:tc>
+                <a:tc>
+                  <a:txBody>
+                    <a:bodyPr/>
+                    <a:lstStyle/>
+                    <a:p>
+                      <a:r>
+                        <a:rPr lang="ko-KR" altLang="en-US" sz="1200" dirty="0" smtClean="0"/>
+                        <a:t>번호</a:t>
+                      </a:r>
+                      <a:endParaRPr lang="ko-KR" altLang="en-US" sz="1200" dirty="0"/>
+                    </a:p>
+                  </a:txBody>
+                  <a:tcPr anchor="ctr"/>
+                </a:tc>
+                <a:tc>
+                  <a:txBody>
+                    <a:bodyPr/>
+                    <a:lstStyle/>
+                    <a:p>
+                      <a:pPr algn="ctr" latinLnBrk="1"/>
+                      <a:r>
+                        <a:rPr lang="en-US" altLang="ko-KR" sz="1200" dirty="0" smtClean="0"/>
+                        <a:t>INT(11)</a:t>
+                      </a:r>
+                      <a:endParaRPr lang="ko-KR" altLang="en-US" sz="1200" dirty="0"/>
+                    </a:p>
+                  </a:txBody>
+                  <a:tcPr anchor="ctr"/>
+                </a:tc>
+                <a:tc>
+                  <a:txBody>
+                    <a:bodyPr/>
+                    <a:lstStyle/>
+                    <a:p>
+                      <a:pPr algn="ctr" latinLnBrk="1"/>
+                      <a:r>
+                        <a:rPr lang="en-US" altLang="ko-KR" sz="1200" dirty="0" smtClean="0"/>
+                        <a:t>NN</a:t>
+                      </a:r>
+                      <a:endParaRPr lang="ko-KR" altLang="en-US" sz="1200" dirty="0"/>
+                    </a:p>
+                  </a:txBody>
+                  <a:tcPr anchor="ctr"/>
+                </a:tc>
+                <a:tc>
+                  <a:txBody>
+                    <a:bodyPr/>
+                    <a:lstStyle/>
+                    <a:p>
+                      <a:pPr algn="ctr" latinLnBrk="1"/>
+                      <a:r>
+                        <a:rPr lang="en-US" altLang="ko-KR" sz="1200" dirty="0" smtClean="0"/>
+                        <a:t>PK,AI</a:t>
+                      </a:r>
+                      <a:endParaRPr lang="ko-KR" altLang="en-US" sz="1200" dirty="0"/>
+                    </a:p>
+                  </a:txBody>
+                  <a:tcPr anchor="ctr"/>
+                </a:tc>
+                <a:tc>
+                  <a:txBody>
+                    <a:bodyPr/>
+                    <a:lstStyle/>
+                    <a:p>
+                      <a:pPr algn="ctr" latinLnBrk="1"/>
+                      <a:endParaRPr lang="ko-KR" altLang="en-US" sz="1200" dirty="0"/>
+                    </a:p>
+                  </a:txBody>
+                  <a:tcPr anchor="ctr"/>
+                </a:tc>
+              </a:tr>
+              <a:tr h="370840">
+                <a:tc vMerge="1">
+                  <a:txBody>
+                    <a:bodyPr/>
+                    <a:lstStyle/>
+                    <a:p>
+                      <a:pPr latinLnBrk="1"/>
+                      <a:endParaRPr lang="ko-KR" altLang="en-US" sz="1200" dirty="0"/>
+                    </a:p>
+                  </a:txBody>
+                  <a:tcPr/>
+                </a:tc>
+                <a:tc>
+                  <a:txBody>
+                    <a:bodyPr/>
+                    <a:lstStyle/>
+                    <a:p>
+                      <a:pPr marL="0" marR="0" indent="0" algn="ctr" defTabSz="914400" rtl="0" eaLnBrk="1" fontAlgn="auto" latinLnBrk="1" hangingPunct="1">
+                        <a:lnSpc>
+                          <a:spcPct val="100000"/>
+                        </a:lnSpc>
+                        <a:spcBef>
+                          <a:spcPts val="0"/>
+                        </a:spcBef>
+                        <a:spcAft>
+                          <a:spcPts val="0"/>
+                        </a:spcAft>
+                        <a:buClrTx/>
+                        <a:buSzTx/>
+                        <a:buFontTx/>
+                        <a:buNone/>
+                        <a:tabLst/>
+                        <a:defRPr/>
+                      </a:pPr>
+                      <a:r>
+                        <a:rPr lang="en-US" altLang="ko-KR" sz="1200" dirty="0" err="1" smtClean="0"/>
+                        <a:t>basket_product_code</a:t>
+                      </a:r>
+                      <a:endParaRPr lang="ko-KR" altLang="en-US" sz="1200" dirty="0" smtClean="0"/>
+                    </a:p>
+                  </a:txBody>
+                  <a:tcPr anchor="ctr"/>
+                </a:tc>
+                <a:tc>
+                  <a:txBody>
+                    <a:bodyPr/>
+                    <a:lstStyle/>
+                    <a:p>
+                      <a:r>
+                        <a:rPr lang="ko-KR" altLang="en-US" sz="1200" dirty="0" smtClean="0"/>
+                        <a:t>제품코드</a:t>
+                      </a:r>
+                      <a:endParaRPr lang="ko-KR" altLang="en-US" sz="1200" dirty="0"/>
+                    </a:p>
+                  </a:txBody>
+                  <a:tcPr anchor="ctr"/>
+                </a:tc>
+                <a:tc>
+                  <a:txBody>
+                    <a:bodyPr/>
+                    <a:lstStyle/>
+                    <a:p>
+                      <a:pPr algn="ctr" latinLnBrk="1"/>
+                      <a:r>
+                        <a:rPr lang="en-US" altLang="ko-KR" sz="1200" dirty="0" smtClean="0"/>
+                        <a:t>VARCHAR(255)</a:t>
+                      </a:r>
+                      <a:endParaRPr lang="ko-KR" altLang="en-US" sz="1200" dirty="0"/>
+                    </a:p>
+                  </a:txBody>
+                  <a:tcPr anchor="ctr"/>
+                </a:tc>
+                <a:tc>
+                  <a:txBody>
+                    <a:bodyPr/>
+                    <a:lstStyle/>
+                    <a:p>
+                      <a:pPr algn="ctr" latinLnBrk="1"/>
+                      <a:r>
+                        <a:rPr lang="en-US" altLang="ko-KR" sz="1200" dirty="0" smtClean="0"/>
+                        <a:t>NN</a:t>
+                      </a:r>
+                      <a:endParaRPr lang="ko-KR" altLang="en-US" sz="1200" dirty="0"/>
+                    </a:p>
+                  </a:txBody>
+                  <a:tcPr anchor="ctr"/>
+                </a:tc>
+                <a:tc>
+                  <a:txBody>
+                    <a:bodyPr/>
+                    <a:lstStyle/>
+                    <a:p>
+                      <a:pPr algn="ctr" latinLnBrk="1"/>
+                      <a:endParaRPr lang="ko-KR" altLang="en-US" sz="1200"/>
+                    </a:p>
+                  </a:txBody>
+                  <a:tcPr anchor="ctr"/>
+                </a:tc>
+                <a:tc>
+                  <a:txBody>
+                    <a:bodyPr/>
+                    <a:lstStyle/>
+                    <a:p>
+                      <a:pPr algn="ctr" latinLnBrk="1"/>
+                      <a:endParaRPr lang="ko-KR" altLang="en-US" sz="1200" dirty="0"/>
+                    </a:p>
+                  </a:txBody>
+                  <a:tcPr anchor="ctr"/>
+                </a:tc>
+              </a:tr>
+              <a:tr h="370840">
+                <a:tc vMerge="1">
+                  <a:txBody>
+                    <a:bodyPr/>
+                    <a:lstStyle/>
+                    <a:p>
+                      <a:pPr latinLnBrk="1"/>
+                      <a:endParaRPr lang="ko-KR" altLang="en-US" sz="1200" dirty="0"/>
+                    </a:p>
+                  </a:txBody>
+                  <a:tcPr/>
+                </a:tc>
+                <a:tc>
+                  <a:txBody>
+                    <a:bodyPr/>
+                    <a:lstStyle/>
+                    <a:p>
+                      <a:pPr marL="0" marR="0" indent="0" algn="ctr" defTabSz="914400" rtl="0" eaLnBrk="1" fontAlgn="auto" latinLnBrk="1" hangingPunct="1">
+                        <a:lnSpc>
+                          <a:spcPct val="100000"/>
+                        </a:lnSpc>
+                        <a:spcBef>
+                          <a:spcPts val="0"/>
+                        </a:spcBef>
+                        <a:spcAft>
+                          <a:spcPts val="0"/>
+                        </a:spcAft>
+                        <a:buClrTx/>
+                        <a:buSzTx/>
+                        <a:buFontTx/>
+                        <a:buNone/>
+                        <a:tabLst/>
+                        <a:defRPr/>
+                      </a:pPr>
+                      <a:r>
+                        <a:rPr lang="en-US" altLang="ko-KR" sz="1200" dirty="0" err="1" smtClean="0"/>
+                        <a:t>basket_member_id</a:t>
+                      </a:r>
+                      <a:endParaRPr lang="ko-KR" altLang="en-US" sz="1200" dirty="0" smtClean="0"/>
+                    </a:p>
+                  </a:txBody>
+                  <a:tcPr anchor="ctr"/>
+                </a:tc>
+                <a:tc>
+                  <a:txBody>
+                    <a:bodyPr/>
+                    <a:lstStyle/>
+                    <a:p>
+                      <a:r>
+                        <a:rPr lang="ko-KR" altLang="en-US" sz="1200" dirty="0" smtClean="0"/>
+                        <a:t>아이디</a:t>
+                      </a:r>
+                      <a:endParaRPr lang="ko-KR" altLang="en-US" sz="1200" dirty="0"/>
+                    </a:p>
+                  </a:txBody>
+                  <a:tcPr anchor="ctr"/>
+                </a:tc>
+                <a:tc>
+                  <a:txBody>
+                    <a:bodyPr/>
+                    <a:lstStyle/>
+                    <a:p>
+                      <a:pPr algn="ctr" latinLnBrk="1"/>
+                      <a:r>
+                        <a:rPr lang="en-US" altLang="ko-KR" sz="1200" dirty="0" smtClean="0"/>
+                        <a:t>LONGTEXT</a:t>
+                      </a:r>
+                      <a:endParaRPr lang="ko-KR" altLang="en-US" sz="1200" dirty="0"/>
+                    </a:p>
+                  </a:txBody>
+                  <a:tcPr anchor="ctr"/>
+                </a:tc>
+                <a:tc>
+                  <a:txBody>
+                    <a:bodyPr/>
+                    <a:lstStyle/>
+                    <a:p>
+                      <a:endParaRPr lang="ko-KR" altLang="en-US"/>
+                    </a:p>
+                  </a:txBody>
+                  <a:tcPr anchor="ctr"/>
+                </a:tc>
+                <a:tc>
+                  <a:txBody>
+                    <a:bodyPr/>
+                    <a:lstStyle/>
+                    <a:p>
+                      <a:pPr algn="ctr" latinLnBrk="1"/>
+                      <a:endParaRPr lang="ko-KR" altLang="en-US" sz="1200"/>
+                    </a:p>
+                  </a:txBody>
+                  <a:tcPr anchor="ctr"/>
+                </a:tc>
+                <a:tc>
+                  <a:txBody>
+                    <a:bodyPr/>
+                    <a:lstStyle/>
+                    <a:p>
+                      <a:pPr algn="ctr" latinLnBrk="1"/>
+                      <a:endParaRPr lang="ko-KR" altLang="en-US" sz="1200"/>
+                    </a:p>
+                  </a:txBody>
+                  <a:tcPr anchor="ctr"/>
+                </a:tc>
+              </a:tr>
+              <a:tr h="370840">
+                <a:tc vMerge="1">
+                  <a:txBody>
+                    <a:bodyPr/>
+                    <a:lstStyle/>
+                    <a:p>
+                      <a:pPr latinLnBrk="1"/>
+                      <a:endParaRPr lang="ko-KR" altLang="en-US" sz="1200" dirty="0"/>
+                    </a:p>
+                  </a:txBody>
+                  <a:tcPr/>
+                </a:tc>
+                <a:tc>
+                  <a:txBody>
+                    <a:bodyPr/>
+                    <a:lstStyle/>
+                    <a:p>
+                      <a:pPr algn="ctr" latinLnBrk="1"/>
+                      <a:r>
+                        <a:rPr lang="en-US" altLang="ko-KR" sz="1200" dirty="0" err="1" smtClean="0"/>
+                        <a:t>deliverycost</a:t>
+                      </a:r>
+                      <a:endParaRPr lang="ko-KR" altLang="en-US" sz="1200" dirty="0"/>
+                    </a:p>
+                  </a:txBody>
+                  <a:tcPr anchor="ctr"/>
+                </a:tc>
+                <a:tc>
+                  <a:txBody>
+                    <a:bodyPr/>
+                    <a:lstStyle/>
+                    <a:p>
+                      <a:r>
+                        <a:rPr lang="ko-KR" altLang="en-US" sz="1200" dirty="0" err="1" smtClean="0"/>
+                        <a:t>배송비</a:t>
+                      </a:r>
+                      <a:endParaRPr lang="ko-KR" altLang="en-US" sz="1200" dirty="0"/>
+                    </a:p>
+                  </a:txBody>
+                  <a:tcPr anchor="ctr"/>
+                </a:tc>
+                <a:tc>
+                  <a:txBody>
+                    <a:bodyPr/>
+                    <a:lstStyle/>
+                    <a:p>
+                      <a:pPr marL="0" marR="0" indent="0" algn="ctr" defTabSz="914400" rtl="0" eaLnBrk="1" fontAlgn="auto" latinLnBrk="1" hangingPunct="1">
+                        <a:lnSpc>
+                          <a:spcPct val="100000"/>
+                        </a:lnSpc>
+                        <a:spcBef>
+                          <a:spcPts val="0"/>
+                        </a:spcBef>
+                        <a:spcAft>
+                          <a:spcPts val="0"/>
+                        </a:spcAft>
+                        <a:buClrTx/>
+                        <a:buSzTx/>
+                        <a:buFontTx/>
+                        <a:buNone/>
+                        <a:tabLst/>
+                        <a:defRPr/>
+                      </a:pPr>
+                      <a:r>
+                        <a:rPr lang="en-US" altLang="ko-KR" sz="1200" dirty="0" smtClean="0"/>
+                        <a:t>VARCHAR(45)</a:t>
+                      </a:r>
+                      <a:endParaRPr lang="ko-KR" altLang="en-US" sz="1200" dirty="0" smtClean="0"/>
+                    </a:p>
+                  </a:txBody>
+                  <a:tcPr anchor="ctr"/>
+                </a:tc>
+                <a:tc>
+                  <a:txBody>
+                    <a:bodyPr/>
+                    <a:lstStyle/>
+                    <a:p>
+                      <a:endParaRPr lang="ko-KR" altLang="en-US" dirty="0"/>
+                    </a:p>
+                  </a:txBody>
+                  <a:tcPr anchor="ctr"/>
+                </a:tc>
+                <a:tc>
+                  <a:txBody>
+                    <a:bodyPr/>
+                    <a:lstStyle/>
+                    <a:p>
+                      <a:pPr algn="ctr" latinLnBrk="1"/>
+                      <a:endParaRPr lang="ko-KR" altLang="en-US" sz="1200"/>
+                    </a:p>
+                  </a:txBody>
+                  <a:tcPr anchor="ctr"/>
+                </a:tc>
+                <a:tc>
+                  <a:txBody>
+                    <a:bodyPr/>
+                    <a:lstStyle/>
+                    <a:p>
+                      <a:pPr algn="ctr" latinLnBrk="1"/>
+                      <a:r>
+                        <a:rPr lang="en-US" altLang="ko-KR" sz="1200" dirty="0" smtClean="0"/>
+                        <a:t>0</a:t>
+                      </a:r>
+                      <a:endParaRPr lang="ko-KR" altLang="en-US" sz="1200" dirty="0"/>
+                    </a:p>
+                  </a:txBody>
+                  <a:tcPr anchor="ctr"/>
+                </a:tc>
+              </a:tr>
+              <a:tr h="370840">
+                <a:tc vMerge="1">
+                  <a:txBody>
+                    <a:bodyPr/>
+                    <a:lstStyle/>
+                    <a:p>
+                      <a:pPr latinLnBrk="1"/>
+                      <a:endParaRPr lang="ko-KR" altLang="en-US" sz="1200" dirty="0"/>
+                    </a:p>
+                  </a:txBody>
+                  <a:tcPr/>
+                </a:tc>
+                <a:tc>
+                  <a:txBody>
+                    <a:bodyPr/>
+                    <a:lstStyle/>
+                    <a:p>
+                      <a:pPr algn="ctr" latinLnBrk="1"/>
+                      <a:r>
+                        <a:rPr lang="en-US" altLang="ko-KR" sz="1200" dirty="0" err="1" smtClean="0"/>
+                        <a:t>basket_total</a:t>
+                      </a:r>
+                      <a:endParaRPr lang="ko-KR" altLang="en-US" sz="1200" dirty="0"/>
+                    </a:p>
+                  </a:txBody>
+                  <a:tcPr anchor="ctr"/>
+                </a:tc>
+                <a:tc>
+                  <a:txBody>
+                    <a:bodyPr/>
+                    <a:lstStyle/>
+                    <a:p>
+                      <a:r>
+                        <a:rPr lang="ko-KR" altLang="en-US" sz="1200" dirty="0" err="1" smtClean="0"/>
+                        <a:t>총금액</a:t>
+                      </a:r>
+                      <a:endParaRPr lang="ko-KR" altLang="en-US" sz="1200" dirty="0"/>
+                    </a:p>
+                  </a:txBody>
+                  <a:tcPr anchor="ctr"/>
+                </a:tc>
+                <a:tc>
+                  <a:txBody>
+                    <a:bodyPr/>
+                    <a:lstStyle/>
+                    <a:p>
+                      <a:pPr marL="0" marR="0" indent="0" algn="ctr" defTabSz="914400" rtl="0" eaLnBrk="1" fontAlgn="auto" latinLnBrk="1" hangingPunct="1">
+                        <a:lnSpc>
+                          <a:spcPct val="100000"/>
+                        </a:lnSpc>
+                        <a:spcBef>
+                          <a:spcPts val="0"/>
+                        </a:spcBef>
+                        <a:spcAft>
+                          <a:spcPts val="0"/>
+                        </a:spcAft>
+                        <a:buClrTx/>
+                        <a:buSzTx/>
+                        <a:buFontTx/>
+                        <a:buNone/>
+                        <a:tabLst/>
+                        <a:defRPr/>
+                      </a:pPr>
+                      <a:r>
+                        <a:rPr lang="en-US" altLang="ko-KR" sz="1200" dirty="0" smtClean="0"/>
+                        <a:t>VARCHAR(45)</a:t>
+                      </a:r>
+                      <a:endParaRPr lang="ko-KR" altLang="en-US" sz="1200" dirty="0" smtClean="0"/>
+                    </a:p>
+                  </a:txBody>
+                  <a:tcPr anchor="ctr"/>
+                </a:tc>
+                <a:tc>
+                  <a:txBody>
+                    <a:bodyPr/>
+                    <a:lstStyle/>
+                    <a:p>
+                      <a:pPr algn="ctr" latinLnBrk="1"/>
+                      <a:endParaRPr lang="ko-KR" altLang="en-US" sz="1200"/>
+                    </a:p>
+                  </a:txBody>
+                  <a:tcPr anchor="ctr"/>
+                </a:tc>
+                <a:tc>
+                  <a:txBody>
+                    <a:bodyPr/>
+                    <a:lstStyle/>
+                    <a:p>
+                      <a:pPr algn="ctr" latinLnBrk="1"/>
+                      <a:endParaRPr lang="ko-KR" altLang="en-US" sz="1200"/>
+                    </a:p>
+                  </a:txBody>
+                  <a:tcPr anchor="ctr"/>
+                </a:tc>
+                <a:tc>
+                  <a:txBody>
+                    <a:bodyPr/>
+                    <a:lstStyle/>
+                    <a:p>
+                      <a:pPr algn="ctr" latinLnBrk="1"/>
+                      <a:endParaRPr lang="ko-KR" altLang="en-US" sz="1200" dirty="0"/>
+                    </a:p>
+                  </a:txBody>
+                  <a:tcPr anchor="ctr"/>
+                </a:tc>
+              </a:tr>
+              <a:tr h="370840">
+                <a:tc vMerge="1">
+                  <a:txBody>
+                    <a:bodyPr/>
+                    <a:lstStyle/>
+                    <a:p>
+                      <a:pPr latinLnBrk="1"/>
+                      <a:endParaRPr lang="ko-KR" altLang="en-US" sz="1200"/>
+                    </a:p>
+                  </a:txBody>
+                  <a:tcPr/>
+                </a:tc>
+                <a:tc>
+                  <a:txBody>
+                    <a:bodyPr/>
+                    <a:lstStyle/>
+                    <a:p>
+                      <a:pPr algn="ctr" latinLnBrk="1"/>
+                      <a:r>
+                        <a:rPr lang="en-US" altLang="ko-KR" sz="1200" dirty="0" err="1" smtClean="0"/>
+                        <a:t>cnt</a:t>
+                      </a:r>
+                      <a:endParaRPr lang="ko-KR" altLang="en-US" sz="1200" dirty="0"/>
+                    </a:p>
+                  </a:txBody>
+                  <a:tcPr anchor="ctr"/>
+                </a:tc>
+                <a:tc>
+                  <a:txBody>
+                    <a:bodyPr/>
+                    <a:lstStyle/>
+                    <a:p>
+                      <a:r>
+                        <a:rPr lang="ko-KR" altLang="en-US" sz="1200" dirty="0" smtClean="0"/>
+                        <a:t>수량</a:t>
+                      </a:r>
+                      <a:endParaRPr lang="ko-KR" altLang="en-US" sz="1200" dirty="0"/>
+                    </a:p>
+                  </a:txBody>
+                  <a:tcPr anchor="ctr"/>
+                </a:tc>
+                <a:tc>
+                  <a:txBody>
+                    <a:bodyPr/>
+                    <a:lstStyle/>
+                    <a:p>
+                      <a:pPr marL="0" marR="0" indent="0" algn="ctr" defTabSz="914400" rtl="0" eaLnBrk="1" fontAlgn="auto" latinLnBrk="1" hangingPunct="1">
+                        <a:lnSpc>
+                          <a:spcPct val="100000"/>
+                        </a:lnSpc>
+                        <a:spcBef>
+                          <a:spcPts val="0"/>
+                        </a:spcBef>
+                        <a:spcAft>
+                          <a:spcPts val="0"/>
+                        </a:spcAft>
+                        <a:buClrTx/>
+                        <a:buSzTx/>
+                        <a:buFontTx/>
+                        <a:buNone/>
+                        <a:tabLst/>
+                        <a:defRPr/>
+                      </a:pPr>
+                      <a:r>
+                        <a:rPr lang="en-US" altLang="ko-KR" sz="1200" dirty="0" smtClean="0"/>
+                        <a:t>VARCHAR(45)</a:t>
+                      </a:r>
+                      <a:endParaRPr lang="ko-KR" altLang="en-US" sz="1200" dirty="0"/>
+                    </a:p>
+                  </a:txBody>
+                  <a:tcPr anchor="ctr"/>
+                </a:tc>
+                <a:tc>
+                  <a:txBody>
+                    <a:bodyPr/>
+                    <a:lstStyle/>
+                    <a:p>
+                      <a:pPr algn="ctr" latinLnBrk="1"/>
+                      <a:r>
+                        <a:rPr lang="en-US" altLang="ko-KR" sz="1200" dirty="0" smtClean="0"/>
+                        <a:t>NN</a:t>
+                      </a:r>
+                      <a:endParaRPr lang="ko-KR" altLang="en-US" sz="1200" dirty="0"/>
+                    </a:p>
+                  </a:txBody>
+                  <a:tcPr anchor="ctr"/>
+                </a:tc>
+                <a:tc>
+                  <a:txBody>
+                    <a:bodyPr/>
+                    <a:lstStyle/>
+                    <a:p>
+                      <a:pPr algn="ctr" latinLnBrk="1"/>
+                      <a:endParaRPr lang="ko-KR" altLang="en-US" sz="1200"/>
+                    </a:p>
+                  </a:txBody>
+                  <a:tcPr anchor="ctr"/>
+                </a:tc>
+                <a:tc>
+                  <a:txBody>
+                    <a:bodyPr/>
+                    <a:lstStyle/>
+                    <a:p>
+                      <a:pPr algn="ctr" latinLnBrk="1"/>
+                      <a:r>
+                        <a:rPr lang="en-US" altLang="ko-KR" sz="1200" dirty="0" smtClean="0"/>
+                        <a:t>1</a:t>
+                      </a:r>
+                      <a:endParaRPr lang="ko-KR" altLang="en-US" sz="1200" dirty="0"/>
+                    </a:p>
+                  </a:txBody>
+                  <a:tcPr anchor="ctr"/>
+                </a:tc>
+              </a:tr>
+              <a:tr h="370840">
+                <a:tc vMerge="1">
+                  <a:txBody>
+                    <a:bodyPr/>
+                    <a:lstStyle/>
+                    <a:p>
+                      <a:pPr latinLnBrk="1"/>
+                      <a:endParaRPr lang="ko-KR" altLang="en-US" sz="1200" dirty="0"/>
+                    </a:p>
+                  </a:txBody>
+                  <a:tcPr/>
+                </a:tc>
+                <a:tc>
+                  <a:txBody>
+                    <a:bodyPr/>
+                    <a:lstStyle/>
+                    <a:p>
+                      <a:pPr algn="ctr" latinLnBrk="1"/>
+                      <a:r>
+                        <a:rPr lang="en-US" altLang="ko-KR" sz="1200" dirty="0" err="1" smtClean="0"/>
+                        <a:t>basket_state</a:t>
+                      </a:r>
+                      <a:endParaRPr lang="ko-KR" altLang="en-US" sz="1200" dirty="0"/>
+                    </a:p>
+                  </a:txBody>
+                  <a:tcPr anchor="ctr"/>
+                </a:tc>
+                <a:tc>
+                  <a:txBody>
+                    <a:bodyPr/>
+                    <a:lstStyle/>
+                    <a:p>
+                      <a:r>
+                        <a:rPr lang="ko-KR" altLang="en-US" sz="1200" dirty="0" smtClean="0"/>
+                        <a:t>상태</a:t>
+                      </a:r>
+                      <a:endParaRPr lang="ko-KR" altLang="en-US" sz="1200" dirty="0"/>
+                    </a:p>
+                  </a:txBody>
+                  <a:tcPr anchor="ctr"/>
+                </a:tc>
+                <a:tc>
+                  <a:txBody>
+                    <a:bodyPr/>
+                    <a:lstStyle/>
+                    <a:p>
+                      <a:pPr algn="ctr" latinLnBrk="1"/>
+                      <a:r>
+                        <a:rPr lang="en-US" altLang="ko-KR" sz="1200" dirty="0" smtClean="0"/>
+                        <a:t>INT(11)</a:t>
+                      </a:r>
+                      <a:endParaRPr lang="ko-KR" altLang="en-US" sz="1200" dirty="0"/>
+                    </a:p>
+                  </a:txBody>
+                  <a:tcPr anchor="ctr"/>
+                </a:tc>
+                <a:tc>
+                  <a:txBody>
+                    <a:bodyPr/>
+                    <a:lstStyle/>
+                    <a:p>
+                      <a:pPr algn="ctr" latinLnBrk="1"/>
+                      <a:r>
+                        <a:rPr lang="en-US" altLang="ko-KR" sz="1200" dirty="0" smtClean="0"/>
+                        <a:t>NN</a:t>
+                      </a:r>
+                      <a:endParaRPr lang="ko-KR" altLang="en-US" sz="1200" dirty="0"/>
+                    </a:p>
+                  </a:txBody>
+                  <a:tcPr anchor="ctr"/>
+                </a:tc>
+                <a:tc>
+                  <a:txBody>
+                    <a:bodyPr/>
+                    <a:lstStyle/>
+                    <a:p>
+                      <a:pPr algn="ctr" latinLnBrk="1"/>
+                      <a:endParaRPr lang="ko-KR" altLang="en-US" sz="1200"/>
+                    </a:p>
+                  </a:txBody>
+                  <a:tcPr anchor="ctr"/>
+                </a:tc>
+                <a:tc>
+                  <a:txBody>
+                    <a:bodyPr/>
+                    <a:lstStyle/>
+                    <a:p>
+                      <a:pPr algn="ctr" latinLnBrk="1"/>
+                      <a:r>
+                        <a:rPr lang="en-US" altLang="ko-KR" sz="1200" dirty="0" smtClean="0"/>
+                        <a:t>I</a:t>
+                      </a:r>
+                      <a:endParaRPr lang="ko-KR" altLang="en-US" sz="1200" dirty="0"/>
+                    </a:p>
+                  </a:txBody>
+                  <a:tcPr anchor="ctr"/>
+                </a:tc>
+              </a:tr>
+            </a:tbl>
+          </a:graphicData>
+        </a:graphic>
+      </p:graphicFrame>
+    </p:spTree>
+    <p:extLst>
+      <p:ext uri="{BB962C8B-B14F-4D97-AF65-F5344CB8AC3E}">
+        <p14:creationId xmlns:p14="http://schemas.microsoft.com/office/powerpoint/2010/main" val="3439428369"/>
+      </p:ext>
+    </p:extLst>
+  </p:cSld>
+  <p:clrMapOvr>
+    <a:masterClrMapping/>
+  </p:clrMapOvr>
+  <p:timing>
+    <p:tnLst>
+      <p:par>
+        <p:cTn id="1" dur="indefinite" restart="never" nodeType="tmRoot"/>
+      </p:par>
+    </p:tnLst>
+  </p:timing>
 </p:sld>
 </file>
 

--- a/leather_last/JH Leather PPT.pptx
+++ b/leather_last/JH Leather PPT.pptx
@@ -18,6 +18,13 @@
     <p:sldId id="263" r:id="rId12"/>
     <p:sldId id="268" r:id="rId13"/>
     <p:sldId id="269" r:id="rId14"/>
+    <p:sldId id="270" r:id="rId15"/>
+    <p:sldId id="272" r:id="rId16"/>
+    <p:sldId id="273" r:id="rId17"/>
+    <p:sldId id="274" r:id="rId18"/>
+    <p:sldId id="275" r:id="rId19"/>
+    <p:sldId id="276" r:id="rId20"/>
+    <p:sldId id="278" r:id="rId21"/>
   </p:sldIdLst>
   <p:sldSz cx="9144000" cy="6858000" type="screen4x3"/>
   <p:notesSz cx="6858000" cy="9144000"/>
@@ -6076,9 +6083,22 @@
           <a:bodyPr/>
           <a:lstStyle/>
           <a:p>
+            <a:pPr algn="l"/>
             <a:r>
               <a:rPr lang="ko-KR" altLang="en-US" dirty="0" smtClean="0"/>
               <a:t>기능</a:t>
+            </a:r>
+            <a:r>
+              <a:rPr lang="en-US" altLang="ko-KR" dirty="0" smtClean="0"/>
+              <a:t>_</a:t>
+            </a:r>
+            <a:r>
+              <a:rPr lang="ko-KR" altLang="en-US" dirty="0" smtClean="0"/>
+              <a:t>메</a:t>
+            </a:r>
+            <a:r>
+              <a:rPr lang="ko-KR" altLang="en-US" dirty="0"/>
+              <a:t>인</a:t>
             </a:r>
             <a:endParaRPr lang="ko-KR" altLang="en-US" dirty="0"/>
           </a:p>
@@ -6107,8 +6127,8 @@
         </p:blipFill>
         <p:spPr bwMode="auto">
           <a:xfrm>
-            <a:off x="1043608" y="1556792"/>
-            <a:ext cx="3456384" cy="4752528"/>
+            <a:off x="395536" y="1196752"/>
+            <a:ext cx="3888432" cy="5346594"/>
           </a:xfrm>
           <a:prstGeom prst="rect">
             <a:avLst/>
@@ -6133,12 +6153,24 @@
         </p:nvSpPr>
         <p:spPr>
           <a:xfrm>
-            <a:off x="4860032" y="1772816"/>
-            <a:ext cx="3384376" cy="1368152"/>
+            <a:off x="4716016" y="1569120"/>
+            <a:ext cx="3816424" cy="2435944"/>
           </a:xfrm>
           <a:prstGeom prst="roundRect">
             <a:avLst/>
           </a:prstGeom>
+          <a:solidFill>
+            <a:schemeClr val="tx2">
+              <a:lumMod val="75000"/>
+            </a:schemeClr>
+          </a:solidFill>
+          <a:ln>
+            <a:solidFill>
+              <a:schemeClr val="tx2">
+                <a:lumMod val="75000"/>
+              </a:schemeClr>
+            </a:solidFill>
+          </a:ln>
         </p:spPr>
         <p:style>
           <a:lnRef idx="2">
@@ -6161,7 +6193,83 @@
           <a:lstStyle/>
           <a:p>
             <a:pPr algn="ctr"/>
-            <a:endParaRPr lang="ko-KR" altLang="en-US"/>
+            <a:r>
+              <a:rPr lang="en-US" altLang="ko-KR" dirty="0" smtClean="0"/>
+              <a:t>1.</a:t>
+            </a:r>
+            <a:r>
+              <a:rPr lang="ko-KR" altLang="en-US" dirty="0" smtClean="0"/>
+              <a:t>검색기능</a:t>
+            </a:r>
+            <a:endParaRPr lang="en-US" altLang="ko-KR" dirty="0" smtClean="0"/>
+          </a:p>
+          <a:p>
+            <a:pPr algn="ctr"/>
+            <a:r>
+              <a:rPr lang="ko-KR" altLang="en-US" dirty="0" smtClean="0"/>
+              <a:t>제품명검색가능</a:t>
+            </a:r>
+            <a:endParaRPr lang="en-US" altLang="ko-KR" dirty="0" smtClean="0"/>
+          </a:p>
+          <a:p>
+            <a:pPr algn="ctr"/>
+            <a:r>
+              <a:rPr lang="en-US" altLang="ko-KR" dirty="0" smtClean="0"/>
+              <a:t>2.</a:t>
+            </a:r>
+            <a:r>
+              <a:rPr lang="ko-KR" altLang="en-US" dirty="0" smtClean="0"/>
+              <a:t>이미지 슬라이드</a:t>
+            </a:r>
+            <a:endParaRPr lang="en-US" altLang="ko-KR" dirty="0" smtClean="0"/>
+          </a:p>
+          <a:p>
+            <a:pPr algn="ctr"/>
+            <a:r>
+              <a:rPr lang="en-US" altLang="ko-KR" dirty="0" smtClean="0"/>
+              <a:t>3.</a:t>
+            </a:r>
+            <a:r>
+              <a:rPr lang="ko-KR" altLang="en-US" dirty="0" err="1" smtClean="0"/>
+              <a:t>조건에따른</a:t>
+            </a:r>
+            <a:r>
+              <a:rPr lang="ko-KR" altLang="en-US" dirty="0" smtClean="0"/>
+              <a:t> </a:t>
+            </a:r>
+            <a:r>
+              <a:rPr lang="ko-KR" altLang="en-US" dirty="0" err="1" smtClean="0"/>
+              <a:t>상품정렬및</a:t>
+            </a:r>
+            <a:r>
+              <a:rPr lang="ko-KR" altLang="en-US" dirty="0" smtClean="0"/>
+              <a:t> 이동</a:t>
+            </a:r>
+            <a:endParaRPr lang="en-US" altLang="ko-KR" dirty="0" smtClean="0"/>
+          </a:p>
+          <a:p>
+            <a:pPr algn="ctr"/>
+            <a:r>
+              <a:rPr lang="en-US" altLang="ko-KR" dirty="0" smtClean="0"/>
+              <a:t>4.</a:t>
+            </a:r>
+            <a:r>
+              <a:rPr lang="ko-KR" altLang="en-US" dirty="0" smtClean="0"/>
+              <a:t>로그인</a:t>
+            </a:r>
+            <a:endParaRPr lang="en-US" altLang="ko-KR" dirty="0" smtClean="0"/>
+          </a:p>
+          <a:p>
+            <a:pPr algn="ctr"/>
+            <a:r>
+              <a:rPr lang="en-US" altLang="ko-KR" dirty="0" smtClean="0"/>
+              <a:t>5.</a:t>
+            </a:r>
+            <a:r>
+              <a:rPr lang="ko-KR" altLang="en-US" dirty="0" smtClean="0"/>
+              <a:t>회원가입 </a:t>
+            </a:r>
+            <a:endParaRPr lang="ko-KR" altLang="en-US" dirty="0"/>
           </a:p>
         </p:txBody>
       </p:sp>
@@ -6169,6 +6277,665 @@
     <p:extLst>
       <p:ext uri="{BB962C8B-B14F-4D97-AF65-F5344CB8AC3E}">
         <p14:creationId xmlns:p14="http://schemas.microsoft.com/office/powerpoint/2010/main" val="1403967493"/>
+      </p:ext>
+    </p:extLst>
+  </p:cSld>
+  <p:clrMapOvr>
+    <a:masterClrMapping/>
+  </p:clrMapOvr>
+</p:sld>
+</file>
+
+<file path=ppt/slides/slide14.xml><?xml version="1.0" encoding="utf-8"?>
+<p:sld xmlns:a="http://schemas.openxmlformats.org/drawingml/2006/main" xmlns:r="http://schemas.openxmlformats.org/officeDocument/2006/relationships" xmlns:p="http://schemas.openxmlformats.org/presentationml/2006/main">
+  <p:cSld>
+    <p:spTree>
+      <p:nvGrpSpPr>
+        <p:cNvPr id="1" name=""/>
+        <p:cNvGrpSpPr/>
+        <p:nvPr/>
+      </p:nvGrpSpPr>
+      <p:grpSpPr>
+        <a:xfrm>
+          <a:off x="0" y="0"/>
+          <a:ext cx="0" cy="0"/>
+          <a:chOff x="0" y="0"/>
+          <a:chExt cx="0" cy="0"/>
+        </a:xfrm>
+      </p:grpSpPr>
+      <p:sp>
+        <p:nvSpPr>
+          <p:cNvPr id="2" name="제목 1"/>
+          <p:cNvSpPr>
+            <a:spLocks noGrp="1"/>
+          </p:cNvSpPr>
+          <p:nvPr>
+            <p:ph type="title"/>
+          </p:nvPr>
+        </p:nvSpPr>
+        <p:spPr/>
+        <p:txBody>
+          <a:bodyPr/>
+          <a:lstStyle/>
+          <a:p>
+            <a:pPr algn="l"/>
+            <a:r>
+              <a:rPr lang="ko-KR" altLang="en-US" dirty="0" smtClean="0"/>
+              <a:t>기능</a:t>
+            </a:r>
+            <a:r>
+              <a:rPr lang="en-US" altLang="ko-KR" dirty="0" smtClean="0"/>
+              <a:t>_</a:t>
+            </a:r>
+            <a:r>
+              <a:rPr lang="ko-KR" altLang="en-US" dirty="0" smtClean="0"/>
+              <a:t>로그인</a:t>
+            </a:r>
+            <a:endParaRPr lang="ko-KR" altLang="en-US" dirty="0"/>
+          </a:p>
+        </p:txBody>
+      </p:sp>
+      <p:pic>
+        <p:nvPicPr>
+          <p:cNvPr id="1027" name="Picture 3" descr="C:\YJH\git\leather\leather_last\ppt 기능관련\로그인.png"/>
+          <p:cNvPicPr>
+            <a:picLocks noChangeAspect="1" noChangeArrowheads="1"/>
+          </p:cNvPicPr>
+          <p:nvPr/>
+        </p:nvPicPr>
+        <p:blipFill>
+          <a:blip r:embed="rId2">
+            <a:extLst>
+              <a:ext uri="{28A0092B-C50C-407E-A947-70E740481C1C}">
+                <a14:useLocalDpi xmlns:a14="http://schemas.microsoft.com/office/drawing/2010/main" val="0"/>
+              </a:ext>
+            </a:extLst>
+          </a:blip>
+          <a:srcRect/>
+          <a:stretch>
+            <a:fillRect/>
+          </a:stretch>
+        </p:blipFill>
+        <p:spPr bwMode="auto">
+          <a:xfrm>
+            <a:off x="-324544" y="1412776"/>
+            <a:ext cx="8283873" cy="4256990"/>
+          </a:xfrm>
+          <a:prstGeom prst="rect">
+            <a:avLst/>
+          </a:prstGeom>
+          <a:noFill/>
+          <a:extLst>
+            <a:ext uri="{909E8E84-426E-40DD-AFC4-6F175D3DCCD1}">
+              <a14:hiddenFill xmlns:a14="http://schemas.microsoft.com/office/drawing/2010/main">
+                <a:solidFill>
+                  <a:srgbClr val="FFFFFF"/>
+                </a:solidFill>
+              </a14:hiddenFill>
+            </a:ext>
+          </a:extLst>
+        </p:spPr>
+      </p:pic>
+    </p:spTree>
+    <p:extLst>
+      <p:ext uri="{BB962C8B-B14F-4D97-AF65-F5344CB8AC3E}">
+        <p14:creationId xmlns:p14="http://schemas.microsoft.com/office/powerpoint/2010/main" val="611731322"/>
+      </p:ext>
+    </p:extLst>
+  </p:cSld>
+  <p:clrMapOvr>
+    <a:masterClrMapping/>
+  </p:clrMapOvr>
+</p:sld>
+</file>
+
+<file path=ppt/slides/slide15.xml><?xml version="1.0" encoding="utf-8"?>
+<p:sld xmlns:a="http://schemas.openxmlformats.org/drawingml/2006/main" xmlns:r="http://schemas.openxmlformats.org/officeDocument/2006/relationships" xmlns:p="http://schemas.openxmlformats.org/presentationml/2006/main">
+  <p:cSld>
+    <p:spTree>
+      <p:nvGrpSpPr>
+        <p:cNvPr id="1" name=""/>
+        <p:cNvGrpSpPr/>
+        <p:nvPr/>
+      </p:nvGrpSpPr>
+      <p:grpSpPr>
+        <a:xfrm>
+          <a:off x="0" y="0"/>
+          <a:ext cx="0" cy="0"/>
+          <a:chOff x="0" y="0"/>
+          <a:chExt cx="0" cy="0"/>
+        </a:xfrm>
+      </p:grpSpPr>
+      <p:sp>
+        <p:nvSpPr>
+          <p:cNvPr id="2" name="제목 1"/>
+          <p:cNvSpPr>
+            <a:spLocks noGrp="1"/>
+          </p:cNvSpPr>
+          <p:nvPr>
+            <p:ph type="title"/>
+          </p:nvPr>
+        </p:nvSpPr>
+        <p:spPr/>
+        <p:txBody>
+          <a:bodyPr/>
+          <a:lstStyle/>
+          <a:p>
+            <a:pPr algn="l"/>
+            <a:r>
+              <a:rPr lang="ko-KR" altLang="en-US" dirty="0" smtClean="0"/>
+              <a:t>기능</a:t>
+            </a:r>
+            <a:r>
+              <a:rPr lang="en-US" altLang="ko-KR" dirty="0" smtClean="0"/>
+              <a:t>_</a:t>
+            </a:r>
+            <a:r>
+              <a:rPr lang="ko-KR" altLang="en-US" dirty="0" smtClean="0"/>
+              <a:t>회원가입</a:t>
+            </a:r>
+            <a:endParaRPr lang="ko-KR" altLang="en-US" dirty="0"/>
+          </a:p>
+        </p:txBody>
+      </p:sp>
+      <p:pic>
+        <p:nvPicPr>
+          <p:cNvPr id="2050" name="Picture 2" descr="C:\YJH\git\leather\leather_last\ppt 기능관련\회원가입.png"/>
+          <p:cNvPicPr>
+            <a:picLocks noChangeAspect="1" noChangeArrowheads="1"/>
+          </p:cNvPicPr>
+          <p:nvPr/>
+        </p:nvPicPr>
+        <p:blipFill>
+          <a:blip r:embed="rId2">
+            <a:extLst>
+              <a:ext uri="{28A0092B-C50C-407E-A947-70E740481C1C}">
+                <a14:useLocalDpi xmlns:a14="http://schemas.microsoft.com/office/drawing/2010/main" val="0"/>
+              </a:ext>
+            </a:extLst>
+          </a:blip>
+          <a:srcRect/>
+          <a:stretch>
+            <a:fillRect/>
+          </a:stretch>
+        </p:blipFill>
+        <p:spPr bwMode="auto">
+          <a:xfrm>
+            <a:off x="179512" y="1628800"/>
+            <a:ext cx="7941593" cy="5073795"/>
+          </a:xfrm>
+          <a:prstGeom prst="rect">
+            <a:avLst/>
+          </a:prstGeom>
+          <a:noFill/>
+          <a:extLst>
+            <a:ext uri="{909E8E84-426E-40DD-AFC4-6F175D3DCCD1}">
+              <a14:hiddenFill xmlns:a14="http://schemas.microsoft.com/office/drawing/2010/main">
+                <a:solidFill>
+                  <a:srgbClr val="FFFFFF"/>
+                </a:solidFill>
+              </a14:hiddenFill>
+            </a:ext>
+          </a:extLst>
+        </p:spPr>
+      </p:pic>
+    </p:spTree>
+    <p:extLst>
+      <p:ext uri="{BB962C8B-B14F-4D97-AF65-F5344CB8AC3E}">
+        <p14:creationId xmlns:p14="http://schemas.microsoft.com/office/powerpoint/2010/main" val="720086817"/>
+      </p:ext>
+    </p:extLst>
+  </p:cSld>
+  <p:clrMapOvr>
+    <a:masterClrMapping/>
+  </p:clrMapOvr>
+</p:sld>
+</file>
+
+<file path=ppt/slides/slide16.xml><?xml version="1.0" encoding="utf-8"?>
+<p:sld xmlns:a="http://schemas.openxmlformats.org/drawingml/2006/main" xmlns:r="http://schemas.openxmlformats.org/officeDocument/2006/relationships" xmlns:p="http://schemas.openxmlformats.org/presentationml/2006/main">
+  <p:cSld>
+    <p:spTree>
+      <p:nvGrpSpPr>
+        <p:cNvPr id="1" name=""/>
+        <p:cNvGrpSpPr/>
+        <p:nvPr/>
+      </p:nvGrpSpPr>
+      <p:grpSpPr>
+        <a:xfrm>
+          <a:off x="0" y="0"/>
+          <a:ext cx="0" cy="0"/>
+          <a:chOff x="0" y="0"/>
+          <a:chExt cx="0" cy="0"/>
+        </a:xfrm>
+      </p:grpSpPr>
+      <p:sp>
+        <p:nvSpPr>
+          <p:cNvPr id="2" name="제목 1"/>
+          <p:cNvSpPr>
+            <a:spLocks noGrp="1"/>
+          </p:cNvSpPr>
+          <p:nvPr>
+            <p:ph type="title"/>
+          </p:nvPr>
+        </p:nvSpPr>
+        <p:spPr/>
+        <p:txBody>
+          <a:bodyPr/>
+          <a:lstStyle/>
+          <a:p>
+            <a:pPr algn="l"/>
+            <a:r>
+              <a:rPr lang="ko-KR" altLang="en-US" dirty="0" smtClean="0"/>
+              <a:t>기능</a:t>
+            </a:r>
+            <a:r>
+              <a:rPr lang="en-US" altLang="ko-KR" dirty="0" smtClean="0"/>
+              <a:t>_</a:t>
+            </a:r>
+            <a:r>
+              <a:rPr lang="ko-KR" altLang="en-US" dirty="0" smtClean="0"/>
+              <a:t>제품리스트</a:t>
+            </a:r>
+            <a:endParaRPr lang="ko-KR" altLang="en-US" dirty="0"/>
+          </a:p>
+        </p:txBody>
+      </p:sp>
+      <p:pic>
+        <p:nvPicPr>
+          <p:cNvPr id="3074" name="Picture 2" descr="C:\YJH\git\leather\leather_last\ppt 기능관련\전체리스트.png"/>
+          <p:cNvPicPr>
+            <a:picLocks noChangeAspect="1" noChangeArrowheads="1"/>
+          </p:cNvPicPr>
+          <p:nvPr/>
+        </p:nvPicPr>
+        <p:blipFill>
+          <a:blip r:embed="rId2">
+            <a:extLst>
+              <a:ext uri="{28A0092B-C50C-407E-A947-70E740481C1C}">
+                <a14:useLocalDpi xmlns:a14="http://schemas.microsoft.com/office/drawing/2010/main" val="0"/>
+              </a:ext>
+            </a:extLst>
+          </a:blip>
+          <a:srcRect/>
+          <a:stretch>
+            <a:fillRect/>
+          </a:stretch>
+        </p:blipFill>
+        <p:spPr bwMode="auto">
+          <a:xfrm>
+            <a:off x="-204217" y="1537983"/>
+            <a:ext cx="6216377" cy="3306767"/>
+          </a:xfrm>
+          <a:prstGeom prst="rect">
+            <a:avLst/>
+          </a:prstGeom>
+          <a:noFill/>
+          <a:extLst>
+            <a:ext uri="{909E8E84-426E-40DD-AFC4-6F175D3DCCD1}">
+              <a14:hiddenFill xmlns:a14="http://schemas.microsoft.com/office/drawing/2010/main">
+                <a:solidFill>
+                  <a:srgbClr val="FFFFFF"/>
+                </a:solidFill>
+              </a14:hiddenFill>
+            </a:ext>
+          </a:extLst>
+        </p:spPr>
+      </p:pic>
+      <p:pic>
+        <p:nvPicPr>
+          <p:cNvPr id="3075" name="Picture 3" descr="C:\YJH\git\leather\leather_last\ppt 기능관련\제품리스트없을때.png"/>
+          <p:cNvPicPr>
+            <a:picLocks noChangeAspect="1" noChangeArrowheads="1"/>
+          </p:cNvPicPr>
+          <p:nvPr/>
+        </p:nvPicPr>
+        <p:blipFill>
+          <a:blip r:embed="rId3">
+            <a:extLst>
+              <a:ext uri="{28A0092B-C50C-407E-A947-70E740481C1C}">
+                <a14:useLocalDpi xmlns:a14="http://schemas.microsoft.com/office/drawing/2010/main" val="0"/>
+              </a:ext>
+            </a:extLst>
+          </a:blip>
+          <a:srcRect/>
+          <a:stretch>
+            <a:fillRect/>
+          </a:stretch>
+        </p:blipFill>
+        <p:spPr bwMode="auto">
+          <a:xfrm>
+            <a:off x="2603581" y="3384366"/>
+            <a:ext cx="6752928" cy="3470254"/>
+          </a:xfrm>
+          <a:prstGeom prst="rect">
+            <a:avLst/>
+          </a:prstGeom>
+          <a:noFill/>
+          <a:extLst>
+            <a:ext uri="{909E8E84-426E-40DD-AFC4-6F175D3DCCD1}">
+              <a14:hiddenFill xmlns:a14="http://schemas.microsoft.com/office/drawing/2010/main">
+                <a:solidFill>
+                  <a:srgbClr val="FFFFFF"/>
+                </a:solidFill>
+              </a14:hiddenFill>
+            </a:ext>
+          </a:extLst>
+        </p:spPr>
+      </p:pic>
+    </p:spTree>
+    <p:extLst>
+      <p:ext uri="{BB962C8B-B14F-4D97-AF65-F5344CB8AC3E}">
+        <p14:creationId xmlns:p14="http://schemas.microsoft.com/office/powerpoint/2010/main" val="4124097871"/>
+      </p:ext>
+    </p:extLst>
+  </p:cSld>
+  <p:clrMapOvr>
+    <a:masterClrMapping/>
+  </p:clrMapOvr>
+</p:sld>
+</file>
+
+<file path=ppt/slides/slide17.xml><?xml version="1.0" encoding="utf-8"?>
+<p:sld xmlns:a="http://schemas.openxmlformats.org/drawingml/2006/main" xmlns:r="http://schemas.openxmlformats.org/officeDocument/2006/relationships" xmlns:p="http://schemas.openxmlformats.org/presentationml/2006/main">
+  <p:cSld>
+    <p:spTree>
+      <p:nvGrpSpPr>
+        <p:cNvPr id="1" name=""/>
+        <p:cNvGrpSpPr/>
+        <p:nvPr/>
+      </p:nvGrpSpPr>
+      <p:grpSpPr>
+        <a:xfrm>
+          <a:off x="0" y="0"/>
+          <a:ext cx="0" cy="0"/>
+          <a:chOff x="0" y="0"/>
+          <a:chExt cx="0" cy="0"/>
+        </a:xfrm>
+      </p:grpSpPr>
+      <p:sp>
+        <p:nvSpPr>
+          <p:cNvPr id="2" name="제목 1"/>
+          <p:cNvSpPr>
+            <a:spLocks noGrp="1"/>
+          </p:cNvSpPr>
+          <p:nvPr>
+            <p:ph type="title"/>
+          </p:nvPr>
+        </p:nvSpPr>
+        <p:spPr/>
+        <p:txBody>
+          <a:bodyPr/>
+          <a:lstStyle/>
+          <a:p>
+            <a:pPr algn="l"/>
+            <a:r>
+              <a:rPr lang="ko-KR" altLang="en-US" dirty="0" smtClean="0"/>
+              <a:t>기능</a:t>
+            </a:r>
+            <a:r>
+              <a:rPr lang="en-US" altLang="ko-KR" dirty="0" smtClean="0"/>
+              <a:t>_</a:t>
+            </a:r>
+            <a:r>
+              <a:rPr lang="ko-KR" altLang="en-US" dirty="0" smtClean="0"/>
+              <a:t>제품상세</a:t>
+            </a:r>
+            <a:endParaRPr lang="ko-KR" altLang="en-US" dirty="0"/>
+          </a:p>
+        </p:txBody>
+      </p:sp>
+      <p:pic>
+        <p:nvPicPr>
+          <p:cNvPr id="4099" name="Picture 3" descr="C:\YJH\git\leather\leather_last\ppt 기능관련\제품상세2.jpg"/>
+          <p:cNvPicPr>
+            <a:picLocks noChangeAspect="1" noChangeArrowheads="1"/>
+          </p:cNvPicPr>
+          <p:nvPr/>
+        </p:nvPicPr>
+        <p:blipFill>
+          <a:blip r:embed="rId2">
+            <a:extLst>
+              <a:ext uri="{28A0092B-C50C-407E-A947-70E740481C1C}">
+                <a14:useLocalDpi xmlns:a14="http://schemas.microsoft.com/office/drawing/2010/main" val="0"/>
+              </a:ext>
+            </a:extLst>
+          </a:blip>
+          <a:srcRect/>
+          <a:stretch>
+            <a:fillRect/>
+          </a:stretch>
+        </p:blipFill>
+        <p:spPr bwMode="auto">
+          <a:xfrm>
+            <a:off x="670827" y="1556792"/>
+            <a:ext cx="6833286" cy="4178846"/>
+          </a:xfrm>
+          <a:prstGeom prst="rect">
+            <a:avLst/>
+          </a:prstGeom>
+          <a:noFill/>
+          <a:extLst>
+            <a:ext uri="{909E8E84-426E-40DD-AFC4-6F175D3DCCD1}">
+              <a14:hiddenFill xmlns:a14="http://schemas.microsoft.com/office/drawing/2010/main">
+                <a:solidFill>
+                  <a:srgbClr val="FFFFFF"/>
+                </a:solidFill>
+              </a14:hiddenFill>
+            </a:ext>
+          </a:extLst>
+        </p:spPr>
+      </p:pic>
+    </p:spTree>
+    <p:extLst>
+      <p:ext uri="{BB962C8B-B14F-4D97-AF65-F5344CB8AC3E}">
+        <p14:creationId xmlns:p14="http://schemas.microsoft.com/office/powerpoint/2010/main" val="4124097871"/>
+      </p:ext>
+    </p:extLst>
+  </p:cSld>
+  <p:clrMapOvr>
+    <a:masterClrMapping/>
+  </p:clrMapOvr>
+</p:sld>
+</file>
+
+<file path=ppt/slides/slide18.xml><?xml version="1.0" encoding="utf-8"?>
+<p:sld xmlns:a="http://schemas.openxmlformats.org/drawingml/2006/main" xmlns:r="http://schemas.openxmlformats.org/officeDocument/2006/relationships" xmlns:p="http://schemas.openxmlformats.org/presentationml/2006/main">
+  <p:cSld>
+    <p:spTree>
+      <p:nvGrpSpPr>
+        <p:cNvPr id="1" name=""/>
+        <p:cNvGrpSpPr/>
+        <p:nvPr/>
+      </p:nvGrpSpPr>
+      <p:grpSpPr>
+        <a:xfrm>
+          <a:off x="0" y="0"/>
+          <a:ext cx="0" cy="0"/>
+          <a:chOff x="0" y="0"/>
+          <a:chExt cx="0" cy="0"/>
+        </a:xfrm>
+      </p:grpSpPr>
+      <p:sp>
+        <p:nvSpPr>
+          <p:cNvPr id="2" name="제목 1"/>
+          <p:cNvSpPr>
+            <a:spLocks noGrp="1"/>
+          </p:cNvSpPr>
+          <p:nvPr>
+            <p:ph type="title"/>
+          </p:nvPr>
+        </p:nvSpPr>
+        <p:spPr/>
+        <p:txBody>
+          <a:bodyPr/>
+          <a:lstStyle/>
+          <a:p>
+            <a:pPr algn="l"/>
+            <a:r>
+              <a:rPr lang="ko-KR" altLang="en-US" dirty="0" smtClean="0"/>
+              <a:t>기능</a:t>
+            </a:r>
+            <a:r>
+              <a:rPr lang="en-US" altLang="ko-KR" dirty="0" smtClean="0"/>
+              <a:t>_</a:t>
+            </a:r>
+            <a:r>
+              <a:rPr lang="ko-KR" altLang="en-US" dirty="0" smtClean="0"/>
+              <a:t>장바구니</a:t>
+            </a:r>
+            <a:endParaRPr lang="ko-KR" altLang="en-US" dirty="0"/>
+          </a:p>
+        </p:txBody>
+      </p:sp>
+      <p:pic>
+        <p:nvPicPr>
+          <p:cNvPr id="5122" name="Picture 2" descr="C:\YJH\git\leather\leather_last\ppt 기능관련\장바구니추가.png"/>
+          <p:cNvPicPr>
+            <a:picLocks noChangeAspect="1" noChangeArrowheads="1"/>
+          </p:cNvPicPr>
+          <p:nvPr/>
+        </p:nvPicPr>
+        <p:blipFill>
+          <a:blip r:embed="rId2">
+            <a:extLst>
+              <a:ext uri="{28A0092B-C50C-407E-A947-70E740481C1C}">
+                <a14:useLocalDpi xmlns:a14="http://schemas.microsoft.com/office/drawing/2010/main" val="0"/>
+              </a:ext>
+            </a:extLst>
+          </a:blip>
+          <a:srcRect/>
+          <a:stretch>
+            <a:fillRect/>
+          </a:stretch>
+        </p:blipFill>
+        <p:spPr bwMode="auto">
+          <a:xfrm>
+            <a:off x="827584" y="1700808"/>
+            <a:ext cx="6858000" cy="4052888"/>
+          </a:xfrm>
+          <a:prstGeom prst="rect">
+            <a:avLst/>
+          </a:prstGeom>
+          <a:noFill/>
+          <a:extLst>
+            <a:ext uri="{909E8E84-426E-40DD-AFC4-6F175D3DCCD1}">
+              <a14:hiddenFill xmlns:a14="http://schemas.microsoft.com/office/drawing/2010/main">
+                <a:solidFill>
+                  <a:srgbClr val="FFFFFF"/>
+                </a:solidFill>
+              </a14:hiddenFill>
+            </a:ext>
+          </a:extLst>
+        </p:spPr>
+      </p:pic>
+    </p:spTree>
+    <p:extLst>
+      <p:ext uri="{BB962C8B-B14F-4D97-AF65-F5344CB8AC3E}">
+        <p14:creationId xmlns:p14="http://schemas.microsoft.com/office/powerpoint/2010/main" val="891831762"/>
+      </p:ext>
+    </p:extLst>
+  </p:cSld>
+  <p:clrMapOvr>
+    <a:masterClrMapping/>
+  </p:clrMapOvr>
+</p:sld>
+</file>
+
+<file path=ppt/slides/slide19.xml><?xml version="1.0" encoding="utf-8"?>
+<p:sld xmlns:a="http://schemas.openxmlformats.org/drawingml/2006/main" xmlns:r="http://schemas.openxmlformats.org/officeDocument/2006/relationships" xmlns:p="http://schemas.openxmlformats.org/presentationml/2006/main">
+  <p:cSld>
+    <p:spTree>
+      <p:nvGrpSpPr>
+        <p:cNvPr id="1" name=""/>
+        <p:cNvGrpSpPr/>
+        <p:nvPr/>
+      </p:nvGrpSpPr>
+      <p:grpSpPr>
+        <a:xfrm>
+          <a:off x="0" y="0"/>
+          <a:ext cx="0" cy="0"/>
+          <a:chOff x="0" y="0"/>
+          <a:chExt cx="0" cy="0"/>
+        </a:xfrm>
+      </p:grpSpPr>
+      <p:sp>
+        <p:nvSpPr>
+          <p:cNvPr id="2" name="제목 1"/>
+          <p:cNvSpPr>
+            <a:spLocks noGrp="1"/>
+          </p:cNvSpPr>
+          <p:nvPr>
+            <p:ph type="title"/>
+          </p:nvPr>
+        </p:nvSpPr>
+        <p:spPr/>
+        <p:txBody>
+          <a:bodyPr/>
+          <a:lstStyle/>
+          <a:p>
+            <a:pPr algn="l"/>
+            <a:r>
+              <a:rPr lang="ko-KR" altLang="en-US" dirty="0" smtClean="0"/>
+              <a:t>기능</a:t>
+            </a:r>
+            <a:r>
+              <a:rPr lang="en-US" altLang="ko-KR" dirty="0" smtClean="0"/>
+              <a:t>_</a:t>
+            </a:r>
+            <a:r>
+              <a:rPr lang="ko-KR" altLang="en-US" dirty="0" smtClean="0"/>
+              <a:t>주문</a:t>
+            </a:r>
+            <a:endParaRPr lang="ko-KR" altLang="en-US" dirty="0"/>
+          </a:p>
+        </p:txBody>
+      </p:sp>
+      <p:pic>
+        <p:nvPicPr>
+          <p:cNvPr id="6146" name="Picture 2" descr="C:\YJH\git\leather\leather_last\ppt 기능관련\주문하기.png"/>
+          <p:cNvPicPr>
+            <a:picLocks noChangeAspect="1" noChangeArrowheads="1"/>
+          </p:cNvPicPr>
+          <p:nvPr/>
+        </p:nvPicPr>
+        <p:blipFill>
+          <a:blip r:embed="rId2" cstate="print">
+            <a:extLst>
+              <a:ext uri="{28A0092B-C50C-407E-A947-70E740481C1C}">
+                <a14:useLocalDpi xmlns:a14="http://schemas.microsoft.com/office/drawing/2010/main" val="0"/>
+              </a:ext>
+            </a:extLst>
+          </a:blip>
+          <a:srcRect/>
+          <a:stretch>
+            <a:fillRect/>
+          </a:stretch>
+        </p:blipFill>
+        <p:spPr bwMode="auto">
+          <a:xfrm>
+            <a:off x="395537" y="1196752"/>
+            <a:ext cx="5587524" cy="5661248"/>
+          </a:xfrm>
+          <a:prstGeom prst="rect">
+            <a:avLst/>
+          </a:prstGeom>
+          <a:noFill/>
+          <a:extLst>
+            <a:ext uri="{909E8E84-426E-40DD-AFC4-6F175D3DCCD1}">
+              <a14:hiddenFill xmlns:a14="http://schemas.microsoft.com/office/drawing/2010/main">
+                <a:solidFill>
+                  <a:srgbClr val="FFFFFF"/>
+                </a:solidFill>
+              </a14:hiddenFill>
+            </a:ext>
+          </a:extLst>
+        </p:spPr>
+      </p:pic>
+    </p:spTree>
+    <p:extLst>
+      <p:ext uri="{BB962C8B-B14F-4D97-AF65-F5344CB8AC3E}">
+        <p14:creationId xmlns:p14="http://schemas.microsoft.com/office/powerpoint/2010/main" val="891831762"/>
       </p:ext>
     </p:extLst>
   </p:cSld>
@@ -6301,6 +7068,109 @@
       </p:par>
     </p:tnLst>
   </p:timing>
+</p:sld>
+</file>
+
+<file path=ppt/slides/slide20.xml><?xml version="1.0" encoding="utf-8"?>
+<p:sld xmlns:a="http://schemas.openxmlformats.org/drawingml/2006/main" xmlns:r="http://schemas.openxmlformats.org/officeDocument/2006/relationships" xmlns:p="http://schemas.openxmlformats.org/presentationml/2006/main">
+  <p:cSld>
+    <p:spTree>
+      <p:nvGrpSpPr>
+        <p:cNvPr id="1" name=""/>
+        <p:cNvGrpSpPr/>
+        <p:nvPr/>
+      </p:nvGrpSpPr>
+      <p:grpSpPr>
+        <a:xfrm>
+          <a:off x="0" y="0"/>
+          <a:ext cx="0" cy="0"/>
+          <a:chOff x="0" y="0"/>
+          <a:chExt cx="0" cy="0"/>
+        </a:xfrm>
+      </p:grpSpPr>
+      <p:sp>
+        <p:nvSpPr>
+          <p:cNvPr id="2" name="제목 1"/>
+          <p:cNvSpPr>
+            <a:spLocks noGrp="1"/>
+          </p:cNvSpPr>
+          <p:nvPr>
+            <p:ph type="title"/>
+          </p:nvPr>
+        </p:nvSpPr>
+        <p:spPr/>
+        <p:txBody>
+          <a:bodyPr/>
+          <a:lstStyle/>
+          <a:p>
+            <a:pPr algn="l"/>
+            <a:r>
+              <a:rPr lang="ko-KR" altLang="en-US" dirty="0" smtClean="0"/>
+              <a:t>기능</a:t>
+            </a:r>
+            <a:r>
+              <a:rPr lang="en-US" altLang="ko-KR" dirty="0" smtClean="0"/>
+              <a:t>_</a:t>
+            </a:r>
+            <a:r>
+              <a:rPr lang="ko-KR" altLang="en-US" dirty="0" smtClean="0"/>
+              <a:t>주문조회</a:t>
+            </a:r>
+            <a:endParaRPr lang="ko-KR" altLang="en-US" dirty="0"/>
+          </a:p>
+        </p:txBody>
+      </p:sp>
+      <p:pic>
+        <p:nvPicPr>
+          <p:cNvPr id="7170" name="Picture 2" descr="C:\YJH\git\leather\leather_last\ppt 기능관련\주문조회.png"/>
+          <p:cNvPicPr>
+            <a:picLocks noChangeAspect="1" noChangeArrowheads="1"/>
+          </p:cNvPicPr>
+          <p:nvPr/>
+        </p:nvPicPr>
+        <p:blipFill>
+          <a:blip r:embed="rId2">
+            <a:extLst>
+              <a:ext uri="{28A0092B-C50C-407E-A947-70E740481C1C}">
+                <a14:useLocalDpi xmlns:a14="http://schemas.microsoft.com/office/drawing/2010/main" val="0"/>
+              </a:ext>
+            </a:extLst>
+          </a:blip>
+          <a:srcRect/>
+          <a:stretch>
+            <a:fillRect/>
+          </a:stretch>
+        </p:blipFill>
+        <p:spPr bwMode="auto">
+          <a:xfrm>
+            <a:off x="1691680" y="2845038"/>
+            <a:ext cx="6592813" cy="3461227"/>
+          </a:xfrm>
+          <a:prstGeom prst="rect">
+            <a:avLst/>
+          </a:prstGeom>
+          <a:noFill/>
+          <a:extLst>
+            <a:ext uri="{909E8E84-426E-40DD-AFC4-6F175D3DCCD1}">
+              <a14:hiddenFill xmlns:a14="http://schemas.microsoft.com/office/drawing/2010/main">
+                <a:solidFill>
+                  <a:srgbClr val="FFFFFF"/>
+                </a:solidFill>
+              </a14:hiddenFill>
+            </a:ext>
+          </a:extLst>
+        </p:spPr>
+      </p:pic>
+    </p:spTree>
+    <p:extLst>
+      <p:ext uri="{BB962C8B-B14F-4D97-AF65-F5344CB8AC3E}">
+        <p14:creationId xmlns:p14="http://schemas.microsoft.com/office/powerpoint/2010/main" val="4206655385"/>
+      </p:ext>
+    </p:extLst>
+  </p:cSld>
+  <p:clrMapOvr>
+    <a:masterClrMapping/>
+  </p:clrMapOvr>
 </p:sld>
 </file>
 

--- a/leather_last/JH Leather PPT.pptx
+++ b/leather_last/JH Leather PPT.pptx
@@ -24,7 +24,6 @@
     <p:sldId id="274" r:id="rId18"/>
     <p:sldId id="275" r:id="rId19"/>
     <p:sldId id="276" r:id="rId20"/>
-    <p:sldId id="278" r:id="rId21"/>
   </p:sldIdLst>
   <p:sldSz cx="9144000" cy="6858000" type="screen4x3"/>
   <p:notesSz cx="6858000" cy="9144000"/>
@@ -6100,7 +6099,6 @@
               <a:rPr lang="ko-KR" altLang="en-US" dirty="0"/>
               <a:t>인</a:t>
             </a:r>
-            <a:endParaRPr lang="ko-KR" altLang="en-US" dirty="0"/>
           </a:p>
         </p:txBody>
       </p:sp>
@@ -6344,7 +6342,7 @@
           <p:nvPr/>
         </p:nvPicPr>
         <p:blipFill>
-          <a:blip r:embed="rId2">
+          <a:blip r:embed="rId2" cstate="print">
             <a:extLst>
               <a:ext uri="{28A0092B-C50C-407E-A947-70E740481C1C}">
                 <a14:useLocalDpi xmlns:a14="http://schemas.microsoft.com/office/drawing/2010/main" val="0"/>
@@ -6358,8 +6356,8 @@
         </p:blipFill>
         <p:spPr bwMode="auto">
           <a:xfrm>
-            <a:off x="-324544" y="1412776"/>
-            <a:ext cx="8283873" cy="4256990"/>
+            <a:off x="-15230" y="2132856"/>
+            <a:ext cx="5544616" cy="2849316"/>
           </a:xfrm>
           <a:prstGeom prst="rect">
             <a:avLst/>
@@ -6376,6 +6374,74 @@
           </a:extLst>
         </p:spPr>
       </p:pic>
+      <p:sp>
+        <p:nvSpPr>
+          <p:cNvPr id="4" name="모서리가 둥근 직사각형 3"/>
+          <p:cNvSpPr/>
+          <p:nvPr/>
+        </p:nvSpPr>
+        <p:spPr>
+          <a:xfrm>
+            <a:off x="5076056" y="2132856"/>
+            <a:ext cx="3816424" cy="2435944"/>
+          </a:xfrm>
+          <a:prstGeom prst="roundRect">
+            <a:avLst/>
+          </a:prstGeom>
+          <a:solidFill>
+            <a:schemeClr val="tx2">
+              <a:lumMod val="75000"/>
+            </a:schemeClr>
+          </a:solidFill>
+          <a:ln>
+            <a:solidFill>
+              <a:schemeClr val="tx2">
+                <a:lumMod val="75000"/>
+              </a:schemeClr>
+            </a:solidFill>
+          </a:ln>
+        </p:spPr>
+        <p:style>
+          <a:lnRef idx="2">
+            <a:schemeClr val="accent1">
+              <a:shade val="50000"/>
+            </a:schemeClr>
+          </a:lnRef>
+          <a:fillRef idx="1">
+            <a:schemeClr val="accent1"/>
+          </a:fillRef>
+          <a:effectRef idx="0">
+            <a:schemeClr val="accent1"/>
+          </a:effectRef>
+          <a:fontRef idx="minor">
+            <a:schemeClr val="lt1"/>
+          </a:fontRef>
+        </p:style>
+        <p:txBody>
+          <a:bodyPr rtlCol="0" anchor="ctr"/>
+          <a:lstStyle/>
+          <a:p>
+            <a:pPr algn="ctr"/>
+            <a:r>
+              <a:rPr lang="ko-KR" altLang="en-US" dirty="0" smtClean="0"/>
+              <a:t>로그인시</a:t>
+            </a:r>
+            <a:r>
+              <a:rPr lang="en-US" altLang="ko-KR" dirty="0"/>
+              <a:t> </a:t>
+            </a:r>
+            <a:r>
+              <a:rPr lang="ko-KR" altLang="en-US" dirty="0" err="1" smtClean="0"/>
+              <a:t>인터셉터</a:t>
+            </a:r>
+            <a:r>
+              <a:rPr lang="ko-KR" altLang="en-US" dirty="0" smtClean="0"/>
+              <a:t> 이용한 유저정보저장</a:t>
+            </a:r>
+            <a:endParaRPr lang="ko-KR" altLang="en-US" dirty="0"/>
+          </a:p>
+        </p:txBody>
+      </p:sp>
     </p:spTree>
     <p:extLst>
       <p:ext uri="{BB962C8B-B14F-4D97-AF65-F5344CB8AC3E}">
@@ -6447,7 +6513,7 @@
           <p:nvPr/>
         </p:nvPicPr>
         <p:blipFill>
-          <a:blip r:embed="rId2">
+          <a:blip r:embed="rId2" cstate="print">
             <a:extLst>
               <a:ext uri="{28A0092B-C50C-407E-A947-70E740481C1C}">
                 <a14:useLocalDpi xmlns:a14="http://schemas.microsoft.com/office/drawing/2010/main" val="0"/>
@@ -6461,8 +6527,8 @@
         </p:blipFill>
         <p:spPr bwMode="auto">
           <a:xfrm>
-            <a:off x="179512" y="1628800"/>
-            <a:ext cx="7941593" cy="5073795"/>
+            <a:off x="32792" y="2492896"/>
+            <a:ext cx="4395619" cy="2808312"/>
           </a:xfrm>
           <a:prstGeom prst="rect">
             <a:avLst/>
@@ -6479,6 +6545,78 @@
           </a:extLst>
         </p:spPr>
       </p:pic>
+      <p:sp>
+        <p:nvSpPr>
+          <p:cNvPr id="4" name="모서리가 둥근 직사각형 3"/>
+          <p:cNvSpPr/>
+          <p:nvPr/>
+        </p:nvSpPr>
+        <p:spPr>
+          <a:xfrm>
+            <a:off x="4725516" y="2492896"/>
+            <a:ext cx="3816424" cy="2435944"/>
+          </a:xfrm>
+          <a:prstGeom prst="roundRect">
+            <a:avLst/>
+          </a:prstGeom>
+          <a:solidFill>
+            <a:schemeClr val="tx2">
+              <a:lumMod val="75000"/>
+            </a:schemeClr>
+          </a:solidFill>
+          <a:ln>
+            <a:solidFill>
+              <a:schemeClr val="tx2">
+                <a:lumMod val="75000"/>
+              </a:schemeClr>
+            </a:solidFill>
+          </a:ln>
+        </p:spPr>
+        <p:style>
+          <a:lnRef idx="2">
+            <a:schemeClr val="accent1">
+              <a:shade val="50000"/>
+            </a:schemeClr>
+          </a:lnRef>
+          <a:fillRef idx="1">
+            <a:schemeClr val="accent1"/>
+          </a:fillRef>
+          <a:effectRef idx="0">
+            <a:schemeClr val="accent1"/>
+          </a:effectRef>
+          <a:fontRef idx="minor">
+            <a:schemeClr val="lt1"/>
+          </a:fontRef>
+        </p:style>
+        <p:txBody>
+          <a:bodyPr rtlCol="0" anchor="ctr"/>
+          <a:lstStyle/>
+          <a:p>
+            <a:pPr algn="ctr"/>
+            <a:r>
+              <a:rPr lang="en-US" altLang="ko-KR" dirty="0" smtClean="0"/>
+              <a:t>AJAX</a:t>
+            </a:r>
+            <a:r>
+              <a:rPr lang="ko-KR" altLang="en-US" dirty="0" smtClean="0"/>
+              <a:t>이용한 아이디중복체크 </a:t>
+            </a:r>
+            <a:endParaRPr lang="en-US" altLang="ko-KR" dirty="0" smtClean="0"/>
+          </a:p>
+          <a:p>
+            <a:pPr algn="ctr"/>
+            <a:r>
+              <a:rPr lang="ko-KR" altLang="en-US" dirty="0" err="1" smtClean="0"/>
+              <a:t>플러그인이용한</a:t>
+            </a:r>
+            <a:r>
+              <a:rPr lang="ko-KR" altLang="en-US" dirty="0" smtClean="0"/>
+              <a:t> 유효성검사</a:t>
+            </a:r>
+            <a:endParaRPr lang="en-US" altLang="ko-KR" dirty="0" smtClean="0"/>
+          </a:p>
+        </p:txBody>
+      </p:sp>
     </p:spTree>
     <p:extLst>
       <p:ext uri="{BB962C8B-B14F-4D97-AF65-F5344CB8AC3E}">
@@ -6550,7 +6688,7 @@
           <p:nvPr/>
         </p:nvPicPr>
         <p:blipFill>
-          <a:blip r:embed="rId2">
+          <a:blip r:embed="rId2" cstate="print">
             <a:extLst>
               <a:ext uri="{28A0092B-C50C-407E-A947-70E740481C1C}">
                 <a14:useLocalDpi xmlns:a14="http://schemas.microsoft.com/office/drawing/2010/main" val="0"/>
@@ -6564,8 +6702,8 @@
         </p:blipFill>
         <p:spPr bwMode="auto">
           <a:xfrm>
-            <a:off x="-204217" y="1537983"/>
-            <a:ext cx="6216377" cy="3306767"/>
+            <a:off x="539508" y="1537984"/>
+            <a:ext cx="4128145" cy="2195944"/>
           </a:xfrm>
           <a:prstGeom prst="rect">
             <a:avLst/>
@@ -6591,7 +6729,7 @@
           <p:nvPr/>
         </p:nvPicPr>
         <p:blipFill>
-          <a:blip r:embed="rId3">
+          <a:blip r:embed="rId3" cstate="print">
             <a:extLst>
               <a:ext uri="{28A0092B-C50C-407E-A947-70E740481C1C}">
                 <a14:useLocalDpi xmlns:a14="http://schemas.microsoft.com/office/drawing/2010/main" val="0"/>
@@ -6605,8 +6743,8 @@
         </p:blipFill>
         <p:spPr bwMode="auto">
           <a:xfrm>
-            <a:off x="2603581" y="3384366"/>
-            <a:ext cx="6752928" cy="3470254"/>
+            <a:off x="1003430" y="4365104"/>
+            <a:ext cx="3376464" cy="1735127"/>
           </a:xfrm>
           <a:prstGeom prst="rect">
             <a:avLst/>
@@ -6623,6 +6761,90 @@
           </a:extLst>
         </p:spPr>
       </p:pic>
+      <p:sp>
+        <p:nvSpPr>
+          <p:cNvPr id="5" name="모서리가 둥근 직사각형 4"/>
+          <p:cNvSpPr/>
+          <p:nvPr/>
+        </p:nvSpPr>
+        <p:spPr>
+          <a:xfrm>
+            <a:off x="4716016" y="2276872"/>
+            <a:ext cx="3816424" cy="2435944"/>
+          </a:xfrm>
+          <a:prstGeom prst="roundRect">
+            <a:avLst/>
+          </a:prstGeom>
+          <a:solidFill>
+            <a:schemeClr val="tx2">
+              <a:lumMod val="75000"/>
+            </a:schemeClr>
+          </a:solidFill>
+          <a:ln>
+            <a:solidFill>
+              <a:schemeClr val="tx2">
+                <a:lumMod val="75000"/>
+              </a:schemeClr>
+            </a:solidFill>
+          </a:ln>
+        </p:spPr>
+        <p:style>
+          <a:lnRef idx="2">
+            <a:schemeClr val="accent1">
+              <a:shade val="50000"/>
+            </a:schemeClr>
+          </a:lnRef>
+          <a:fillRef idx="1">
+            <a:schemeClr val="accent1"/>
+          </a:fillRef>
+          <a:effectRef idx="0">
+            <a:schemeClr val="accent1"/>
+          </a:effectRef>
+          <a:fontRef idx="minor">
+            <a:schemeClr val="lt1"/>
+          </a:fontRef>
+        </p:style>
+        <p:txBody>
+          <a:bodyPr rtlCol="0" anchor="ctr"/>
+          <a:lstStyle/>
+          <a:p>
+            <a:pPr algn="ctr"/>
+            <a:r>
+              <a:rPr lang="ko-KR" altLang="en-US" dirty="0" smtClean="0"/>
+              <a:t>각각의 카테고리에 제품적용 및 전체리스트 </a:t>
+            </a:r>
+            <a:endParaRPr lang="en-US" altLang="ko-KR" dirty="0" smtClean="0"/>
+          </a:p>
+          <a:p>
+            <a:pPr algn="ctr"/>
+            <a:r>
+              <a:rPr lang="ko-KR" altLang="en-US" dirty="0" err="1" smtClean="0"/>
+              <a:t>페이지네이션</a:t>
+            </a:r>
+            <a:r>
+              <a:rPr lang="ko-KR" altLang="en-US" dirty="0" smtClean="0"/>
+              <a:t> 적용</a:t>
+            </a:r>
+            <a:endParaRPr lang="en-US" altLang="ko-KR" dirty="0" smtClean="0"/>
+          </a:p>
+          <a:p>
+            <a:pPr algn="ctr"/>
+            <a:r>
+              <a:rPr lang="ko-KR" altLang="en-US" dirty="0" smtClean="0"/>
+              <a:t>제품등록버튼은 </a:t>
+            </a:r>
+            <a:r>
+              <a:rPr lang="ko-KR" altLang="en-US" dirty="0" err="1" smtClean="0"/>
+              <a:t>관리자만보이게적용</a:t>
+            </a:r>
+            <a:endParaRPr lang="en-US" altLang="ko-KR" dirty="0" smtClean="0"/>
+          </a:p>
+          <a:p>
+            <a:pPr algn="ctr"/>
+            <a:endParaRPr lang="ko-KR" altLang="en-US" dirty="0"/>
+          </a:p>
+        </p:txBody>
+      </p:sp>
     </p:spTree>
     <p:extLst>
       <p:ext uri="{BB962C8B-B14F-4D97-AF65-F5344CB8AC3E}">
@@ -6694,7 +6916,7 @@
           <p:nvPr/>
         </p:nvPicPr>
         <p:blipFill>
-          <a:blip r:embed="rId2">
+          <a:blip r:embed="rId2" cstate="print">
             <a:extLst>
               <a:ext uri="{28A0092B-C50C-407E-A947-70E740481C1C}">
                 <a14:useLocalDpi xmlns:a14="http://schemas.microsoft.com/office/drawing/2010/main" val="0"/>
@@ -6708,8 +6930,8 @@
         </p:blipFill>
         <p:spPr bwMode="auto">
           <a:xfrm>
-            <a:off x="670827" y="1556792"/>
-            <a:ext cx="6833286" cy="4178846"/>
+            <a:off x="670827" y="2119337"/>
+            <a:ext cx="3416643" cy="2089423"/>
           </a:xfrm>
           <a:prstGeom prst="rect">
             <a:avLst/>
@@ -6726,6 +6948,78 @@
           </a:extLst>
         </p:spPr>
       </p:pic>
+      <p:sp>
+        <p:nvSpPr>
+          <p:cNvPr id="4" name="모서리가 둥근 직사각형 3"/>
+          <p:cNvSpPr/>
+          <p:nvPr/>
+        </p:nvSpPr>
+        <p:spPr>
+          <a:xfrm>
+            <a:off x="4716016" y="1772816"/>
+            <a:ext cx="3816424" cy="2435944"/>
+          </a:xfrm>
+          <a:prstGeom prst="roundRect">
+            <a:avLst/>
+          </a:prstGeom>
+          <a:solidFill>
+            <a:schemeClr val="tx2">
+              <a:lumMod val="75000"/>
+            </a:schemeClr>
+          </a:solidFill>
+          <a:ln>
+            <a:solidFill>
+              <a:schemeClr val="tx2">
+                <a:lumMod val="75000"/>
+              </a:schemeClr>
+            </a:solidFill>
+          </a:ln>
+        </p:spPr>
+        <p:style>
+          <a:lnRef idx="2">
+            <a:schemeClr val="accent1">
+              <a:shade val="50000"/>
+            </a:schemeClr>
+          </a:lnRef>
+          <a:fillRef idx="1">
+            <a:schemeClr val="accent1"/>
+          </a:fillRef>
+          <a:effectRef idx="0">
+            <a:schemeClr val="accent1"/>
+          </a:effectRef>
+          <a:fontRef idx="minor">
+            <a:schemeClr val="lt1"/>
+          </a:fontRef>
+        </p:style>
+        <p:txBody>
+          <a:bodyPr rtlCol="0" anchor="ctr"/>
+          <a:lstStyle/>
+          <a:p>
+            <a:pPr algn="ctr"/>
+            <a:r>
+              <a:rPr lang="ko-KR" altLang="en-US" dirty="0" err="1" smtClean="0"/>
+              <a:t>제품수량에따른</a:t>
+            </a:r>
+            <a:r>
+              <a:rPr lang="ko-KR" altLang="en-US" dirty="0" smtClean="0"/>
+              <a:t> 금액 적용</a:t>
+            </a:r>
+            <a:endParaRPr lang="en-US" altLang="ko-KR" dirty="0" smtClean="0"/>
+          </a:p>
+          <a:p>
+            <a:pPr algn="ctr"/>
+            <a:r>
+              <a:rPr lang="ko-KR" altLang="en-US" dirty="0" smtClean="0"/>
+              <a:t>제품수정삭제 관리자만보이게 적용</a:t>
+            </a:r>
+            <a:r>
+              <a:rPr lang="ko-KR" altLang="en-US" dirty="0" smtClean="0"/>
+              <a:t> </a:t>
+            </a:r>
+            <a:endParaRPr lang="ko-KR" altLang="en-US" dirty="0"/>
+          </a:p>
+        </p:txBody>
+      </p:sp>
     </p:spTree>
     <p:extLst>
       <p:ext uri="{BB962C8B-B14F-4D97-AF65-F5344CB8AC3E}">
@@ -6797,7 +7091,7 @@
           <p:nvPr/>
         </p:nvPicPr>
         <p:blipFill>
-          <a:blip r:embed="rId2">
+          <a:blip r:embed="rId2" cstate="print">
             <a:extLst>
               <a:ext uri="{28A0092B-C50C-407E-A947-70E740481C1C}">
                 <a14:useLocalDpi xmlns:a14="http://schemas.microsoft.com/office/drawing/2010/main" val="0"/>
@@ -6811,8 +7105,8 @@
         </p:blipFill>
         <p:spPr bwMode="auto">
           <a:xfrm>
-            <a:off x="827584" y="1700808"/>
-            <a:ext cx="6858000" cy="4052888"/>
+            <a:off x="85843" y="2132856"/>
+            <a:ext cx="4630173" cy="2736304"/>
           </a:xfrm>
           <a:prstGeom prst="rect">
             <a:avLst/>
@@ -6829,6 +7123,78 @@
           </a:extLst>
         </p:spPr>
       </p:pic>
+      <p:sp>
+        <p:nvSpPr>
+          <p:cNvPr id="4" name="모서리가 둥근 직사각형 3"/>
+          <p:cNvSpPr/>
+          <p:nvPr/>
+        </p:nvSpPr>
+        <p:spPr>
+          <a:xfrm>
+            <a:off x="4932040" y="2283036"/>
+            <a:ext cx="3816424" cy="2435944"/>
+          </a:xfrm>
+          <a:prstGeom prst="roundRect">
+            <a:avLst/>
+          </a:prstGeom>
+          <a:solidFill>
+            <a:schemeClr val="tx2">
+              <a:lumMod val="75000"/>
+            </a:schemeClr>
+          </a:solidFill>
+          <a:ln>
+            <a:solidFill>
+              <a:schemeClr val="tx2">
+                <a:lumMod val="75000"/>
+              </a:schemeClr>
+            </a:solidFill>
+          </a:ln>
+        </p:spPr>
+        <p:style>
+          <a:lnRef idx="2">
+            <a:schemeClr val="accent1">
+              <a:shade val="50000"/>
+            </a:schemeClr>
+          </a:lnRef>
+          <a:fillRef idx="1">
+            <a:schemeClr val="accent1"/>
+          </a:fillRef>
+          <a:effectRef idx="0">
+            <a:schemeClr val="accent1"/>
+          </a:effectRef>
+          <a:fontRef idx="minor">
+            <a:schemeClr val="lt1"/>
+          </a:fontRef>
+        </p:style>
+        <p:txBody>
+          <a:bodyPr rtlCol="0" anchor="ctr"/>
+          <a:lstStyle/>
+          <a:p>
+            <a:pPr algn="ctr"/>
+            <a:r>
+              <a:rPr lang="ko-KR" altLang="en-US" dirty="0" smtClean="0"/>
+              <a:t>체크박스를 통해 선택상품삭제 </a:t>
+            </a:r>
+            <a:endParaRPr lang="en-US" altLang="ko-KR" dirty="0" smtClean="0"/>
+          </a:p>
+          <a:p>
+            <a:pPr algn="ctr"/>
+            <a:r>
+              <a:rPr lang="ko-KR" altLang="en-US" dirty="0" err="1" smtClean="0"/>
+              <a:t>총금액</a:t>
+            </a:r>
+            <a:r>
+              <a:rPr lang="ko-KR" altLang="en-US" dirty="0" smtClean="0"/>
+              <a:t> 배송비적용 계산</a:t>
+            </a:r>
+            <a:endParaRPr lang="en-US" altLang="ko-KR" dirty="0" smtClean="0"/>
+          </a:p>
+          <a:p>
+            <a:pPr algn="ctr"/>
+            <a:endParaRPr lang="ko-KR" altLang="en-US" dirty="0"/>
+          </a:p>
+        </p:txBody>
+      </p:sp>
     </p:spTree>
     <p:extLst>
       <p:ext uri="{BB962C8B-B14F-4D97-AF65-F5344CB8AC3E}">
@@ -6914,8 +7280,178 @@
         </p:blipFill>
         <p:spPr bwMode="auto">
           <a:xfrm>
-            <a:off x="395537" y="1196752"/>
-            <a:ext cx="5587524" cy="5661248"/>
+            <a:off x="395536" y="1412776"/>
+            <a:ext cx="3199428" cy="3241643"/>
+          </a:xfrm>
+          <a:prstGeom prst="rect">
+            <a:avLst/>
+          </a:prstGeom>
+          <a:noFill/>
+          <a:extLst>
+            <a:ext uri="{909E8E84-426E-40DD-AFC4-6F175D3DCCD1}">
+              <a14:hiddenFill xmlns:a14="http://schemas.microsoft.com/office/drawing/2010/main">
+                <a:solidFill>
+                  <a:srgbClr val="FFFFFF"/>
+                </a:solidFill>
+              </a14:hiddenFill>
+            </a:ext>
+          </a:extLst>
+        </p:spPr>
+      </p:pic>
+      <p:sp>
+        <p:nvSpPr>
+          <p:cNvPr id="4" name="모서리가 둥근 직사각형 3"/>
+          <p:cNvSpPr/>
+          <p:nvPr/>
+        </p:nvSpPr>
+        <p:spPr>
+          <a:xfrm>
+            <a:off x="4304106" y="1196752"/>
+            <a:ext cx="3816424" cy="2435944"/>
+          </a:xfrm>
+          <a:prstGeom prst="roundRect">
+            <a:avLst/>
+          </a:prstGeom>
+          <a:solidFill>
+            <a:schemeClr val="tx2">
+              <a:lumMod val="75000"/>
+            </a:schemeClr>
+          </a:solidFill>
+          <a:ln>
+            <a:solidFill>
+              <a:schemeClr val="tx2">
+                <a:lumMod val="75000"/>
+              </a:schemeClr>
+            </a:solidFill>
+          </a:ln>
+        </p:spPr>
+        <p:style>
+          <a:lnRef idx="2">
+            <a:schemeClr val="accent1">
+              <a:shade val="50000"/>
+            </a:schemeClr>
+          </a:lnRef>
+          <a:fillRef idx="1">
+            <a:schemeClr val="accent1"/>
+          </a:fillRef>
+          <a:effectRef idx="0">
+            <a:schemeClr val="accent1"/>
+          </a:effectRef>
+          <a:fontRef idx="minor">
+            <a:schemeClr val="lt1"/>
+          </a:fontRef>
+        </p:style>
+        <p:txBody>
+          <a:bodyPr rtlCol="0" anchor="ctr"/>
+          <a:lstStyle/>
+          <a:p>
+            <a:pPr algn="ctr"/>
+            <a:r>
+              <a:rPr lang="ko-KR" altLang="en-US" dirty="0" err="1" smtClean="0"/>
+              <a:t>결제하기시</a:t>
+            </a:r>
+            <a:r>
+              <a:rPr lang="ko-KR" altLang="en-US" dirty="0" smtClean="0"/>
+              <a:t> 주문정보</a:t>
+            </a:r>
+            <a:r>
+              <a:rPr lang="en-US" altLang="ko-KR" dirty="0" smtClean="0"/>
+              <a:t>,</a:t>
+            </a:r>
+            <a:r>
+              <a:rPr lang="ko-KR" altLang="en-US" dirty="0" err="1" smtClean="0"/>
+              <a:t>배송지정보</a:t>
+            </a:r>
+            <a:r>
+              <a:rPr lang="ko-KR" altLang="en-US" dirty="0" smtClean="0"/>
+              <a:t> </a:t>
+            </a:r>
+            <a:r>
+              <a:rPr lang="ko-KR" altLang="en-US" dirty="0" err="1" smtClean="0"/>
+              <a:t>디비에</a:t>
+            </a:r>
+            <a:r>
+              <a:rPr lang="ko-KR" altLang="en-US" dirty="0" smtClean="0"/>
+              <a:t> 저장하고 주문완료 페이지로 이동 </a:t>
+            </a:r>
+            <a:endParaRPr lang="en-US" altLang="ko-KR" dirty="0" smtClean="0"/>
+          </a:p>
+          <a:p>
+            <a:pPr algn="ctr"/>
+            <a:r>
+              <a:rPr lang="ko-KR" altLang="en-US" dirty="0" smtClean="0"/>
+              <a:t>상단에서 주문배송조회 가능 </a:t>
+            </a:r>
+            <a:endParaRPr lang="ko-KR" altLang="en-US" dirty="0"/>
+          </a:p>
+        </p:txBody>
+      </p:sp>
+      <p:pic>
+        <p:nvPicPr>
+          <p:cNvPr id="1026" name="Picture 2" descr="C:\YJH\git\leather\leather_last\ppt 기능관련\주문완료.png"/>
+          <p:cNvPicPr>
+            <a:picLocks noChangeAspect="1" noChangeArrowheads="1"/>
+          </p:cNvPicPr>
+          <p:nvPr/>
+        </p:nvPicPr>
+        <p:blipFill>
+          <a:blip r:embed="rId3" cstate="print">
+            <a:extLst>
+              <a:ext uri="{28A0092B-C50C-407E-A947-70E740481C1C}">
+                <a14:useLocalDpi xmlns:a14="http://schemas.microsoft.com/office/drawing/2010/main" val="0"/>
+              </a:ext>
+            </a:extLst>
+          </a:blip>
+          <a:srcRect/>
+          <a:stretch>
+            <a:fillRect/>
+          </a:stretch>
+        </p:blipFill>
+        <p:spPr bwMode="auto">
+          <a:xfrm>
+            <a:off x="76106" y="4555027"/>
+            <a:ext cx="3838288" cy="2302973"/>
+          </a:xfrm>
+          <a:prstGeom prst="rect">
+            <a:avLst/>
+          </a:prstGeom>
+          <a:noFill/>
+          <a:extLst>
+            <a:ext uri="{909E8E84-426E-40DD-AFC4-6F175D3DCCD1}">
+              <a14:hiddenFill xmlns:a14="http://schemas.microsoft.com/office/drawing/2010/main">
+                <a:solidFill>
+                  <a:srgbClr val="FFFFFF"/>
+                </a:solidFill>
+              </a14:hiddenFill>
+            </a:ext>
+          </a:extLst>
+        </p:spPr>
+      </p:pic>
+      <p:pic>
+        <p:nvPicPr>
+          <p:cNvPr id="6" name="Picture 2" descr="C:\YJH\git\leather\leather_last\ppt 기능관련\주문조회.png"/>
+          <p:cNvPicPr>
+            <a:picLocks noChangeAspect="1" noChangeArrowheads="1"/>
+          </p:cNvPicPr>
+          <p:nvPr/>
+        </p:nvPicPr>
+        <p:blipFill>
+          <a:blip r:embed="rId4" cstate="print">
+            <a:extLst>
+              <a:ext uri="{28A0092B-C50C-407E-A947-70E740481C1C}">
+                <a14:useLocalDpi xmlns:a14="http://schemas.microsoft.com/office/drawing/2010/main" val="0"/>
+              </a:ext>
+            </a:extLst>
+          </a:blip>
+          <a:srcRect/>
+          <a:stretch>
+            <a:fillRect/>
+          </a:stretch>
+        </p:blipFill>
+        <p:spPr bwMode="auto">
+          <a:xfrm>
+            <a:off x="4139952" y="4230875"/>
+            <a:ext cx="5004048" cy="2627125"/>
           </a:xfrm>
           <a:prstGeom prst="rect">
             <a:avLst/>
@@ -7002,7 +7538,15 @@
           <a:p>
             <a:r>
               <a:rPr lang="ko-KR" altLang="en-US" dirty="0" smtClean="0"/>
-              <a:t>기획의도 개발환경</a:t>
+              <a:t>기획의도 </a:t>
+            </a:r>
+            <a:r>
+              <a:rPr lang="en-US" altLang="ko-KR" dirty="0" smtClean="0"/>
+              <a:t>,</a:t>
+            </a:r>
+            <a:r>
+              <a:rPr lang="ko-KR" altLang="en-US" dirty="0" smtClean="0"/>
+              <a:t>개발환경</a:t>
             </a:r>
             <a:endParaRPr lang="en-US" altLang="ko-KR" dirty="0" smtClean="0"/>
           </a:p>
@@ -7068,109 +7612,6 @@
       </p:par>
     </p:tnLst>
   </p:timing>
-</p:sld>
-</file>
-
-<file path=ppt/slides/slide20.xml><?xml version="1.0" encoding="utf-8"?>
-<p:sld xmlns:a="http://schemas.openxmlformats.org/drawingml/2006/main" xmlns:r="http://schemas.openxmlformats.org/officeDocument/2006/relationships" xmlns:p="http://schemas.openxmlformats.org/presentationml/2006/main">
-  <p:cSld>
-    <p:spTree>
-      <p:nvGrpSpPr>
-        <p:cNvPr id="1" name=""/>
-        <p:cNvGrpSpPr/>
-        <p:nvPr/>
-      </p:nvGrpSpPr>
-      <p:grpSpPr>
-        <a:xfrm>
-          <a:off x="0" y="0"/>
-          <a:ext cx="0" cy="0"/>
-          <a:chOff x="0" y="0"/>
-          <a:chExt cx="0" cy="0"/>
-        </a:xfrm>
-      </p:grpSpPr>
-      <p:sp>
-        <p:nvSpPr>
-          <p:cNvPr id="2" name="제목 1"/>
-          <p:cNvSpPr>
-            <a:spLocks noGrp="1"/>
-          </p:cNvSpPr>
-          <p:nvPr>
-            <p:ph type="title"/>
-          </p:nvPr>
-        </p:nvSpPr>
-        <p:spPr/>
-        <p:txBody>
-          <a:bodyPr/>
-          <a:lstStyle/>
-          <a:p>
-            <a:pPr algn="l"/>
-            <a:r>
-              <a:rPr lang="ko-KR" altLang="en-US" dirty="0" smtClean="0"/>
-              <a:t>기능</a:t>
-            </a:r>
-            <a:r>
-              <a:rPr lang="en-US" altLang="ko-KR" dirty="0" smtClean="0"/>
-              <a:t>_</a:t>
-            </a:r>
-            <a:r>
-              <a:rPr lang="ko-KR" altLang="en-US" dirty="0" smtClean="0"/>
-              <a:t>주문조회</a:t>
-            </a:r>
-            <a:endParaRPr lang="ko-KR" altLang="en-US" dirty="0"/>
-          </a:p>
-        </p:txBody>
-      </p:sp>
-      <p:pic>
-        <p:nvPicPr>
-          <p:cNvPr id="7170" name="Picture 2" descr="C:\YJH\git\leather\leather_last\ppt 기능관련\주문조회.png"/>
-          <p:cNvPicPr>
-            <a:picLocks noChangeAspect="1" noChangeArrowheads="1"/>
-          </p:cNvPicPr>
-          <p:nvPr/>
-        </p:nvPicPr>
-        <p:blipFill>
-          <a:blip r:embed="rId2">
-            <a:extLst>
-              <a:ext uri="{28A0092B-C50C-407E-A947-70E740481C1C}">
-                <a14:useLocalDpi xmlns:a14="http://schemas.microsoft.com/office/drawing/2010/main" val="0"/>
-              </a:ext>
-            </a:extLst>
-          </a:blip>
-          <a:srcRect/>
-          <a:stretch>
-            <a:fillRect/>
-          </a:stretch>
-        </p:blipFill>
-        <p:spPr bwMode="auto">
-          <a:xfrm>
-            <a:off x="1691680" y="2845038"/>
-            <a:ext cx="6592813" cy="3461227"/>
-          </a:xfrm>
-          <a:prstGeom prst="rect">
-            <a:avLst/>
-          </a:prstGeom>
-          <a:noFill/>
-          <a:extLst>
-            <a:ext uri="{909E8E84-426E-40DD-AFC4-6F175D3DCCD1}">
-              <a14:hiddenFill xmlns:a14="http://schemas.microsoft.com/office/drawing/2010/main">
-                <a:solidFill>
-                  <a:srgbClr val="FFFFFF"/>
-                </a:solidFill>
-              </a14:hiddenFill>
-            </a:ext>
-          </a:extLst>
-        </p:spPr>
-      </p:pic>
-    </p:spTree>
-    <p:extLst>
-      <p:ext uri="{BB962C8B-B14F-4D97-AF65-F5344CB8AC3E}">
-        <p14:creationId xmlns:p14="http://schemas.microsoft.com/office/powerpoint/2010/main" val="4206655385"/>
-      </p:ext>
-    </p:extLst>
-  </p:cSld>
-  <p:clrMapOvr>
-    <a:masterClrMapping/>
-  </p:clrMapOvr>
 </p:sld>
 </file>
 
@@ -7208,6 +7649,7 @@
           </a:bodyPr>
           <a:lstStyle/>
           <a:p>
+            <a:pPr algn="l"/>
             <a:r>
               <a:rPr lang="ko-KR" altLang="en-US" dirty="0" smtClean="0"/>
               <a:t>기획의도 </a:t>
@@ -7226,7 +7668,12 @@
             <p:ph idx="1"/>
           </p:nvPr>
         </p:nvSpPr>
-        <p:spPr/>
+        <p:spPr>
+          <a:xfrm>
+            <a:off x="457200" y="1600201"/>
+            <a:ext cx="8229600" cy="1252735"/>
+          </a:xfrm>
+        </p:spPr>
         <p:txBody>
           <a:bodyPr>
             <a:normAutofit/>
@@ -7235,37 +7682,252 @@
           <a:p>
             <a:r>
               <a:rPr lang="ko-KR" altLang="en-US" sz="1050" dirty="0" smtClean="0"/>
-              <a:t>평소 관심 분야인 가죽공예부자재사이트를 만들어서 좀더 편리하게 </a:t>
+              <a:t>가죽공예는 다양한 재료들이 존재하기 때문에 인터넷에 원하는 물품을 </a:t>
             </a:r>
             <a:r>
               <a:rPr lang="ko-KR" altLang="en-US" sz="1050" dirty="0" err="1" smtClean="0"/>
-              <a:t>구매할수</a:t>
+              <a:t>살때</a:t>
             </a:r>
             <a:r>
               <a:rPr lang="ko-KR" altLang="en-US" sz="1050" dirty="0" smtClean="0"/>
+              <a:t> 더 편리했으면 하고 생각함 </a:t>
+            </a:r>
+            <a:endParaRPr lang="en-US" altLang="ko-KR" sz="1050" dirty="0" smtClean="0"/>
+          </a:p>
+          <a:p>
+            <a:r>
+              <a:rPr lang="ko-KR" altLang="en-US" sz="1050" dirty="0" smtClean="0"/>
+              <a:t>가죽공예부자재사이트를 </a:t>
+            </a:r>
+            <a:r>
+              <a:rPr lang="ko-KR" altLang="en-US" sz="1050" dirty="0" smtClean="0"/>
+              <a:t>만들어서 좀더 편리하게 </a:t>
+            </a:r>
+            <a:r>
+              <a:rPr lang="ko-KR" altLang="en-US" sz="1050" dirty="0" smtClean="0"/>
+              <a:t>구매할 수 있으면 어떨까 </a:t>
+            </a:r>
+            <a:r>
+              <a:rPr lang="ko-KR" altLang="en-US" sz="1050" dirty="0" smtClean="0"/>
+              <a:t>하는 생각에 </a:t>
+            </a:r>
+            <a:r>
+              <a:rPr lang="ko-KR" altLang="en-US" sz="1050" dirty="0" smtClean="0"/>
+              <a:t>기획</a:t>
+            </a:r>
+            <a:endParaRPr lang="en-US" altLang="ko-KR" sz="1050" dirty="0"/>
+          </a:p>
+        </p:txBody>
+      </p:sp>
+      <p:sp>
+        <p:nvSpPr>
+          <p:cNvPr id="5" name="제목 1"/>
+          <p:cNvSpPr txBox="1">
+            <a:spLocks/>
+          </p:cNvSpPr>
+          <p:nvPr/>
+        </p:nvSpPr>
+        <p:spPr>
+          <a:xfrm>
+            <a:off x="467544" y="3645024"/>
+            <a:ext cx="8229600" cy="1143000"/>
+          </a:xfrm>
+          <a:prstGeom prst="rect">
+            <a:avLst/>
+          </a:prstGeom>
+        </p:spPr>
+        <p:txBody>
+          <a:bodyPr vert="horz" lIns="91440" tIns="45720" rIns="91440" bIns="45720" rtlCol="0" anchor="ctr">
+            <a:normAutofit/>
+          </a:bodyPr>
+          <a:lstStyle>
+            <a:lvl1pPr algn="ctr" defTabSz="914400" rtl="0" eaLnBrk="1" latinLnBrk="1" hangingPunct="1">
+              <a:spcBef>
+                <a:spcPct val="0"/>
+              </a:spcBef>
+              <a:buNone/>
+              <a:defRPr sz="4400" kern="1200">
+                <a:solidFill>
+                  <a:schemeClr val="tx1"/>
+                </a:solidFill>
+                <a:latin typeface="+mj-lt"/>
+                <a:ea typeface="+mj-ea"/>
+                <a:cs typeface="+mj-cs"/>
+              </a:defRPr>
+            </a:lvl1pPr>
+          </a:lstStyle>
+          <a:p>
+            <a:pPr algn="l"/>
+            <a:r>
+              <a:rPr lang="ko-KR" altLang="en-US" dirty="0"/>
+              <a:t>개발환경 </a:t>
+            </a:r>
+            <a:r>
+              <a:rPr lang="ko-KR" altLang="en-US" dirty="0" smtClean="0"/>
               <a:t> </a:t>
             </a:r>
-            <a:r>
-              <a:rPr lang="ko-KR" altLang="en-US" sz="1050" dirty="0" err="1" smtClean="0"/>
-              <a:t>있으면어떨까</a:t>
-            </a:r>
-            <a:r>
-              <a:rPr lang="ko-KR" altLang="en-US" sz="1050" dirty="0" smtClean="0"/>
-              <a:t> 하는 생각에 </a:t>
-            </a:r>
-            <a:r>
-              <a:rPr lang="ko-KR" altLang="en-US" sz="1050" dirty="0" err="1" smtClean="0"/>
-              <a:t>기획및</a:t>
-            </a:r>
-            <a:r>
-              <a:rPr lang="ko-KR" altLang="en-US" sz="1050" dirty="0" smtClean="0"/>
-              <a:t> 제작을 했음 </a:t>
-            </a:r>
-            <a:endParaRPr lang="en-US" altLang="ko-KR" sz="1050" dirty="0" smtClean="0"/>
-          </a:p>
-          <a:p>
-            <a:endParaRPr lang="en-US" altLang="ko-KR" sz="1050" dirty="0"/>
-          </a:p>
+            <a:endParaRPr lang="ko-KR" altLang="en-US" dirty="0"/>
+          </a:p>
+        </p:txBody>
+      </p:sp>
+      <p:sp>
+        <p:nvSpPr>
+          <p:cNvPr id="6" name="내용 개체 틀 2"/>
+          <p:cNvSpPr txBox="1">
+            <a:spLocks/>
+          </p:cNvSpPr>
+          <p:nvPr/>
+        </p:nvSpPr>
+        <p:spPr>
+          <a:xfrm>
+            <a:off x="450032" y="4581128"/>
+            <a:ext cx="8229600" cy="2044824"/>
+          </a:xfrm>
+          <a:prstGeom prst="rect">
+            <a:avLst/>
+          </a:prstGeom>
+        </p:spPr>
+        <p:txBody>
+          <a:bodyPr vert="horz" lIns="91440" tIns="45720" rIns="91440" bIns="45720" rtlCol="0">
+            <a:normAutofit/>
+          </a:bodyPr>
+          <a:lstStyle>
+            <a:lvl1pPr marL="342900" indent="-342900" algn="l" defTabSz="914400" rtl="0" eaLnBrk="1" latinLnBrk="1" hangingPunct="1">
+              <a:spcBef>
+                <a:spcPct val="20000"/>
+              </a:spcBef>
+              <a:buFont typeface="Arial" pitchFamily="34" charset="0"/>
+              <a:buChar char="•"/>
+              <a:defRPr sz="3200" kern="1200">
+                <a:solidFill>
+                  <a:schemeClr val="tx1"/>
+                </a:solidFill>
+                <a:latin typeface="+mn-lt"/>
+                <a:ea typeface="+mn-ea"/>
+                <a:cs typeface="+mn-cs"/>
+              </a:defRPr>
+            </a:lvl1pPr>
+            <a:lvl2pPr marL="742950" indent="-285750" algn="l" defTabSz="914400" rtl="0" eaLnBrk="1" latinLnBrk="1" hangingPunct="1">
+              <a:spcBef>
+                <a:spcPct val="20000"/>
+              </a:spcBef>
+              <a:buFont typeface="Arial" pitchFamily="34" charset="0"/>
+              <a:buChar char="–"/>
+              <a:defRPr sz="2800" kern="1200">
+                <a:solidFill>
+                  <a:schemeClr val="tx1"/>
+                </a:solidFill>
+                <a:latin typeface="+mn-lt"/>
+                <a:ea typeface="+mn-ea"/>
+                <a:cs typeface="+mn-cs"/>
+              </a:defRPr>
+            </a:lvl2pPr>
+            <a:lvl3pPr marL="1143000" indent="-228600" algn="l" defTabSz="914400" rtl="0" eaLnBrk="1" latinLnBrk="1" hangingPunct="1">
+              <a:spcBef>
+                <a:spcPct val="20000"/>
+              </a:spcBef>
+              <a:buFont typeface="Arial" pitchFamily="34" charset="0"/>
+              <a:buChar char="•"/>
+              <a:defRPr sz="2400" kern="1200">
+                <a:solidFill>
+                  <a:schemeClr val="tx1"/>
+                </a:solidFill>
+                <a:latin typeface="+mn-lt"/>
+                <a:ea typeface="+mn-ea"/>
+                <a:cs typeface="+mn-cs"/>
+              </a:defRPr>
+            </a:lvl3pPr>
+            <a:lvl4pPr marL="1600200" indent="-228600" algn="l" defTabSz="914400" rtl="0" eaLnBrk="1" latinLnBrk="1" hangingPunct="1">
+              <a:spcBef>
+                <a:spcPct val="20000"/>
+              </a:spcBef>
+              <a:buFont typeface="Arial" pitchFamily="34" charset="0"/>
+              <a:buChar char="–"/>
+              <a:defRPr sz="2000" kern="1200">
+                <a:solidFill>
+                  <a:schemeClr val="tx1"/>
+                </a:solidFill>
+                <a:latin typeface="+mn-lt"/>
+                <a:ea typeface="+mn-ea"/>
+                <a:cs typeface="+mn-cs"/>
+              </a:defRPr>
+            </a:lvl4pPr>
+            <a:lvl5pPr marL="2057400" indent="-228600" algn="l" defTabSz="914400" rtl="0" eaLnBrk="1" latinLnBrk="1" hangingPunct="1">
+              <a:spcBef>
+                <a:spcPct val="20000"/>
+              </a:spcBef>
+              <a:buFont typeface="Arial" pitchFamily="34" charset="0"/>
+              <a:buChar char="»"/>
+              <a:defRPr sz="2000" kern="1200">
+                <a:solidFill>
+                  <a:schemeClr val="tx1"/>
+                </a:solidFill>
+                <a:latin typeface="+mn-lt"/>
+                <a:ea typeface="+mn-ea"/>
+                <a:cs typeface="+mn-cs"/>
+              </a:defRPr>
+            </a:lvl5pPr>
+            <a:lvl6pPr marL="2514600" indent="-228600" algn="l" defTabSz="914400" rtl="0" eaLnBrk="1" latinLnBrk="1" hangingPunct="1">
+              <a:spcBef>
+                <a:spcPct val="20000"/>
+              </a:spcBef>
+              <a:buFont typeface="Arial" pitchFamily="34" charset="0"/>
+              <a:buChar char="•"/>
+              <a:defRPr sz="2000" kern="1200">
+                <a:solidFill>
+                  <a:schemeClr val="tx1"/>
+                </a:solidFill>
+                <a:latin typeface="+mn-lt"/>
+                <a:ea typeface="+mn-ea"/>
+                <a:cs typeface="+mn-cs"/>
+              </a:defRPr>
+            </a:lvl6pPr>
+            <a:lvl7pPr marL="2971800" indent="-228600" algn="l" defTabSz="914400" rtl="0" eaLnBrk="1" latinLnBrk="1" hangingPunct="1">
+              <a:spcBef>
+                <a:spcPct val="20000"/>
+              </a:spcBef>
+              <a:buFont typeface="Arial" pitchFamily="34" charset="0"/>
+              <a:buChar char="•"/>
+              <a:defRPr sz="2000" kern="1200">
+                <a:solidFill>
+                  <a:schemeClr val="tx1"/>
+                </a:solidFill>
+                <a:latin typeface="+mn-lt"/>
+                <a:ea typeface="+mn-ea"/>
+                <a:cs typeface="+mn-cs"/>
+              </a:defRPr>
+            </a:lvl7pPr>
+            <a:lvl8pPr marL="3429000" indent="-228600" algn="l" defTabSz="914400" rtl="0" eaLnBrk="1" latinLnBrk="1" hangingPunct="1">
+              <a:spcBef>
+                <a:spcPct val="20000"/>
+              </a:spcBef>
+              <a:buFont typeface="Arial" pitchFamily="34" charset="0"/>
+              <a:buChar char="•"/>
+              <a:defRPr sz="2000" kern="1200">
+                <a:solidFill>
+                  <a:schemeClr val="tx1"/>
+                </a:solidFill>
+                <a:latin typeface="+mn-lt"/>
+                <a:ea typeface="+mn-ea"/>
+                <a:cs typeface="+mn-cs"/>
+              </a:defRPr>
+            </a:lvl8pPr>
+            <a:lvl9pPr marL="3886200" indent="-228600" algn="l" defTabSz="914400" rtl="0" eaLnBrk="1" latinLnBrk="1" hangingPunct="1">
+              <a:spcBef>
+                <a:spcPct val="20000"/>
+              </a:spcBef>
+              <a:buFont typeface="Arial" pitchFamily="34" charset="0"/>
+              <a:buChar char="•"/>
+              <a:defRPr sz="2000" kern="1200">
+                <a:solidFill>
+                  <a:schemeClr val="tx1"/>
+                </a:solidFill>
+                <a:latin typeface="+mn-lt"/>
+                <a:ea typeface="+mn-ea"/>
+                <a:cs typeface="+mn-cs"/>
+              </a:defRPr>
+            </a:lvl9pPr>
+          </a:lstStyle>
           <a:p>
             <a:endParaRPr lang="en-US" altLang="ko-KR" sz="1050" dirty="0" smtClean="0"/>
           </a:p>
@@ -7284,12 +7946,8 @@
           </a:p>
           <a:p>
             <a:r>
-              <a:rPr lang="en-US" altLang="ko-KR" sz="1200" dirty="0"/>
-              <a:t>MySQL Workbench 8.0 </a:t>
-            </a:r>
-            <a:r>
               <a:rPr lang="en-US" altLang="ko-KR" sz="1200" dirty="0" smtClean="0"/>
-              <a:t>CE</a:t>
+              <a:t>MySQL Workbench 8.0 CE</a:t>
             </a:r>
           </a:p>
           <a:p>
